--- a/ゼミ論中間発表用.pptx
+++ b/ゼミ論中間発表用.pptx
@@ -4,6 +4,9 @@
   <p:sldMasterIdLst>
     <p:sldMasterId id="2147483648" r:id="rId1"/>
   </p:sldMasterIdLst>
+  <p:notesMasterIdLst>
+    <p:notesMasterId r:id="rId15"/>
+  </p:notesMasterIdLst>
   <p:sldIdLst>
     <p:sldId id="256" r:id="rId2"/>
     <p:sldId id="257" r:id="rId3"/>
@@ -2372,6 +2375,925 @@
 </file>
 
 <file path=ppt/diagrams/colors4.xml><?xml version="1.0" encoding="utf-8"?>
+<dgm:colorsDef xmlns:dgm="http://schemas.openxmlformats.org/drawingml/2006/diagram" xmlns:a="http://schemas.openxmlformats.org/drawingml/2006/main" uniqueId="urn:microsoft.com/office/officeart/2005/8/colors/colorful1">
+  <dgm:title val=""/>
+  <dgm:desc val=""/>
+  <dgm:catLst>
+    <dgm:cat type="colorful" pri="10100"/>
+  </dgm:catLst>
+  <dgm:styleLbl name="node0">
+    <dgm:fillClrLst meth="repeat">
+      <a:schemeClr val="accent1"/>
+    </dgm:fillClrLst>
+    <dgm:linClrLst meth="repeat">
+      <a:schemeClr val="lt1"/>
+    </dgm:linClrLst>
+    <dgm:effectClrLst/>
+    <dgm:txLinClrLst/>
+    <dgm:txFillClrLst/>
+    <dgm:txEffectClrLst/>
+  </dgm:styleLbl>
+  <dgm:styleLbl name="node1">
+    <dgm:fillClrLst meth="repeat">
+      <a:schemeClr val="accent2"/>
+      <a:schemeClr val="accent3"/>
+      <a:schemeClr val="accent4"/>
+      <a:schemeClr val="accent5"/>
+      <a:schemeClr val="accent6"/>
+    </dgm:fillClrLst>
+    <dgm:linClrLst meth="repeat">
+      <a:schemeClr val="lt1"/>
+    </dgm:linClrLst>
+    <dgm:effectClrLst/>
+    <dgm:txLinClrLst/>
+    <dgm:txFillClrLst/>
+    <dgm:txEffectClrLst/>
+  </dgm:styleLbl>
+  <dgm:styleLbl name="alignNode1">
+    <dgm:fillClrLst meth="repeat">
+      <a:schemeClr val="accent2"/>
+      <a:schemeClr val="accent3"/>
+      <a:schemeClr val="accent4"/>
+      <a:schemeClr val="accent5"/>
+      <a:schemeClr val="accent6"/>
+    </dgm:fillClrLst>
+    <dgm:linClrLst meth="repeat">
+      <a:schemeClr val="accent2"/>
+      <a:schemeClr val="accent3"/>
+      <a:schemeClr val="accent4"/>
+      <a:schemeClr val="accent5"/>
+      <a:schemeClr val="accent6"/>
+    </dgm:linClrLst>
+    <dgm:effectClrLst/>
+    <dgm:txLinClrLst/>
+    <dgm:txFillClrLst/>
+    <dgm:txEffectClrLst/>
+  </dgm:styleLbl>
+  <dgm:styleLbl name="lnNode1">
+    <dgm:fillClrLst meth="repeat">
+      <a:schemeClr val="accent2"/>
+      <a:schemeClr val="accent3"/>
+      <a:schemeClr val="accent4"/>
+      <a:schemeClr val="accent5"/>
+      <a:schemeClr val="accent6"/>
+    </dgm:fillClrLst>
+    <dgm:linClrLst meth="repeat">
+      <a:schemeClr val="lt1"/>
+    </dgm:linClrLst>
+    <dgm:effectClrLst/>
+    <dgm:txLinClrLst/>
+    <dgm:txFillClrLst/>
+    <dgm:txEffectClrLst/>
+  </dgm:styleLbl>
+  <dgm:styleLbl name="vennNode1">
+    <dgm:fillClrLst meth="repeat">
+      <a:schemeClr val="accent2">
+        <a:alpha val="50000"/>
+      </a:schemeClr>
+      <a:schemeClr val="accent3">
+        <a:alpha val="50000"/>
+      </a:schemeClr>
+      <a:schemeClr val="accent4">
+        <a:alpha val="50000"/>
+      </a:schemeClr>
+      <a:schemeClr val="accent5">
+        <a:alpha val="50000"/>
+      </a:schemeClr>
+      <a:schemeClr val="accent6">
+        <a:alpha val="50000"/>
+      </a:schemeClr>
+    </dgm:fillClrLst>
+    <dgm:linClrLst meth="repeat">
+      <a:schemeClr val="lt1"/>
+    </dgm:linClrLst>
+    <dgm:effectClrLst/>
+    <dgm:txLinClrLst/>
+    <dgm:txFillClrLst/>
+    <dgm:txEffectClrLst/>
+  </dgm:styleLbl>
+  <dgm:styleLbl name="node2">
+    <dgm:fillClrLst>
+      <a:schemeClr val="accent2"/>
+    </dgm:fillClrLst>
+    <dgm:linClrLst meth="repeat">
+      <a:schemeClr val="lt1"/>
+    </dgm:linClrLst>
+    <dgm:effectClrLst/>
+    <dgm:txLinClrLst/>
+    <dgm:txFillClrLst/>
+    <dgm:txEffectClrLst/>
+  </dgm:styleLbl>
+  <dgm:styleLbl name="node3">
+    <dgm:fillClrLst>
+      <a:schemeClr val="accent3"/>
+    </dgm:fillClrLst>
+    <dgm:linClrLst meth="repeat">
+      <a:schemeClr val="lt1"/>
+    </dgm:linClrLst>
+    <dgm:effectClrLst/>
+    <dgm:txLinClrLst/>
+    <dgm:txFillClrLst/>
+    <dgm:txEffectClrLst/>
+  </dgm:styleLbl>
+  <dgm:styleLbl name="node4">
+    <dgm:fillClrLst>
+      <a:schemeClr val="accent4"/>
+    </dgm:fillClrLst>
+    <dgm:linClrLst meth="repeat">
+      <a:schemeClr val="lt1"/>
+    </dgm:linClrLst>
+    <dgm:effectClrLst/>
+    <dgm:txLinClrLst/>
+    <dgm:txFillClrLst/>
+    <dgm:txEffectClrLst/>
+  </dgm:styleLbl>
+  <dgm:styleLbl name="fgImgPlace1">
+    <dgm:fillClrLst meth="repeat">
+      <a:schemeClr val="accent2">
+        <a:tint val="50000"/>
+      </a:schemeClr>
+      <a:schemeClr val="accent3">
+        <a:tint val="50000"/>
+      </a:schemeClr>
+      <a:schemeClr val="accent4">
+        <a:tint val="50000"/>
+      </a:schemeClr>
+      <a:schemeClr val="accent5">
+        <a:tint val="50000"/>
+      </a:schemeClr>
+      <a:schemeClr val="accent6">
+        <a:tint val="50000"/>
+      </a:schemeClr>
+    </dgm:fillClrLst>
+    <dgm:linClrLst meth="repeat">
+      <a:schemeClr val="lt1"/>
+    </dgm:linClrLst>
+    <dgm:effectClrLst/>
+    <dgm:txLinClrLst/>
+    <dgm:txFillClrLst meth="repeat">
+      <a:schemeClr val="lt1"/>
+    </dgm:txFillClrLst>
+    <dgm:txEffectClrLst/>
+  </dgm:styleLbl>
+  <dgm:styleLbl name="alignImgPlace1">
+    <dgm:fillClrLst>
+      <a:schemeClr val="accent1">
+        <a:tint val="50000"/>
+      </a:schemeClr>
+      <a:schemeClr val="accent2">
+        <a:tint val="20000"/>
+      </a:schemeClr>
+    </dgm:fillClrLst>
+    <dgm:linClrLst meth="repeat">
+      <a:schemeClr val="lt1"/>
+    </dgm:linClrLst>
+    <dgm:effectClrLst/>
+    <dgm:txLinClrLst/>
+    <dgm:txFillClrLst meth="repeat">
+      <a:schemeClr val="lt1"/>
+    </dgm:txFillClrLst>
+    <dgm:txEffectClrLst/>
+  </dgm:styleLbl>
+  <dgm:styleLbl name="bgImgPlace1">
+    <dgm:fillClrLst>
+      <a:schemeClr val="accent1">
+        <a:tint val="50000"/>
+      </a:schemeClr>
+      <a:schemeClr val="accent2">
+        <a:tint val="20000"/>
+      </a:schemeClr>
+    </dgm:fillClrLst>
+    <dgm:linClrLst meth="repeat">
+      <a:schemeClr val="lt1"/>
+    </dgm:linClrLst>
+    <dgm:effectClrLst/>
+    <dgm:txLinClrLst/>
+    <dgm:txFillClrLst meth="repeat">
+      <a:schemeClr val="lt1"/>
+    </dgm:txFillClrLst>
+    <dgm:txEffectClrLst/>
+  </dgm:styleLbl>
+  <dgm:styleLbl name="sibTrans2D1">
+    <dgm:fillClrLst meth="repeat">
+      <a:schemeClr val="accent2"/>
+      <a:schemeClr val="accent3"/>
+      <a:schemeClr val="accent4"/>
+      <a:schemeClr val="accent5"/>
+      <a:schemeClr val="accent6"/>
+    </dgm:fillClrLst>
+    <dgm:linClrLst meth="cycle">
+      <a:schemeClr val="lt1"/>
+    </dgm:linClrLst>
+    <dgm:effectClrLst/>
+    <dgm:txLinClrLst/>
+    <dgm:txFillClrLst/>
+    <dgm:txEffectClrLst/>
+  </dgm:styleLbl>
+  <dgm:styleLbl name="fgSibTrans2D1">
+    <dgm:fillClrLst meth="repeat">
+      <a:schemeClr val="accent2"/>
+      <a:schemeClr val="accent3"/>
+      <a:schemeClr val="accent4"/>
+      <a:schemeClr val="accent5"/>
+      <a:schemeClr val="accent6"/>
+    </dgm:fillClrLst>
+    <dgm:linClrLst meth="cycle">
+      <a:schemeClr val="lt1"/>
+    </dgm:linClrLst>
+    <dgm:effectClrLst/>
+    <dgm:txLinClrLst/>
+    <dgm:txFillClrLst meth="repeat">
+      <a:schemeClr val="lt1"/>
+    </dgm:txFillClrLst>
+    <dgm:txEffectClrLst/>
+  </dgm:styleLbl>
+  <dgm:styleLbl name="bgSibTrans2D1">
+    <dgm:fillClrLst meth="repeat">
+      <a:schemeClr val="accent2"/>
+      <a:schemeClr val="accent3"/>
+      <a:schemeClr val="accent4"/>
+      <a:schemeClr val="accent5"/>
+      <a:schemeClr val="accent6"/>
+    </dgm:fillClrLst>
+    <dgm:linClrLst meth="cycle">
+      <a:schemeClr val="lt1"/>
+    </dgm:linClrLst>
+    <dgm:effectClrLst/>
+    <dgm:txLinClrLst/>
+    <dgm:txFillClrLst meth="repeat">
+      <a:schemeClr val="lt1"/>
+    </dgm:txFillClrLst>
+    <dgm:txEffectClrLst/>
+  </dgm:styleLbl>
+  <dgm:styleLbl name="sibTrans1D1">
+    <dgm:fillClrLst meth="repeat">
+      <a:schemeClr val="accent2"/>
+      <a:schemeClr val="accent3"/>
+      <a:schemeClr val="accent4"/>
+      <a:schemeClr val="accent5"/>
+      <a:schemeClr val="accent6"/>
+    </dgm:fillClrLst>
+    <dgm:linClrLst meth="repeat">
+      <a:schemeClr val="accent2"/>
+      <a:schemeClr val="accent3"/>
+      <a:schemeClr val="accent4"/>
+      <a:schemeClr val="accent5"/>
+      <a:schemeClr val="accent6"/>
+    </dgm:linClrLst>
+    <dgm:effectClrLst/>
+    <dgm:txLinClrLst/>
+    <dgm:txFillClrLst meth="repeat">
+      <a:schemeClr val="tx1"/>
+    </dgm:txFillClrLst>
+    <dgm:txEffectClrLst/>
+  </dgm:styleLbl>
+  <dgm:styleLbl name="callout">
+    <dgm:fillClrLst meth="repeat">
+      <a:schemeClr val="accent2"/>
+    </dgm:fillClrLst>
+    <dgm:linClrLst meth="repeat">
+      <a:schemeClr val="accent2">
+        <a:tint val="50000"/>
+      </a:schemeClr>
+    </dgm:linClrLst>
+    <dgm:effectClrLst/>
+    <dgm:txLinClrLst/>
+    <dgm:txFillClrLst meth="repeat">
+      <a:schemeClr val="tx1"/>
+    </dgm:txFillClrLst>
+    <dgm:txEffectClrLst/>
+  </dgm:styleLbl>
+  <dgm:styleLbl name="asst0">
+    <dgm:fillClrLst meth="repeat">
+      <a:schemeClr val="accent1"/>
+    </dgm:fillClrLst>
+    <dgm:linClrLst meth="repeat">
+      <a:schemeClr val="lt1"/>
+    </dgm:linClrLst>
+    <dgm:effectClrLst/>
+    <dgm:txLinClrLst/>
+    <dgm:txFillClrLst/>
+    <dgm:txEffectClrLst/>
+  </dgm:styleLbl>
+  <dgm:styleLbl name="asst1">
+    <dgm:fillClrLst meth="repeat">
+      <a:schemeClr val="accent2"/>
+    </dgm:fillClrLst>
+    <dgm:linClrLst meth="repeat">
+      <a:schemeClr val="lt1"/>
+    </dgm:linClrLst>
+    <dgm:effectClrLst/>
+    <dgm:txLinClrLst/>
+    <dgm:txFillClrLst/>
+    <dgm:txEffectClrLst/>
+  </dgm:styleLbl>
+  <dgm:styleLbl name="asst2">
+    <dgm:fillClrLst>
+      <a:schemeClr val="accent3"/>
+    </dgm:fillClrLst>
+    <dgm:linClrLst meth="repeat">
+      <a:schemeClr val="lt1"/>
+    </dgm:linClrLst>
+    <dgm:effectClrLst/>
+    <dgm:txLinClrLst/>
+    <dgm:txFillClrLst/>
+    <dgm:txEffectClrLst/>
+  </dgm:styleLbl>
+  <dgm:styleLbl name="asst3">
+    <dgm:fillClrLst>
+      <a:schemeClr val="accent4"/>
+    </dgm:fillClrLst>
+    <dgm:linClrLst meth="repeat">
+      <a:schemeClr val="lt1"/>
+    </dgm:linClrLst>
+    <dgm:effectClrLst/>
+    <dgm:txLinClrLst/>
+    <dgm:txFillClrLst/>
+    <dgm:txEffectClrLst/>
+  </dgm:styleLbl>
+  <dgm:styleLbl name="asst4">
+    <dgm:fillClrLst>
+      <a:schemeClr val="accent5"/>
+    </dgm:fillClrLst>
+    <dgm:linClrLst meth="repeat">
+      <a:schemeClr val="lt1"/>
+    </dgm:linClrLst>
+    <dgm:effectClrLst/>
+    <dgm:txLinClrLst/>
+    <dgm:txFillClrLst/>
+    <dgm:txEffectClrLst/>
+  </dgm:styleLbl>
+  <dgm:styleLbl name="parChTrans2D1">
+    <dgm:fillClrLst meth="repeat">
+      <a:schemeClr val="accent2"/>
+    </dgm:fillClrLst>
+    <dgm:linClrLst meth="repeat">
+      <a:schemeClr val="lt1"/>
+    </dgm:linClrLst>
+    <dgm:effectClrLst/>
+    <dgm:txLinClrLst/>
+    <dgm:txFillClrLst meth="repeat">
+      <a:schemeClr val="lt1"/>
+    </dgm:txFillClrLst>
+    <dgm:txEffectClrLst/>
+  </dgm:styleLbl>
+  <dgm:styleLbl name="parChTrans2D2">
+    <dgm:fillClrLst meth="repeat">
+      <a:schemeClr val="accent3"/>
+    </dgm:fillClrLst>
+    <dgm:linClrLst meth="repeat">
+      <a:schemeClr val="lt1"/>
+    </dgm:linClrLst>
+    <dgm:effectClrLst/>
+    <dgm:txLinClrLst/>
+    <dgm:txFillClrLst/>
+    <dgm:txEffectClrLst/>
+  </dgm:styleLbl>
+  <dgm:styleLbl name="parChTrans2D3">
+    <dgm:fillClrLst meth="repeat">
+      <a:schemeClr val="accent4"/>
+    </dgm:fillClrLst>
+    <dgm:linClrLst meth="repeat">
+      <a:schemeClr val="lt1"/>
+    </dgm:linClrLst>
+    <dgm:effectClrLst/>
+    <dgm:txLinClrLst/>
+    <dgm:txFillClrLst/>
+    <dgm:txEffectClrLst/>
+  </dgm:styleLbl>
+  <dgm:styleLbl name="parChTrans2D4">
+    <dgm:fillClrLst meth="repeat">
+      <a:schemeClr val="accent5"/>
+    </dgm:fillClrLst>
+    <dgm:linClrLst meth="repeat">
+      <a:schemeClr val="lt1"/>
+    </dgm:linClrLst>
+    <dgm:effectClrLst/>
+    <dgm:txLinClrLst/>
+    <dgm:txFillClrLst meth="repeat">
+      <a:schemeClr val="lt1"/>
+    </dgm:txFillClrLst>
+    <dgm:txEffectClrLst/>
+  </dgm:styleLbl>
+  <dgm:styleLbl name="parChTrans1D1">
+    <dgm:fillClrLst meth="repeat">
+      <a:schemeClr val="accent2"/>
+    </dgm:fillClrLst>
+    <dgm:linClrLst meth="repeat">
+      <a:schemeClr val="accent1"/>
+    </dgm:linClrLst>
+    <dgm:effectClrLst/>
+    <dgm:txLinClrLst/>
+    <dgm:txFillClrLst meth="repeat">
+      <a:schemeClr val="tx1"/>
+    </dgm:txFillClrLst>
+    <dgm:txEffectClrLst/>
+  </dgm:styleLbl>
+  <dgm:styleLbl name="parChTrans1D2">
+    <dgm:fillClrLst meth="repeat">
+      <a:schemeClr val="accent3">
+        <a:tint val="90000"/>
+      </a:schemeClr>
+    </dgm:fillClrLst>
+    <dgm:linClrLst meth="repeat">
+      <a:schemeClr val="accent2"/>
+    </dgm:linClrLst>
+    <dgm:effectClrLst/>
+    <dgm:txLinClrLst/>
+    <dgm:txFillClrLst meth="repeat">
+      <a:schemeClr val="tx1"/>
+    </dgm:txFillClrLst>
+    <dgm:txEffectClrLst/>
+  </dgm:styleLbl>
+  <dgm:styleLbl name="parChTrans1D3">
+    <dgm:fillClrLst meth="repeat">
+      <a:schemeClr val="accent4">
+        <a:tint val="70000"/>
+      </a:schemeClr>
+    </dgm:fillClrLst>
+    <dgm:linClrLst meth="repeat">
+      <a:schemeClr val="accent3"/>
+    </dgm:linClrLst>
+    <dgm:effectClrLst/>
+    <dgm:txLinClrLst/>
+    <dgm:txFillClrLst meth="repeat">
+      <a:schemeClr val="tx1"/>
+    </dgm:txFillClrLst>
+    <dgm:txEffectClrLst/>
+  </dgm:styleLbl>
+  <dgm:styleLbl name="parChTrans1D4">
+    <dgm:fillClrLst meth="repeat">
+      <a:schemeClr val="accent5">
+        <a:tint val="50000"/>
+      </a:schemeClr>
+    </dgm:fillClrLst>
+    <dgm:linClrLst meth="repeat">
+      <a:schemeClr val="accent4"/>
+    </dgm:linClrLst>
+    <dgm:effectClrLst/>
+    <dgm:txLinClrLst/>
+    <dgm:txFillClrLst meth="repeat">
+      <a:schemeClr val="tx1"/>
+    </dgm:txFillClrLst>
+    <dgm:txEffectClrLst/>
+  </dgm:styleLbl>
+  <dgm:styleLbl name="fgAcc1">
+    <dgm:fillClrLst meth="repeat">
+      <a:schemeClr val="lt1">
+        <a:alpha val="90000"/>
+      </a:schemeClr>
+    </dgm:fillClrLst>
+    <dgm:linClrLst meth="repeat">
+      <a:schemeClr val="accent2"/>
+      <a:schemeClr val="accent3"/>
+      <a:schemeClr val="accent4"/>
+      <a:schemeClr val="accent5"/>
+      <a:schemeClr val="accent6"/>
+    </dgm:linClrLst>
+    <dgm:effectClrLst/>
+    <dgm:txLinClrLst/>
+    <dgm:txFillClrLst meth="repeat">
+      <a:schemeClr val="dk1"/>
+    </dgm:txFillClrLst>
+    <dgm:txEffectClrLst/>
+  </dgm:styleLbl>
+  <dgm:styleLbl name="conFgAcc1">
+    <dgm:fillClrLst meth="repeat">
+      <a:schemeClr val="lt1">
+        <a:alpha val="90000"/>
+      </a:schemeClr>
+    </dgm:fillClrLst>
+    <dgm:linClrLst meth="repeat">
+      <a:schemeClr val="accent2"/>
+      <a:schemeClr val="accent3"/>
+      <a:schemeClr val="accent4"/>
+      <a:schemeClr val="accent5"/>
+      <a:schemeClr val="accent6"/>
+    </dgm:linClrLst>
+    <dgm:effectClrLst/>
+    <dgm:txLinClrLst/>
+    <dgm:txFillClrLst meth="repeat">
+      <a:schemeClr val="dk1"/>
+    </dgm:txFillClrLst>
+    <dgm:txEffectClrLst/>
+  </dgm:styleLbl>
+  <dgm:styleLbl name="alignAcc1">
+    <dgm:fillClrLst meth="repeat">
+      <a:schemeClr val="lt1">
+        <a:alpha val="90000"/>
+      </a:schemeClr>
+    </dgm:fillClrLst>
+    <dgm:linClrLst meth="repeat">
+      <a:schemeClr val="accent2"/>
+      <a:schemeClr val="accent3"/>
+      <a:schemeClr val="accent4"/>
+      <a:schemeClr val="accent5"/>
+      <a:schemeClr val="accent6"/>
+    </dgm:linClrLst>
+    <dgm:effectClrLst/>
+    <dgm:txLinClrLst/>
+    <dgm:txFillClrLst meth="repeat">
+      <a:schemeClr val="dk1"/>
+    </dgm:txFillClrLst>
+    <dgm:txEffectClrLst/>
+  </dgm:styleLbl>
+  <dgm:styleLbl name="trAlignAcc1">
+    <dgm:fillClrLst meth="repeat">
+      <a:schemeClr val="lt1">
+        <a:alpha val="40000"/>
+      </a:schemeClr>
+    </dgm:fillClrLst>
+    <dgm:linClrLst meth="repeat">
+      <a:schemeClr val="accent1"/>
+    </dgm:linClrLst>
+    <dgm:effectClrLst/>
+    <dgm:txLinClrLst/>
+    <dgm:txFillClrLst meth="repeat">
+      <a:schemeClr val="dk1"/>
+    </dgm:txFillClrLst>
+    <dgm:txEffectClrLst/>
+  </dgm:styleLbl>
+  <dgm:styleLbl name="bgAcc1">
+    <dgm:fillClrLst meth="repeat">
+      <a:schemeClr val="lt1">
+        <a:alpha val="90000"/>
+      </a:schemeClr>
+    </dgm:fillClrLst>
+    <dgm:linClrLst meth="repeat">
+      <a:schemeClr val="accent2"/>
+      <a:schemeClr val="accent3"/>
+      <a:schemeClr val="accent4"/>
+      <a:schemeClr val="accent5"/>
+      <a:schemeClr val="accent6"/>
+    </dgm:linClrLst>
+    <dgm:effectClrLst/>
+    <dgm:txLinClrLst/>
+    <dgm:txFillClrLst meth="repeat">
+      <a:schemeClr val="dk1"/>
+    </dgm:txFillClrLst>
+    <dgm:txEffectClrLst/>
+  </dgm:styleLbl>
+  <dgm:styleLbl name="solidFgAcc1">
+    <dgm:fillClrLst meth="repeat">
+      <a:schemeClr val="lt1"/>
+    </dgm:fillClrLst>
+    <dgm:linClrLst meth="repeat">
+      <a:schemeClr val="accent2"/>
+      <a:schemeClr val="accent3"/>
+      <a:schemeClr val="accent4"/>
+      <a:schemeClr val="accent5"/>
+      <a:schemeClr val="accent6"/>
+    </dgm:linClrLst>
+    <dgm:effectClrLst/>
+    <dgm:txLinClrLst/>
+    <dgm:txFillClrLst meth="repeat">
+      <a:schemeClr val="dk1"/>
+    </dgm:txFillClrLst>
+    <dgm:txEffectClrLst/>
+  </dgm:styleLbl>
+  <dgm:styleLbl name="solidAlignAcc1">
+    <dgm:fillClrLst meth="repeat">
+      <a:schemeClr val="lt1"/>
+    </dgm:fillClrLst>
+    <dgm:linClrLst meth="repeat">
+      <a:schemeClr val="accent2"/>
+      <a:schemeClr val="accent3"/>
+      <a:schemeClr val="accent4"/>
+      <a:schemeClr val="accent5"/>
+      <a:schemeClr val="accent6"/>
+    </dgm:linClrLst>
+    <dgm:effectClrLst/>
+    <dgm:txLinClrLst/>
+    <dgm:txFillClrLst meth="repeat">
+      <a:schemeClr val="dk1"/>
+    </dgm:txFillClrLst>
+    <dgm:txEffectClrLst/>
+  </dgm:styleLbl>
+  <dgm:styleLbl name="solidBgAcc1">
+    <dgm:fillClrLst meth="repeat">
+      <a:schemeClr val="lt1"/>
+    </dgm:fillClrLst>
+    <dgm:linClrLst meth="repeat">
+      <a:schemeClr val="accent2"/>
+      <a:schemeClr val="accent3"/>
+      <a:schemeClr val="accent4"/>
+      <a:schemeClr val="accent5"/>
+      <a:schemeClr val="accent6"/>
+    </dgm:linClrLst>
+    <dgm:effectClrLst/>
+    <dgm:txLinClrLst/>
+    <dgm:txFillClrLst meth="repeat">
+      <a:schemeClr val="dk1"/>
+    </dgm:txFillClrLst>
+    <dgm:txEffectClrLst/>
+  </dgm:styleLbl>
+  <dgm:styleLbl name="fgAccFollowNode1">
+    <dgm:fillClrLst meth="repeat">
+      <a:schemeClr val="accent2">
+        <a:tint val="40000"/>
+        <a:alpha val="90000"/>
+      </a:schemeClr>
+      <a:schemeClr val="accent3">
+        <a:tint val="40000"/>
+        <a:alpha val="90000"/>
+      </a:schemeClr>
+      <a:schemeClr val="accent4">
+        <a:tint val="40000"/>
+        <a:alpha val="90000"/>
+      </a:schemeClr>
+      <a:schemeClr val="accent5">
+        <a:tint val="40000"/>
+        <a:alpha val="90000"/>
+      </a:schemeClr>
+      <a:schemeClr val="accent6">
+        <a:tint val="40000"/>
+        <a:alpha val="90000"/>
+      </a:schemeClr>
+    </dgm:fillClrLst>
+    <dgm:linClrLst meth="repeat">
+      <a:schemeClr val="accent2">
+        <a:tint val="40000"/>
+        <a:alpha val="90000"/>
+      </a:schemeClr>
+      <a:schemeClr val="accent3">
+        <a:tint val="40000"/>
+        <a:alpha val="90000"/>
+      </a:schemeClr>
+      <a:schemeClr val="accent4">
+        <a:tint val="40000"/>
+        <a:alpha val="90000"/>
+      </a:schemeClr>
+      <a:schemeClr val="accent5">
+        <a:tint val="40000"/>
+        <a:alpha val="90000"/>
+      </a:schemeClr>
+      <a:schemeClr val="accent6">
+        <a:tint val="40000"/>
+        <a:alpha val="90000"/>
+      </a:schemeClr>
+    </dgm:linClrLst>
+    <dgm:effectClrLst/>
+    <dgm:txLinClrLst/>
+    <dgm:txFillClrLst meth="repeat">
+      <a:schemeClr val="dk1"/>
+    </dgm:txFillClrLst>
+    <dgm:txEffectClrLst/>
+  </dgm:styleLbl>
+  <dgm:styleLbl name="alignAccFollowNode1">
+    <dgm:fillClrLst meth="repeat">
+      <a:schemeClr val="accent2">
+        <a:tint val="40000"/>
+        <a:alpha val="90000"/>
+      </a:schemeClr>
+      <a:schemeClr val="accent3">
+        <a:tint val="40000"/>
+        <a:alpha val="90000"/>
+      </a:schemeClr>
+      <a:schemeClr val="accent4">
+        <a:tint val="40000"/>
+        <a:alpha val="90000"/>
+      </a:schemeClr>
+      <a:schemeClr val="accent5">
+        <a:tint val="40000"/>
+        <a:alpha val="90000"/>
+      </a:schemeClr>
+      <a:schemeClr val="accent6">
+        <a:tint val="40000"/>
+        <a:alpha val="90000"/>
+      </a:schemeClr>
+    </dgm:fillClrLst>
+    <dgm:linClrLst meth="repeat">
+      <a:schemeClr val="accent2">
+        <a:tint val="40000"/>
+        <a:alpha val="90000"/>
+      </a:schemeClr>
+      <a:schemeClr val="accent3">
+        <a:tint val="40000"/>
+        <a:alpha val="90000"/>
+      </a:schemeClr>
+      <a:schemeClr val="accent4">
+        <a:tint val="40000"/>
+        <a:alpha val="90000"/>
+      </a:schemeClr>
+      <a:schemeClr val="accent5">
+        <a:tint val="40000"/>
+        <a:alpha val="90000"/>
+      </a:schemeClr>
+      <a:schemeClr val="accent6">
+        <a:tint val="40000"/>
+        <a:alpha val="90000"/>
+      </a:schemeClr>
+    </dgm:linClrLst>
+    <dgm:effectClrLst/>
+    <dgm:txLinClrLst/>
+    <dgm:txFillClrLst meth="repeat">
+      <a:schemeClr val="dk1"/>
+    </dgm:txFillClrLst>
+    <dgm:txEffectClrLst/>
+  </dgm:styleLbl>
+  <dgm:styleLbl name="bgAccFollowNode1">
+    <dgm:fillClrLst meth="repeat">
+      <a:schemeClr val="accent2">
+        <a:tint val="40000"/>
+        <a:alpha val="90000"/>
+      </a:schemeClr>
+      <a:schemeClr val="accent3">
+        <a:tint val="40000"/>
+        <a:alpha val="90000"/>
+      </a:schemeClr>
+      <a:schemeClr val="accent4">
+        <a:tint val="40000"/>
+        <a:alpha val="90000"/>
+      </a:schemeClr>
+      <a:schemeClr val="accent5">
+        <a:tint val="40000"/>
+        <a:alpha val="90000"/>
+      </a:schemeClr>
+      <a:schemeClr val="accent6">
+        <a:tint val="40000"/>
+        <a:alpha val="90000"/>
+      </a:schemeClr>
+    </dgm:fillClrLst>
+    <dgm:linClrLst meth="repeat">
+      <a:schemeClr val="accent2">
+        <a:tint val="40000"/>
+        <a:alpha val="90000"/>
+      </a:schemeClr>
+      <a:schemeClr val="accent3">
+        <a:tint val="40000"/>
+        <a:alpha val="90000"/>
+      </a:schemeClr>
+      <a:schemeClr val="accent4">
+        <a:tint val="40000"/>
+        <a:alpha val="90000"/>
+      </a:schemeClr>
+      <a:schemeClr val="accent5">
+        <a:tint val="40000"/>
+        <a:alpha val="90000"/>
+      </a:schemeClr>
+      <a:schemeClr val="accent6">
+        <a:tint val="40000"/>
+        <a:alpha val="90000"/>
+      </a:schemeClr>
+    </dgm:linClrLst>
+    <dgm:effectClrLst/>
+    <dgm:txLinClrLst/>
+    <dgm:txFillClrLst meth="repeat">
+      <a:schemeClr val="dk1"/>
+    </dgm:txFillClrLst>
+    <dgm:txEffectClrLst/>
+  </dgm:styleLbl>
+  <dgm:styleLbl name="fgAcc0">
+    <dgm:fillClrLst meth="repeat">
+      <a:schemeClr val="lt1">
+        <a:alpha val="90000"/>
+      </a:schemeClr>
+    </dgm:fillClrLst>
+    <dgm:linClrLst>
+      <a:schemeClr val="accent1"/>
+    </dgm:linClrLst>
+    <dgm:effectClrLst/>
+    <dgm:txLinClrLst/>
+    <dgm:txFillClrLst meth="repeat">
+      <a:schemeClr val="dk1"/>
+    </dgm:txFillClrLst>
+    <dgm:txEffectClrLst/>
+  </dgm:styleLbl>
+  <dgm:styleLbl name="fgAcc2">
+    <dgm:fillClrLst meth="repeat">
+      <a:schemeClr val="lt1">
+        <a:alpha val="90000"/>
+      </a:schemeClr>
+    </dgm:fillClrLst>
+    <dgm:linClrLst>
+      <a:schemeClr val="accent2"/>
+    </dgm:linClrLst>
+    <dgm:effectClrLst/>
+    <dgm:txLinClrLst/>
+    <dgm:txFillClrLst meth="repeat">
+      <a:schemeClr val="dk1"/>
+    </dgm:txFillClrLst>
+    <dgm:txEffectClrLst/>
+  </dgm:styleLbl>
+  <dgm:styleLbl name="fgAcc3">
+    <dgm:fillClrLst meth="repeat">
+      <a:schemeClr val="lt1">
+        <a:alpha val="90000"/>
+      </a:schemeClr>
+    </dgm:fillClrLst>
+    <dgm:linClrLst>
+      <a:schemeClr val="accent3"/>
+    </dgm:linClrLst>
+    <dgm:effectClrLst/>
+    <dgm:txLinClrLst/>
+    <dgm:txFillClrLst meth="repeat">
+      <a:schemeClr val="dk1"/>
+    </dgm:txFillClrLst>
+    <dgm:txEffectClrLst/>
+  </dgm:styleLbl>
+  <dgm:styleLbl name="fgAcc4">
+    <dgm:fillClrLst meth="repeat">
+      <a:schemeClr val="lt1">
+        <a:alpha val="90000"/>
+      </a:schemeClr>
+    </dgm:fillClrLst>
+    <dgm:linClrLst>
+      <a:schemeClr val="accent4"/>
+    </dgm:linClrLst>
+    <dgm:effectClrLst/>
+    <dgm:txLinClrLst/>
+    <dgm:txFillClrLst meth="repeat">
+      <a:schemeClr val="dk1"/>
+    </dgm:txFillClrLst>
+    <dgm:txEffectClrLst/>
+  </dgm:styleLbl>
+  <dgm:styleLbl name="bgShp">
+    <dgm:fillClrLst meth="repeat">
+      <a:schemeClr val="accent2">
+        <a:tint val="40000"/>
+      </a:schemeClr>
+    </dgm:fillClrLst>
+    <dgm:linClrLst meth="repeat">
+      <a:schemeClr val="dk1"/>
+    </dgm:linClrLst>
+    <dgm:effectClrLst/>
+    <dgm:txLinClrLst/>
+    <dgm:txFillClrLst meth="repeat">
+      <a:schemeClr val="dk1"/>
+    </dgm:txFillClrLst>
+    <dgm:txEffectClrLst/>
+  </dgm:styleLbl>
+  <dgm:styleLbl name="dkBgShp">
+    <dgm:fillClrLst meth="repeat">
+      <a:schemeClr val="accent2">
+        <a:shade val="90000"/>
+      </a:schemeClr>
+    </dgm:fillClrLst>
+    <dgm:linClrLst meth="repeat">
+      <a:schemeClr val="dk1"/>
+    </dgm:linClrLst>
+    <dgm:effectClrLst/>
+    <dgm:txLinClrLst/>
+    <dgm:txFillClrLst meth="repeat">
+      <a:schemeClr val="lt1"/>
+    </dgm:txFillClrLst>
+    <dgm:txEffectClrLst/>
+  </dgm:styleLbl>
+  <dgm:styleLbl name="trBgShp">
+    <dgm:fillClrLst meth="repeat">
+      <a:schemeClr val="accent1">
+        <a:tint val="50000"/>
+        <a:alpha val="40000"/>
+      </a:schemeClr>
+    </dgm:fillClrLst>
+    <dgm:linClrLst meth="repeat">
+      <a:schemeClr val="accent2"/>
+    </dgm:linClrLst>
+    <dgm:effectClrLst/>
+    <dgm:txLinClrLst/>
+    <dgm:txFillClrLst meth="repeat">
+      <a:schemeClr val="lt1"/>
+    </dgm:txFillClrLst>
+    <dgm:txEffectClrLst/>
+  </dgm:styleLbl>
+  <dgm:styleLbl name="fgShp">
+    <dgm:fillClrLst meth="repeat">
+      <a:schemeClr val="accent2">
+        <a:tint val="40000"/>
+      </a:schemeClr>
+    </dgm:fillClrLst>
+    <dgm:linClrLst meth="repeat">
+      <a:schemeClr val="lt1"/>
+    </dgm:linClrLst>
+    <dgm:effectClrLst/>
+    <dgm:txLinClrLst/>
+    <dgm:txFillClrLst meth="repeat">
+      <a:schemeClr val="dk1"/>
+    </dgm:txFillClrLst>
+    <dgm:txEffectClrLst/>
+  </dgm:styleLbl>
+  <dgm:styleLbl name="revTx">
+    <dgm:fillClrLst meth="repeat">
+      <a:schemeClr val="lt1">
+        <a:alpha val="0"/>
+      </a:schemeClr>
+    </dgm:fillClrLst>
+    <dgm:linClrLst meth="repeat">
+      <a:schemeClr val="dk1">
+        <a:alpha val="0"/>
+      </a:schemeClr>
+    </dgm:linClrLst>
+    <dgm:effectClrLst/>
+    <dgm:txLinClrLst/>
+    <dgm:txFillClrLst meth="repeat">
+      <a:schemeClr val="tx1"/>
+    </dgm:txFillClrLst>
+    <dgm:txEffectClrLst/>
+  </dgm:styleLbl>
+</dgm:colorsDef>
+</file>
+
+<file path=ppt/diagrams/colors5.xml><?xml version="1.0" encoding="utf-8"?>
 <dgm:colorsDef xmlns:dgm="http://schemas.openxmlformats.org/drawingml/2006/diagram" xmlns:a="http://schemas.openxmlformats.org/drawingml/2006/main" uniqueId="urn:microsoft.com/office/officeart/2005/8/colors/colorful2">
   <dgm:title val=""/>
   <dgm:desc val=""/>
@@ -3153,788 +4075,6 @@
 </dgm:colorsDef>
 </file>
 
-<file path=ppt/diagrams/colors5.xml><?xml version="1.0" encoding="utf-8"?>
-<dgm:colorsDef xmlns:dgm="http://schemas.openxmlformats.org/drawingml/2006/diagram" xmlns:a="http://schemas.openxmlformats.org/drawingml/2006/main" uniqueId="urn:microsoft.com/office/officeart/2005/8/colors/colorful2">
-  <dgm:title val=""/>
-  <dgm:desc val=""/>
-  <dgm:catLst>
-    <dgm:cat type="colorful" pri="10200"/>
-  </dgm:catLst>
-  <dgm:styleLbl name="node0">
-    <dgm:fillClrLst meth="repeat">
-      <a:schemeClr val="accent1"/>
-    </dgm:fillClrLst>
-    <dgm:linClrLst meth="repeat">
-      <a:schemeClr val="lt1"/>
-    </dgm:linClrLst>
-    <dgm:effectClrLst/>
-    <dgm:txLinClrLst/>
-    <dgm:txFillClrLst/>
-    <dgm:txEffectClrLst/>
-  </dgm:styleLbl>
-  <dgm:styleLbl name="node1">
-    <dgm:fillClrLst>
-      <a:schemeClr val="accent2"/>
-      <a:schemeClr val="accent3"/>
-    </dgm:fillClrLst>
-    <dgm:linClrLst meth="repeat">
-      <a:schemeClr val="lt1"/>
-    </dgm:linClrLst>
-    <dgm:effectClrLst/>
-    <dgm:txLinClrLst/>
-    <dgm:txFillClrLst/>
-    <dgm:txEffectClrLst/>
-  </dgm:styleLbl>
-  <dgm:styleLbl name="alignNode1">
-    <dgm:fillClrLst>
-      <a:schemeClr val="accent2"/>
-      <a:schemeClr val="accent3"/>
-    </dgm:fillClrLst>
-    <dgm:linClrLst>
-      <a:schemeClr val="accent2"/>
-      <a:schemeClr val="accent3"/>
-    </dgm:linClrLst>
-    <dgm:effectClrLst/>
-    <dgm:txLinClrLst/>
-    <dgm:txFillClrLst/>
-    <dgm:txEffectClrLst/>
-  </dgm:styleLbl>
-  <dgm:styleLbl name="lnNode1">
-    <dgm:fillClrLst>
-      <a:schemeClr val="accent2"/>
-      <a:schemeClr val="accent3"/>
-    </dgm:fillClrLst>
-    <dgm:linClrLst meth="repeat">
-      <a:schemeClr val="lt1"/>
-    </dgm:linClrLst>
-    <dgm:effectClrLst/>
-    <dgm:txLinClrLst/>
-    <dgm:txFillClrLst/>
-    <dgm:txEffectClrLst/>
-  </dgm:styleLbl>
-  <dgm:styleLbl name="vennNode1">
-    <dgm:fillClrLst>
-      <a:schemeClr val="accent2">
-        <a:alpha val="50000"/>
-      </a:schemeClr>
-      <a:schemeClr val="accent3">
-        <a:alpha val="50000"/>
-      </a:schemeClr>
-    </dgm:fillClrLst>
-    <dgm:linClrLst meth="repeat">
-      <a:schemeClr val="lt1"/>
-    </dgm:linClrLst>
-    <dgm:effectClrLst/>
-    <dgm:txLinClrLst/>
-    <dgm:txFillClrLst/>
-    <dgm:txEffectClrLst/>
-  </dgm:styleLbl>
-  <dgm:styleLbl name="node2">
-    <dgm:fillClrLst>
-      <a:schemeClr val="accent3"/>
-    </dgm:fillClrLst>
-    <dgm:linClrLst meth="repeat">
-      <a:schemeClr val="lt1"/>
-    </dgm:linClrLst>
-    <dgm:effectClrLst/>
-    <dgm:txLinClrLst/>
-    <dgm:txFillClrLst/>
-    <dgm:txEffectClrLst/>
-  </dgm:styleLbl>
-  <dgm:styleLbl name="node3">
-    <dgm:fillClrLst>
-      <a:schemeClr val="accent4"/>
-    </dgm:fillClrLst>
-    <dgm:linClrLst meth="repeat">
-      <a:schemeClr val="lt1"/>
-    </dgm:linClrLst>
-    <dgm:effectClrLst/>
-    <dgm:txLinClrLst/>
-    <dgm:txFillClrLst/>
-    <dgm:txEffectClrLst/>
-  </dgm:styleLbl>
-  <dgm:styleLbl name="node4">
-    <dgm:fillClrLst>
-      <a:schemeClr val="accent5"/>
-    </dgm:fillClrLst>
-    <dgm:linClrLst meth="repeat">
-      <a:schemeClr val="lt1"/>
-    </dgm:linClrLst>
-    <dgm:effectClrLst/>
-    <dgm:txLinClrLst/>
-    <dgm:txFillClrLst/>
-    <dgm:txEffectClrLst/>
-  </dgm:styleLbl>
-  <dgm:styleLbl name="fgImgPlace1">
-    <dgm:fillClrLst>
-      <a:schemeClr val="accent2">
-        <a:tint val="50000"/>
-      </a:schemeClr>
-      <a:schemeClr val="accent3">
-        <a:tint val="50000"/>
-      </a:schemeClr>
-    </dgm:fillClrLst>
-    <dgm:linClrLst meth="repeat">
-      <a:schemeClr val="lt1"/>
-    </dgm:linClrLst>
-    <dgm:effectClrLst/>
-    <dgm:txLinClrLst/>
-    <dgm:txFillClrLst meth="repeat">
-      <a:schemeClr val="lt1"/>
-    </dgm:txFillClrLst>
-    <dgm:txEffectClrLst/>
-  </dgm:styleLbl>
-  <dgm:styleLbl name="alignImgPlace1">
-    <dgm:fillClrLst>
-      <a:schemeClr val="accent2">
-        <a:tint val="50000"/>
-      </a:schemeClr>
-      <a:schemeClr val="accent3">
-        <a:tint val="20000"/>
-      </a:schemeClr>
-    </dgm:fillClrLst>
-    <dgm:linClrLst meth="repeat">
-      <a:schemeClr val="lt1"/>
-    </dgm:linClrLst>
-    <dgm:effectClrLst/>
-    <dgm:txLinClrLst/>
-    <dgm:txFillClrLst meth="repeat">
-      <a:schemeClr val="lt1"/>
-    </dgm:txFillClrLst>
-    <dgm:txEffectClrLst/>
-  </dgm:styleLbl>
-  <dgm:styleLbl name="bgImgPlace1">
-    <dgm:fillClrLst>
-      <a:schemeClr val="accent2">
-        <a:tint val="50000"/>
-      </a:schemeClr>
-      <a:schemeClr val="accent3">
-        <a:tint val="20000"/>
-      </a:schemeClr>
-    </dgm:fillClrLst>
-    <dgm:linClrLst meth="repeat">
-      <a:schemeClr val="lt1"/>
-    </dgm:linClrLst>
-    <dgm:effectClrLst/>
-    <dgm:txLinClrLst/>
-    <dgm:txFillClrLst meth="repeat">
-      <a:schemeClr val="lt1"/>
-    </dgm:txFillClrLst>
-    <dgm:txEffectClrLst/>
-  </dgm:styleLbl>
-  <dgm:styleLbl name="sibTrans2D1">
-    <dgm:fillClrLst>
-      <a:schemeClr val="accent2"/>
-      <a:schemeClr val="accent3"/>
-    </dgm:fillClrLst>
-    <dgm:linClrLst meth="repeat">
-      <a:schemeClr val="lt1"/>
-    </dgm:linClrLst>
-    <dgm:effectClrLst/>
-    <dgm:txLinClrLst/>
-    <dgm:txFillClrLst/>
-    <dgm:txEffectClrLst/>
-  </dgm:styleLbl>
-  <dgm:styleLbl name="fgSibTrans2D1">
-    <dgm:fillClrLst>
-      <a:schemeClr val="accent2"/>
-      <a:schemeClr val="accent3"/>
-    </dgm:fillClrLst>
-    <dgm:linClrLst meth="repeat">
-      <a:schemeClr val="lt1"/>
-    </dgm:linClrLst>
-    <dgm:effectClrLst/>
-    <dgm:txLinClrLst/>
-    <dgm:txFillClrLst meth="repeat">
-      <a:schemeClr val="lt1"/>
-    </dgm:txFillClrLst>
-    <dgm:txEffectClrLst/>
-  </dgm:styleLbl>
-  <dgm:styleLbl name="bgSibTrans2D1">
-    <dgm:fillClrLst>
-      <a:schemeClr val="accent2"/>
-      <a:schemeClr val="accent3"/>
-    </dgm:fillClrLst>
-    <dgm:linClrLst meth="repeat">
-      <a:schemeClr val="lt1"/>
-    </dgm:linClrLst>
-    <dgm:effectClrLst/>
-    <dgm:txLinClrLst/>
-    <dgm:txFillClrLst meth="repeat">
-      <a:schemeClr val="lt1"/>
-    </dgm:txFillClrLst>
-    <dgm:txEffectClrLst/>
-  </dgm:styleLbl>
-  <dgm:styleLbl name="sibTrans1D1">
-    <dgm:fillClrLst/>
-    <dgm:linClrLst>
-      <a:schemeClr val="accent2"/>
-      <a:schemeClr val="accent3"/>
-    </dgm:linClrLst>
-    <dgm:effectClrLst/>
-    <dgm:txLinClrLst/>
-    <dgm:txFillClrLst meth="repeat">
-      <a:schemeClr val="tx1"/>
-    </dgm:txFillClrLst>
-    <dgm:txEffectClrLst/>
-  </dgm:styleLbl>
-  <dgm:styleLbl name="callout">
-    <dgm:fillClrLst meth="repeat">
-      <a:schemeClr val="accent2"/>
-    </dgm:fillClrLst>
-    <dgm:linClrLst meth="repeat">
-      <a:schemeClr val="accent2">
-        <a:tint val="50000"/>
-      </a:schemeClr>
-    </dgm:linClrLst>
-    <dgm:effectClrLst/>
-    <dgm:txLinClrLst/>
-    <dgm:txFillClrLst meth="repeat">
-      <a:schemeClr val="tx1"/>
-    </dgm:txFillClrLst>
-    <dgm:txEffectClrLst/>
-  </dgm:styleLbl>
-  <dgm:styleLbl name="asst0">
-    <dgm:fillClrLst meth="repeat">
-      <a:schemeClr val="accent2"/>
-    </dgm:fillClrLst>
-    <dgm:linClrLst meth="repeat">
-      <a:schemeClr val="lt1">
-        <a:shade val="80000"/>
-      </a:schemeClr>
-    </dgm:linClrLst>
-    <dgm:effectClrLst/>
-    <dgm:txLinClrLst/>
-    <dgm:txFillClrLst/>
-    <dgm:txEffectClrLst/>
-  </dgm:styleLbl>
-  <dgm:styleLbl name="asst1">
-    <dgm:fillClrLst meth="repeat">
-      <a:schemeClr val="accent3"/>
-    </dgm:fillClrLst>
-    <dgm:linClrLst meth="repeat">
-      <a:schemeClr val="lt1">
-        <a:shade val="80000"/>
-      </a:schemeClr>
-    </dgm:linClrLst>
-    <dgm:effectClrLst/>
-    <dgm:txLinClrLst/>
-    <dgm:txFillClrLst/>
-    <dgm:txEffectClrLst/>
-  </dgm:styleLbl>
-  <dgm:styleLbl name="asst2">
-    <dgm:fillClrLst>
-      <a:schemeClr val="accent4"/>
-    </dgm:fillClrLst>
-    <dgm:linClrLst meth="repeat">
-      <a:schemeClr val="lt1"/>
-    </dgm:linClrLst>
-    <dgm:effectClrLst/>
-    <dgm:txLinClrLst/>
-    <dgm:txFillClrLst/>
-    <dgm:txEffectClrLst/>
-  </dgm:styleLbl>
-  <dgm:styleLbl name="asst3">
-    <dgm:fillClrLst>
-      <a:schemeClr val="accent5"/>
-    </dgm:fillClrLst>
-    <dgm:linClrLst meth="repeat">
-      <a:schemeClr val="lt1"/>
-    </dgm:linClrLst>
-    <dgm:effectClrLst/>
-    <dgm:txLinClrLst/>
-    <dgm:txFillClrLst/>
-    <dgm:txEffectClrLst/>
-  </dgm:styleLbl>
-  <dgm:styleLbl name="asst4">
-    <dgm:fillClrLst>
-      <a:schemeClr val="accent6"/>
-    </dgm:fillClrLst>
-    <dgm:linClrLst meth="repeat">
-      <a:schemeClr val="lt1"/>
-    </dgm:linClrLst>
-    <dgm:effectClrLst/>
-    <dgm:txLinClrLst/>
-    <dgm:txFillClrLst/>
-    <dgm:txEffectClrLst/>
-  </dgm:styleLbl>
-  <dgm:styleLbl name="parChTrans2D1">
-    <dgm:fillClrLst meth="repeat">
-      <a:schemeClr val="accent2"/>
-    </dgm:fillClrLst>
-    <dgm:linClrLst meth="repeat">
-      <a:schemeClr val="lt1"/>
-    </dgm:linClrLst>
-    <dgm:effectClrLst/>
-    <dgm:txLinClrLst/>
-    <dgm:txFillClrLst meth="repeat">
-      <a:schemeClr val="lt1"/>
-    </dgm:txFillClrLst>
-    <dgm:txEffectClrLst/>
-  </dgm:styleLbl>
-  <dgm:styleLbl name="parChTrans2D2">
-    <dgm:fillClrLst meth="repeat">
-      <a:schemeClr val="accent3"/>
-    </dgm:fillClrLst>
-    <dgm:linClrLst meth="repeat">
-      <a:schemeClr val="lt1"/>
-    </dgm:linClrLst>
-    <dgm:effectClrLst/>
-    <dgm:txLinClrLst/>
-    <dgm:txFillClrLst/>
-    <dgm:txEffectClrLst/>
-  </dgm:styleLbl>
-  <dgm:styleLbl name="parChTrans2D3">
-    <dgm:fillClrLst meth="repeat">
-      <a:schemeClr val="accent4"/>
-    </dgm:fillClrLst>
-    <dgm:linClrLst meth="repeat">
-      <a:schemeClr val="lt1"/>
-    </dgm:linClrLst>
-    <dgm:effectClrLst/>
-    <dgm:txLinClrLst/>
-    <dgm:txFillClrLst/>
-    <dgm:txEffectClrLst/>
-  </dgm:styleLbl>
-  <dgm:styleLbl name="parChTrans2D4">
-    <dgm:fillClrLst meth="repeat">
-      <a:schemeClr val="accent5"/>
-    </dgm:fillClrLst>
-    <dgm:linClrLst meth="repeat">
-      <a:schemeClr val="lt1"/>
-    </dgm:linClrLst>
-    <dgm:effectClrLst/>
-    <dgm:txLinClrLst/>
-    <dgm:txFillClrLst meth="repeat">
-      <a:schemeClr val="lt1"/>
-    </dgm:txFillClrLst>
-    <dgm:txEffectClrLst/>
-  </dgm:styleLbl>
-  <dgm:styleLbl name="parChTrans1D1">
-    <dgm:fillClrLst meth="repeat">
-      <a:schemeClr val="accent2"/>
-    </dgm:fillClrLst>
-    <dgm:linClrLst meth="repeat">
-      <a:schemeClr val="accent2"/>
-    </dgm:linClrLst>
-    <dgm:effectClrLst/>
-    <dgm:txLinClrLst/>
-    <dgm:txFillClrLst meth="repeat">
-      <a:schemeClr val="tx1"/>
-    </dgm:txFillClrLst>
-    <dgm:txEffectClrLst/>
-  </dgm:styleLbl>
-  <dgm:styleLbl name="parChTrans1D2">
-    <dgm:fillClrLst meth="repeat">
-      <a:schemeClr val="accent2">
-        <a:tint val="90000"/>
-      </a:schemeClr>
-    </dgm:fillClrLst>
-    <dgm:linClrLst meth="repeat">
-      <a:schemeClr val="accent3"/>
-    </dgm:linClrLst>
-    <dgm:effectClrLst/>
-    <dgm:txLinClrLst/>
-    <dgm:txFillClrLst meth="repeat">
-      <a:schemeClr val="tx1"/>
-    </dgm:txFillClrLst>
-    <dgm:txEffectClrLst/>
-  </dgm:styleLbl>
-  <dgm:styleLbl name="parChTrans1D3">
-    <dgm:fillClrLst meth="repeat">
-      <a:schemeClr val="accent2">
-        <a:tint val="70000"/>
-      </a:schemeClr>
-    </dgm:fillClrLst>
-    <dgm:linClrLst meth="repeat">
-      <a:schemeClr val="accent4"/>
-    </dgm:linClrLst>
-    <dgm:effectClrLst/>
-    <dgm:txLinClrLst/>
-    <dgm:txFillClrLst meth="repeat">
-      <a:schemeClr val="tx1"/>
-    </dgm:txFillClrLst>
-    <dgm:txEffectClrLst/>
-  </dgm:styleLbl>
-  <dgm:styleLbl name="parChTrans1D4">
-    <dgm:fillClrLst meth="repeat">
-      <a:schemeClr val="accent2">
-        <a:tint val="50000"/>
-      </a:schemeClr>
-    </dgm:fillClrLst>
-    <dgm:linClrLst meth="repeat">
-      <a:schemeClr val="accent5"/>
-    </dgm:linClrLst>
-    <dgm:effectClrLst/>
-    <dgm:txLinClrLst/>
-    <dgm:txFillClrLst meth="repeat">
-      <a:schemeClr val="tx1"/>
-    </dgm:txFillClrLst>
-    <dgm:txEffectClrLst/>
-  </dgm:styleLbl>
-  <dgm:styleLbl name="fgAcc1">
-    <dgm:fillClrLst meth="repeat">
-      <a:schemeClr val="lt1">
-        <a:alpha val="90000"/>
-      </a:schemeClr>
-    </dgm:fillClrLst>
-    <dgm:linClrLst>
-      <a:schemeClr val="accent2"/>
-      <a:schemeClr val="accent3"/>
-    </dgm:linClrLst>
-    <dgm:effectClrLst/>
-    <dgm:txLinClrLst/>
-    <dgm:txFillClrLst meth="repeat">
-      <a:schemeClr val="dk1"/>
-    </dgm:txFillClrLst>
-    <dgm:txEffectClrLst/>
-  </dgm:styleLbl>
-  <dgm:styleLbl name="conFgAcc1">
-    <dgm:fillClrLst meth="repeat">
-      <a:schemeClr val="lt1">
-        <a:alpha val="90000"/>
-      </a:schemeClr>
-    </dgm:fillClrLst>
-    <dgm:linClrLst>
-      <a:schemeClr val="accent2"/>
-      <a:schemeClr val="accent3"/>
-    </dgm:linClrLst>
-    <dgm:effectClrLst/>
-    <dgm:txLinClrLst/>
-    <dgm:txFillClrLst meth="repeat">
-      <a:schemeClr val="dk1"/>
-    </dgm:txFillClrLst>
-    <dgm:txEffectClrLst/>
-  </dgm:styleLbl>
-  <dgm:styleLbl name="alignAcc1">
-    <dgm:fillClrLst meth="repeat">
-      <a:schemeClr val="lt1">
-        <a:alpha val="90000"/>
-      </a:schemeClr>
-    </dgm:fillClrLst>
-    <dgm:linClrLst>
-      <a:schemeClr val="accent2"/>
-      <a:schemeClr val="accent3"/>
-    </dgm:linClrLst>
-    <dgm:effectClrLst/>
-    <dgm:txLinClrLst/>
-    <dgm:txFillClrLst meth="repeat">
-      <a:schemeClr val="dk1"/>
-    </dgm:txFillClrLst>
-    <dgm:txEffectClrLst/>
-  </dgm:styleLbl>
-  <dgm:styleLbl name="trAlignAcc1">
-    <dgm:fillClrLst meth="repeat">
-      <a:schemeClr val="lt1">
-        <a:alpha val="40000"/>
-      </a:schemeClr>
-    </dgm:fillClrLst>
-    <dgm:linClrLst meth="repeat">
-      <a:schemeClr val="accent2"/>
-    </dgm:linClrLst>
-    <dgm:effectClrLst/>
-    <dgm:txLinClrLst/>
-    <dgm:txFillClrLst meth="repeat">
-      <a:schemeClr val="dk1"/>
-    </dgm:txFillClrLst>
-    <dgm:txEffectClrLst/>
-  </dgm:styleLbl>
-  <dgm:styleLbl name="bgAcc1">
-    <dgm:fillClrLst meth="repeat">
-      <a:schemeClr val="lt1">
-        <a:alpha val="90000"/>
-      </a:schemeClr>
-    </dgm:fillClrLst>
-    <dgm:linClrLst>
-      <a:schemeClr val="accent2"/>
-      <a:schemeClr val="accent3"/>
-    </dgm:linClrLst>
-    <dgm:effectClrLst/>
-    <dgm:txLinClrLst/>
-    <dgm:txFillClrLst meth="repeat">
-      <a:schemeClr val="dk1"/>
-    </dgm:txFillClrLst>
-    <dgm:txEffectClrLst/>
-  </dgm:styleLbl>
-  <dgm:styleLbl name="solidFgAcc1">
-    <dgm:fillClrLst meth="repeat">
-      <a:schemeClr val="lt1"/>
-    </dgm:fillClrLst>
-    <dgm:linClrLst>
-      <a:schemeClr val="accent2"/>
-      <a:schemeClr val="accent3"/>
-    </dgm:linClrLst>
-    <dgm:effectClrLst/>
-    <dgm:txLinClrLst/>
-    <dgm:txFillClrLst meth="repeat">
-      <a:schemeClr val="dk1"/>
-    </dgm:txFillClrLst>
-    <dgm:txEffectClrLst/>
-  </dgm:styleLbl>
-  <dgm:styleLbl name="solidAlignAcc1">
-    <dgm:fillClrLst meth="repeat">
-      <a:schemeClr val="lt1"/>
-    </dgm:fillClrLst>
-    <dgm:linClrLst>
-      <a:schemeClr val="accent2"/>
-      <a:schemeClr val="accent3"/>
-    </dgm:linClrLst>
-    <dgm:effectClrLst/>
-    <dgm:txLinClrLst/>
-    <dgm:txFillClrLst meth="repeat">
-      <a:schemeClr val="dk1"/>
-    </dgm:txFillClrLst>
-    <dgm:txEffectClrLst/>
-  </dgm:styleLbl>
-  <dgm:styleLbl name="solidBgAcc1">
-    <dgm:fillClrLst meth="repeat">
-      <a:schemeClr val="lt1"/>
-    </dgm:fillClrLst>
-    <dgm:linClrLst>
-      <a:schemeClr val="accent2"/>
-      <a:schemeClr val="accent3"/>
-    </dgm:linClrLst>
-    <dgm:effectClrLst/>
-    <dgm:txLinClrLst/>
-    <dgm:txFillClrLst meth="repeat">
-      <a:schemeClr val="dk1"/>
-    </dgm:txFillClrLst>
-    <dgm:txEffectClrLst/>
-  </dgm:styleLbl>
-  <dgm:styleLbl name="fgAccFollowNode1">
-    <dgm:fillClrLst>
-      <a:schemeClr val="accent2">
-        <a:tint val="40000"/>
-        <a:alpha val="90000"/>
-      </a:schemeClr>
-      <a:schemeClr val="accent3">
-        <a:tint val="40000"/>
-        <a:alpha val="90000"/>
-      </a:schemeClr>
-    </dgm:fillClrLst>
-    <dgm:linClrLst>
-      <a:schemeClr val="accent2">
-        <a:tint val="40000"/>
-        <a:alpha val="90000"/>
-      </a:schemeClr>
-      <a:schemeClr val="accent3">
-        <a:tint val="40000"/>
-        <a:alpha val="90000"/>
-      </a:schemeClr>
-    </dgm:linClrLst>
-    <dgm:effectClrLst/>
-    <dgm:txLinClrLst/>
-    <dgm:txFillClrLst meth="repeat">
-      <a:schemeClr val="dk1"/>
-    </dgm:txFillClrLst>
-    <dgm:txEffectClrLst/>
-  </dgm:styleLbl>
-  <dgm:styleLbl name="alignAccFollowNode1">
-    <dgm:fillClrLst>
-      <a:schemeClr val="accent2">
-        <a:tint val="40000"/>
-        <a:alpha val="90000"/>
-      </a:schemeClr>
-      <a:schemeClr val="accent3">
-        <a:tint val="40000"/>
-        <a:alpha val="90000"/>
-      </a:schemeClr>
-    </dgm:fillClrLst>
-    <dgm:linClrLst>
-      <a:schemeClr val="accent2">
-        <a:tint val="40000"/>
-        <a:alpha val="90000"/>
-      </a:schemeClr>
-      <a:schemeClr val="accent3">
-        <a:tint val="40000"/>
-        <a:alpha val="90000"/>
-      </a:schemeClr>
-    </dgm:linClrLst>
-    <dgm:effectClrLst/>
-    <dgm:txLinClrLst/>
-    <dgm:txFillClrLst meth="repeat">
-      <a:schemeClr val="dk1"/>
-    </dgm:txFillClrLst>
-    <dgm:txEffectClrLst/>
-  </dgm:styleLbl>
-  <dgm:styleLbl name="bgAccFollowNode1">
-    <dgm:fillClrLst>
-      <a:schemeClr val="accent2">
-        <a:tint val="40000"/>
-        <a:alpha val="90000"/>
-      </a:schemeClr>
-      <a:schemeClr val="accent3">
-        <a:tint val="40000"/>
-        <a:alpha val="90000"/>
-      </a:schemeClr>
-    </dgm:fillClrLst>
-    <dgm:linClrLst>
-      <a:schemeClr val="accent2">
-        <a:tint val="40000"/>
-        <a:alpha val="90000"/>
-      </a:schemeClr>
-      <a:schemeClr val="accent3">
-        <a:tint val="40000"/>
-        <a:alpha val="90000"/>
-      </a:schemeClr>
-    </dgm:linClrLst>
-    <dgm:effectClrLst/>
-    <dgm:txLinClrLst/>
-    <dgm:txFillClrLst meth="repeat">
-      <a:schemeClr val="dk1"/>
-    </dgm:txFillClrLst>
-    <dgm:txEffectClrLst/>
-  </dgm:styleLbl>
-  <dgm:styleLbl name="fgAcc0">
-    <dgm:fillClrLst meth="repeat">
-      <a:schemeClr val="lt1">
-        <a:alpha val="90000"/>
-      </a:schemeClr>
-    </dgm:fillClrLst>
-    <dgm:linClrLst>
-      <a:schemeClr val="accent1"/>
-    </dgm:linClrLst>
-    <dgm:effectClrLst/>
-    <dgm:txLinClrLst/>
-    <dgm:txFillClrLst meth="repeat">
-      <a:schemeClr val="dk1"/>
-    </dgm:txFillClrLst>
-    <dgm:txEffectClrLst/>
-  </dgm:styleLbl>
-  <dgm:styleLbl name="fgAcc2">
-    <dgm:fillClrLst meth="repeat">
-      <a:schemeClr val="lt1">
-        <a:alpha val="90000"/>
-      </a:schemeClr>
-    </dgm:fillClrLst>
-    <dgm:linClrLst>
-      <a:schemeClr val="accent3"/>
-    </dgm:linClrLst>
-    <dgm:effectClrLst/>
-    <dgm:txLinClrLst/>
-    <dgm:txFillClrLst meth="repeat">
-      <a:schemeClr val="dk1"/>
-    </dgm:txFillClrLst>
-    <dgm:txEffectClrLst/>
-  </dgm:styleLbl>
-  <dgm:styleLbl name="fgAcc3">
-    <dgm:fillClrLst meth="repeat">
-      <a:schemeClr val="lt1">
-        <a:alpha val="90000"/>
-      </a:schemeClr>
-    </dgm:fillClrLst>
-    <dgm:linClrLst>
-      <a:schemeClr val="accent4"/>
-    </dgm:linClrLst>
-    <dgm:effectClrLst/>
-    <dgm:txLinClrLst/>
-    <dgm:txFillClrLst meth="repeat">
-      <a:schemeClr val="dk1"/>
-    </dgm:txFillClrLst>
-    <dgm:txEffectClrLst/>
-  </dgm:styleLbl>
-  <dgm:styleLbl name="fgAcc4">
-    <dgm:fillClrLst meth="repeat">
-      <a:schemeClr val="lt1">
-        <a:alpha val="90000"/>
-      </a:schemeClr>
-    </dgm:fillClrLst>
-    <dgm:linClrLst>
-      <a:schemeClr val="accent5"/>
-    </dgm:linClrLst>
-    <dgm:effectClrLst/>
-    <dgm:txLinClrLst/>
-    <dgm:txFillClrLst meth="repeat">
-      <a:schemeClr val="dk1"/>
-    </dgm:txFillClrLst>
-    <dgm:txEffectClrLst/>
-  </dgm:styleLbl>
-  <dgm:styleLbl name="bgShp">
-    <dgm:fillClrLst meth="repeat">
-      <a:schemeClr val="accent2">
-        <a:tint val="40000"/>
-      </a:schemeClr>
-    </dgm:fillClrLst>
-    <dgm:linClrLst meth="repeat">
-      <a:schemeClr val="dk1"/>
-    </dgm:linClrLst>
-    <dgm:effectClrLst/>
-    <dgm:txLinClrLst/>
-    <dgm:txFillClrLst meth="repeat">
-      <a:schemeClr val="dk1"/>
-    </dgm:txFillClrLst>
-    <dgm:txEffectClrLst/>
-  </dgm:styleLbl>
-  <dgm:styleLbl name="dkBgShp">
-    <dgm:fillClrLst meth="repeat">
-      <a:schemeClr val="accent2">
-        <a:shade val="90000"/>
-      </a:schemeClr>
-    </dgm:fillClrLst>
-    <dgm:linClrLst meth="repeat">
-      <a:schemeClr val="dk1"/>
-    </dgm:linClrLst>
-    <dgm:effectClrLst/>
-    <dgm:txLinClrLst/>
-    <dgm:txFillClrLst meth="repeat">
-      <a:schemeClr val="lt1"/>
-    </dgm:txFillClrLst>
-    <dgm:txEffectClrLst/>
-  </dgm:styleLbl>
-  <dgm:styleLbl name="trBgShp">
-    <dgm:fillClrLst meth="repeat">
-      <a:schemeClr val="accent2">
-        <a:tint val="50000"/>
-        <a:alpha val="40000"/>
-      </a:schemeClr>
-    </dgm:fillClrLst>
-    <dgm:linClrLst meth="repeat">
-      <a:schemeClr val="accent2"/>
-    </dgm:linClrLst>
-    <dgm:effectClrLst/>
-    <dgm:txLinClrLst/>
-    <dgm:txFillClrLst meth="repeat">
-      <a:schemeClr val="lt1"/>
-    </dgm:txFillClrLst>
-    <dgm:txEffectClrLst/>
-  </dgm:styleLbl>
-  <dgm:styleLbl name="fgShp">
-    <dgm:fillClrLst meth="repeat">
-      <a:schemeClr val="accent2">
-        <a:tint val="40000"/>
-      </a:schemeClr>
-    </dgm:fillClrLst>
-    <dgm:linClrLst meth="repeat">
-      <a:schemeClr val="lt1"/>
-    </dgm:linClrLst>
-    <dgm:effectClrLst/>
-    <dgm:txLinClrLst/>
-    <dgm:txFillClrLst meth="repeat">
-      <a:schemeClr val="dk1"/>
-    </dgm:txFillClrLst>
-    <dgm:txEffectClrLst/>
-  </dgm:styleLbl>
-  <dgm:styleLbl name="revTx">
-    <dgm:fillClrLst meth="repeat">
-      <a:schemeClr val="lt1">
-        <a:alpha val="0"/>
-      </a:schemeClr>
-    </dgm:fillClrLst>
-    <dgm:linClrLst meth="repeat">
-      <a:schemeClr val="dk1">
-        <a:alpha val="0"/>
-      </a:schemeClr>
-    </dgm:linClrLst>
-    <dgm:effectClrLst/>
-    <dgm:txLinClrLst/>
-    <dgm:txFillClrLst meth="repeat">
-      <a:schemeClr val="tx1"/>
-    </dgm:txFillClrLst>
-    <dgm:txEffectClrLst/>
-  </dgm:styleLbl>
-</dgm:colorsDef>
-</file>
-
 <file path=ppt/diagrams/data1.xml><?xml version="1.0" encoding="utf-8"?>
 <dgm:dataModel xmlns:dgm="http://schemas.openxmlformats.org/drawingml/2006/diagram" xmlns:a="http://schemas.openxmlformats.org/drawingml/2006/main">
   <dgm:ptLst>
@@ -3950,7 +4090,7 @@
       </dgm:t>
     </dgm:pt>
     <dgm:pt modelId="{8814B4CA-BFFE-453B-B4A6-836A626E4C04}">
-      <dgm:prSet/>
+      <dgm:prSet custT="1"/>
       <dgm:spPr/>
       <dgm:t>
         <a:bodyPr/>
@@ -3960,14 +4100,14 @@
             <a:defRPr b="1"/>
           </a:pPr>
           <a:r>
-            <a:rPr lang="en-US" dirty="0"/>
+            <a:rPr lang="en-US" sz="2400" dirty="0"/>
             <a:t>Re: Earth</a:t>
           </a:r>
           <a:r>
-            <a:rPr lang="ja-JP"/>
+            <a:rPr lang="ja-JP" sz="2400"/>
             <a:t>を活用した双葉郡特化のデジタル災害アーカイブ構築</a:t>
           </a:r>
-          <a:endParaRPr lang="en-US" dirty="0"/>
+          <a:endParaRPr lang="en-US" sz="2400" dirty="0"/>
         </a:p>
       </dgm:t>
     </dgm:pt>
@@ -4001,22 +4141,22 @@
         <a:lstStyle/>
         <a:p>
           <a:r>
-            <a:rPr lang="ja-JP" altLang="en-US" sz="1800"/>
+            <a:rPr lang="ja-JP" altLang="en-US" sz="2000"/>
             <a:t>楢葉町</a:t>
           </a:r>
           <a:r>
-            <a:rPr lang="ja-JP" sz="1800"/>
+            <a:rPr lang="ja-JP" sz="2000"/>
             <a:t>の災害</a:t>
           </a:r>
           <a:r>
-            <a:rPr lang="ja-JP" altLang="en-US" sz="1800"/>
+            <a:rPr lang="ja-JP" altLang="en-US" sz="2000"/>
             <a:t>、復興</a:t>
           </a:r>
           <a:r>
-            <a:rPr lang="ja-JP" sz="1800"/>
+            <a:rPr lang="ja-JP" sz="2000"/>
             <a:t>記録を一元化</a:t>
           </a:r>
-          <a:endParaRPr lang="en-US" sz="1800" dirty="0"/>
+          <a:endParaRPr lang="en-US" sz="2000" dirty="0"/>
         </a:p>
       </dgm:t>
     </dgm:pt>
@@ -4043,7 +4183,7 @@
       </dgm:t>
     </dgm:pt>
     <dgm:pt modelId="{B83DAE57-4EDA-4562-A093-087CD2B92786}">
-      <dgm:prSet/>
+      <dgm:prSet custT="1"/>
       <dgm:spPr/>
       <dgm:t>
         <a:bodyPr/>
@@ -4053,14 +4193,14 @@
             <a:defRPr b="1"/>
           </a:pPr>
           <a:r>
-            <a:rPr lang="en-US"/>
+            <a:rPr lang="en-US" sz="2400" dirty="0"/>
             <a:t>Re: Earth</a:t>
           </a:r>
           <a:r>
-            <a:rPr lang="ja-JP"/>
+            <a:rPr lang="ja-JP" sz="2400"/>
             <a:t>とは</a:t>
           </a:r>
-          <a:endParaRPr lang="en-US"/>
+          <a:endParaRPr lang="en-US" sz="2400" dirty="0"/>
         </a:p>
       </dgm:t>
     </dgm:pt>
@@ -4094,18 +4234,30 @@
         <a:lstStyle/>
         <a:p>
           <a:r>
-            <a:rPr lang="ja-JP" sz="1800"/>
+            <a:rPr lang="ja-JP" altLang="en-US" sz="2000"/>
+            <a:t>・</a:t>
+          </a:r>
+          <a:r>
+            <a:rPr lang="ja-JP" sz="2000"/>
             <a:t>地理情報システム（</a:t>
           </a:r>
           <a:r>
-            <a:rPr lang="en-US" sz="1800" dirty="0"/>
+            <a:rPr lang="en-US" sz="2000" dirty="0"/>
             <a:t>GIS</a:t>
           </a:r>
           <a:r>
-            <a:rPr lang="ja-JP" sz="1800"/>
-            <a:t>）とデジタルアーカイブ技術の統合プラットフォーム</a:t>
+            <a:rPr lang="ja-JP" sz="2000"/>
+            <a:t>）とデジタルアーカイブ技術の統合プラッ</a:t>
           </a:r>
-          <a:endParaRPr lang="en-US" sz="1800" dirty="0"/>
+          <a:r>
+            <a:rPr lang="ja-JP" altLang="en-US" sz="2000"/>
+            <a:t>ト</a:t>
+          </a:r>
+          <a:r>
+            <a:rPr lang="ja-JP" sz="2000"/>
+            <a:t>フォーム</a:t>
+          </a:r>
+          <a:endParaRPr lang="en-US" sz="2000" dirty="0"/>
         </a:p>
       </dgm:t>
     </dgm:pt>
@@ -4139,10 +4291,14 @@
         <a:lstStyle/>
         <a:p>
           <a:r>
-            <a:rPr lang="ja-JP" sz="1800"/>
+            <a:rPr lang="ja-JP" altLang="en-US" sz="2000"/>
+            <a:t>・</a:t>
+          </a:r>
+          <a:r>
+            <a:rPr lang="ja-JP" sz="2000"/>
             <a:t>多層的な情報の表示と共有が可能</a:t>
           </a:r>
-          <a:endParaRPr lang="en-US" sz="1800" dirty="0"/>
+          <a:endParaRPr lang="en-US" sz="2000" dirty="0"/>
         </a:p>
       </dgm:t>
     </dgm:pt>
@@ -4214,7 +4370,7 @@
       <dgm:spPr/>
     </dgm:pt>
     <dgm:pt modelId="{59B5B883-4FE9-45B9-A607-7B3048CC5851}" type="pres">
-      <dgm:prSet presAssocID="{8814B4CA-BFFE-453B-B4A6-836A626E4C04}" presName="parTx" presStyleLbl="revTx" presStyleIdx="0" presStyleCnt="4">
+      <dgm:prSet presAssocID="{8814B4CA-BFFE-453B-B4A6-836A626E4C04}" presName="parTx" presStyleLbl="revTx" presStyleIdx="0" presStyleCnt="4" custScaleX="112011">
         <dgm:presLayoutVars>
           <dgm:chMax val="0"/>
           <dgm:chPref val="0"/>
@@ -4227,7 +4383,7 @@
       <dgm:spPr/>
     </dgm:pt>
     <dgm:pt modelId="{7F5F3089-B717-4A74-AC1F-4250E9D9CB03}" type="pres">
-      <dgm:prSet presAssocID="{8814B4CA-BFFE-453B-B4A6-836A626E4C04}" presName="desTx" presStyleLbl="revTx" presStyleIdx="1" presStyleCnt="4">
+      <dgm:prSet presAssocID="{8814B4CA-BFFE-453B-B4A6-836A626E4C04}" presName="desTx" presStyleLbl="revTx" presStyleIdx="1" presStyleCnt="4" custLinFactNeighborX="-5240" custLinFactNeighborY="3331">
         <dgm:presLayoutVars/>
       </dgm:prSet>
       <dgm:spPr/>
@@ -4286,7 +4442,7 @@
       <dgm:spPr/>
     </dgm:pt>
     <dgm:pt modelId="{490E04AA-06D6-4B16-A5C5-6C5528534471}" type="pres">
-      <dgm:prSet presAssocID="{B83DAE57-4EDA-4562-A093-087CD2B92786}" presName="desTx" presStyleLbl="revTx" presStyleIdx="3" presStyleCnt="4" custLinFactNeighborX="-2138" custLinFactNeighborY="-18662">
+      <dgm:prSet presAssocID="{B83DAE57-4EDA-4562-A093-087CD2B92786}" presName="desTx" presStyleLbl="revTx" presStyleIdx="3" presStyleCnt="4" custScaleX="106313" custLinFactY="-1952" custLinFactNeighborX="108" custLinFactNeighborY="-100000">
         <dgm:presLayoutVars/>
       </dgm:prSet>
       <dgm:spPr/>
@@ -4353,7 +4509,7 @@
             <a:rPr lang="ja-JP"/>
             <a:t>広島アーカイブ</a:t>
           </a:r>
-          <a:endParaRPr lang="en-US"/>
+          <a:endParaRPr lang="en-US" dirty="0"/>
         </a:p>
       </dgm:t>
     </dgm:pt>
@@ -4390,7 +4546,7 @@
             <a:rPr lang="ja-JP"/>
             <a:t>被爆者の証言</a:t>
           </a:r>
-          <a:endParaRPr lang="en-US"/>
+          <a:endParaRPr lang="en-US" dirty="0"/>
         </a:p>
       </dgm:t>
     </dgm:pt>
@@ -4427,7 +4583,7 @@
             <a:rPr lang="ja-JP"/>
             <a:t>写真、地図、動画の統合</a:t>
           </a:r>
-          <a:endParaRPr lang="en-US"/>
+          <a:endParaRPr lang="en-US" dirty="0"/>
         </a:p>
       </dgm:t>
     </dgm:pt>
@@ -4538,7 +4694,7 @@
             <a:rPr lang="ja-JP"/>
             <a:t>被爆の詳細な記録</a:t>
           </a:r>
-          <a:endParaRPr lang="en-US"/>
+          <a:endParaRPr lang="en-US" dirty="0"/>
         </a:p>
       </dgm:t>
     </dgm:pt>
@@ -4686,7 +4842,7 @@
             <a:rPr lang="ja-JP"/>
             <a:t>地域コミュニティとの連携</a:t>
           </a:r>
-          <a:endParaRPr lang="en-US"/>
+          <a:endParaRPr lang="en-US" dirty="0"/>
         </a:p>
       </dgm:t>
     </dgm:pt>
@@ -4875,7 +5031,7 @@
 <dgm:dataModel xmlns:dgm="http://schemas.openxmlformats.org/drawingml/2006/diagram" xmlns:a="http://schemas.openxmlformats.org/drawingml/2006/main">
   <dgm:ptLst>
     <dgm:pt modelId="{8AB8E543-DB42-4FD4-90C2-31F2FDE50FE1}" type="doc">
-      <dgm:prSet loTypeId="urn:microsoft.com/office/officeart/2005/8/layout/list1" loCatId="list" qsTypeId="urn:microsoft.com/office/officeart/2005/8/quickstyle/simple1" qsCatId="simple" csTypeId="urn:microsoft.com/office/officeart/2005/8/colors/accent1_2" csCatId="accent1"/>
+      <dgm:prSet loTypeId="urn:microsoft.com/office/officeart/2005/8/layout/list1" loCatId="list" qsTypeId="urn:microsoft.com/office/officeart/2005/8/quickstyle/simple1" qsCatId="simple" csTypeId="urn:microsoft.com/office/officeart/2005/8/colors/accent1_2" csCatId="accent1" phldr="1"/>
       <dgm:spPr/>
       <dgm:t>
         <a:bodyPr/>
@@ -4893,10 +5049,10 @@
         <a:lstStyle/>
         <a:p>
           <a:r>
-            <a:rPr lang="ja-JP"/>
-            <a:t>被災者の証言</a:t>
+            <a:rPr lang="en-US" dirty="0" err="1"/>
+            <a:t>震災発生時の状況</a:t>
           </a:r>
-          <a:endParaRPr lang="en-US"/>
+          <a:endParaRPr lang="en-US" dirty="0"/>
         </a:p>
       </dgm:t>
     </dgm:pt>
@@ -4929,11 +5085,23 @@
         <a:bodyPr/>
         <a:lstStyle/>
         <a:p>
+          <a:pPr>
+            <a:buFont typeface="Arial" panose="020B0604020202020204" pitchFamily="34" charset="0"/>
+            <a:buChar char="•"/>
+          </a:pPr>
           <a:r>
-            <a:rPr lang="ja-JP"/>
-            <a:t>インタビューや音声記録</a:t>
+            <a:rPr lang="ja-JP" altLang="en-US" b="1"/>
+            <a:t>地震・津波の影響</a:t>
           </a:r>
-          <a:endParaRPr lang="en-US"/>
+          <a:r>
+            <a:rPr lang="en-US" altLang="ja-JP" b="1" dirty="0"/>
+            <a:t>: </a:t>
+          </a:r>
+          <a:r>
+            <a:rPr lang="ja-JP" altLang="en-US"/>
+            <a:t>楢葉町で観測された震度や被害状況、津波の浸水範囲、被災したインフラや住宅の写真・動画</a:t>
+          </a:r>
+          <a:endParaRPr lang="en-US" dirty="0"/>
         </a:p>
       </dgm:t>
     </dgm:pt>
@@ -4959,154 +5127,6 @@
         </a:p>
       </dgm:t>
     </dgm:pt>
-    <dgm:pt modelId="{859376CE-BA57-4718-B586-BD97D97A8D92}">
-      <dgm:prSet/>
-      <dgm:spPr/>
-      <dgm:t>
-        <a:bodyPr/>
-        <a:lstStyle/>
-        <a:p>
-          <a:r>
-            <a:rPr lang="ja-JP"/>
-            <a:t>個々の体験談</a:t>
-          </a:r>
-          <a:endParaRPr lang="en-US" dirty="0"/>
-        </a:p>
-      </dgm:t>
-    </dgm:pt>
-    <dgm:pt modelId="{8859FE6B-EA03-4900-8409-1BEFC3A49CCD}" type="parTrans" cxnId="{BBC69C2A-4D8A-4DBA-9FBA-16B2C1E4A236}">
-      <dgm:prSet/>
-      <dgm:spPr/>
-      <dgm:t>
-        <a:bodyPr/>
-        <a:lstStyle/>
-        <a:p>
-          <a:endParaRPr lang="en-US"/>
-        </a:p>
-      </dgm:t>
-    </dgm:pt>
-    <dgm:pt modelId="{BE49BFEF-A79F-49E5-B36D-CEDDB4217B8C}" type="sibTrans" cxnId="{BBC69C2A-4D8A-4DBA-9FBA-16B2C1E4A236}">
-      <dgm:prSet/>
-      <dgm:spPr/>
-      <dgm:t>
-        <a:bodyPr/>
-        <a:lstStyle/>
-        <a:p>
-          <a:endParaRPr lang="en-US"/>
-        </a:p>
-      </dgm:t>
-    </dgm:pt>
-    <dgm:pt modelId="{E84BFBE0-A944-4653-8D1C-B872AC3566C8}">
-      <dgm:prSet/>
-      <dgm:spPr/>
-      <dgm:t>
-        <a:bodyPr/>
-        <a:lstStyle/>
-        <a:p>
-          <a:r>
-            <a:rPr lang="ja-JP"/>
-            <a:t>カタリバ</a:t>
-          </a:r>
-          <a:endParaRPr lang="en-US" dirty="0"/>
-        </a:p>
-      </dgm:t>
-    </dgm:pt>
-    <dgm:pt modelId="{4B41139D-2623-4E21-A33A-1B3686BD71D6}" type="parTrans" cxnId="{E766027F-FEAC-46FD-B41E-0B65DF206D64}">
-      <dgm:prSet/>
-      <dgm:spPr/>
-      <dgm:t>
-        <a:bodyPr/>
-        <a:lstStyle/>
-        <a:p>
-          <a:endParaRPr lang="en-US"/>
-        </a:p>
-      </dgm:t>
-    </dgm:pt>
-    <dgm:pt modelId="{BE6D29E3-31CC-44DA-A2A7-F457A0312F9E}" type="sibTrans" cxnId="{E766027F-FEAC-46FD-B41E-0B65DF206D64}">
-      <dgm:prSet/>
-      <dgm:spPr/>
-      <dgm:t>
-        <a:bodyPr/>
-        <a:lstStyle/>
-        <a:p>
-          <a:endParaRPr lang="en-US"/>
-        </a:p>
-      </dgm:t>
-    </dgm:pt>
-    <dgm:pt modelId="{0DFB08E7-5FC5-4174-8FFA-AD7FA8921CC4}">
-      <dgm:prSet/>
-      <dgm:spPr/>
-      <dgm:t>
-        <a:bodyPr/>
-        <a:lstStyle/>
-        <a:p>
-          <a:r>
-            <a:rPr lang="ja-JP"/>
-            <a:t>ふたば未来学園創設に関して</a:t>
-          </a:r>
-          <a:endParaRPr lang="en-US" dirty="0"/>
-        </a:p>
-      </dgm:t>
-    </dgm:pt>
-    <dgm:pt modelId="{E8FD1E7C-1D5F-4EE6-BB44-DF30E467D931}" type="parTrans" cxnId="{4B05584F-68A2-4792-8DD7-50F52DBC7672}">
-      <dgm:prSet/>
-      <dgm:spPr/>
-      <dgm:t>
-        <a:bodyPr/>
-        <a:lstStyle/>
-        <a:p>
-          <a:endParaRPr lang="en-US"/>
-        </a:p>
-      </dgm:t>
-    </dgm:pt>
-    <dgm:pt modelId="{C1DEFDC7-B7B4-4CE4-BFBB-687C04A660A9}" type="sibTrans" cxnId="{4B05584F-68A2-4792-8DD7-50F52DBC7672}">
-      <dgm:prSet/>
-      <dgm:spPr/>
-      <dgm:t>
-        <a:bodyPr/>
-        <a:lstStyle/>
-        <a:p>
-          <a:endParaRPr lang="en-US"/>
-        </a:p>
-      </dgm:t>
-    </dgm:pt>
-    <dgm:pt modelId="{62AD8EA6-2DC7-4EDF-9A07-F4CAB2B34359}">
-      <dgm:prSet/>
-      <dgm:spPr/>
-      <dgm:t>
-        <a:bodyPr/>
-        <a:lstStyle/>
-        <a:p>
-          <a:r>
-            <a:rPr lang="ja-JP"/>
-            <a:t>被害状況の写真・動画</a:t>
-          </a:r>
-          <a:endParaRPr lang="en-US"/>
-        </a:p>
-      </dgm:t>
-    </dgm:pt>
-    <dgm:pt modelId="{9C7C3587-82FA-4548-9604-03F33C7BA553}" type="parTrans" cxnId="{2B226A50-459A-4687-A077-7EEB4721010A}">
-      <dgm:prSet/>
-      <dgm:spPr/>
-      <dgm:t>
-        <a:bodyPr/>
-        <a:lstStyle/>
-        <a:p>
-          <a:endParaRPr lang="en-US"/>
-        </a:p>
-      </dgm:t>
-    </dgm:pt>
-    <dgm:pt modelId="{4F17C99D-D9D1-4130-AA5F-71EDDA7C82B8}" type="sibTrans" cxnId="{2B226A50-459A-4687-A077-7EEB4721010A}">
-      <dgm:prSet/>
-      <dgm:spPr/>
-      <dgm:t>
-        <a:bodyPr/>
-        <a:lstStyle/>
-        <a:p>
-          <a:endParaRPr lang="en-US"/>
-        </a:p>
-      </dgm:t>
-    </dgm:pt>
     <dgm:pt modelId="{AF8AF2C4-2BBC-4E45-BA86-3D22723284CD}">
       <dgm:prSet/>
       <dgm:spPr/>
@@ -5114,11 +5134,31 @@
         <a:bodyPr/>
         <a:lstStyle/>
         <a:p>
+          <a:pPr>
+            <a:buFont typeface="Arial" panose="020B0604020202020204" pitchFamily="34" charset="0"/>
+            <a:buChar char="•"/>
+          </a:pPr>
           <a:r>
-            <a:rPr lang="ja-JP"/>
-            <a:t>災害直後の映像や写真</a:t>
+            <a:rPr lang="ja-JP" altLang="en-US" b="1"/>
+            <a:t>インフラ再建</a:t>
           </a:r>
-          <a:endParaRPr lang="en-US"/>
+          <a:r>
+            <a:rPr lang="en-US" altLang="ja-JP" b="1" dirty="0"/>
+            <a:t>: </a:t>
+          </a:r>
+          <a:r>
+            <a:rPr lang="ja-JP" altLang="en-US"/>
+            <a:t>道路や</a:t>
+          </a:r>
+          <a:r>
+            <a:rPr lang="en" dirty="0"/>
+            <a:t>JR</a:t>
+          </a:r>
+          <a:r>
+            <a:rPr lang="ja-JP" altLang="en-US"/>
+            <a:t>常磐線の復旧</a:t>
+          </a:r>
+          <a:endParaRPr lang="en-US" dirty="0"/>
         </a:p>
       </dgm:t>
     </dgm:pt>
@@ -5144,43 +5184,6 @@
         </a:p>
       </dgm:t>
     </dgm:pt>
-    <dgm:pt modelId="{E7EFC922-8105-4A98-ABB7-8033B0B27BED}">
-      <dgm:prSet/>
-      <dgm:spPr/>
-      <dgm:t>
-        <a:bodyPr/>
-        <a:lstStyle/>
-        <a:p>
-          <a:r>
-            <a:rPr lang="ja-JP"/>
-            <a:t>復興過程の記録</a:t>
-          </a:r>
-          <a:endParaRPr lang="en-US"/>
-        </a:p>
-      </dgm:t>
-    </dgm:pt>
-    <dgm:pt modelId="{1203ED5F-B5EF-49D0-8B35-DECD5D52F3AC}" type="parTrans" cxnId="{6A60F4CA-769C-4DA9-B48C-ACE0624604E8}">
-      <dgm:prSet/>
-      <dgm:spPr/>
-      <dgm:t>
-        <a:bodyPr/>
-        <a:lstStyle/>
-        <a:p>
-          <a:endParaRPr lang="en-US"/>
-        </a:p>
-      </dgm:t>
-    </dgm:pt>
-    <dgm:pt modelId="{7C009C92-1B62-4DAE-B817-7D144BB4D76B}" type="sibTrans" cxnId="{6A60F4CA-769C-4DA9-B48C-ACE0624604E8}">
-      <dgm:prSet/>
-      <dgm:spPr/>
-      <dgm:t>
-        <a:bodyPr/>
-        <a:lstStyle/>
-        <a:p>
-          <a:endParaRPr lang="en-US"/>
-        </a:p>
-      </dgm:t>
-    </dgm:pt>
     <dgm:pt modelId="{F141CD58-2258-42FA-AEF7-42C17DCB0DFC}">
       <dgm:prSet/>
       <dgm:spPr/>
@@ -5189,10 +5192,10 @@
         <a:lstStyle/>
         <a:p>
           <a:r>
-            <a:rPr lang="ja-JP"/>
-            <a:t>復興の過程</a:t>
+            <a:rPr lang="en-US" dirty="0" err="1"/>
+            <a:t>避難指示解除後課題と現状</a:t>
           </a:r>
-          <a:endParaRPr lang="en-US"/>
+          <a:endParaRPr lang="en-US" dirty="0"/>
         </a:p>
       </dgm:t>
     </dgm:pt>
@@ -5225,11 +5228,23 @@
         <a:bodyPr/>
         <a:lstStyle/>
         <a:p>
+          <a:pPr>
+            <a:buFont typeface="Arial" panose="020B0604020202020204" pitchFamily="34" charset="0"/>
+            <a:buChar char="•"/>
+          </a:pPr>
           <a:r>
-            <a:rPr lang="ja-JP"/>
-            <a:t>インフラ再建の記録</a:t>
+            <a:rPr lang="ja-JP" altLang="en-US" b="1"/>
+            <a:t>住民帰還の現状</a:t>
           </a:r>
-          <a:endParaRPr lang="en-US"/>
+          <a:r>
+            <a:rPr lang="en-US" altLang="ja-JP" b="1" dirty="0"/>
+            <a:t>: </a:t>
+          </a:r>
+          <a:r>
+            <a:rPr lang="ja-JP" altLang="en-US"/>
+            <a:t>帰還率とその変化、帰還した住民とそうしなかった住民それぞれの考え</a:t>
+          </a:r>
+          <a:endParaRPr lang="en-US" dirty="0"/>
         </a:p>
       </dgm:t>
     </dgm:pt>
@@ -5255,80 +5270,6 @@
         </a:p>
       </dgm:t>
     </dgm:pt>
-    <dgm:pt modelId="{AABD3BBF-E42D-4370-A662-B11D209FBE9B}">
-      <dgm:prSet/>
-      <dgm:spPr/>
-      <dgm:t>
-        <a:bodyPr/>
-        <a:lstStyle/>
-        <a:p>
-          <a:r>
-            <a:rPr lang="ja-JP"/>
-            <a:t>コミュニティの復興努力</a:t>
-          </a:r>
-          <a:endParaRPr lang="en-US"/>
-        </a:p>
-      </dgm:t>
-    </dgm:pt>
-    <dgm:pt modelId="{733E7108-09DB-4B9D-9AA8-A1136A519A80}" type="parTrans" cxnId="{404D986B-1843-4F19-825C-271E09CBA7EE}">
-      <dgm:prSet/>
-      <dgm:spPr/>
-      <dgm:t>
-        <a:bodyPr/>
-        <a:lstStyle/>
-        <a:p>
-          <a:endParaRPr lang="en-US"/>
-        </a:p>
-      </dgm:t>
-    </dgm:pt>
-    <dgm:pt modelId="{88C2B788-2AD2-45B0-A0C3-A3302F24D83B}" type="sibTrans" cxnId="{404D986B-1843-4F19-825C-271E09CBA7EE}">
-      <dgm:prSet/>
-      <dgm:spPr/>
-      <dgm:t>
-        <a:bodyPr/>
-        <a:lstStyle/>
-        <a:p>
-          <a:endParaRPr lang="en-US"/>
-        </a:p>
-      </dgm:t>
-    </dgm:pt>
-    <dgm:pt modelId="{A4BFAF3D-59DC-449E-B599-316C02C4AC8D}">
-      <dgm:prSet/>
-      <dgm:spPr/>
-      <dgm:t>
-        <a:bodyPr/>
-        <a:lstStyle/>
-        <a:p>
-          <a:r>
-            <a:rPr lang="ja-JP"/>
-            <a:t>学生の探究活動</a:t>
-          </a:r>
-          <a:endParaRPr lang="en-US"/>
-        </a:p>
-      </dgm:t>
-    </dgm:pt>
-    <dgm:pt modelId="{0B37B2F4-49E1-4673-A2FE-DAC7C8F3A677}" type="parTrans" cxnId="{0FD503E6-E3B1-4973-9FE4-1DD3F1A81C6E}">
-      <dgm:prSet/>
-      <dgm:spPr/>
-      <dgm:t>
-        <a:bodyPr/>
-        <a:lstStyle/>
-        <a:p>
-          <a:endParaRPr lang="en-US"/>
-        </a:p>
-      </dgm:t>
-    </dgm:pt>
-    <dgm:pt modelId="{4A1F5C0D-7183-4AE9-BE76-51734F09283A}" type="sibTrans" cxnId="{0FD503E6-E3B1-4973-9FE4-1DD3F1A81C6E}">
-      <dgm:prSet/>
-      <dgm:spPr/>
-      <dgm:t>
-        <a:bodyPr/>
-        <a:lstStyle/>
-        <a:p>
-          <a:endParaRPr lang="en-US"/>
-        </a:p>
-      </dgm:t>
-    </dgm:pt>
     <dgm:pt modelId="{6A6A1B8D-1D28-4C06-82F6-6E9D36DB2DF8}">
       <dgm:prSet/>
       <dgm:spPr/>
@@ -5337,10 +5278,10 @@
         <a:lstStyle/>
         <a:p>
           <a:r>
-            <a:rPr lang="ja-JP"/>
-            <a:t>多岐にわたる情報の収集とデジタル化</a:t>
+            <a:rPr lang="en-US" dirty="0" err="1"/>
+            <a:t>次世代への教訓</a:t>
           </a:r>
-          <a:endParaRPr lang="en-US"/>
+          <a:endParaRPr lang="en-US" dirty="0"/>
         </a:p>
       </dgm:t>
     </dgm:pt>
@@ -5373,10 +5314,25 @@
         <a:bodyPr/>
         <a:lstStyle/>
         <a:p>
+          <a:pPr>
+            <a:buFont typeface="Arial" panose="020B0604020202020204" pitchFamily="34" charset="0"/>
+            <a:buChar char="•"/>
+          </a:pPr>
           <a:r>
-            <a:rPr lang="ja-JP"/>
-            <a:t>文書、地図、マルチメディアコンテンツ</a:t>
+            <a:rPr lang="ja-JP" altLang="en-US" b="1"/>
+            <a:t>震災の記憶を伝える活動</a:t>
           </a:r>
+          <a:endParaRPr lang="en-US" dirty="0"/>
+        </a:p>
+      </dgm:t>
+    </dgm:pt>
+    <dgm:pt modelId="{DB5FA196-3647-4C38-870F-E84260187AF8}" type="sibTrans" cxnId="{12E1C10C-EFE8-45CE-9025-209F60AE0FE5}">
+      <dgm:prSet/>
+      <dgm:spPr/>
+      <dgm:t>
+        <a:bodyPr/>
+        <a:lstStyle/>
+        <a:p>
           <a:endParaRPr lang="en-US"/>
         </a:p>
       </dgm:t>
@@ -5392,7 +5348,275 @@
         </a:p>
       </dgm:t>
     </dgm:pt>
-    <dgm:pt modelId="{DB5FA196-3647-4C38-870F-E84260187AF8}" type="sibTrans" cxnId="{12E1C10C-EFE8-45CE-9025-209F60AE0FE5}">
+    <dgm:pt modelId="{13437B3A-BCCE-8D40-A614-47F44277401C}">
+      <dgm:prSet/>
+      <dgm:spPr/>
+      <dgm:t>
+        <a:bodyPr/>
+        <a:lstStyle/>
+        <a:p>
+          <a:pPr>
+            <a:buFont typeface="Arial" panose="020B0604020202020204" pitchFamily="34" charset="0"/>
+            <a:buChar char="•"/>
+          </a:pPr>
+          <a:r>
+            <a:rPr lang="ja-JP" altLang="en-US"/>
+            <a:t>被災者の体験談を記録したドキュメンタリー動画の作成</a:t>
+          </a:r>
+        </a:p>
+      </dgm:t>
+    </dgm:pt>
+    <dgm:pt modelId="{E85EA761-00E8-774A-BC15-2A37BC29E22C}" type="parTrans" cxnId="{6A17FF49-B709-1945-A840-A8B91ED01A2E}">
+      <dgm:prSet/>
+      <dgm:spPr/>
+      <dgm:t>
+        <a:bodyPr/>
+        <a:lstStyle/>
+        <a:p>
+          <a:endParaRPr kumimoji="1" lang="ja-JP" altLang="en-US"/>
+        </a:p>
+      </dgm:t>
+    </dgm:pt>
+    <dgm:pt modelId="{1301BE8E-5E86-A64C-8F70-270401607EDE}" type="sibTrans" cxnId="{6A17FF49-B709-1945-A840-A8B91ED01A2E}">
+      <dgm:prSet/>
+      <dgm:spPr/>
+      <dgm:t>
+        <a:bodyPr/>
+        <a:lstStyle/>
+        <a:p>
+          <a:endParaRPr kumimoji="1" lang="ja-JP" altLang="en-US"/>
+        </a:p>
+      </dgm:t>
+    </dgm:pt>
+    <dgm:pt modelId="{F6B272D7-8309-FE45-B2EC-94CD69AB1C0B}">
+      <dgm:prSet/>
+      <dgm:spPr/>
+      <dgm:t>
+        <a:bodyPr/>
+        <a:lstStyle/>
+        <a:p>
+          <a:pPr>
+            <a:buFont typeface="Arial" panose="020B0604020202020204" pitchFamily="34" charset="0"/>
+            <a:buChar char="•"/>
+          </a:pPr>
+          <a:r>
+            <a:rPr lang="ja-JP" altLang="en-US"/>
+            <a:t>楢葉町が行う防災ワークショップや地域交流イベント</a:t>
+          </a:r>
+        </a:p>
+      </dgm:t>
+    </dgm:pt>
+    <dgm:pt modelId="{02C2CDB7-2AC0-5C42-9F85-E55772834F19}" type="parTrans" cxnId="{B2F316FC-6A83-1446-B22B-7E7A4502A529}">
+      <dgm:prSet/>
+      <dgm:spPr/>
+      <dgm:t>
+        <a:bodyPr/>
+        <a:lstStyle/>
+        <a:p>
+          <a:endParaRPr kumimoji="1" lang="ja-JP" altLang="en-US"/>
+        </a:p>
+      </dgm:t>
+    </dgm:pt>
+    <dgm:pt modelId="{54189E5F-E8F2-EA4E-8D8D-9A8547E48ECD}" type="sibTrans" cxnId="{B2F316FC-6A83-1446-B22B-7E7A4502A529}">
+      <dgm:prSet/>
+      <dgm:spPr/>
+      <dgm:t>
+        <a:bodyPr/>
+        <a:lstStyle/>
+        <a:p>
+          <a:endParaRPr kumimoji="1" lang="ja-JP" altLang="en-US"/>
+        </a:p>
+      </dgm:t>
+    </dgm:pt>
+    <dgm:pt modelId="{CEC5290B-619F-414F-AFD0-60093EC75825}">
+      <dgm:prSet/>
+      <dgm:spPr/>
+      <dgm:t>
+        <a:bodyPr/>
+        <a:lstStyle/>
+        <a:p>
+          <a:pPr>
+            <a:buFont typeface="Arial" panose="020B0604020202020204" pitchFamily="34" charset="0"/>
+            <a:buChar char="•"/>
+          </a:pPr>
+          <a:r>
+            <a:rPr lang="ja-JP" altLang="en-US" b="1"/>
+            <a:t>少子高齢化とその影響</a:t>
+          </a:r>
+          <a:endParaRPr lang="ja-JP" altLang="en-US"/>
+        </a:p>
+      </dgm:t>
+    </dgm:pt>
+    <dgm:pt modelId="{FC2EBB6A-0661-5848-8926-CE0F2997A346}" type="parTrans" cxnId="{32469CFD-950A-BF4B-8C0C-57FBF7069A49}">
+      <dgm:prSet/>
+      <dgm:spPr/>
+      <dgm:t>
+        <a:bodyPr/>
+        <a:lstStyle/>
+        <a:p>
+          <a:endParaRPr kumimoji="1" lang="ja-JP" altLang="en-US"/>
+        </a:p>
+      </dgm:t>
+    </dgm:pt>
+    <dgm:pt modelId="{0D2698FC-F5BD-C746-B96E-CBCD129352B1}" type="sibTrans" cxnId="{32469CFD-950A-BF4B-8C0C-57FBF7069A49}">
+      <dgm:prSet/>
+      <dgm:spPr/>
+      <dgm:t>
+        <a:bodyPr/>
+        <a:lstStyle/>
+        <a:p>
+          <a:endParaRPr kumimoji="1" lang="ja-JP" altLang="en-US"/>
+        </a:p>
+      </dgm:t>
+    </dgm:pt>
+    <dgm:pt modelId="{066A8C8D-4E30-5F40-A321-94FD418C758C}">
+      <dgm:prSet/>
+      <dgm:spPr/>
+      <dgm:t>
+        <a:bodyPr/>
+        <a:lstStyle/>
+        <a:p>
+          <a:pPr>
+            <a:buFont typeface="Arial" panose="020B0604020202020204" pitchFamily="34" charset="0"/>
+            <a:buChar char="•"/>
+          </a:pPr>
+          <a:r>
+            <a:rPr lang="ja-JP" altLang="en-US" b="1"/>
+            <a:t>教育や医療サービスの課題</a:t>
+          </a:r>
+        </a:p>
+      </dgm:t>
+    </dgm:pt>
+    <dgm:pt modelId="{87333E0F-44C8-C34C-A12C-827E2943B879}" type="parTrans" cxnId="{C68A0818-9B21-2C40-97B8-390F4B1AD000}">
+      <dgm:prSet/>
+      <dgm:spPr/>
+      <dgm:t>
+        <a:bodyPr/>
+        <a:lstStyle/>
+        <a:p>
+          <a:endParaRPr kumimoji="1" lang="ja-JP" altLang="en-US"/>
+        </a:p>
+      </dgm:t>
+    </dgm:pt>
+    <dgm:pt modelId="{ACAF22D3-E6A8-984A-B341-86DC4B551386}" type="sibTrans" cxnId="{C68A0818-9B21-2C40-97B8-390F4B1AD000}">
+      <dgm:prSet/>
+      <dgm:spPr/>
+      <dgm:t>
+        <a:bodyPr/>
+        <a:lstStyle/>
+        <a:p>
+          <a:endParaRPr kumimoji="1" lang="ja-JP" altLang="en-US"/>
+        </a:p>
+      </dgm:t>
+    </dgm:pt>
+    <dgm:pt modelId="{B85713D8-8BF0-C74A-B98D-2C137189F6E4}">
+      <dgm:prSet/>
+      <dgm:spPr/>
+      <dgm:t>
+        <a:bodyPr/>
+        <a:lstStyle/>
+        <a:p>
+          <a:pPr>
+            <a:buFont typeface="Arial" panose="020B0604020202020204" pitchFamily="34" charset="0"/>
+            <a:buChar char="•"/>
+          </a:pPr>
+          <a:r>
+            <a:rPr lang="ja-JP" altLang="en-US" b="1"/>
+            <a:t>震災遺構の保存</a:t>
+          </a:r>
+          <a:r>
+            <a:rPr lang="en-US" altLang="ja-JP" b="1" dirty="0"/>
+            <a:t>: </a:t>
+          </a:r>
+          <a:r>
+            <a:rPr lang="ja-JP" altLang="en-US"/>
+            <a:t>避難所や被災した公共施設の活用状況</a:t>
+          </a:r>
+        </a:p>
+      </dgm:t>
+    </dgm:pt>
+    <dgm:pt modelId="{826A7978-8AAD-EC45-9EDE-64D52DDB63E5}" type="parTrans" cxnId="{08823C6E-502D-DB4E-8CA8-F2002E7340FF}">
+      <dgm:prSet/>
+      <dgm:spPr/>
+      <dgm:t>
+        <a:bodyPr/>
+        <a:lstStyle/>
+        <a:p>
+          <a:endParaRPr kumimoji="1" lang="ja-JP" altLang="en-US"/>
+        </a:p>
+      </dgm:t>
+    </dgm:pt>
+    <dgm:pt modelId="{7881BBC2-DF73-6E41-8BDD-55850FDC5BFA}" type="sibTrans" cxnId="{08823C6E-502D-DB4E-8CA8-F2002E7340FF}">
+      <dgm:prSet/>
+      <dgm:spPr/>
+      <dgm:t>
+        <a:bodyPr/>
+        <a:lstStyle/>
+        <a:p>
+          <a:endParaRPr kumimoji="1" lang="ja-JP" altLang="en-US"/>
+        </a:p>
+      </dgm:t>
+    </dgm:pt>
+    <dgm:pt modelId="{D2F5E469-CB07-9E40-BE0D-ADC8BEB42334}">
+      <dgm:prSet/>
+      <dgm:spPr/>
+      <dgm:t>
+        <a:bodyPr/>
+        <a:lstStyle/>
+        <a:p>
+          <a:pPr>
+            <a:buFont typeface="Arial" panose="020B0604020202020204" pitchFamily="34" charset="0"/>
+            <a:buChar char="•"/>
+          </a:pPr>
+          <a:r>
+            <a:rPr lang="ja-JP" altLang="en-US" b="1"/>
+            <a:t>観光資源としての震災遺構</a:t>
+          </a:r>
+          <a:r>
+            <a:rPr lang="ja-JP" altLang="en-US"/>
+            <a:t>の取り組み</a:t>
+          </a:r>
+        </a:p>
+      </dgm:t>
+    </dgm:pt>
+    <dgm:pt modelId="{558D9EA2-C70D-4C4C-B307-6A5967DBFF4C}" type="parTrans" cxnId="{06AD9D3C-7AE3-E946-A771-D2DE57E0BE6A}">
+      <dgm:prSet/>
+      <dgm:spPr/>
+      <dgm:t>
+        <a:bodyPr/>
+        <a:lstStyle/>
+        <a:p>
+          <a:endParaRPr kumimoji="1" lang="ja-JP" altLang="en-US"/>
+        </a:p>
+      </dgm:t>
+    </dgm:pt>
+    <dgm:pt modelId="{ADFC88BA-39F2-CF42-9DAA-B87210B84A1A}" type="sibTrans" cxnId="{06AD9D3C-7AE3-E946-A771-D2DE57E0BE6A}">
+      <dgm:prSet/>
+      <dgm:spPr/>
+      <dgm:t>
+        <a:bodyPr/>
+        <a:lstStyle/>
+        <a:p>
+          <a:endParaRPr kumimoji="1" lang="ja-JP" altLang="en-US"/>
+        </a:p>
+      </dgm:t>
+    </dgm:pt>
+    <dgm:pt modelId="{62AD8EA6-2DC7-4EDF-9A07-F4CAB2B34359}">
+      <dgm:prSet/>
+      <dgm:spPr/>
+      <dgm:t>
+        <a:bodyPr/>
+        <a:lstStyle/>
+        <a:p>
+          <a:r>
+            <a:rPr lang="en-US" dirty="0" err="1"/>
+            <a:t>楢葉町の復興への取り組み</a:t>
+          </a:r>
+          <a:endParaRPr lang="en-US" dirty="0"/>
+        </a:p>
+      </dgm:t>
+    </dgm:pt>
+    <dgm:pt modelId="{4F17C99D-D9D1-4130-AA5F-71EDDA7C82B8}" type="sibTrans" cxnId="{2B226A50-459A-4687-A077-7EEB4721010A}">
       <dgm:prSet/>
       <dgm:spPr/>
       <dgm:t>
@@ -5400,6 +5624,265 @@
         <a:lstStyle/>
         <a:p>
           <a:endParaRPr lang="en-US"/>
+        </a:p>
+      </dgm:t>
+    </dgm:pt>
+    <dgm:pt modelId="{9C7C3587-82FA-4548-9604-03F33C7BA553}" type="parTrans" cxnId="{2B226A50-459A-4687-A077-7EEB4721010A}">
+      <dgm:prSet/>
+      <dgm:spPr/>
+      <dgm:t>
+        <a:bodyPr/>
+        <a:lstStyle/>
+        <a:p>
+          <a:endParaRPr lang="en-US"/>
+        </a:p>
+      </dgm:t>
+    </dgm:pt>
+    <dgm:pt modelId="{EC7A59D1-D433-F840-949B-1F488ECDAC73}">
+      <dgm:prSet/>
+      <dgm:spPr/>
+      <dgm:t>
+        <a:bodyPr/>
+        <a:lstStyle/>
+        <a:p>
+          <a:pPr>
+            <a:buFont typeface="Arial" panose="020B0604020202020204" pitchFamily="34" charset="0"/>
+            <a:buChar char="•"/>
+          </a:pPr>
+          <a:r>
+            <a:rPr lang="ja-JP" altLang="en-US" b="1"/>
+            <a:t>産業復興</a:t>
+          </a:r>
+          <a:r>
+            <a:rPr lang="en-US" altLang="ja-JP" b="1" dirty="0"/>
+            <a:t>:</a:t>
+          </a:r>
+          <a:r>
+            <a:rPr lang="ja-JP" altLang="en-US"/>
+            <a:t>「木戸川の鮭」再生プロジェクト</a:t>
+          </a:r>
+          <a:r>
+            <a:rPr lang="en-US" altLang="ja-JP" dirty="0"/>
+            <a:t>,</a:t>
+          </a:r>
+          <a:r>
+            <a:rPr lang="ja-JP" altLang="en-US"/>
+            <a:t>「ならは</a:t>
+          </a:r>
+          <a:r>
+            <a:rPr lang="en" dirty="0" err="1"/>
+            <a:t>CANvas</a:t>
+          </a:r>
+          <a:r>
+            <a:rPr lang="en" dirty="0"/>
+            <a:t>」</a:t>
+          </a:r>
+          <a:r>
+            <a:rPr lang="ja-JP" altLang="en-US"/>
+            <a:t>の開設</a:t>
+          </a:r>
+        </a:p>
+      </dgm:t>
+    </dgm:pt>
+    <dgm:pt modelId="{D102A702-D398-3245-874D-AB1896688AA4}" type="parTrans" cxnId="{5DEAC28D-9362-2249-9B05-97CAE87D2F49}">
+      <dgm:prSet/>
+      <dgm:spPr/>
+      <dgm:t>
+        <a:bodyPr/>
+        <a:lstStyle/>
+        <a:p>
+          <a:endParaRPr kumimoji="1" lang="ja-JP" altLang="en-US"/>
+        </a:p>
+      </dgm:t>
+    </dgm:pt>
+    <dgm:pt modelId="{B1FD9882-9869-8D4F-A99D-6DB7ADB05015}" type="sibTrans" cxnId="{5DEAC28D-9362-2249-9B05-97CAE87D2F49}">
+      <dgm:prSet/>
+      <dgm:spPr/>
+      <dgm:t>
+        <a:bodyPr/>
+        <a:lstStyle/>
+        <a:p>
+          <a:endParaRPr kumimoji="1" lang="ja-JP" altLang="en-US"/>
+        </a:p>
+      </dgm:t>
+    </dgm:pt>
+    <dgm:pt modelId="{6DA91758-D3F7-EB4E-9058-F5FED48C0783}">
+      <dgm:prSet/>
+      <dgm:spPr/>
+      <dgm:t>
+        <a:bodyPr/>
+        <a:lstStyle/>
+        <a:p>
+          <a:pPr>
+            <a:buFont typeface="Arial" panose="020B0604020202020204" pitchFamily="34" charset="0"/>
+            <a:buChar char="•"/>
+          </a:pPr>
+          <a:r>
+            <a:rPr lang="ja-JP" altLang="en-US" b="1"/>
+            <a:t>住民帰還への施策</a:t>
+          </a:r>
+          <a:r>
+            <a:rPr lang="en-US" altLang="ja-JP" b="1" dirty="0"/>
+            <a:t>: </a:t>
+          </a:r>
+          <a:r>
+            <a:rPr lang="ja-JP" altLang="en-US"/>
+            <a:t>住宅再建支援や「空き家・空き地バンク」の取り組み</a:t>
+          </a:r>
+        </a:p>
+      </dgm:t>
+    </dgm:pt>
+    <dgm:pt modelId="{AD776E1C-A786-B741-AF6B-07C8BD797C48}" type="parTrans" cxnId="{8666F584-9EE1-0C4A-BADB-F28EC281FEAF}">
+      <dgm:prSet/>
+      <dgm:spPr/>
+      <dgm:t>
+        <a:bodyPr/>
+        <a:lstStyle/>
+        <a:p>
+          <a:endParaRPr kumimoji="1" lang="ja-JP" altLang="en-US"/>
+        </a:p>
+      </dgm:t>
+    </dgm:pt>
+    <dgm:pt modelId="{32001550-7DA7-674E-B145-8D3D1F14A624}" type="sibTrans" cxnId="{8666F584-9EE1-0C4A-BADB-F28EC281FEAF}">
+      <dgm:prSet/>
+      <dgm:spPr/>
+      <dgm:t>
+        <a:bodyPr/>
+        <a:lstStyle/>
+        <a:p>
+          <a:endParaRPr kumimoji="1" lang="ja-JP" altLang="en-US"/>
+        </a:p>
+      </dgm:t>
+    </dgm:pt>
+    <dgm:pt modelId="{61CEA4DB-8186-FC4C-BF5E-CF8892254A51}">
+      <dgm:prSet/>
+      <dgm:spPr/>
+      <dgm:t>
+        <a:bodyPr/>
+        <a:lstStyle/>
+        <a:p>
+          <a:pPr>
+            <a:buFont typeface="Arial" panose="020B0604020202020204" pitchFamily="34" charset="0"/>
+            <a:buChar char="•"/>
+          </a:pPr>
+          <a:r>
+            <a:rPr lang="ja-JP" altLang="en-US" b="1"/>
+            <a:t>若年層の帰還促進</a:t>
+          </a:r>
+          <a:r>
+            <a:rPr lang="ja-JP" altLang="en-US"/>
+            <a:t>に向けたイベントやプログラム</a:t>
+          </a:r>
+        </a:p>
+      </dgm:t>
+    </dgm:pt>
+    <dgm:pt modelId="{1B3F80E3-E9DF-064E-BCAA-DE5CD7FD6202}" type="parTrans" cxnId="{06564EFA-D511-F648-9FED-6D4913BC02EE}">
+      <dgm:prSet/>
+      <dgm:spPr/>
+      <dgm:t>
+        <a:bodyPr/>
+        <a:lstStyle/>
+        <a:p>
+          <a:endParaRPr kumimoji="1" lang="ja-JP" altLang="en-US"/>
+        </a:p>
+      </dgm:t>
+    </dgm:pt>
+    <dgm:pt modelId="{6A4FA36D-76A6-F345-8845-0792994677EB}" type="sibTrans" cxnId="{06564EFA-D511-F648-9FED-6D4913BC02EE}">
+      <dgm:prSet/>
+      <dgm:spPr/>
+      <dgm:t>
+        <a:bodyPr/>
+        <a:lstStyle/>
+        <a:p>
+          <a:endParaRPr kumimoji="1" lang="ja-JP" altLang="en-US"/>
+        </a:p>
+      </dgm:t>
+    </dgm:pt>
+    <dgm:pt modelId="{50C02A62-B447-1B46-800D-6B720CC5A3C3}">
+      <dgm:prSet/>
+      <dgm:spPr/>
+      <dgm:t>
+        <a:bodyPr/>
+        <a:lstStyle/>
+        <a:p>
+          <a:pPr>
+            <a:buFont typeface="Arial" panose="020B0604020202020204" pitchFamily="34" charset="0"/>
+            <a:buChar char="•"/>
+          </a:pPr>
+          <a:r>
+            <a:rPr lang="ja-JP" altLang="en-US" b="1"/>
+            <a:t>原発事故の影響</a:t>
+          </a:r>
+          <a:r>
+            <a:rPr lang="en-US" altLang="ja-JP" b="1" dirty="0"/>
+            <a:t>: </a:t>
+          </a:r>
+          <a:r>
+            <a:rPr lang="ja-JP" altLang="en-US"/>
+            <a:t>放射線量の推移や避難区域の設定</a:t>
+          </a:r>
+        </a:p>
+      </dgm:t>
+    </dgm:pt>
+    <dgm:pt modelId="{3C58D980-5A0D-3047-9830-FCD94D6D319D}" type="parTrans" cxnId="{3254BD14-B29F-474B-8253-B7CD82F9DEB2}">
+      <dgm:prSet/>
+      <dgm:spPr/>
+      <dgm:t>
+        <a:bodyPr/>
+        <a:lstStyle/>
+        <a:p>
+          <a:endParaRPr kumimoji="1" lang="ja-JP" altLang="en-US"/>
+        </a:p>
+      </dgm:t>
+    </dgm:pt>
+    <dgm:pt modelId="{6BC106C8-4A5A-9C4E-995A-C1B2FC1202D3}" type="sibTrans" cxnId="{3254BD14-B29F-474B-8253-B7CD82F9DEB2}">
+      <dgm:prSet/>
+      <dgm:spPr/>
+      <dgm:t>
+        <a:bodyPr/>
+        <a:lstStyle/>
+        <a:p>
+          <a:endParaRPr kumimoji="1" lang="ja-JP" altLang="en-US"/>
+        </a:p>
+      </dgm:t>
+    </dgm:pt>
+    <dgm:pt modelId="{39FA232A-767F-D34D-A70E-56C43FABBB51}">
+      <dgm:prSet/>
+      <dgm:spPr/>
+      <dgm:t>
+        <a:bodyPr/>
+        <a:lstStyle/>
+        <a:p>
+          <a:pPr>
+            <a:buFont typeface="Arial" panose="020B0604020202020204" pitchFamily="34" charset="0"/>
+            <a:buChar char="•"/>
+          </a:pPr>
+          <a:r>
+            <a:rPr lang="ja-JP" altLang="en-US" b="1"/>
+            <a:t>避難指示の発令と住民の避難状況</a:t>
+          </a:r>
+        </a:p>
+      </dgm:t>
+    </dgm:pt>
+    <dgm:pt modelId="{EB9E7309-F701-454F-BF0E-01E8BC7580A2}" type="parTrans" cxnId="{989931A1-9B8E-8548-BFD3-0696F37115D5}">
+      <dgm:prSet/>
+      <dgm:spPr/>
+      <dgm:t>
+        <a:bodyPr/>
+        <a:lstStyle/>
+        <a:p>
+          <a:endParaRPr kumimoji="1" lang="ja-JP" altLang="en-US"/>
+        </a:p>
+      </dgm:t>
+    </dgm:pt>
+    <dgm:pt modelId="{3576FDC2-032C-EB43-BB26-8ADD9FFAD6AD}" type="sibTrans" cxnId="{989931A1-9B8E-8548-BFD3-0696F37115D5}">
+      <dgm:prSet/>
+      <dgm:spPr/>
+      <dgm:t>
+        <a:bodyPr/>
+        <a:lstStyle/>
+        <a:p>
+          <a:endParaRPr kumimoji="1" lang="ja-JP" altLang="en-US"/>
         </a:p>
       </dgm:t>
     </dgm:pt>
@@ -5543,39 +6026,49 @@
     </dgm:pt>
   </dgm:ptLst>
   <dgm:cxnLst>
+    <dgm:cxn modelId="{BD714100-73A6-064D-9B4C-CAB1976BA654}" type="presOf" srcId="{F6B272D7-8309-FE45-B2EC-94CD69AB1C0B}" destId="{46D3FFF5-4E64-A14D-8A3C-B797EA06E626}" srcOrd="0" destOrd="2" presId="urn:microsoft.com/office/officeart/2005/8/layout/list1"/>
+    <dgm:cxn modelId="{7CB4ED02-8509-CB47-BC18-36A1A4A134D8}" type="presOf" srcId="{CEC5290B-619F-414F-AFD0-60093EC75825}" destId="{A650819D-F0A2-2640-98AF-5D8CD08B70C8}" srcOrd="0" destOrd="1" presId="urn:microsoft.com/office/officeart/2005/8/layout/list1"/>
     <dgm:cxn modelId="{E38F8507-87A6-4FF9-A8BC-E4BFA8F81DD7}" srcId="{8AB8E543-DB42-4FD4-90C2-31F2FDE50FE1}" destId="{6A6A1B8D-1D28-4C06-82F6-6E9D36DB2DF8}" srcOrd="3" destOrd="0" parTransId="{16116279-1AE7-4513-B810-EB5CE2C9C2F1}" sibTransId="{2A060427-F4FE-45DD-BFC0-F0CB728E9208}"/>
     <dgm:cxn modelId="{12E1C10C-EFE8-45CE-9025-209F60AE0FE5}" srcId="{6A6A1B8D-1D28-4C06-82F6-6E9D36DB2DF8}" destId="{D05C185C-214F-443F-976C-AC3BA57BFD8F}" srcOrd="0" destOrd="0" parTransId="{389913B9-B04C-4889-8191-9E4B9EB45188}" sibTransId="{DB5FA196-3647-4C38-870F-E84260187AF8}"/>
+    <dgm:cxn modelId="{080F9D10-8814-6648-9E19-DEA67C11751E}" type="presOf" srcId="{39FA232A-767F-D34D-A70E-56C43FABBB51}" destId="{EA1FAB6E-1190-794B-AACF-6BC54A62EDBE}" srcOrd="0" destOrd="2" presId="urn:microsoft.com/office/officeart/2005/8/layout/list1"/>
+    <dgm:cxn modelId="{3254BD14-B29F-474B-8253-B7CD82F9DEB2}" srcId="{ED438927-5B1A-44C2-82B0-80AF3B3D31D4}" destId="{50C02A62-B447-1B46-800D-6B720CC5A3C3}" srcOrd="1" destOrd="0" parTransId="{3C58D980-5A0D-3047-9830-FCD94D6D319D}" sibTransId="{6BC106C8-4A5A-9C4E-995A-C1B2FC1202D3}"/>
+    <dgm:cxn modelId="{C68A0818-9B21-2C40-97B8-390F4B1AD000}" srcId="{F141CD58-2258-42FA-AEF7-42C17DCB0DFC}" destId="{066A8C8D-4E30-5F40-A321-94FD418C758C}" srcOrd="2" destOrd="0" parTransId="{87333E0F-44C8-C34C-A12C-827E2943B879}" sibTransId="{ACAF22D3-E6A8-984A-B341-86DC4B551386}"/>
     <dgm:cxn modelId="{80352F1D-EB5C-44F2-AE7F-22FF4BD97D83}" srcId="{8AB8E543-DB42-4FD4-90C2-31F2FDE50FE1}" destId="{ED438927-5B1A-44C2-82B0-80AF3B3D31D4}" srcOrd="0" destOrd="0" parTransId="{AAB8D2A8-AAB7-4070-B32A-62B8A9150695}" sibTransId="{85E78B18-7E26-4303-957F-37C6A45B066A}"/>
-    <dgm:cxn modelId="{BBC69C2A-4D8A-4DBA-9FBA-16B2C1E4A236}" srcId="{ED438927-5B1A-44C2-82B0-80AF3B3D31D4}" destId="{859376CE-BA57-4718-B586-BD97D97A8D92}" srcOrd="1" destOrd="0" parTransId="{8859FE6B-EA03-4900-8409-1BEFC3A49CCD}" sibTransId="{BE49BFEF-A79F-49E5-B36D-CEDDB4217B8C}"/>
+    <dgm:cxn modelId="{8FB5AB23-0D67-1B47-8BB2-D0625ED07879}" type="presOf" srcId="{D2F5E469-CB07-9E40-BE0D-ADC8BEB42334}" destId="{A650819D-F0A2-2640-98AF-5D8CD08B70C8}" srcOrd="0" destOrd="4" presId="urn:microsoft.com/office/officeart/2005/8/layout/list1"/>
     <dgm:cxn modelId="{CCC7D92A-862B-5249-8E1A-CE3399D8DAF9}" type="presOf" srcId="{D05C185C-214F-443F-976C-AC3BA57BFD8F}" destId="{46D3FFF5-4E64-A14D-8A3C-B797EA06E626}" srcOrd="0" destOrd="0" presId="urn:microsoft.com/office/officeart/2005/8/layout/list1"/>
+    <dgm:cxn modelId="{06AD9D3C-7AE3-E946-A771-D2DE57E0BE6A}" srcId="{F141CD58-2258-42FA-AEF7-42C17DCB0DFC}" destId="{D2F5E469-CB07-9E40-BE0D-ADC8BEB42334}" srcOrd="4" destOrd="0" parTransId="{558D9EA2-C70D-4C4C-B307-6A5967DBFF4C}" sibTransId="{ADFC88BA-39F2-CF42-9DAA-B87210B84A1A}"/>
+    <dgm:cxn modelId="{A1B7DA3C-8206-E640-BC41-113A7DA6B783}" type="presOf" srcId="{61CEA4DB-8186-FC4C-BF5E-CF8892254A51}" destId="{3494CF85-25D1-2047-B786-55E47CDC86B4}" srcOrd="0" destOrd="3" presId="urn:microsoft.com/office/officeart/2005/8/layout/list1"/>
     <dgm:cxn modelId="{E25DAF41-FD26-E14D-9C6E-0A00480A627D}" type="presOf" srcId="{6A6A1B8D-1D28-4C06-82F6-6E9D36DB2DF8}" destId="{9118BF56-1F6B-1C43-86DD-61FA4E20C3F7}" srcOrd="0" destOrd="0" presId="urn:microsoft.com/office/officeart/2005/8/layout/list1"/>
-    <dgm:cxn modelId="{4B05584F-68A2-4792-8DD7-50F52DBC7672}" srcId="{ED438927-5B1A-44C2-82B0-80AF3B3D31D4}" destId="{0DFB08E7-5FC5-4174-8FFA-AD7FA8921CC4}" srcOrd="3" destOrd="0" parTransId="{E8FD1E7C-1D5F-4EE6-BB44-DF30E467D931}" sibTransId="{C1DEFDC7-B7B4-4CE4-BFBB-687C04A660A9}"/>
+    <dgm:cxn modelId="{6A17FF49-B709-1945-A840-A8B91ED01A2E}" srcId="{6A6A1B8D-1D28-4C06-82F6-6E9D36DB2DF8}" destId="{13437B3A-BCCE-8D40-A614-47F44277401C}" srcOrd="1" destOrd="0" parTransId="{E85EA761-00E8-774A-BC15-2A37BC29E22C}" sibTransId="{1301BE8E-5E86-A64C-8F70-270401607EDE}"/>
     <dgm:cxn modelId="{2B226A50-459A-4687-A077-7EEB4721010A}" srcId="{8AB8E543-DB42-4FD4-90C2-31F2FDE50FE1}" destId="{62AD8EA6-2DC7-4EDF-9A07-F4CAB2B34359}" srcOrd="1" destOrd="0" parTransId="{9C7C3587-82FA-4548-9604-03F33C7BA553}" sibTransId="{4F17C99D-D9D1-4130-AA5F-71EDDA7C82B8}"/>
-    <dgm:cxn modelId="{C7258558-6276-AB40-802E-6B4852C36165}" type="presOf" srcId="{E84BFBE0-A944-4653-8D1C-B872AC3566C8}" destId="{EA1FAB6E-1190-794B-AACF-6BC54A62EDBE}" srcOrd="0" destOrd="2" presId="urn:microsoft.com/office/officeart/2005/8/layout/list1"/>
     <dgm:cxn modelId="{B34A245C-4631-924C-B426-C424575BF1E4}" type="presOf" srcId="{ED210682-3754-4D27-BAC8-DA883CC4520E}" destId="{EA1FAB6E-1190-794B-AACF-6BC54A62EDBE}" srcOrd="0" destOrd="0" presId="urn:microsoft.com/office/officeart/2005/8/layout/list1"/>
     <dgm:cxn modelId="{06437B65-2179-BD4F-B1EE-39E34B7BB9D4}" type="presOf" srcId="{62AD8EA6-2DC7-4EDF-9A07-F4CAB2B34359}" destId="{11DA017B-5B0F-FF41-80AA-2406638B4F52}" srcOrd="0" destOrd="0" presId="urn:microsoft.com/office/officeart/2005/8/layout/list1"/>
-    <dgm:cxn modelId="{404D986B-1843-4F19-825C-271E09CBA7EE}" srcId="{F141CD58-2258-42FA-AEF7-42C17DCB0DFC}" destId="{AABD3BBF-E42D-4370-A662-B11D209FBE9B}" srcOrd="1" destOrd="0" parTransId="{733E7108-09DB-4B9D-9AA8-A1136A519A80}" sibTransId="{88C2B788-2AD2-45B0-A0C3-A3302F24D83B}"/>
-    <dgm:cxn modelId="{7CDB8578-AEDD-8C4A-B781-3D801A17E1BD}" type="presOf" srcId="{AABD3BBF-E42D-4370-A662-B11D209FBE9B}" destId="{A650819D-F0A2-2640-98AF-5D8CD08B70C8}" srcOrd="0" destOrd="1" presId="urn:microsoft.com/office/officeart/2005/8/layout/list1"/>
+    <dgm:cxn modelId="{C2997C67-14D9-A741-BF94-42F189D1EAD2}" type="presOf" srcId="{13437B3A-BCCE-8D40-A614-47F44277401C}" destId="{46D3FFF5-4E64-A14D-8A3C-B797EA06E626}" srcOrd="0" destOrd="1" presId="urn:microsoft.com/office/officeart/2005/8/layout/list1"/>
+    <dgm:cxn modelId="{08823C6E-502D-DB4E-8CA8-F2002E7340FF}" srcId="{F141CD58-2258-42FA-AEF7-42C17DCB0DFC}" destId="{B85713D8-8BF0-C74A-B98D-2C137189F6E4}" srcOrd="3" destOrd="0" parTransId="{826A7978-8AAD-EC45-9EDE-64D52DDB63E5}" sibTransId="{7881BBC2-DF73-6E41-8BDD-55850FDC5BFA}"/>
+    <dgm:cxn modelId="{452AA377-038B-C044-9EC4-3B25AC833686}" type="presOf" srcId="{066A8C8D-4E30-5F40-A321-94FD418C758C}" destId="{A650819D-F0A2-2640-98AF-5D8CD08B70C8}" srcOrd="0" destOrd="2" presId="urn:microsoft.com/office/officeart/2005/8/layout/list1"/>
     <dgm:cxn modelId="{06D7AD79-F52E-8F45-8739-F16AB57C5B01}" type="presOf" srcId="{62AD8EA6-2DC7-4EDF-9A07-F4CAB2B34359}" destId="{A77610AC-3209-774D-A0C4-C0ED7A7257F3}" srcOrd="1" destOrd="0" presId="urn:microsoft.com/office/officeart/2005/8/layout/list1"/>
     <dgm:cxn modelId="{8DEAD57A-639E-7044-A9FA-6DFF01378595}" type="presOf" srcId="{AF8AF2C4-2BBC-4E45-BA86-3D22723284CD}" destId="{3494CF85-25D1-2047-B786-55E47CDC86B4}" srcOrd="0" destOrd="0" presId="urn:microsoft.com/office/officeart/2005/8/layout/list1"/>
     <dgm:cxn modelId="{00FEBA7D-09B1-DB4F-88C1-E35C3E3BF959}" type="presOf" srcId="{F141CD58-2258-42FA-AEF7-42C17DCB0DFC}" destId="{769DFCA7-798A-604F-A2CC-D425AEE1C538}" srcOrd="0" destOrd="0" presId="urn:microsoft.com/office/officeart/2005/8/layout/list1"/>
-    <dgm:cxn modelId="{E766027F-FEAC-46FD-B41E-0B65DF206D64}" srcId="{ED438927-5B1A-44C2-82B0-80AF3B3D31D4}" destId="{E84BFBE0-A944-4653-8D1C-B872AC3566C8}" srcOrd="2" destOrd="0" parTransId="{4B41139D-2623-4E21-A33A-1B3686BD71D6}" sibTransId="{BE6D29E3-31CC-44DA-A2A7-F457A0312F9E}"/>
-    <dgm:cxn modelId="{16509182-44EC-6243-9AE5-F435AA110B5F}" type="presOf" srcId="{E7EFC922-8105-4A98-ABB7-8033B0B27BED}" destId="{3494CF85-25D1-2047-B786-55E47CDC86B4}" srcOrd="0" destOrd="1" presId="urn:microsoft.com/office/officeart/2005/8/layout/list1"/>
-    <dgm:cxn modelId="{A2D1A98E-F5BA-6B49-BB36-853FA612B8BA}" type="presOf" srcId="{859376CE-BA57-4718-B586-BD97D97A8D92}" destId="{EA1FAB6E-1190-794B-AACF-6BC54A62EDBE}" srcOrd="0" destOrd="1" presId="urn:microsoft.com/office/officeart/2005/8/layout/list1"/>
+    <dgm:cxn modelId="{4223C17F-70C9-7A4B-9575-6ECA8AD65407}" type="presOf" srcId="{EC7A59D1-D433-F840-949B-1F488ECDAC73}" destId="{3494CF85-25D1-2047-B786-55E47CDC86B4}" srcOrd="0" destOrd="1" presId="urn:microsoft.com/office/officeart/2005/8/layout/list1"/>
+    <dgm:cxn modelId="{8666F584-9EE1-0C4A-BADB-F28EC281FEAF}" srcId="{62AD8EA6-2DC7-4EDF-9A07-F4CAB2B34359}" destId="{6DA91758-D3F7-EB4E-9058-F5FED48C0783}" srcOrd="2" destOrd="0" parTransId="{AD776E1C-A786-B741-AF6B-07C8BD797C48}" sibTransId="{32001550-7DA7-674E-B145-8D3D1F14A624}"/>
+    <dgm:cxn modelId="{5DEAC28D-9362-2249-9B05-97CAE87D2F49}" srcId="{62AD8EA6-2DC7-4EDF-9A07-F4CAB2B34359}" destId="{EC7A59D1-D433-F840-949B-1F488ECDAC73}" srcOrd="1" destOrd="0" parTransId="{D102A702-D398-3245-874D-AB1896688AA4}" sibTransId="{B1FD9882-9869-8D4F-A99D-6DB7ADB05015}"/>
     <dgm:cxn modelId="{57A37895-6289-204F-A5F5-17E44DBA112B}" type="presOf" srcId="{ED438927-5B1A-44C2-82B0-80AF3B3D31D4}" destId="{0E014C99-F9F6-ED4B-A58D-6303DD6F89E9}" srcOrd="1" destOrd="0" presId="urn:microsoft.com/office/officeart/2005/8/layout/list1"/>
     <dgm:cxn modelId="{6E26949E-6112-B543-B32E-D85518292A79}" type="presOf" srcId="{F141CD58-2258-42FA-AEF7-42C17DCB0DFC}" destId="{7FBE82F5-A708-3B49-985B-379EE1FF7110}" srcOrd="1" destOrd="0" presId="urn:microsoft.com/office/officeart/2005/8/layout/list1"/>
-    <dgm:cxn modelId="{1BCA63A0-5960-7441-95D3-5BB722152782}" type="presOf" srcId="{A4BFAF3D-59DC-449E-B599-316C02C4AC8D}" destId="{A650819D-F0A2-2640-98AF-5D8CD08B70C8}" srcOrd="0" destOrd="2" presId="urn:microsoft.com/office/officeart/2005/8/layout/list1"/>
+    <dgm:cxn modelId="{989931A1-9B8E-8548-BFD3-0696F37115D5}" srcId="{ED438927-5B1A-44C2-82B0-80AF3B3D31D4}" destId="{39FA232A-767F-D34D-A70E-56C43FABBB51}" srcOrd="2" destOrd="0" parTransId="{EB9E7309-F701-454F-BF0E-01E8BC7580A2}" sibTransId="{3576FDC2-032C-EB43-BB26-8ADD9FFAD6AD}"/>
     <dgm:cxn modelId="{CC3865A3-14FF-4549-AF3D-40A8B671B8E0}" srcId="{F141CD58-2258-42FA-AEF7-42C17DCB0DFC}" destId="{A106DC82-0848-47C6-ABAB-A421661BEF92}" srcOrd="0" destOrd="0" parTransId="{20434A79-BA46-4ABE-B3F6-9EF75B827713}" sibTransId="{445A67A5-0606-43BC-8D4C-E4A483F94B5B}"/>
     <dgm:cxn modelId="{FA546AA5-B42D-4FDF-A3D0-7DD597106253}" srcId="{62AD8EA6-2DC7-4EDF-9A07-F4CAB2B34359}" destId="{AF8AF2C4-2BBC-4E45-BA86-3D22723284CD}" srcOrd="0" destOrd="0" parTransId="{C9F3E58B-3291-48DB-A609-2B62AF187346}" sibTransId="{9B1BEACA-E2FE-4C6A-93E4-0D2ACF0B1578}"/>
     <dgm:cxn modelId="{D6AB72A6-570E-4D9F-8036-E70CD0730AD7}" srcId="{ED438927-5B1A-44C2-82B0-80AF3B3D31D4}" destId="{ED210682-3754-4D27-BAC8-DA883CC4520E}" srcOrd="0" destOrd="0" parTransId="{AF5307A3-FE62-44C5-8560-82DF281B76E3}" sibTransId="{C288A36E-29DF-4AFB-8736-D08B42384981}"/>
     <dgm:cxn modelId="{9A4C7EA9-95D4-4ADC-8ADD-4493E5E5D31E}" srcId="{8AB8E543-DB42-4FD4-90C2-31F2FDE50FE1}" destId="{F141CD58-2258-42FA-AEF7-42C17DCB0DFC}" srcOrd="2" destOrd="0" parTransId="{ECA8312B-4124-4B24-A645-09D4482E0F9B}" sibTransId="{EFE42871-347B-43BC-8081-3F02C6BA8C82}"/>
-    <dgm:cxn modelId="{9F5962AA-74BD-B04A-8701-92E18C09C6F8}" type="presOf" srcId="{0DFB08E7-5FC5-4174-8FFA-AD7FA8921CC4}" destId="{EA1FAB6E-1190-794B-AACF-6BC54A62EDBE}" srcOrd="0" destOrd="3" presId="urn:microsoft.com/office/officeart/2005/8/layout/list1"/>
     <dgm:cxn modelId="{B72AB9AA-DAF0-014E-B6F8-B7725E7AA686}" type="presOf" srcId="{A106DC82-0848-47C6-ABAB-A421661BEF92}" destId="{A650819D-F0A2-2640-98AF-5D8CD08B70C8}" srcOrd="0" destOrd="0" presId="urn:microsoft.com/office/officeart/2005/8/layout/list1"/>
     <dgm:cxn modelId="{831663B4-5649-C141-846B-164A7832D351}" type="presOf" srcId="{6A6A1B8D-1D28-4C06-82F6-6E9D36DB2DF8}" destId="{5F4AD8C9-A8C7-5247-B21B-CDAA079C4D87}" srcOrd="1" destOrd="0" presId="urn:microsoft.com/office/officeart/2005/8/layout/list1"/>
-    <dgm:cxn modelId="{6A60F4CA-769C-4DA9-B48C-ACE0624604E8}" srcId="{62AD8EA6-2DC7-4EDF-9A07-F4CAB2B34359}" destId="{E7EFC922-8105-4A98-ABB7-8033B0B27BED}" srcOrd="1" destOrd="0" parTransId="{1203ED5F-B5EF-49D0-8B35-DECD5D52F3AC}" sibTransId="{7C009C92-1B62-4DAE-B817-7D144BB4D76B}"/>
-    <dgm:cxn modelId="{0FD503E6-E3B1-4973-9FE4-1DD3F1A81C6E}" srcId="{F141CD58-2258-42FA-AEF7-42C17DCB0DFC}" destId="{A4BFAF3D-59DC-449E-B599-316C02C4AC8D}" srcOrd="2" destOrd="0" parTransId="{0B37B2F4-49E1-4673-A2FE-DAC7C8F3A677}" sibTransId="{4A1F5C0D-7183-4AE9-BE76-51734F09283A}"/>
+    <dgm:cxn modelId="{878E50CF-FB98-7E41-8AB5-8D6938F01ADF}" type="presOf" srcId="{6DA91758-D3F7-EB4E-9058-F5FED48C0783}" destId="{3494CF85-25D1-2047-B786-55E47CDC86B4}" srcOrd="0" destOrd="2" presId="urn:microsoft.com/office/officeart/2005/8/layout/list1"/>
+    <dgm:cxn modelId="{EB1223D4-5123-5642-8F44-3840D776E30E}" type="presOf" srcId="{B85713D8-8BF0-C74A-B98D-2C137189F6E4}" destId="{A650819D-F0A2-2640-98AF-5D8CD08B70C8}" srcOrd="0" destOrd="3" presId="urn:microsoft.com/office/officeart/2005/8/layout/list1"/>
+    <dgm:cxn modelId="{E9D14FE4-49C7-E049-A6BC-5765A8D63BE0}" type="presOf" srcId="{50C02A62-B447-1B46-800D-6B720CC5A3C3}" destId="{EA1FAB6E-1190-794B-AACF-6BC54A62EDBE}" srcOrd="0" destOrd="1" presId="urn:microsoft.com/office/officeart/2005/8/layout/list1"/>
     <dgm:cxn modelId="{E97FC5E7-12F8-954F-BB50-CB3363CBF2CE}" type="presOf" srcId="{ED438927-5B1A-44C2-82B0-80AF3B3D31D4}" destId="{2029E743-D77C-AC4A-A2A2-CE6EDBBE7B52}" srcOrd="0" destOrd="0" presId="urn:microsoft.com/office/officeart/2005/8/layout/list1"/>
     <dgm:cxn modelId="{B8ACF4F0-2294-D84F-85A8-C1BDDD6BF610}" type="presOf" srcId="{8AB8E543-DB42-4FD4-90C2-31F2FDE50FE1}" destId="{25886FC4-4EF0-AC4B-883A-CC799484CCC6}" srcOrd="0" destOrd="0" presId="urn:microsoft.com/office/officeart/2005/8/layout/list1"/>
+    <dgm:cxn modelId="{06564EFA-D511-F648-9FED-6D4913BC02EE}" srcId="{62AD8EA6-2DC7-4EDF-9A07-F4CAB2B34359}" destId="{61CEA4DB-8186-FC4C-BF5E-CF8892254A51}" srcOrd="3" destOrd="0" parTransId="{1B3F80E3-E9DF-064E-BCAA-DE5CD7FD6202}" sibTransId="{6A4FA36D-76A6-F345-8845-0792994677EB}"/>
+    <dgm:cxn modelId="{B2F316FC-6A83-1446-B22B-7E7A4502A529}" srcId="{6A6A1B8D-1D28-4C06-82F6-6E9D36DB2DF8}" destId="{F6B272D7-8309-FE45-B2EC-94CD69AB1C0B}" srcOrd="2" destOrd="0" parTransId="{02C2CDB7-2AC0-5C42-9F85-E55772834F19}" sibTransId="{54189E5F-E8F2-EA4E-8D8D-9A8547E48ECD}"/>
+    <dgm:cxn modelId="{32469CFD-950A-BF4B-8C0C-57FBF7069A49}" srcId="{F141CD58-2258-42FA-AEF7-42C17DCB0DFC}" destId="{CEC5290B-619F-414F-AFD0-60093EC75825}" srcOrd="1" destOrd="0" parTransId="{FC2EBB6A-0661-5848-8926-CE0F2997A346}" sibTransId="{0D2698FC-F5BD-C746-B96E-CBCD129352B1}"/>
     <dgm:cxn modelId="{DEAB4C13-C66E-B944-9788-DE00B8B93FF0}" type="presParOf" srcId="{25886FC4-4EF0-AC4B-883A-CC799484CCC6}" destId="{55542F8F-B19E-FC4C-AEAE-3FC5B9C020B3}" srcOrd="0" destOrd="0" presId="urn:microsoft.com/office/officeart/2005/8/layout/list1"/>
     <dgm:cxn modelId="{385CD3D8-9231-624D-A226-7EF7EF060866}" type="presParOf" srcId="{55542F8F-B19E-FC4C-AEAE-3FC5B9C020B3}" destId="{2029E743-D77C-AC4A-A2A2-CE6EDBBE7B52}" srcOrd="0" destOrd="0" presId="urn:microsoft.com/office/officeart/2005/8/layout/list1"/>
     <dgm:cxn modelId="{93FB0974-0AD7-3841-81D7-0FE51918D0B5}" type="presParOf" srcId="{55542F8F-B19E-FC4C-AEAE-3FC5B9C020B3}" destId="{0E014C99-F9F6-ED4B-A58D-6303DD6F89E9}" srcOrd="1" destOrd="0" presId="urn:microsoft.com/office/officeart/2005/8/layout/list1"/>
@@ -5604,7 +6097,7 @@
   <dgm:whole/>
   <dgm:extLst>
     <a:ext uri="http://schemas.microsoft.com/office/drawing/2008/diagram">
-      <dsp:dataModelExt xmlns:dsp="http://schemas.microsoft.com/office/drawing/2008/diagram" relId="rId6" minVer="http://schemas.openxmlformats.org/drawingml/2006/diagram"/>
+      <dsp:dataModelExt xmlns:dsp="http://schemas.microsoft.com/office/drawing/2008/diagram" relId="rId7" minVer="http://schemas.openxmlformats.org/drawingml/2006/diagram"/>
     </a:ext>
   </dgm:extLst>
 </dgm:dataModel>
@@ -5614,7 +6107,7 @@
 <dgm:dataModel xmlns:dgm="http://schemas.openxmlformats.org/drawingml/2006/diagram" xmlns:a="http://schemas.openxmlformats.org/drawingml/2006/main">
   <dgm:ptLst>
     <dgm:pt modelId="{9FDD4B8E-0828-457F-833B-03639A48D39E}" type="doc">
-      <dgm:prSet loTypeId="urn:microsoft.com/office/officeart/2005/8/layout/list1" loCatId="list" qsTypeId="urn:microsoft.com/office/officeart/2005/8/quickstyle/simple1" qsCatId="simple" csTypeId="urn:microsoft.com/office/officeart/2005/8/colors/colorful2" csCatId="colorful"/>
+      <dgm:prSet loTypeId="urn:microsoft.com/office/officeart/2016/7/layout/LinearBlockProcessNumbered" loCatId="process" qsTypeId="urn:microsoft.com/office/officeart/2005/8/quickstyle/simple1" qsCatId="simple" csTypeId="urn:microsoft.com/office/officeart/2005/8/colors/colorful1" csCatId="colorful"/>
       <dgm:spPr/>
       <dgm:t>
         <a:bodyPr/>
@@ -5635,7 +6128,7 @@
             <a:rPr lang="ja-JP"/>
             <a:t>地域の学校やコミュニティにおける防災教育の教材としての利用</a:t>
           </a:r>
-          <a:endParaRPr lang="en-US"/>
+          <a:endParaRPr lang="en-US" dirty="0"/>
         </a:p>
       </dgm:t>
     </dgm:pt>
@@ -5651,13 +6144,16 @@
       </dgm:t>
     </dgm:pt>
     <dgm:pt modelId="{B40D086E-1D3D-4921-A560-D85DEDB1C05C}" type="sibTrans" cxnId="{BD203539-219A-47D5-93C7-B1A43D837E19}">
-      <dgm:prSet/>
+      <dgm:prSet phldrT="01"/>
       <dgm:spPr/>
       <dgm:t>
         <a:bodyPr/>
         <a:lstStyle/>
         <a:p>
-          <a:endParaRPr lang="en-US"/>
+          <a:r>
+            <a:rPr lang="en-US"/>
+            <a:t>01</a:t>
+          </a:r>
         </a:p>
       </dgm:t>
     </dgm:pt>
@@ -5672,7 +6168,7 @@
             <a:rPr lang="ja-JP"/>
             <a:t>教材としての価値</a:t>
           </a:r>
-          <a:endParaRPr lang="en-US"/>
+          <a:endParaRPr lang="en-US" dirty="0"/>
         </a:p>
       </dgm:t>
     </dgm:pt>
@@ -5709,7 +6205,7 @@
             <a:rPr lang="ja-JP"/>
             <a:t>ワークショップや授業での活用</a:t>
           </a:r>
-          <a:endParaRPr lang="en-US"/>
+          <a:endParaRPr lang="en-US" dirty="0"/>
         </a:p>
       </dgm:t>
     </dgm:pt>
@@ -5762,13 +6258,16 @@
       </dgm:t>
     </dgm:pt>
     <dgm:pt modelId="{83C2C0C8-F685-4A37-887F-6F3ECAFD94C5}" type="sibTrans" cxnId="{5810BCDA-C4C2-445D-B532-600022F8752B}">
-      <dgm:prSet/>
+      <dgm:prSet phldrT="02"/>
       <dgm:spPr/>
       <dgm:t>
         <a:bodyPr/>
         <a:lstStyle/>
         <a:p>
-          <a:endParaRPr lang="en-US"/>
+          <a:r>
+            <a:rPr lang="en-US"/>
+            <a:t>02</a:t>
+          </a:r>
         </a:p>
       </dgm:t>
     </dgm:pt>
@@ -5783,7 +6282,7 @@
             <a:rPr lang="ja-JP"/>
             <a:t>地域住民への情報提供</a:t>
           </a:r>
-          <a:endParaRPr lang="en-US"/>
+          <a:endParaRPr lang="en-US" dirty="0"/>
         </a:p>
       </dgm:t>
     </dgm:pt>
@@ -5873,13 +6372,16 @@
       </dgm:t>
     </dgm:pt>
     <dgm:pt modelId="{C6DAD62A-EC6F-49D5-BA4E-C301BE4D5D27}" type="sibTrans" cxnId="{7BF9A22B-6ED9-4BA5-8C0D-9B2A2E2459C3}">
-      <dgm:prSet/>
+      <dgm:prSet phldrT="03"/>
       <dgm:spPr/>
       <dgm:t>
         <a:bodyPr/>
         <a:lstStyle/>
         <a:p>
-          <a:endParaRPr lang="en-US"/>
+          <a:r>
+            <a:rPr lang="en-US"/>
+            <a:t>03</a:t>
+          </a:r>
         </a:p>
       </dgm:t>
     </dgm:pt>
@@ -5920,26 +6422,29 @@
         </a:p>
       </dgm:t>
     </dgm:pt>
-    <dgm:pt modelId="{E409809B-3010-A14D-B446-647217620A3F}" type="pres">
-      <dgm:prSet presAssocID="{9FDD4B8E-0828-457F-833B-03639A48D39E}" presName="linear" presStyleCnt="0">
+    <dgm:pt modelId="{97B3B56E-BC5E-7848-A597-F37B33CFC3A1}" type="pres">
+      <dgm:prSet presAssocID="{9FDD4B8E-0828-457F-833B-03639A48D39E}" presName="Name0" presStyleCnt="0">
         <dgm:presLayoutVars>
-          <dgm:dir/>
           <dgm:animLvl val="lvl"/>
           <dgm:resizeHandles val="exact"/>
         </dgm:presLayoutVars>
       </dgm:prSet>
       <dgm:spPr/>
     </dgm:pt>
-    <dgm:pt modelId="{C9DE3A09-EA2E-FC4D-B04B-830611D2D7E1}" type="pres">
-      <dgm:prSet presAssocID="{49900929-22BE-48DD-8231-28379965FF5E}" presName="parentLin" presStyleCnt="0"/>
+    <dgm:pt modelId="{2968F301-1837-2B49-BABE-B5D6B14373B6}" type="pres">
+      <dgm:prSet presAssocID="{49900929-22BE-48DD-8231-28379965FF5E}" presName="compositeNode" presStyleCnt="0">
+        <dgm:presLayoutVars>
+          <dgm:bulletEnabled val="1"/>
+        </dgm:presLayoutVars>
+      </dgm:prSet>
       <dgm:spPr/>
     </dgm:pt>
-    <dgm:pt modelId="{52BFD858-C63D-5643-8664-145C30F05201}" type="pres">
-      <dgm:prSet presAssocID="{49900929-22BE-48DD-8231-28379965FF5E}" presName="parentLeftMargin" presStyleLbl="node1" presStyleIdx="0" presStyleCnt="3"/>
+    <dgm:pt modelId="{C809F4DA-BAF6-1E4F-BDBE-3465FB3808D9}" type="pres">
+      <dgm:prSet presAssocID="{49900929-22BE-48DD-8231-28379965FF5E}" presName="bgRect" presStyleLbl="alignNode1" presStyleIdx="0" presStyleCnt="3"/>
       <dgm:spPr/>
     </dgm:pt>
-    <dgm:pt modelId="{9D3D787D-64AD-154E-9DD8-EFD989F3AEB3}" type="pres">
-      <dgm:prSet presAssocID="{49900929-22BE-48DD-8231-28379965FF5E}" presName="parentText" presStyleLbl="node1" presStyleIdx="0" presStyleCnt="3">
+    <dgm:pt modelId="{78429905-2210-6646-9B3B-4614D74C4D89}" type="pres">
+      <dgm:prSet presAssocID="{B40D086E-1D3D-4921-A560-D85DEDB1C05C}" presName="sibTransNodeRect" presStyleLbl="alignNode1" presStyleIdx="0" presStyleCnt="3">
         <dgm:presLayoutVars>
           <dgm:chMax val="0"/>
           <dgm:bulletEnabled val="1"/>
@@ -5947,32 +6452,32 @@
       </dgm:prSet>
       <dgm:spPr/>
     </dgm:pt>
-    <dgm:pt modelId="{BDA8A138-0587-6545-8EBB-2201BACC95F0}" type="pres">
-      <dgm:prSet presAssocID="{49900929-22BE-48DD-8231-28379965FF5E}" presName="negativeSpace" presStyleCnt="0"/>
-      <dgm:spPr/>
-    </dgm:pt>
-    <dgm:pt modelId="{FFD0C0ED-46A2-DC4D-A33A-999645E9094A}" type="pres">
-      <dgm:prSet presAssocID="{49900929-22BE-48DD-8231-28379965FF5E}" presName="childText" presStyleLbl="conFgAcc1" presStyleIdx="0" presStyleCnt="3">
+    <dgm:pt modelId="{2ABF7F52-3BB6-3046-B78B-1A0A2CC45D9D}" type="pres">
+      <dgm:prSet presAssocID="{49900929-22BE-48DD-8231-28379965FF5E}" presName="nodeRect" presStyleLbl="alignNode1" presStyleIdx="0" presStyleCnt="3">
         <dgm:presLayoutVars>
           <dgm:bulletEnabled val="1"/>
         </dgm:presLayoutVars>
       </dgm:prSet>
       <dgm:spPr/>
     </dgm:pt>
-    <dgm:pt modelId="{16E1FD9B-0C55-474A-8BF4-B4D616BD36B3}" type="pres">
-      <dgm:prSet presAssocID="{B40D086E-1D3D-4921-A560-D85DEDB1C05C}" presName="spaceBetweenRectangles" presStyleCnt="0"/>
+    <dgm:pt modelId="{B6AB93AF-7279-EA40-BED0-A90610EEBA7C}" type="pres">
+      <dgm:prSet presAssocID="{B40D086E-1D3D-4921-A560-D85DEDB1C05C}" presName="sibTrans" presStyleCnt="0"/>
       <dgm:spPr/>
     </dgm:pt>
-    <dgm:pt modelId="{E04891D7-B6D0-C244-A246-2266098CB0B3}" type="pres">
-      <dgm:prSet presAssocID="{66C6702C-0DB0-4FE7-B914-488490217385}" presName="parentLin" presStyleCnt="0"/>
+    <dgm:pt modelId="{70BAA12F-A7CD-8040-9A96-7C7ED195B107}" type="pres">
+      <dgm:prSet presAssocID="{66C6702C-0DB0-4FE7-B914-488490217385}" presName="compositeNode" presStyleCnt="0">
+        <dgm:presLayoutVars>
+          <dgm:bulletEnabled val="1"/>
+        </dgm:presLayoutVars>
+      </dgm:prSet>
       <dgm:spPr/>
     </dgm:pt>
-    <dgm:pt modelId="{9B3411FE-67BD-6143-ACEC-EAF33398A62F}" type="pres">
-      <dgm:prSet presAssocID="{66C6702C-0DB0-4FE7-B914-488490217385}" presName="parentLeftMargin" presStyleLbl="node1" presStyleIdx="0" presStyleCnt="3"/>
+    <dgm:pt modelId="{428DB667-7701-2B4A-AF99-C68442DEF1A4}" type="pres">
+      <dgm:prSet presAssocID="{66C6702C-0DB0-4FE7-B914-488490217385}" presName="bgRect" presStyleLbl="alignNode1" presStyleIdx="1" presStyleCnt="3"/>
       <dgm:spPr/>
     </dgm:pt>
-    <dgm:pt modelId="{09A9925B-6E1B-7447-80CE-2792EA318075}" type="pres">
-      <dgm:prSet presAssocID="{66C6702C-0DB0-4FE7-B914-488490217385}" presName="parentText" presStyleLbl="node1" presStyleIdx="1" presStyleCnt="3">
+    <dgm:pt modelId="{6313288A-0BDB-0341-9913-B7E0AA434637}" type="pres">
+      <dgm:prSet presAssocID="{83C2C0C8-F685-4A37-887F-6F3ECAFD94C5}" presName="sibTransNodeRect" presStyleLbl="alignNode1" presStyleIdx="1" presStyleCnt="3">
         <dgm:presLayoutVars>
           <dgm:chMax val="0"/>
           <dgm:bulletEnabled val="1"/>
@@ -5980,32 +6485,32 @@
       </dgm:prSet>
       <dgm:spPr/>
     </dgm:pt>
-    <dgm:pt modelId="{158D1094-BB05-E74B-BE2A-CC72715897C5}" type="pres">
-      <dgm:prSet presAssocID="{66C6702C-0DB0-4FE7-B914-488490217385}" presName="negativeSpace" presStyleCnt="0"/>
-      <dgm:spPr/>
-    </dgm:pt>
-    <dgm:pt modelId="{24274DF9-F8F1-3D48-8498-9082D8BFBEC3}" type="pres">
-      <dgm:prSet presAssocID="{66C6702C-0DB0-4FE7-B914-488490217385}" presName="childText" presStyleLbl="conFgAcc1" presStyleIdx="1" presStyleCnt="3">
+    <dgm:pt modelId="{58B01DF2-9AA1-304C-8477-CFAA847A08AA}" type="pres">
+      <dgm:prSet presAssocID="{66C6702C-0DB0-4FE7-B914-488490217385}" presName="nodeRect" presStyleLbl="alignNode1" presStyleIdx="1" presStyleCnt="3">
         <dgm:presLayoutVars>
           <dgm:bulletEnabled val="1"/>
         </dgm:presLayoutVars>
       </dgm:prSet>
       <dgm:spPr/>
     </dgm:pt>
-    <dgm:pt modelId="{D0171E8B-C014-7A4E-9B82-F6B46E956001}" type="pres">
-      <dgm:prSet presAssocID="{83C2C0C8-F685-4A37-887F-6F3ECAFD94C5}" presName="spaceBetweenRectangles" presStyleCnt="0"/>
+    <dgm:pt modelId="{B89932D3-294F-3E44-982B-7C2884394A7A}" type="pres">
+      <dgm:prSet presAssocID="{83C2C0C8-F685-4A37-887F-6F3ECAFD94C5}" presName="sibTrans" presStyleCnt="0"/>
       <dgm:spPr/>
     </dgm:pt>
-    <dgm:pt modelId="{2DED3240-E3B6-4844-869C-DA59CF8F25BF}" type="pres">
-      <dgm:prSet presAssocID="{C1D9B0D4-4117-4639-99F7-44CC91AE40E0}" presName="parentLin" presStyleCnt="0"/>
+    <dgm:pt modelId="{3F25D665-DB35-4C49-A780-D7E030599C66}" type="pres">
+      <dgm:prSet presAssocID="{C1D9B0D4-4117-4639-99F7-44CC91AE40E0}" presName="compositeNode" presStyleCnt="0">
+        <dgm:presLayoutVars>
+          <dgm:bulletEnabled val="1"/>
+        </dgm:presLayoutVars>
+      </dgm:prSet>
       <dgm:spPr/>
     </dgm:pt>
-    <dgm:pt modelId="{C643754B-287F-804A-A6CD-415D102DD4D8}" type="pres">
-      <dgm:prSet presAssocID="{C1D9B0D4-4117-4639-99F7-44CC91AE40E0}" presName="parentLeftMargin" presStyleLbl="node1" presStyleIdx="1" presStyleCnt="3"/>
+    <dgm:pt modelId="{BF95C030-A954-2148-B7EC-E4F1A71A7B61}" type="pres">
+      <dgm:prSet presAssocID="{C1D9B0D4-4117-4639-99F7-44CC91AE40E0}" presName="bgRect" presStyleLbl="alignNode1" presStyleIdx="2" presStyleCnt="3"/>
       <dgm:spPr/>
     </dgm:pt>
-    <dgm:pt modelId="{07E376AF-511D-5D43-8993-CCE9D1CD46BB}" type="pres">
-      <dgm:prSet presAssocID="{C1D9B0D4-4117-4639-99F7-44CC91AE40E0}" presName="parentText" presStyleLbl="node1" presStyleIdx="2" presStyleCnt="3">
+    <dgm:pt modelId="{826B5142-58A2-B348-A331-9DBD21697DF5}" type="pres">
+      <dgm:prSet presAssocID="{C6DAD62A-EC6F-49D5-BA4E-C301BE4D5D27}" presName="sibTransNodeRect" presStyleLbl="alignNode1" presStyleIdx="2" presStyleCnt="3">
         <dgm:presLayoutVars>
           <dgm:chMax val="0"/>
           <dgm:bulletEnabled val="1"/>
@@ -6013,12 +6518,8 @@
       </dgm:prSet>
       <dgm:spPr/>
     </dgm:pt>
-    <dgm:pt modelId="{1FDBC5B5-8460-E042-A7F1-133CE4839395}" type="pres">
-      <dgm:prSet presAssocID="{C1D9B0D4-4117-4639-99F7-44CC91AE40E0}" presName="negativeSpace" presStyleCnt="0"/>
-      <dgm:spPr/>
-    </dgm:pt>
-    <dgm:pt modelId="{5C18737C-5135-0C4B-A789-637A5B7808E0}" type="pres">
-      <dgm:prSet presAssocID="{C1D9B0D4-4117-4639-99F7-44CC91AE40E0}" presName="childText" presStyleLbl="conFgAcc1" presStyleIdx="2" presStyleCnt="3">
+    <dgm:pt modelId="{7DFD3DDD-DC38-E349-8A66-D88D607752EC}" type="pres">
+      <dgm:prSet presAssocID="{C1D9B0D4-4117-4639-99F7-44CC91AE40E0}" presName="nodeRect" presStyleLbl="alignNode1" presStyleIdx="2" presStyleCnt="3">
         <dgm:presLayoutVars>
           <dgm:bulletEnabled val="1"/>
         </dgm:presLayoutVars>
@@ -6027,43 +6528,43 @@
     </dgm:pt>
   </dgm:ptLst>
   <dgm:cxnLst>
-    <dgm:cxn modelId="{39728801-1A3E-A34C-BFF8-155C20C4ACD1}" type="presOf" srcId="{69BC9231-ADE2-4A73-A748-CDB1B16620CB}" destId="{5C18737C-5135-0C4B-A789-637A5B7808E0}" srcOrd="0" destOrd="0" presId="urn:microsoft.com/office/officeart/2005/8/layout/list1"/>
+    <dgm:cxn modelId="{FF1C4229-CB2D-1E42-AD57-A77E9AD5BC33}" type="presOf" srcId="{C1D9B0D4-4117-4639-99F7-44CC91AE40E0}" destId="{BF95C030-A954-2148-B7EC-E4F1A71A7B61}" srcOrd="0" destOrd="0" presId="urn:microsoft.com/office/officeart/2016/7/layout/LinearBlockProcessNumbered"/>
     <dgm:cxn modelId="{7BF9A22B-6ED9-4BA5-8C0D-9B2A2E2459C3}" srcId="{9FDD4B8E-0828-457F-833B-03639A48D39E}" destId="{C1D9B0D4-4117-4639-99F7-44CC91AE40E0}" srcOrd="2" destOrd="0" parTransId="{F15DB205-ADEA-4AC1-8A9B-61CE9AB99C9D}" sibTransId="{C6DAD62A-EC6F-49D5-BA4E-C301BE4D5D27}"/>
-    <dgm:cxn modelId="{9D290F2D-B4B0-0444-89F9-AD4793DC8BF1}" type="presOf" srcId="{66C6702C-0DB0-4FE7-B914-488490217385}" destId="{9B3411FE-67BD-6143-ACEC-EAF33398A62F}" srcOrd="0" destOrd="0" presId="urn:microsoft.com/office/officeart/2005/8/layout/list1"/>
-    <dgm:cxn modelId="{10784135-6FFF-5548-910B-07A45CBE48E2}" type="presOf" srcId="{66C6702C-0DB0-4FE7-B914-488490217385}" destId="{09A9925B-6E1B-7447-80CE-2792EA318075}" srcOrd="1" destOrd="0" presId="urn:microsoft.com/office/officeart/2005/8/layout/list1"/>
+    <dgm:cxn modelId="{48C1272D-B396-0041-ADE0-A44CC2F0BC18}" type="presOf" srcId="{C1D9B0D4-4117-4639-99F7-44CC91AE40E0}" destId="{7DFD3DDD-DC38-E349-8A66-D88D607752EC}" srcOrd="1" destOrd="0" presId="urn:microsoft.com/office/officeart/2016/7/layout/LinearBlockProcessNumbered"/>
     <dgm:cxn modelId="{BD203539-219A-47D5-93C7-B1A43D837E19}" srcId="{9FDD4B8E-0828-457F-833B-03639A48D39E}" destId="{49900929-22BE-48DD-8231-28379965FF5E}" srcOrd="0" destOrd="0" parTransId="{6CE4D344-E55F-490E-9DCF-062114FF04D0}" sibTransId="{B40D086E-1D3D-4921-A560-D85DEDB1C05C}"/>
     <dgm:cxn modelId="{148DBF39-3CED-48B2-8EE7-34D3FA3F2E51}" srcId="{66C6702C-0DB0-4FE7-B914-488490217385}" destId="{251FA952-6F13-45F7-9CAF-BFED0A5CA42F}" srcOrd="1" destOrd="0" parTransId="{375D3DA2-6BA9-4065-B02F-53A5DF052984}" sibTransId="{49B3ABBA-D80A-4E78-8470-751EC2BD8C0A}"/>
-    <dgm:cxn modelId="{4441D652-C733-7A4C-9894-C6A5DD8AA9BD}" type="presOf" srcId="{C1D9B0D4-4117-4639-99F7-44CC91AE40E0}" destId="{C643754B-287F-804A-A6CD-415D102DD4D8}" srcOrd="0" destOrd="0" presId="urn:microsoft.com/office/officeart/2005/8/layout/list1"/>
-    <dgm:cxn modelId="{A5E63C5B-CC7E-C34B-AF7B-8E02407CAB8C}" type="presOf" srcId="{49900929-22BE-48DD-8231-28379965FF5E}" destId="{9D3D787D-64AD-154E-9DD8-EFD989F3AEB3}" srcOrd="1" destOrd="0" presId="urn:microsoft.com/office/officeart/2005/8/layout/list1"/>
+    <dgm:cxn modelId="{CF926242-7EE9-3349-ABE3-B98F4943E204}" type="presOf" srcId="{49900929-22BE-48DD-8231-28379965FF5E}" destId="{C809F4DA-BAF6-1E4F-BDBE-3465FB3808D9}" srcOrd="0" destOrd="0" presId="urn:microsoft.com/office/officeart/2016/7/layout/LinearBlockProcessNumbered"/>
     <dgm:cxn modelId="{2876FB61-D386-4C88-9609-AF953306917F}" srcId="{49900929-22BE-48DD-8231-28379965FF5E}" destId="{3A4839CD-E880-414A-A56E-B26D2BCFB791}" srcOrd="1" destOrd="0" parTransId="{8516FEBC-0E25-425A-B3DB-DA5FC43DC4A8}" sibTransId="{BD7530CF-DDF2-4671-8815-927587D52826}"/>
-    <dgm:cxn modelId="{7B62827A-02DC-8346-A1A7-356E56F12B14}" type="presOf" srcId="{C1D9B0D4-4117-4639-99F7-44CC91AE40E0}" destId="{07E376AF-511D-5D43-8993-CCE9D1CD46BB}" srcOrd="1" destOrd="0" presId="urn:microsoft.com/office/officeart/2005/8/layout/list1"/>
-    <dgm:cxn modelId="{AC1F7D9C-B224-A34C-8042-F54A446EF411}" type="presOf" srcId="{251FA952-6F13-45F7-9CAF-BFED0A5CA42F}" destId="{24274DF9-F8F1-3D48-8498-9082D8BFBEC3}" srcOrd="0" destOrd="1" presId="urn:microsoft.com/office/officeart/2005/8/layout/list1"/>
+    <dgm:cxn modelId="{7B107A77-C575-B044-BE0C-C7F1E7035E54}" type="presOf" srcId="{C6DAD62A-EC6F-49D5-BA4E-C301BE4D5D27}" destId="{826B5142-58A2-B348-A331-9DBD21697DF5}" srcOrd="0" destOrd="0" presId="urn:microsoft.com/office/officeart/2016/7/layout/LinearBlockProcessNumbered"/>
+    <dgm:cxn modelId="{C3E85A8D-2887-644F-AC97-04E747F24365}" type="presOf" srcId="{3A4839CD-E880-414A-A56E-B26D2BCFB791}" destId="{2ABF7F52-3BB6-3046-B78B-1A0A2CC45D9D}" srcOrd="0" destOrd="2" presId="urn:microsoft.com/office/officeart/2016/7/layout/LinearBlockProcessNumbered"/>
     <dgm:cxn modelId="{9080C9A0-291A-464A-9BF1-AE060593838C}" srcId="{66C6702C-0DB0-4FE7-B914-488490217385}" destId="{71D2B5FA-60B3-4FBC-AD38-3E2465D78F9D}" srcOrd="0" destOrd="0" parTransId="{B636C0A8-68D5-44D4-826F-8A85802F2668}" sibTransId="{5A84193D-323A-408B-A57E-9B488AE481BB}"/>
-    <dgm:cxn modelId="{C24CFCA3-4A1E-0641-B96C-29F12296DE86}" type="presOf" srcId="{7D1AC6EF-04F6-4C22-B343-5812A076BE22}" destId="{FFD0C0ED-46A2-DC4D-A33A-999645E9094A}" srcOrd="0" destOrd="0" presId="urn:microsoft.com/office/officeart/2005/8/layout/list1"/>
+    <dgm:cxn modelId="{6ED3EDA1-90B2-A841-B854-99D8243BB6AB}" type="presOf" srcId="{66C6702C-0DB0-4FE7-B914-488490217385}" destId="{58B01DF2-9AA1-304C-8477-CFAA847A08AA}" srcOrd="1" destOrd="0" presId="urn:microsoft.com/office/officeart/2016/7/layout/LinearBlockProcessNumbered"/>
+    <dgm:cxn modelId="{79EC52B5-EBD9-FD42-B2D0-05DCD514B26C}" type="presOf" srcId="{9FDD4B8E-0828-457F-833B-03639A48D39E}" destId="{97B3B56E-BC5E-7848-A597-F37B33CFC3A1}" srcOrd="0" destOrd="0" presId="urn:microsoft.com/office/officeart/2016/7/layout/LinearBlockProcessNumbered"/>
+    <dgm:cxn modelId="{634832B7-0A03-2048-91E0-ADAD3422BD28}" type="presOf" srcId="{251FA952-6F13-45F7-9CAF-BFED0A5CA42F}" destId="{58B01DF2-9AA1-304C-8477-CFAA847A08AA}" srcOrd="0" destOrd="2" presId="urn:microsoft.com/office/officeart/2016/7/layout/LinearBlockProcessNumbered"/>
+    <dgm:cxn modelId="{A587B0BA-362F-C349-8012-5992105BD346}" type="presOf" srcId="{66C6702C-0DB0-4FE7-B914-488490217385}" destId="{428DB667-7701-2B4A-AF99-C68442DEF1A4}" srcOrd="0" destOrd="0" presId="urn:microsoft.com/office/officeart/2016/7/layout/LinearBlockProcessNumbered"/>
+    <dgm:cxn modelId="{D599DFC6-F30B-1444-8D5B-C8C0873D0C4D}" type="presOf" srcId="{71D2B5FA-60B3-4FBC-AD38-3E2465D78F9D}" destId="{58B01DF2-9AA1-304C-8477-CFAA847A08AA}" srcOrd="0" destOrd="1" presId="urn:microsoft.com/office/officeart/2016/7/layout/LinearBlockProcessNumbered"/>
     <dgm:cxn modelId="{02070BC8-E6DC-48D5-AED2-22C076B8B803}" srcId="{C1D9B0D4-4117-4639-99F7-44CC91AE40E0}" destId="{69BC9231-ADE2-4A73-A748-CDB1B16620CB}" srcOrd="0" destOrd="0" parTransId="{733ACC3E-64E1-4ABD-90BF-ECDFC184FF60}" sibTransId="{93CEFD7D-80AF-4450-A03B-40BBAFE4E654}"/>
-    <dgm:cxn modelId="{466A67D0-9918-0142-819A-1EC19F277A24}" type="presOf" srcId="{49900929-22BE-48DD-8231-28379965FF5E}" destId="{52BFD858-C63D-5643-8664-145C30F05201}" srcOrd="0" destOrd="0" presId="urn:microsoft.com/office/officeart/2005/8/layout/list1"/>
-    <dgm:cxn modelId="{87E8E8D0-DC41-1847-B56E-17B13C6B1B22}" type="presOf" srcId="{9FDD4B8E-0828-457F-833B-03639A48D39E}" destId="{E409809B-3010-A14D-B446-647217620A3F}" srcOrd="0" destOrd="0" presId="urn:microsoft.com/office/officeart/2005/8/layout/list1"/>
-    <dgm:cxn modelId="{BE5E7CD4-9BAF-6941-9459-1D342E19A05E}" type="presOf" srcId="{3A4839CD-E880-414A-A56E-B26D2BCFB791}" destId="{FFD0C0ED-46A2-DC4D-A33A-999645E9094A}" srcOrd="0" destOrd="1" presId="urn:microsoft.com/office/officeart/2005/8/layout/list1"/>
+    <dgm:cxn modelId="{F30563D2-0B3E-DB4A-B024-66FC9955C59A}" type="presOf" srcId="{69BC9231-ADE2-4A73-A748-CDB1B16620CB}" destId="{7DFD3DDD-DC38-E349-8A66-D88D607752EC}" srcOrd="0" destOrd="1" presId="urn:microsoft.com/office/officeart/2016/7/layout/LinearBlockProcessNumbered"/>
     <dgm:cxn modelId="{5810BCDA-C4C2-445D-B532-600022F8752B}" srcId="{9FDD4B8E-0828-457F-833B-03639A48D39E}" destId="{66C6702C-0DB0-4FE7-B914-488490217385}" srcOrd="1" destOrd="0" parTransId="{7C641530-F0E2-4373-96F2-B0428CCADC5A}" sibTransId="{83C2C0C8-F685-4A37-887F-6F3ECAFD94C5}"/>
-    <dgm:cxn modelId="{8EF6F7E9-B6E9-224D-9E08-24BB8E3EA3EA}" type="presOf" srcId="{71D2B5FA-60B3-4FBC-AD38-3E2465D78F9D}" destId="{24274DF9-F8F1-3D48-8498-9082D8BFBEC3}" srcOrd="0" destOrd="0" presId="urn:microsoft.com/office/officeart/2005/8/layout/list1"/>
+    <dgm:cxn modelId="{C0BD0BF0-AA59-C745-86B8-507CC9AE88F7}" type="presOf" srcId="{7D1AC6EF-04F6-4C22-B343-5812A076BE22}" destId="{2ABF7F52-3BB6-3046-B78B-1A0A2CC45D9D}" srcOrd="0" destOrd="1" presId="urn:microsoft.com/office/officeart/2016/7/layout/LinearBlockProcessNumbered"/>
+    <dgm:cxn modelId="{8605A1F6-69F7-864A-AEEB-AE28B349C7AD}" type="presOf" srcId="{B40D086E-1D3D-4921-A560-D85DEDB1C05C}" destId="{78429905-2210-6646-9B3B-4614D74C4D89}" srcOrd="0" destOrd="0" presId="urn:microsoft.com/office/officeart/2016/7/layout/LinearBlockProcessNumbered"/>
+    <dgm:cxn modelId="{E05726F8-2426-D14A-AE1D-3A418A77F94F}" type="presOf" srcId="{83C2C0C8-F685-4A37-887F-6F3ECAFD94C5}" destId="{6313288A-0BDB-0341-9913-B7E0AA434637}" srcOrd="0" destOrd="0" presId="urn:microsoft.com/office/officeart/2016/7/layout/LinearBlockProcessNumbered"/>
     <dgm:cxn modelId="{D6B567FD-C325-487E-9221-03B15893B23C}" srcId="{49900929-22BE-48DD-8231-28379965FF5E}" destId="{7D1AC6EF-04F6-4C22-B343-5812A076BE22}" srcOrd="0" destOrd="0" parTransId="{26D25973-1F39-4476-843F-F6F3DB5D9DC8}" sibTransId="{AAFF7CCA-08B7-4AA1-AA32-181941B50C0B}"/>
-    <dgm:cxn modelId="{A0ACD75A-C785-E847-B8A7-BF8A1F15F757}" type="presParOf" srcId="{E409809B-3010-A14D-B446-647217620A3F}" destId="{C9DE3A09-EA2E-FC4D-B04B-830611D2D7E1}" srcOrd="0" destOrd="0" presId="urn:microsoft.com/office/officeart/2005/8/layout/list1"/>
-    <dgm:cxn modelId="{1B0AE820-CD51-FA43-B89B-D7A7D51FC5EC}" type="presParOf" srcId="{C9DE3A09-EA2E-FC4D-B04B-830611D2D7E1}" destId="{52BFD858-C63D-5643-8664-145C30F05201}" srcOrd="0" destOrd="0" presId="urn:microsoft.com/office/officeart/2005/8/layout/list1"/>
-    <dgm:cxn modelId="{6CB91002-86CA-C245-8290-8053147D5742}" type="presParOf" srcId="{C9DE3A09-EA2E-FC4D-B04B-830611D2D7E1}" destId="{9D3D787D-64AD-154E-9DD8-EFD989F3AEB3}" srcOrd="1" destOrd="0" presId="urn:microsoft.com/office/officeart/2005/8/layout/list1"/>
-    <dgm:cxn modelId="{8E851749-D69C-1F4C-935D-E6F2A11F0D5F}" type="presParOf" srcId="{E409809B-3010-A14D-B446-647217620A3F}" destId="{BDA8A138-0587-6545-8EBB-2201BACC95F0}" srcOrd="1" destOrd="0" presId="urn:microsoft.com/office/officeart/2005/8/layout/list1"/>
-    <dgm:cxn modelId="{C3361657-70C7-6047-8F95-14F7F322FFE4}" type="presParOf" srcId="{E409809B-3010-A14D-B446-647217620A3F}" destId="{FFD0C0ED-46A2-DC4D-A33A-999645E9094A}" srcOrd="2" destOrd="0" presId="urn:microsoft.com/office/officeart/2005/8/layout/list1"/>
-    <dgm:cxn modelId="{CD9F9CE2-7482-1F40-9206-F30BEEBF5C2E}" type="presParOf" srcId="{E409809B-3010-A14D-B446-647217620A3F}" destId="{16E1FD9B-0C55-474A-8BF4-B4D616BD36B3}" srcOrd="3" destOrd="0" presId="urn:microsoft.com/office/officeart/2005/8/layout/list1"/>
-    <dgm:cxn modelId="{1CC13E80-9422-A149-8527-00EDD253EDB1}" type="presParOf" srcId="{E409809B-3010-A14D-B446-647217620A3F}" destId="{E04891D7-B6D0-C244-A246-2266098CB0B3}" srcOrd="4" destOrd="0" presId="urn:microsoft.com/office/officeart/2005/8/layout/list1"/>
-    <dgm:cxn modelId="{F01D3294-52D2-4649-AA89-1DCBAD21C46B}" type="presParOf" srcId="{E04891D7-B6D0-C244-A246-2266098CB0B3}" destId="{9B3411FE-67BD-6143-ACEC-EAF33398A62F}" srcOrd="0" destOrd="0" presId="urn:microsoft.com/office/officeart/2005/8/layout/list1"/>
-    <dgm:cxn modelId="{EAE2584A-1464-DC4B-945E-3DD230AC52F0}" type="presParOf" srcId="{E04891D7-B6D0-C244-A246-2266098CB0B3}" destId="{09A9925B-6E1B-7447-80CE-2792EA318075}" srcOrd="1" destOrd="0" presId="urn:microsoft.com/office/officeart/2005/8/layout/list1"/>
-    <dgm:cxn modelId="{8BA92E13-F88E-5A4D-9A52-0B2B71183ED2}" type="presParOf" srcId="{E409809B-3010-A14D-B446-647217620A3F}" destId="{158D1094-BB05-E74B-BE2A-CC72715897C5}" srcOrd="5" destOrd="0" presId="urn:microsoft.com/office/officeart/2005/8/layout/list1"/>
-    <dgm:cxn modelId="{3B2D0CD0-110C-A943-95FD-42C8091C51C7}" type="presParOf" srcId="{E409809B-3010-A14D-B446-647217620A3F}" destId="{24274DF9-F8F1-3D48-8498-9082D8BFBEC3}" srcOrd="6" destOrd="0" presId="urn:microsoft.com/office/officeart/2005/8/layout/list1"/>
-    <dgm:cxn modelId="{281BD71D-B0E2-084F-8529-11B7FEAD1348}" type="presParOf" srcId="{E409809B-3010-A14D-B446-647217620A3F}" destId="{D0171E8B-C014-7A4E-9B82-F6B46E956001}" srcOrd="7" destOrd="0" presId="urn:microsoft.com/office/officeart/2005/8/layout/list1"/>
-    <dgm:cxn modelId="{E4EA337D-3EF6-0C40-8894-14B18E1DE570}" type="presParOf" srcId="{E409809B-3010-A14D-B446-647217620A3F}" destId="{2DED3240-E3B6-4844-869C-DA59CF8F25BF}" srcOrd="8" destOrd="0" presId="urn:microsoft.com/office/officeart/2005/8/layout/list1"/>
-    <dgm:cxn modelId="{BC001662-F06F-6F47-9379-B82AAA93B4BC}" type="presParOf" srcId="{2DED3240-E3B6-4844-869C-DA59CF8F25BF}" destId="{C643754B-287F-804A-A6CD-415D102DD4D8}" srcOrd="0" destOrd="0" presId="urn:microsoft.com/office/officeart/2005/8/layout/list1"/>
-    <dgm:cxn modelId="{B14182AC-B036-F042-9A6D-4C6E8D0BFC44}" type="presParOf" srcId="{2DED3240-E3B6-4844-869C-DA59CF8F25BF}" destId="{07E376AF-511D-5D43-8993-CCE9D1CD46BB}" srcOrd="1" destOrd="0" presId="urn:microsoft.com/office/officeart/2005/8/layout/list1"/>
-    <dgm:cxn modelId="{C4F15A91-C1AB-C045-97B4-49EE3759F9B1}" type="presParOf" srcId="{E409809B-3010-A14D-B446-647217620A3F}" destId="{1FDBC5B5-8460-E042-A7F1-133CE4839395}" srcOrd="9" destOrd="0" presId="urn:microsoft.com/office/officeart/2005/8/layout/list1"/>
-    <dgm:cxn modelId="{B535B1E7-5B3D-C74F-BC6A-CBEE7FF6F09C}" type="presParOf" srcId="{E409809B-3010-A14D-B446-647217620A3F}" destId="{5C18737C-5135-0C4B-A789-637A5B7808E0}" srcOrd="10" destOrd="0" presId="urn:microsoft.com/office/officeart/2005/8/layout/list1"/>
+    <dgm:cxn modelId="{91C78AFD-AA37-F449-B50C-712650000CDD}" type="presOf" srcId="{49900929-22BE-48DD-8231-28379965FF5E}" destId="{2ABF7F52-3BB6-3046-B78B-1A0A2CC45D9D}" srcOrd="1" destOrd="0" presId="urn:microsoft.com/office/officeart/2016/7/layout/LinearBlockProcessNumbered"/>
+    <dgm:cxn modelId="{DF81512E-C428-B442-9575-3C899178E707}" type="presParOf" srcId="{97B3B56E-BC5E-7848-A597-F37B33CFC3A1}" destId="{2968F301-1837-2B49-BABE-B5D6B14373B6}" srcOrd="0" destOrd="0" presId="urn:microsoft.com/office/officeart/2016/7/layout/LinearBlockProcessNumbered"/>
+    <dgm:cxn modelId="{F97C4772-E6C4-094F-ADCC-B9080FA6F168}" type="presParOf" srcId="{2968F301-1837-2B49-BABE-B5D6B14373B6}" destId="{C809F4DA-BAF6-1E4F-BDBE-3465FB3808D9}" srcOrd="0" destOrd="0" presId="urn:microsoft.com/office/officeart/2016/7/layout/LinearBlockProcessNumbered"/>
+    <dgm:cxn modelId="{8787E825-9C29-324C-9AE3-A4A8D4396744}" type="presParOf" srcId="{2968F301-1837-2B49-BABE-B5D6B14373B6}" destId="{78429905-2210-6646-9B3B-4614D74C4D89}" srcOrd="1" destOrd="0" presId="urn:microsoft.com/office/officeart/2016/7/layout/LinearBlockProcessNumbered"/>
+    <dgm:cxn modelId="{E7CCC875-5AA2-414E-9391-0368853A241D}" type="presParOf" srcId="{2968F301-1837-2B49-BABE-B5D6B14373B6}" destId="{2ABF7F52-3BB6-3046-B78B-1A0A2CC45D9D}" srcOrd="2" destOrd="0" presId="urn:microsoft.com/office/officeart/2016/7/layout/LinearBlockProcessNumbered"/>
+    <dgm:cxn modelId="{BB51EF90-52B6-0547-9DD3-534CCC59151B}" type="presParOf" srcId="{97B3B56E-BC5E-7848-A597-F37B33CFC3A1}" destId="{B6AB93AF-7279-EA40-BED0-A90610EEBA7C}" srcOrd="1" destOrd="0" presId="urn:microsoft.com/office/officeart/2016/7/layout/LinearBlockProcessNumbered"/>
+    <dgm:cxn modelId="{19E48C49-8427-B844-8E49-25AA491F7CE7}" type="presParOf" srcId="{97B3B56E-BC5E-7848-A597-F37B33CFC3A1}" destId="{70BAA12F-A7CD-8040-9A96-7C7ED195B107}" srcOrd="2" destOrd="0" presId="urn:microsoft.com/office/officeart/2016/7/layout/LinearBlockProcessNumbered"/>
+    <dgm:cxn modelId="{A2FA6C4E-B2B9-A141-8BB7-581B9105DC15}" type="presParOf" srcId="{70BAA12F-A7CD-8040-9A96-7C7ED195B107}" destId="{428DB667-7701-2B4A-AF99-C68442DEF1A4}" srcOrd="0" destOrd="0" presId="urn:microsoft.com/office/officeart/2016/7/layout/LinearBlockProcessNumbered"/>
+    <dgm:cxn modelId="{07742981-86EB-5945-9981-3DE47CC86D13}" type="presParOf" srcId="{70BAA12F-A7CD-8040-9A96-7C7ED195B107}" destId="{6313288A-0BDB-0341-9913-B7E0AA434637}" srcOrd="1" destOrd="0" presId="urn:microsoft.com/office/officeart/2016/7/layout/LinearBlockProcessNumbered"/>
+    <dgm:cxn modelId="{42F525F4-68A8-8447-9F2E-653C1A31314E}" type="presParOf" srcId="{70BAA12F-A7CD-8040-9A96-7C7ED195B107}" destId="{58B01DF2-9AA1-304C-8477-CFAA847A08AA}" srcOrd="2" destOrd="0" presId="urn:microsoft.com/office/officeart/2016/7/layout/LinearBlockProcessNumbered"/>
+    <dgm:cxn modelId="{4946415E-FF9F-7D4D-B46B-4C8B2A19FC5D}" type="presParOf" srcId="{97B3B56E-BC5E-7848-A597-F37B33CFC3A1}" destId="{B89932D3-294F-3E44-982B-7C2884394A7A}" srcOrd="3" destOrd="0" presId="urn:microsoft.com/office/officeart/2016/7/layout/LinearBlockProcessNumbered"/>
+    <dgm:cxn modelId="{E327B711-469C-714B-92EC-BA8D7F72D957}" type="presParOf" srcId="{97B3B56E-BC5E-7848-A597-F37B33CFC3A1}" destId="{3F25D665-DB35-4C49-A780-D7E030599C66}" srcOrd="4" destOrd="0" presId="urn:microsoft.com/office/officeart/2016/7/layout/LinearBlockProcessNumbered"/>
+    <dgm:cxn modelId="{3AE59A29-E1B4-E74F-966E-57C8D7E65547}" type="presParOf" srcId="{3F25D665-DB35-4C49-A780-D7E030599C66}" destId="{BF95C030-A954-2148-B7EC-E4F1A71A7B61}" srcOrd="0" destOrd="0" presId="urn:microsoft.com/office/officeart/2016/7/layout/LinearBlockProcessNumbered"/>
+    <dgm:cxn modelId="{99394611-F275-DC4D-B476-044577A7372D}" type="presParOf" srcId="{3F25D665-DB35-4C49-A780-D7E030599C66}" destId="{826B5142-58A2-B348-A331-9DBD21697DF5}" srcOrd="1" destOrd="0" presId="urn:microsoft.com/office/officeart/2016/7/layout/LinearBlockProcessNumbered"/>
+    <dgm:cxn modelId="{C3B5936D-57C9-ED46-A212-97F88BED1D14}" type="presParOf" srcId="{3F25D665-DB35-4C49-A780-D7E030599C66}" destId="{7DFD3DDD-DC38-E349-8A66-D88D607752EC}" srcOrd="2" destOrd="0" presId="urn:microsoft.com/office/officeart/2016/7/layout/LinearBlockProcessNumbered"/>
   </dgm:cxnLst>
   <dgm:bg/>
   <dgm:whole/>
@@ -6079,7 +6580,7 @@
 <dgm:dataModel xmlns:dgm="http://schemas.openxmlformats.org/drawingml/2006/diagram" xmlns:a="http://schemas.openxmlformats.org/drawingml/2006/main">
   <dgm:ptLst>
     <dgm:pt modelId="{09EC9E44-5DB9-4D69-90DC-CED76E46FF5D}" type="doc">
-      <dgm:prSet loTypeId="urn:microsoft.com/office/officeart/2005/8/layout/vList5" loCatId="list" qsTypeId="urn:microsoft.com/office/officeart/2005/8/quickstyle/simple1" qsCatId="simple" csTypeId="urn:microsoft.com/office/officeart/2005/8/colors/colorful2" csCatId="colorful"/>
+      <dgm:prSet loTypeId="urn:microsoft.com/office/officeart/2005/8/layout/hierarchy3" loCatId="hierarchy" qsTypeId="urn:microsoft.com/office/officeart/2005/8/quickstyle/simple1" qsCatId="simple" csTypeId="urn:microsoft.com/office/officeart/2005/8/colors/colorful2" csCatId="colorful"/>
       <dgm:spPr/>
       <dgm:t>
         <a:bodyPr/>
@@ -6090,17 +6591,17 @@
       </dgm:t>
     </dgm:pt>
     <dgm:pt modelId="{AADDC446-8D79-454D-904C-B939CA180DF1}">
-      <dgm:prSet/>
+      <dgm:prSet custT="1"/>
       <dgm:spPr/>
       <dgm:t>
         <a:bodyPr/>
         <a:lstStyle/>
         <a:p>
           <a:r>
-            <a:rPr lang="ja-JP"/>
+            <a:rPr lang="ja-JP" sz="1700"/>
             <a:t>記憶を次世代に伝える重要性</a:t>
           </a:r>
-          <a:endParaRPr lang="en-US"/>
+          <a:endParaRPr lang="en-US" sz="1700" dirty="0"/>
         </a:p>
       </dgm:t>
     </dgm:pt>
@@ -6127,17 +6628,17 @@
       </dgm:t>
     </dgm:pt>
     <dgm:pt modelId="{CD16971F-72D5-4EA0-ACE8-D9EE543BBB7D}">
-      <dgm:prSet/>
+      <dgm:prSet custT="1"/>
       <dgm:spPr/>
       <dgm:t>
         <a:bodyPr/>
         <a:lstStyle/>
         <a:p>
           <a:r>
-            <a:rPr lang="ja-JP"/>
+            <a:rPr lang="ja-JP" sz="1700"/>
             <a:t>災害の経験を風化させない</a:t>
           </a:r>
-          <a:endParaRPr lang="en-US"/>
+          <a:endParaRPr lang="en-US" sz="1700" dirty="0"/>
         </a:p>
       </dgm:t>
     </dgm:pt>
@@ -6164,17 +6665,17 @@
       </dgm:t>
     </dgm:pt>
     <dgm:pt modelId="{D92023F1-9338-4384-9FBC-1A517FD0CF58}">
-      <dgm:prSet/>
+      <dgm:prSet custT="1"/>
       <dgm:spPr/>
       <dgm:t>
         <a:bodyPr/>
         <a:lstStyle/>
         <a:p>
           <a:r>
-            <a:rPr lang="ja-JP"/>
+            <a:rPr lang="ja-JP" sz="1700"/>
             <a:t>次世代への教訓としての価値</a:t>
           </a:r>
-          <a:endParaRPr lang="en-US"/>
+          <a:endParaRPr lang="en-US" sz="1700" dirty="0"/>
         </a:p>
       </dgm:t>
     </dgm:pt>
@@ -6201,17 +6702,17 @@
       </dgm:t>
     </dgm:pt>
     <dgm:pt modelId="{9959C099-FE6A-4BE2-8DEC-464BF41786EF}">
-      <dgm:prSet/>
+      <dgm:prSet custT="1"/>
       <dgm:spPr/>
       <dgm:t>
         <a:bodyPr/>
         <a:lstStyle/>
         <a:p>
           <a:r>
-            <a:rPr lang="ja-JP"/>
+            <a:rPr lang="ja-JP" sz="1700"/>
             <a:t>双葉郡の歴史と復興をデジタル化して保存</a:t>
           </a:r>
-          <a:endParaRPr lang="en-US"/>
+          <a:endParaRPr lang="en-US" sz="1700" dirty="0"/>
         </a:p>
       </dgm:t>
     </dgm:pt>
@@ -6238,17 +6739,17 @@
       </dgm:t>
     </dgm:pt>
     <dgm:pt modelId="{8ABB7719-597B-4877-8E18-11BA1B940E9F}">
-      <dgm:prSet/>
+      <dgm:prSet custT="1"/>
       <dgm:spPr/>
       <dgm:t>
         <a:bodyPr/>
         <a:lstStyle/>
         <a:p>
           <a:r>
-            <a:rPr lang="ja-JP"/>
+            <a:rPr lang="ja-JP" sz="1700"/>
             <a:t>地域の歴史の一部としての保存</a:t>
           </a:r>
-          <a:endParaRPr lang="en-US"/>
+          <a:endParaRPr lang="en-US" sz="1700" dirty="0"/>
         </a:p>
       </dgm:t>
     </dgm:pt>
@@ -6275,21 +6776,21 @@
       </dgm:t>
     </dgm:pt>
     <dgm:pt modelId="{4CC3827B-E837-4FA5-BCB2-394ABFF699C0}">
-      <dgm:prSet/>
+      <dgm:prSet custT="1"/>
       <dgm:spPr/>
       <dgm:t>
         <a:bodyPr/>
         <a:lstStyle/>
         <a:p>
           <a:r>
-            <a:rPr lang="en-US"/>
+            <a:rPr lang="en-US" sz="1700" dirty="0"/>
             <a:t>Re: Earth</a:t>
           </a:r>
           <a:r>
-            <a:rPr lang="ja-JP"/>
+            <a:rPr lang="ja-JP" sz="1700"/>
             <a:t>を活用した持続可能な情報発信</a:t>
           </a:r>
-          <a:endParaRPr lang="en-US"/>
+          <a:endParaRPr lang="en-US" sz="1700" dirty="0"/>
         </a:p>
       </dgm:t>
     </dgm:pt>
@@ -6316,17 +6817,17 @@
       </dgm:t>
     </dgm:pt>
     <dgm:pt modelId="{B03F24F2-EC57-4E43-9BA8-20278FE1782A}">
-      <dgm:prSet/>
+      <dgm:prSet custT="1"/>
       <dgm:spPr/>
       <dgm:t>
         <a:bodyPr/>
         <a:lstStyle/>
         <a:p>
           <a:r>
-            <a:rPr lang="ja-JP"/>
+            <a:rPr lang="ja-JP" sz="1700"/>
             <a:t>長期的な視点での情報保存と発信</a:t>
           </a:r>
-          <a:endParaRPr lang="en-US"/>
+          <a:endParaRPr lang="en-US" sz="1700" dirty="0"/>
         </a:p>
       </dgm:t>
     </dgm:pt>
@@ -6352,81 +6853,120 @@
         </a:p>
       </dgm:t>
     </dgm:pt>
-    <dgm:pt modelId="{DE71575F-D38A-3848-829D-DCF736AB591B}" type="pres">
-      <dgm:prSet presAssocID="{09EC9E44-5DB9-4D69-90DC-CED76E46FF5D}" presName="Name0" presStyleCnt="0">
+    <dgm:pt modelId="{FCE40A47-4E94-2A48-A56D-C29673238C26}" type="pres">
+      <dgm:prSet presAssocID="{09EC9E44-5DB9-4D69-90DC-CED76E46FF5D}" presName="diagram" presStyleCnt="0">
         <dgm:presLayoutVars>
+          <dgm:chPref val="1"/>
           <dgm:dir/>
+          <dgm:animOne val="branch"/>
           <dgm:animLvl val="lvl"/>
-          <dgm:resizeHandles val="exact"/>
+          <dgm:resizeHandles/>
         </dgm:presLayoutVars>
       </dgm:prSet>
       <dgm:spPr/>
     </dgm:pt>
-    <dgm:pt modelId="{3984D032-8A3F-6945-B9A7-AF8127FD94C6}" type="pres">
-      <dgm:prSet presAssocID="{AADDC446-8D79-454D-904C-B939CA180DF1}" presName="linNode" presStyleCnt="0"/>
+    <dgm:pt modelId="{5D29CAF1-210B-A348-B1E1-1C9BA36734DE}" type="pres">
+      <dgm:prSet presAssocID="{AADDC446-8D79-454D-904C-B939CA180DF1}" presName="root" presStyleCnt="0"/>
       <dgm:spPr/>
     </dgm:pt>
-    <dgm:pt modelId="{BD6A6B36-CF04-494A-A121-439976E4CEC1}" type="pres">
-      <dgm:prSet presAssocID="{AADDC446-8D79-454D-904C-B939CA180DF1}" presName="parentText" presStyleLbl="node1" presStyleIdx="0" presStyleCnt="3">
-        <dgm:presLayoutVars>
-          <dgm:chMax val="1"/>
-          <dgm:bulletEnabled val="1"/>
-        </dgm:presLayoutVars>
-      </dgm:prSet>
+    <dgm:pt modelId="{3C715C1E-F1A1-F84E-8000-8935F1061AFA}" type="pres">
+      <dgm:prSet presAssocID="{AADDC446-8D79-454D-904C-B939CA180DF1}" presName="rootComposite" presStyleCnt="0"/>
       <dgm:spPr/>
     </dgm:pt>
-    <dgm:pt modelId="{79A1CC0B-E312-4848-9533-876CD3C4871B}" type="pres">
-      <dgm:prSet presAssocID="{AADDC446-8D79-454D-904C-B939CA180DF1}" presName="descendantText" presStyleLbl="alignAccFollowNode1" presStyleIdx="0" presStyleCnt="3">
+    <dgm:pt modelId="{0B959140-14F3-7148-8C24-1CD9C0D5C6A5}" type="pres">
+      <dgm:prSet presAssocID="{AADDC446-8D79-454D-904C-B939CA180DF1}" presName="rootText" presStyleLbl="node1" presStyleIdx="0" presStyleCnt="3"/>
+      <dgm:spPr/>
+    </dgm:pt>
+    <dgm:pt modelId="{61C3E2CD-7ABF-0B4E-A130-1C630C01A463}" type="pres">
+      <dgm:prSet presAssocID="{AADDC446-8D79-454D-904C-B939CA180DF1}" presName="rootConnector" presStyleLbl="node1" presStyleIdx="0" presStyleCnt="3"/>
+      <dgm:spPr/>
+    </dgm:pt>
+    <dgm:pt modelId="{DA3B52A8-44B5-FD4C-8C99-E18D85B48E8A}" type="pres">
+      <dgm:prSet presAssocID="{AADDC446-8D79-454D-904C-B939CA180DF1}" presName="childShape" presStyleCnt="0"/>
+      <dgm:spPr/>
+    </dgm:pt>
+    <dgm:pt modelId="{A1D2C60D-CA5C-DE48-A07E-842C322498A9}" type="pres">
+      <dgm:prSet presAssocID="{52B81148-6569-42A6-B4C6-3B4852BB1DD3}" presName="Name13" presStyleLbl="parChTrans1D2" presStyleIdx="0" presStyleCnt="4"/>
+      <dgm:spPr/>
+    </dgm:pt>
+    <dgm:pt modelId="{0FD2CEAB-5481-B341-8F5A-42F78F4257FA}" type="pres">
+      <dgm:prSet presAssocID="{CD16971F-72D5-4EA0-ACE8-D9EE543BBB7D}" presName="childText" presStyleLbl="bgAcc1" presStyleIdx="0" presStyleCnt="4">
         <dgm:presLayoutVars>
           <dgm:bulletEnabled val="1"/>
         </dgm:presLayoutVars>
       </dgm:prSet>
       <dgm:spPr/>
     </dgm:pt>
-    <dgm:pt modelId="{EB978AFE-DCB0-4B4C-87A1-ABAC2D11103E}" type="pres">
-      <dgm:prSet presAssocID="{7A7B8405-88A5-4644-8EBD-0142EB9D3DAB}" presName="sp" presStyleCnt="0"/>
+    <dgm:pt modelId="{202EDEB1-4CC6-4943-8E13-D64B4E6CB55B}" type="pres">
+      <dgm:prSet presAssocID="{785440B8-A301-4157-8E49-448520ADA16A}" presName="Name13" presStyleLbl="parChTrans1D2" presStyleIdx="1" presStyleCnt="4"/>
       <dgm:spPr/>
     </dgm:pt>
-    <dgm:pt modelId="{723DF9D8-B373-9F4A-B3CE-11B5514EB1B3}" type="pres">
-      <dgm:prSet presAssocID="{9959C099-FE6A-4BE2-8DEC-464BF41786EF}" presName="linNode" presStyleCnt="0"/>
-      <dgm:spPr/>
-    </dgm:pt>
-    <dgm:pt modelId="{1E270CAD-423D-2D4F-9764-51C12CA14905}" type="pres">
-      <dgm:prSet presAssocID="{9959C099-FE6A-4BE2-8DEC-464BF41786EF}" presName="parentText" presStyleLbl="node1" presStyleIdx="1" presStyleCnt="3">
-        <dgm:presLayoutVars>
-          <dgm:chMax val="1"/>
-          <dgm:bulletEnabled val="1"/>
-        </dgm:presLayoutVars>
-      </dgm:prSet>
-      <dgm:spPr/>
-    </dgm:pt>
-    <dgm:pt modelId="{8AA4BBD4-A426-8045-B935-B1EB4C9C627C}" type="pres">
-      <dgm:prSet presAssocID="{9959C099-FE6A-4BE2-8DEC-464BF41786EF}" presName="descendantText" presStyleLbl="alignAccFollowNode1" presStyleIdx="1" presStyleCnt="3">
+    <dgm:pt modelId="{751EDA55-21C5-634D-9484-E95FCD1E1100}" type="pres">
+      <dgm:prSet presAssocID="{D92023F1-9338-4384-9FBC-1A517FD0CF58}" presName="childText" presStyleLbl="bgAcc1" presStyleIdx="1" presStyleCnt="4">
         <dgm:presLayoutVars>
           <dgm:bulletEnabled val="1"/>
         </dgm:presLayoutVars>
       </dgm:prSet>
       <dgm:spPr/>
     </dgm:pt>
-    <dgm:pt modelId="{F43F41C5-0439-B24F-AB32-3CBB6B0205B2}" type="pres">
-      <dgm:prSet presAssocID="{9E337E50-88B5-442C-9DA0-27706C08F097}" presName="sp" presStyleCnt="0"/>
+    <dgm:pt modelId="{847926C3-0DA9-2A42-B7EB-8CF23124A46D}" type="pres">
+      <dgm:prSet presAssocID="{9959C099-FE6A-4BE2-8DEC-464BF41786EF}" presName="root" presStyleCnt="0"/>
       <dgm:spPr/>
     </dgm:pt>
-    <dgm:pt modelId="{EC457E03-E80C-D342-A4EC-F7714992653E}" type="pres">
-      <dgm:prSet presAssocID="{4CC3827B-E837-4FA5-BCB2-394ABFF699C0}" presName="linNode" presStyleCnt="0"/>
+    <dgm:pt modelId="{92C7DA51-0516-2540-92BA-18BD89D08C95}" type="pres">
+      <dgm:prSet presAssocID="{9959C099-FE6A-4BE2-8DEC-464BF41786EF}" presName="rootComposite" presStyleCnt="0"/>
       <dgm:spPr/>
     </dgm:pt>
-    <dgm:pt modelId="{FA77F8E1-E7E6-E540-BBA9-4F9BCA2851F9}" type="pres">
-      <dgm:prSet presAssocID="{4CC3827B-E837-4FA5-BCB2-394ABFF699C0}" presName="parentText" presStyleLbl="node1" presStyleIdx="2" presStyleCnt="3">
+    <dgm:pt modelId="{DF43ABE3-A249-E74A-91FA-F00635F7109C}" type="pres">
+      <dgm:prSet presAssocID="{9959C099-FE6A-4BE2-8DEC-464BF41786EF}" presName="rootText" presStyleLbl="node1" presStyleIdx="1" presStyleCnt="3"/>
+      <dgm:spPr/>
+    </dgm:pt>
+    <dgm:pt modelId="{DFB982CD-5B09-EE4E-A295-1EB8EBCC4A7C}" type="pres">
+      <dgm:prSet presAssocID="{9959C099-FE6A-4BE2-8DEC-464BF41786EF}" presName="rootConnector" presStyleLbl="node1" presStyleIdx="1" presStyleCnt="3"/>
+      <dgm:spPr/>
+    </dgm:pt>
+    <dgm:pt modelId="{6A48C6FC-F68A-E44A-B643-F08741189F8F}" type="pres">
+      <dgm:prSet presAssocID="{9959C099-FE6A-4BE2-8DEC-464BF41786EF}" presName="childShape" presStyleCnt="0"/>
+      <dgm:spPr/>
+    </dgm:pt>
+    <dgm:pt modelId="{6A98F10E-541B-974A-9249-A8EDAF3D783C}" type="pres">
+      <dgm:prSet presAssocID="{914DEA39-77D7-48B0-9FB4-C8B858EC0E83}" presName="Name13" presStyleLbl="parChTrans1D2" presStyleIdx="2" presStyleCnt="4"/>
+      <dgm:spPr/>
+    </dgm:pt>
+    <dgm:pt modelId="{3B714A36-8EEE-A945-8DC6-340741702DE0}" type="pres">
+      <dgm:prSet presAssocID="{8ABB7719-597B-4877-8E18-11BA1B940E9F}" presName="childText" presStyleLbl="bgAcc1" presStyleIdx="2" presStyleCnt="4">
         <dgm:presLayoutVars>
-          <dgm:chMax val="1"/>
           <dgm:bulletEnabled val="1"/>
         </dgm:presLayoutVars>
       </dgm:prSet>
       <dgm:spPr/>
     </dgm:pt>
-    <dgm:pt modelId="{DE5B031E-51E1-F04A-B698-79E4394A937E}" type="pres">
-      <dgm:prSet presAssocID="{4CC3827B-E837-4FA5-BCB2-394ABFF699C0}" presName="descendantText" presStyleLbl="alignAccFollowNode1" presStyleIdx="2" presStyleCnt="3">
+    <dgm:pt modelId="{39B9C18F-C398-C841-AE5C-8F5BE71EF640}" type="pres">
+      <dgm:prSet presAssocID="{4CC3827B-E837-4FA5-BCB2-394ABFF699C0}" presName="root" presStyleCnt="0"/>
+      <dgm:spPr/>
+    </dgm:pt>
+    <dgm:pt modelId="{0D5C970C-3024-BB40-A9BB-43B3401035A8}" type="pres">
+      <dgm:prSet presAssocID="{4CC3827B-E837-4FA5-BCB2-394ABFF699C0}" presName="rootComposite" presStyleCnt="0"/>
+      <dgm:spPr/>
+    </dgm:pt>
+    <dgm:pt modelId="{474D952C-3046-6C41-82A3-08FDEE197C80}" type="pres">
+      <dgm:prSet presAssocID="{4CC3827B-E837-4FA5-BCB2-394ABFF699C0}" presName="rootText" presStyleLbl="node1" presStyleIdx="2" presStyleCnt="3"/>
+      <dgm:spPr/>
+    </dgm:pt>
+    <dgm:pt modelId="{321F812C-CDF2-D941-8E3E-33BA6D1FDEE6}" type="pres">
+      <dgm:prSet presAssocID="{4CC3827B-E837-4FA5-BCB2-394ABFF699C0}" presName="rootConnector" presStyleLbl="node1" presStyleIdx="2" presStyleCnt="3"/>
+      <dgm:spPr/>
+    </dgm:pt>
+    <dgm:pt modelId="{10719B7A-0283-0949-8070-47FCAC0E5265}" type="pres">
+      <dgm:prSet presAssocID="{4CC3827B-E837-4FA5-BCB2-394ABFF699C0}" presName="childShape" presStyleCnt="0"/>
+      <dgm:spPr/>
+    </dgm:pt>
+    <dgm:pt modelId="{911EB399-EAE7-C445-BA92-552BEA39D657}" type="pres">
+      <dgm:prSet presAssocID="{38884874-ED3D-4A5F-BAA0-92177B28EB8C}" presName="Name13" presStyleLbl="parChTrans1D2" presStyleIdx="3" presStyleCnt="4"/>
+      <dgm:spPr/>
+    </dgm:pt>
+    <dgm:pt modelId="{5320BDB4-391B-2D4A-960D-A70D111FEAAF}" type="pres">
+      <dgm:prSet presAssocID="{B03F24F2-EC57-4E43-9BA8-20278FE1782A}" presName="childText" presStyleLbl="bgAcc1" presStyleIdx="3" presStyleCnt="4">
         <dgm:presLayoutVars>
           <dgm:bulletEnabled val="1"/>
         </dgm:presLayoutVars>
@@ -6435,32 +6975,51 @@
     </dgm:pt>
   </dgm:ptLst>
   <dgm:cxnLst>
-    <dgm:cxn modelId="{1C239801-A669-AC43-B2DA-0A2D35673470}" type="presOf" srcId="{AADDC446-8D79-454D-904C-B939CA180DF1}" destId="{BD6A6B36-CF04-494A-A121-439976E4CEC1}" srcOrd="0" destOrd="0" presId="urn:microsoft.com/office/officeart/2005/8/layout/vList5"/>
+    <dgm:cxn modelId="{5AFFA812-A164-024E-96D7-777C4104E5A1}" type="presOf" srcId="{D92023F1-9338-4384-9FBC-1A517FD0CF58}" destId="{751EDA55-21C5-634D-9484-E95FCD1E1100}" srcOrd="0" destOrd="0" presId="urn:microsoft.com/office/officeart/2005/8/layout/hierarchy3"/>
+    <dgm:cxn modelId="{323C8125-DDB9-C14D-9138-CAB928412614}" type="presOf" srcId="{785440B8-A301-4157-8E49-448520ADA16A}" destId="{202EDEB1-4CC6-4943-8E13-D64B4E6CB55B}" srcOrd="0" destOrd="0" presId="urn:microsoft.com/office/officeart/2005/8/layout/hierarchy3"/>
     <dgm:cxn modelId="{96460B3E-9191-456E-8B32-D09AD381205B}" srcId="{09EC9E44-5DB9-4D69-90DC-CED76E46FF5D}" destId="{9959C099-FE6A-4BE2-8DEC-464BF41786EF}" srcOrd="1" destOrd="0" parTransId="{E69BF20F-9B1C-4F1A-939A-9CAE3255B8B5}" sibTransId="{9E337E50-88B5-442C-9DA0-27706C08F097}"/>
+    <dgm:cxn modelId="{9970F644-355B-F147-B5F3-2E2B50C48A37}" type="presOf" srcId="{AADDC446-8D79-454D-904C-B939CA180DF1}" destId="{0B959140-14F3-7148-8C24-1CD9C0D5C6A5}" srcOrd="0" destOrd="0" presId="urn:microsoft.com/office/officeart/2005/8/layout/hierarchy3"/>
+    <dgm:cxn modelId="{4D14C748-E78F-F946-93AF-40F45A08615B}" type="presOf" srcId="{914DEA39-77D7-48B0-9FB4-C8B858EC0E83}" destId="{6A98F10E-541B-974A-9249-A8EDAF3D783C}" srcOrd="0" destOrd="0" presId="urn:microsoft.com/office/officeart/2005/8/layout/hierarchy3"/>
+    <dgm:cxn modelId="{E2A23B4C-697E-FF49-B2EE-E6E3C14FA2A5}" type="presOf" srcId="{38884874-ED3D-4A5F-BAA0-92177B28EB8C}" destId="{911EB399-EAE7-C445-BA92-552BEA39D657}" srcOrd="0" destOrd="0" presId="urn:microsoft.com/office/officeart/2005/8/layout/hierarchy3"/>
+    <dgm:cxn modelId="{B929D04E-2884-0C40-B1FC-04D74E7D3E9D}" type="presOf" srcId="{4CC3827B-E837-4FA5-BCB2-394ABFF699C0}" destId="{474D952C-3046-6C41-82A3-08FDEE197C80}" srcOrd="0" destOrd="0" presId="urn:microsoft.com/office/officeart/2005/8/layout/hierarchy3"/>
+    <dgm:cxn modelId="{67730B50-C0B9-7F4B-A0EA-BF0CD74E3918}" type="presOf" srcId="{4CC3827B-E837-4FA5-BCB2-394ABFF699C0}" destId="{321F812C-CDF2-D941-8E3E-33BA6D1FDEE6}" srcOrd="1" destOrd="0" presId="urn:microsoft.com/office/officeart/2005/8/layout/hierarchy3"/>
     <dgm:cxn modelId="{D312A757-321D-4B23-A665-625C76D2650F}" srcId="{4CC3827B-E837-4FA5-BCB2-394ABFF699C0}" destId="{B03F24F2-EC57-4E43-9BA8-20278FE1782A}" srcOrd="0" destOrd="0" parTransId="{38884874-ED3D-4A5F-BAA0-92177B28EB8C}" sibTransId="{325502F1-A5DE-4411-8FA3-3C0CFF90F5BF}"/>
-    <dgm:cxn modelId="{1705125E-D97A-E644-9108-C2C97BEB3A36}" type="presOf" srcId="{4CC3827B-E837-4FA5-BCB2-394ABFF699C0}" destId="{FA77F8E1-E7E6-E540-BBA9-4F9BCA2851F9}" srcOrd="0" destOrd="0" presId="urn:microsoft.com/office/officeart/2005/8/layout/vList5"/>
-    <dgm:cxn modelId="{FF387E64-E8BB-AC44-8005-413A312EC477}" type="presOf" srcId="{CD16971F-72D5-4EA0-ACE8-D9EE543BBB7D}" destId="{79A1CC0B-E312-4848-9533-876CD3C4871B}" srcOrd="0" destOrd="0" presId="urn:microsoft.com/office/officeart/2005/8/layout/vList5"/>
+    <dgm:cxn modelId="{4BD12864-A28A-8A46-ADA5-B7B132DA8B54}" type="presOf" srcId="{CD16971F-72D5-4EA0-ACE8-D9EE543BBB7D}" destId="{0FD2CEAB-5481-B341-8F5A-42F78F4257FA}" srcOrd="0" destOrd="0" presId="urn:microsoft.com/office/officeart/2005/8/layout/hierarchy3"/>
     <dgm:cxn modelId="{AA58477B-2DBA-4EDF-91FD-7B2D40B16FD9}" srcId="{AADDC446-8D79-454D-904C-B939CA180DF1}" destId="{CD16971F-72D5-4EA0-ACE8-D9EE543BBB7D}" srcOrd="0" destOrd="0" parTransId="{52B81148-6569-42A6-B4C6-3B4852BB1DD3}" sibTransId="{EEF76B26-E7E7-4675-922A-948C61784A36}"/>
-    <dgm:cxn modelId="{4BBAD67E-6DBE-D147-83A3-6F4600859B77}" type="presOf" srcId="{9959C099-FE6A-4BE2-8DEC-464BF41786EF}" destId="{1E270CAD-423D-2D4F-9764-51C12CA14905}" srcOrd="0" destOrd="0" presId="urn:microsoft.com/office/officeart/2005/8/layout/vList5"/>
+    <dgm:cxn modelId="{CDA28280-2727-C64D-90E6-003AEE291609}" type="presOf" srcId="{52B81148-6569-42A6-B4C6-3B4852BB1DD3}" destId="{A1D2C60D-CA5C-DE48-A07E-842C322498A9}" srcOrd="0" destOrd="0" presId="urn:microsoft.com/office/officeart/2005/8/layout/hierarchy3"/>
     <dgm:cxn modelId="{D0ACF581-44A9-44C7-9D8C-E189C2AD293E}" srcId="{09EC9E44-5DB9-4D69-90DC-CED76E46FF5D}" destId="{4CC3827B-E837-4FA5-BCB2-394ABFF699C0}" srcOrd="2" destOrd="0" parTransId="{D432EA84-6124-4ADE-B8A5-9D3AB7E6A03B}" sibTransId="{B826CC9C-8A59-4913-8932-55B499C264E9}"/>
     <dgm:cxn modelId="{AA8A288C-D278-4672-8D19-A9DB72D2D4E2}" srcId="{AADDC446-8D79-454D-904C-B939CA180DF1}" destId="{D92023F1-9338-4384-9FBC-1A517FD0CF58}" srcOrd="1" destOrd="0" parTransId="{785440B8-A301-4157-8E49-448520ADA16A}" sibTransId="{E538EBD1-EFF0-4573-9C18-C4816CD141C9}"/>
-    <dgm:cxn modelId="{8048ECBD-394F-1647-BD51-B6FFB41A86C3}" type="presOf" srcId="{B03F24F2-EC57-4E43-9BA8-20278FE1782A}" destId="{DE5B031E-51E1-F04A-B698-79E4394A937E}" srcOrd="0" destOrd="0" presId="urn:microsoft.com/office/officeart/2005/8/layout/vList5"/>
-    <dgm:cxn modelId="{05BD50C0-9F4E-2844-8D4A-8D6535B19F9B}" type="presOf" srcId="{09EC9E44-5DB9-4D69-90DC-CED76E46FF5D}" destId="{DE71575F-D38A-3848-829D-DCF736AB591B}" srcOrd="0" destOrd="0" presId="urn:microsoft.com/office/officeart/2005/8/layout/vList5"/>
+    <dgm:cxn modelId="{52B54691-9952-8C4E-96F8-E083C8D8F6FB}" type="presOf" srcId="{8ABB7719-597B-4877-8E18-11BA1B940E9F}" destId="{3B714A36-8EEE-A945-8DC6-340741702DE0}" srcOrd="0" destOrd="0" presId="urn:microsoft.com/office/officeart/2005/8/layout/hierarchy3"/>
+    <dgm:cxn modelId="{C545429C-73C7-9B4A-A094-4F791B93E820}" type="presOf" srcId="{AADDC446-8D79-454D-904C-B939CA180DF1}" destId="{61C3E2CD-7ABF-0B4E-A130-1C630C01A463}" srcOrd="1" destOrd="0" presId="urn:microsoft.com/office/officeart/2005/8/layout/hierarchy3"/>
+    <dgm:cxn modelId="{C997A7AA-050A-2A41-BD15-5FF41660D00D}" type="presOf" srcId="{9959C099-FE6A-4BE2-8DEC-464BF41786EF}" destId="{DFB982CD-5B09-EE4E-A295-1EB8EBCC4A7C}" srcOrd="1" destOrd="0" presId="urn:microsoft.com/office/officeart/2005/8/layout/hierarchy3"/>
+    <dgm:cxn modelId="{D11A7FBE-2C8F-364E-A1E9-509EEA66BAB5}" type="presOf" srcId="{09EC9E44-5DB9-4D69-90DC-CED76E46FF5D}" destId="{FCE40A47-4E94-2A48-A56D-C29673238C26}" srcOrd="0" destOrd="0" presId="urn:microsoft.com/office/officeart/2005/8/layout/hierarchy3"/>
     <dgm:cxn modelId="{BD17A2C2-7EBD-4524-93EE-DFF3A8E62114}" srcId="{9959C099-FE6A-4BE2-8DEC-464BF41786EF}" destId="{8ABB7719-597B-4877-8E18-11BA1B940E9F}" srcOrd="0" destOrd="0" parTransId="{914DEA39-77D7-48B0-9FB4-C8B858EC0E83}" sibTransId="{D211CC00-95A9-405C-B629-143CEFC0F9BF}"/>
-    <dgm:cxn modelId="{58D058C6-92DC-A74D-8426-02C7A6302F87}" type="presOf" srcId="{8ABB7719-597B-4877-8E18-11BA1B940E9F}" destId="{8AA4BBD4-A426-8045-B935-B1EB4C9C627C}" srcOrd="0" destOrd="0" presId="urn:microsoft.com/office/officeart/2005/8/layout/vList5"/>
     <dgm:cxn modelId="{4A3842DB-CEF5-4260-BF67-4394A47AFA4F}" srcId="{09EC9E44-5DB9-4D69-90DC-CED76E46FF5D}" destId="{AADDC446-8D79-454D-904C-B939CA180DF1}" srcOrd="0" destOrd="0" parTransId="{9466D0B0-3248-4543-89BD-11727C90B0D3}" sibTransId="{7A7B8405-88A5-4644-8EBD-0142EB9D3DAB}"/>
-    <dgm:cxn modelId="{7FA36FE0-D0A7-F440-8096-B03E1A2D8687}" type="presOf" srcId="{D92023F1-9338-4384-9FBC-1A517FD0CF58}" destId="{79A1CC0B-E312-4848-9533-876CD3C4871B}" srcOrd="0" destOrd="1" presId="urn:microsoft.com/office/officeart/2005/8/layout/vList5"/>
-    <dgm:cxn modelId="{E518EDF6-F79F-F142-98B6-B1EC0D23D309}" type="presParOf" srcId="{DE71575F-D38A-3848-829D-DCF736AB591B}" destId="{3984D032-8A3F-6945-B9A7-AF8127FD94C6}" srcOrd="0" destOrd="0" presId="urn:microsoft.com/office/officeart/2005/8/layout/vList5"/>
-    <dgm:cxn modelId="{6AC2D5C2-DB6D-7445-9E2A-C4A0964E9489}" type="presParOf" srcId="{3984D032-8A3F-6945-B9A7-AF8127FD94C6}" destId="{BD6A6B36-CF04-494A-A121-439976E4CEC1}" srcOrd="0" destOrd="0" presId="urn:microsoft.com/office/officeart/2005/8/layout/vList5"/>
-    <dgm:cxn modelId="{4E160073-2C94-7C4C-A385-E153FCBA887E}" type="presParOf" srcId="{3984D032-8A3F-6945-B9A7-AF8127FD94C6}" destId="{79A1CC0B-E312-4848-9533-876CD3C4871B}" srcOrd="1" destOrd="0" presId="urn:microsoft.com/office/officeart/2005/8/layout/vList5"/>
-    <dgm:cxn modelId="{04B40A1B-911A-D449-ACDE-5BA5E7ACAA7C}" type="presParOf" srcId="{DE71575F-D38A-3848-829D-DCF736AB591B}" destId="{EB978AFE-DCB0-4B4C-87A1-ABAC2D11103E}" srcOrd="1" destOrd="0" presId="urn:microsoft.com/office/officeart/2005/8/layout/vList5"/>
-    <dgm:cxn modelId="{96313C43-77DA-0141-90C6-5667BA407E82}" type="presParOf" srcId="{DE71575F-D38A-3848-829D-DCF736AB591B}" destId="{723DF9D8-B373-9F4A-B3CE-11B5514EB1B3}" srcOrd="2" destOrd="0" presId="urn:microsoft.com/office/officeart/2005/8/layout/vList5"/>
-    <dgm:cxn modelId="{7B756431-E4DA-E945-8388-7E941B56B71D}" type="presParOf" srcId="{723DF9D8-B373-9F4A-B3CE-11B5514EB1B3}" destId="{1E270CAD-423D-2D4F-9764-51C12CA14905}" srcOrd="0" destOrd="0" presId="urn:microsoft.com/office/officeart/2005/8/layout/vList5"/>
-    <dgm:cxn modelId="{CC3DF862-F22F-C841-8234-56B02DBE9490}" type="presParOf" srcId="{723DF9D8-B373-9F4A-B3CE-11B5514EB1B3}" destId="{8AA4BBD4-A426-8045-B935-B1EB4C9C627C}" srcOrd="1" destOrd="0" presId="urn:microsoft.com/office/officeart/2005/8/layout/vList5"/>
-    <dgm:cxn modelId="{2132B088-B2E6-544E-BD09-B64B955E57F6}" type="presParOf" srcId="{DE71575F-D38A-3848-829D-DCF736AB591B}" destId="{F43F41C5-0439-B24F-AB32-3CBB6B0205B2}" srcOrd="3" destOrd="0" presId="urn:microsoft.com/office/officeart/2005/8/layout/vList5"/>
-    <dgm:cxn modelId="{9E4A33E6-98BF-804F-8A9B-E4A03A8ED65D}" type="presParOf" srcId="{DE71575F-D38A-3848-829D-DCF736AB591B}" destId="{EC457E03-E80C-D342-A4EC-F7714992653E}" srcOrd="4" destOrd="0" presId="urn:microsoft.com/office/officeart/2005/8/layout/vList5"/>
-    <dgm:cxn modelId="{01586D63-93EE-6E45-85E4-2ED7E5B3D341}" type="presParOf" srcId="{EC457E03-E80C-D342-A4EC-F7714992653E}" destId="{FA77F8E1-E7E6-E540-BBA9-4F9BCA2851F9}" srcOrd="0" destOrd="0" presId="urn:microsoft.com/office/officeart/2005/8/layout/vList5"/>
-    <dgm:cxn modelId="{622FD9EB-2995-614D-B603-D670BAADDB0B}" type="presParOf" srcId="{EC457E03-E80C-D342-A4EC-F7714992653E}" destId="{DE5B031E-51E1-F04A-B698-79E4394A937E}" srcOrd="1" destOrd="0" presId="urn:microsoft.com/office/officeart/2005/8/layout/vList5"/>
+    <dgm:cxn modelId="{A88778DB-F991-5D44-BBFD-417DDF49A7EC}" type="presOf" srcId="{B03F24F2-EC57-4E43-9BA8-20278FE1782A}" destId="{5320BDB4-391B-2D4A-960D-A70D111FEAAF}" srcOrd="0" destOrd="0" presId="urn:microsoft.com/office/officeart/2005/8/layout/hierarchy3"/>
+    <dgm:cxn modelId="{2236F0E8-1C51-1F42-BD89-9B5121F9DAC1}" type="presOf" srcId="{9959C099-FE6A-4BE2-8DEC-464BF41786EF}" destId="{DF43ABE3-A249-E74A-91FA-F00635F7109C}" srcOrd="0" destOrd="0" presId="urn:microsoft.com/office/officeart/2005/8/layout/hierarchy3"/>
+    <dgm:cxn modelId="{D6CCC0CC-2AB4-B545-AA18-FCACA6BB16CC}" type="presParOf" srcId="{FCE40A47-4E94-2A48-A56D-C29673238C26}" destId="{5D29CAF1-210B-A348-B1E1-1C9BA36734DE}" srcOrd="0" destOrd="0" presId="urn:microsoft.com/office/officeart/2005/8/layout/hierarchy3"/>
+    <dgm:cxn modelId="{1742D4F2-F01D-AA4F-8617-4BC0F9768CA4}" type="presParOf" srcId="{5D29CAF1-210B-A348-B1E1-1C9BA36734DE}" destId="{3C715C1E-F1A1-F84E-8000-8935F1061AFA}" srcOrd="0" destOrd="0" presId="urn:microsoft.com/office/officeart/2005/8/layout/hierarchy3"/>
+    <dgm:cxn modelId="{C1AD2565-EC1A-2744-939E-2915F5304EAC}" type="presParOf" srcId="{3C715C1E-F1A1-F84E-8000-8935F1061AFA}" destId="{0B959140-14F3-7148-8C24-1CD9C0D5C6A5}" srcOrd="0" destOrd="0" presId="urn:microsoft.com/office/officeart/2005/8/layout/hierarchy3"/>
+    <dgm:cxn modelId="{A50BC0BB-59BE-4D4E-B142-4E9E60EDC4A0}" type="presParOf" srcId="{3C715C1E-F1A1-F84E-8000-8935F1061AFA}" destId="{61C3E2CD-7ABF-0B4E-A130-1C630C01A463}" srcOrd="1" destOrd="0" presId="urn:microsoft.com/office/officeart/2005/8/layout/hierarchy3"/>
+    <dgm:cxn modelId="{9D1A466A-2A92-F840-8581-4330BF9DA12D}" type="presParOf" srcId="{5D29CAF1-210B-A348-B1E1-1C9BA36734DE}" destId="{DA3B52A8-44B5-FD4C-8C99-E18D85B48E8A}" srcOrd="1" destOrd="0" presId="urn:microsoft.com/office/officeart/2005/8/layout/hierarchy3"/>
+    <dgm:cxn modelId="{5E5E55F9-132C-BE4D-9B6E-4499DEEED4AD}" type="presParOf" srcId="{DA3B52A8-44B5-FD4C-8C99-E18D85B48E8A}" destId="{A1D2C60D-CA5C-DE48-A07E-842C322498A9}" srcOrd="0" destOrd="0" presId="urn:microsoft.com/office/officeart/2005/8/layout/hierarchy3"/>
+    <dgm:cxn modelId="{3F5EA9C2-E9F8-CA43-8714-46C02197C035}" type="presParOf" srcId="{DA3B52A8-44B5-FD4C-8C99-E18D85B48E8A}" destId="{0FD2CEAB-5481-B341-8F5A-42F78F4257FA}" srcOrd="1" destOrd="0" presId="urn:microsoft.com/office/officeart/2005/8/layout/hierarchy3"/>
+    <dgm:cxn modelId="{DA723BE6-825E-6545-A4CC-C08C777B2301}" type="presParOf" srcId="{DA3B52A8-44B5-FD4C-8C99-E18D85B48E8A}" destId="{202EDEB1-4CC6-4943-8E13-D64B4E6CB55B}" srcOrd="2" destOrd="0" presId="urn:microsoft.com/office/officeart/2005/8/layout/hierarchy3"/>
+    <dgm:cxn modelId="{5A37CBEE-B18D-4E4F-9BFA-5A82AA696CA1}" type="presParOf" srcId="{DA3B52A8-44B5-FD4C-8C99-E18D85B48E8A}" destId="{751EDA55-21C5-634D-9484-E95FCD1E1100}" srcOrd="3" destOrd="0" presId="urn:microsoft.com/office/officeart/2005/8/layout/hierarchy3"/>
+    <dgm:cxn modelId="{5736D3C9-BC43-9740-A27A-6C7D697C20D1}" type="presParOf" srcId="{FCE40A47-4E94-2A48-A56D-C29673238C26}" destId="{847926C3-0DA9-2A42-B7EB-8CF23124A46D}" srcOrd="1" destOrd="0" presId="urn:microsoft.com/office/officeart/2005/8/layout/hierarchy3"/>
+    <dgm:cxn modelId="{738B640C-6249-D146-9AC1-5B4038FD6B1C}" type="presParOf" srcId="{847926C3-0DA9-2A42-B7EB-8CF23124A46D}" destId="{92C7DA51-0516-2540-92BA-18BD89D08C95}" srcOrd="0" destOrd="0" presId="urn:microsoft.com/office/officeart/2005/8/layout/hierarchy3"/>
+    <dgm:cxn modelId="{C6EE4269-624B-D942-BA63-0E5636B247B1}" type="presParOf" srcId="{92C7DA51-0516-2540-92BA-18BD89D08C95}" destId="{DF43ABE3-A249-E74A-91FA-F00635F7109C}" srcOrd="0" destOrd="0" presId="urn:microsoft.com/office/officeart/2005/8/layout/hierarchy3"/>
+    <dgm:cxn modelId="{C57D883A-7B99-5141-80E1-4E988A35DC8E}" type="presParOf" srcId="{92C7DA51-0516-2540-92BA-18BD89D08C95}" destId="{DFB982CD-5B09-EE4E-A295-1EB8EBCC4A7C}" srcOrd="1" destOrd="0" presId="urn:microsoft.com/office/officeart/2005/8/layout/hierarchy3"/>
+    <dgm:cxn modelId="{C08C2381-468B-4F43-959D-BD4991B24675}" type="presParOf" srcId="{847926C3-0DA9-2A42-B7EB-8CF23124A46D}" destId="{6A48C6FC-F68A-E44A-B643-F08741189F8F}" srcOrd="1" destOrd="0" presId="urn:microsoft.com/office/officeart/2005/8/layout/hierarchy3"/>
+    <dgm:cxn modelId="{FF71708A-79D5-A14E-997A-DA3238FBBECE}" type="presParOf" srcId="{6A48C6FC-F68A-E44A-B643-F08741189F8F}" destId="{6A98F10E-541B-974A-9249-A8EDAF3D783C}" srcOrd="0" destOrd="0" presId="urn:microsoft.com/office/officeart/2005/8/layout/hierarchy3"/>
+    <dgm:cxn modelId="{AF394B02-0013-7B40-BEAA-C83E8DD45B46}" type="presParOf" srcId="{6A48C6FC-F68A-E44A-B643-F08741189F8F}" destId="{3B714A36-8EEE-A945-8DC6-340741702DE0}" srcOrd="1" destOrd="0" presId="urn:microsoft.com/office/officeart/2005/8/layout/hierarchy3"/>
+    <dgm:cxn modelId="{59246FA9-324A-0E41-96C0-E18BC15DA603}" type="presParOf" srcId="{FCE40A47-4E94-2A48-A56D-C29673238C26}" destId="{39B9C18F-C398-C841-AE5C-8F5BE71EF640}" srcOrd="2" destOrd="0" presId="urn:microsoft.com/office/officeart/2005/8/layout/hierarchy3"/>
+    <dgm:cxn modelId="{4D678E78-453C-2841-843D-5CAD12E58D94}" type="presParOf" srcId="{39B9C18F-C398-C841-AE5C-8F5BE71EF640}" destId="{0D5C970C-3024-BB40-A9BB-43B3401035A8}" srcOrd="0" destOrd="0" presId="urn:microsoft.com/office/officeart/2005/8/layout/hierarchy3"/>
+    <dgm:cxn modelId="{A7DF61F0-F084-614B-8BF3-0F722ABF8576}" type="presParOf" srcId="{0D5C970C-3024-BB40-A9BB-43B3401035A8}" destId="{474D952C-3046-6C41-82A3-08FDEE197C80}" srcOrd="0" destOrd="0" presId="urn:microsoft.com/office/officeart/2005/8/layout/hierarchy3"/>
+    <dgm:cxn modelId="{F706D818-6DAD-D244-883A-1EA42AF921C0}" type="presParOf" srcId="{0D5C970C-3024-BB40-A9BB-43B3401035A8}" destId="{321F812C-CDF2-D941-8E3E-33BA6D1FDEE6}" srcOrd="1" destOrd="0" presId="urn:microsoft.com/office/officeart/2005/8/layout/hierarchy3"/>
+    <dgm:cxn modelId="{AAC83A7D-5887-454A-BD75-9472EA5983A3}" type="presParOf" srcId="{39B9C18F-C398-C841-AE5C-8F5BE71EF640}" destId="{10719B7A-0283-0949-8070-47FCAC0E5265}" srcOrd="1" destOrd="0" presId="urn:microsoft.com/office/officeart/2005/8/layout/hierarchy3"/>
+    <dgm:cxn modelId="{9B798309-C68F-7642-A0AE-D4913694593A}" type="presParOf" srcId="{10719B7A-0283-0949-8070-47FCAC0E5265}" destId="{911EB399-EAE7-C445-BA92-552BEA39D657}" srcOrd="0" destOrd="0" presId="urn:microsoft.com/office/officeart/2005/8/layout/hierarchy3"/>
+    <dgm:cxn modelId="{A2BA57C2-E26E-0444-BF7F-D33F4B8DB063}" type="presParOf" srcId="{10719B7A-0283-0949-8070-47FCAC0E5265}" destId="{5320BDB4-391B-2D4A-960D-A70D111FEAAF}" srcOrd="1" destOrd="0" presId="urn:microsoft.com/office/officeart/2005/8/layout/hierarchy3"/>
   </dgm:cxnLst>
   <dgm:bg/>
   <dgm:whole/>
@@ -6487,8 +7046,8 @@
       </dsp:nvSpPr>
       <dsp:spPr>
         <a:xfrm>
-          <a:off x="765914" y="313776"/>
-          <a:ext cx="1512000" cy="1512000"/>
+          <a:off x="638991" y="791883"/>
+          <a:ext cx="1509048" cy="1285719"/>
         </a:xfrm>
         <a:prstGeom prst="rect">
           <a:avLst/>
@@ -6537,8 +7096,8 @@
       </dsp:nvSpPr>
       <dsp:spPr>
         <a:xfrm>
-          <a:off x="765914" y="1979082"/>
-          <a:ext cx="4320000" cy="648000"/>
+          <a:off x="380060" y="2173002"/>
+          <a:ext cx="4829428" cy="860652"/>
         </a:xfrm>
         <a:prstGeom prst="rect">
           <a:avLst/>
@@ -6567,7 +7126,7 @@
         </a:bodyPr>
         <a:lstStyle/>
         <a:p>
-          <a:pPr marL="0" lvl="0" indent="0" algn="l" defTabSz="711200">
+          <a:pPr marL="0" lvl="0" indent="0" algn="l" defTabSz="1066800">
             <a:lnSpc>
               <a:spcPct val="90000"/>
             </a:lnSpc>
@@ -6581,19 +7140,19 @@
             <a:defRPr b="1"/>
           </a:pPr>
           <a:r>
-            <a:rPr lang="en-US" sz="1600" kern="1200" dirty="0"/>
+            <a:rPr lang="en-US" sz="2400" kern="1200" dirty="0"/>
             <a:t>Re: Earth</a:t>
           </a:r>
           <a:r>
-            <a:rPr lang="ja-JP" sz="1600" kern="1200"/>
+            <a:rPr lang="ja-JP" sz="2400" kern="1200"/>
             <a:t>を活用した双葉郡特化のデジタル災害アーカイブ構築</a:t>
           </a:r>
-          <a:endParaRPr lang="en-US" sz="1600" kern="1200" dirty="0"/>
+          <a:endParaRPr lang="en-US" sz="2400" kern="1200" dirty="0"/>
         </a:p>
       </dsp:txBody>
       <dsp:txXfrm>
-        <a:off x="765914" y="1979082"/>
-        <a:ext cx="4320000" cy="648000"/>
+        <a:off x="380060" y="2173002"/>
+        <a:ext cx="4829428" cy="860652"/>
       </dsp:txXfrm>
     </dsp:sp>
     <dsp:sp modelId="{7F5F3089-B717-4A74-AC1F-4250E9D9CB03}">
@@ -6603,8 +7162,8 @@
       </dsp:nvSpPr>
       <dsp:spPr>
         <a:xfrm>
-          <a:off x="765914" y="2698387"/>
-          <a:ext cx="4320000" cy="1180640"/>
+          <a:off x="413065" y="3088781"/>
+          <a:ext cx="4311566" cy="322895"/>
         </a:xfrm>
         <a:prstGeom prst="rect">
           <a:avLst/>
@@ -6633,7 +7192,7 @@
         </a:bodyPr>
         <a:lstStyle/>
         <a:p>
-          <a:pPr marL="0" lvl="0" indent="0" algn="l" defTabSz="800100">
+          <a:pPr marL="0" lvl="0" indent="0" algn="l" defTabSz="889000">
             <a:lnSpc>
               <a:spcPct val="90000"/>
             </a:lnSpc>
@@ -6646,27 +7205,27 @@
             <a:buNone/>
           </a:pPr>
           <a:r>
-            <a:rPr lang="ja-JP" altLang="en-US" sz="1800" kern="1200"/>
+            <a:rPr lang="ja-JP" altLang="en-US" sz="2000" kern="1200"/>
             <a:t>楢葉町</a:t>
           </a:r>
           <a:r>
-            <a:rPr lang="ja-JP" sz="1800" kern="1200"/>
+            <a:rPr lang="ja-JP" sz="2000" kern="1200"/>
             <a:t>の災害</a:t>
           </a:r>
           <a:r>
-            <a:rPr lang="ja-JP" altLang="en-US" sz="1800" kern="1200"/>
+            <a:rPr lang="ja-JP" altLang="en-US" sz="2000" kern="1200"/>
             <a:t>、復興</a:t>
           </a:r>
           <a:r>
-            <a:rPr lang="ja-JP" sz="1800" kern="1200"/>
+            <a:rPr lang="ja-JP" sz="2000" kern="1200"/>
             <a:t>記録を一元化</a:t>
           </a:r>
-          <a:endParaRPr lang="en-US" sz="1800" kern="1200" dirty="0"/>
+          <a:endParaRPr lang="en-US" sz="2000" kern="1200" dirty="0"/>
         </a:p>
       </dsp:txBody>
       <dsp:txXfrm>
-        <a:off x="765914" y="2698387"/>
-        <a:ext cx="4320000" cy="1180640"/>
+        <a:off x="413065" y="3088781"/>
+        <a:ext cx="4311566" cy="322895"/>
       </dsp:txXfrm>
     </dsp:sp>
     <dsp:sp modelId="{0678A470-A918-4736-BA73-886F69D3E063}">
@@ -6676,8 +7235,8 @@
       </dsp:nvSpPr>
       <dsp:spPr>
         <a:xfrm>
-          <a:off x="5841914" y="313776"/>
-          <a:ext cx="1512000" cy="1512000"/>
+          <a:off x="6100107" y="872494"/>
+          <a:ext cx="1509048" cy="1285719"/>
         </a:xfrm>
         <a:prstGeom prst="rect">
           <a:avLst/>
@@ -6726,8 +7285,8 @@
       </dsp:nvSpPr>
       <dsp:spPr>
         <a:xfrm>
-          <a:off x="5841914" y="1979082"/>
-          <a:ext cx="4320000" cy="648000"/>
+          <a:off x="6100107" y="2253613"/>
+          <a:ext cx="4311566" cy="860652"/>
         </a:xfrm>
         <a:prstGeom prst="rect">
           <a:avLst/>
@@ -6756,7 +7315,7 @@
         </a:bodyPr>
         <a:lstStyle/>
         <a:p>
-          <a:pPr marL="0" lvl="0" indent="0" algn="l" defTabSz="711200">
+          <a:pPr marL="0" lvl="0" indent="0" algn="l" defTabSz="1066800">
             <a:lnSpc>
               <a:spcPct val="90000"/>
             </a:lnSpc>
@@ -6770,19 +7329,19 @@
             <a:defRPr b="1"/>
           </a:pPr>
           <a:r>
-            <a:rPr lang="en-US" sz="1600" kern="1200"/>
+            <a:rPr lang="en-US" sz="2400" kern="1200" dirty="0"/>
             <a:t>Re: Earth</a:t>
           </a:r>
           <a:r>
-            <a:rPr lang="ja-JP" sz="1600" kern="1200"/>
+            <a:rPr lang="ja-JP" sz="2400" kern="1200"/>
             <a:t>とは</a:t>
           </a:r>
-          <a:endParaRPr lang="en-US" sz="1600" kern="1200"/>
+          <a:endParaRPr lang="en-US" sz="2400" kern="1200" dirty="0"/>
         </a:p>
       </dsp:txBody>
       <dsp:txXfrm>
-        <a:off x="5841914" y="1979082"/>
-        <a:ext cx="4320000" cy="648000"/>
+        <a:off x="6100107" y="2253613"/>
+        <a:ext cx="4311566" cy="860652"/>
       </dsp:txXfrm>
     </dsp:sp>
     <dsp:sp modelId="{490E04AA-06D6-4B16-A5C5-6C5528534471}">
@@ -6792,8 +7351,8 @@
       </dsp:nvSpPr>
       <dsp:spPr>
         <a:xfrm>
-          <a:off x="5749552" y="2478056"/>
-          <a:ext cx="4320000" cy="1180640"/>
+          <a:off x="5968669" y="2668216"/>
+          <a:ext cx="4583755" cy="322895"/>
         </a:xfrm>
         <a:prstGeom prst="rect">
           <a:avLst/>
@@ -6822,7 +7381,7 @@
         </a:bodyPr>
         <a:lstStyle/>
         <a:p>
-          <a:pPr marL="0" lvl="0" indent="0" algn="l" defTabSz="800100">
+          <a:pPr marL="0" lvl="0" indent="0" algn="l" defTabSz="889000">
             <a:lnSpc>
               <a:spcPct val="90000"/>
             </a:lnSpc>
@@ -6835,21 +7394,33 @@
             <a:buNone/>
           </a:pPr>
           <a:r>
-            <a:rPr lang="ja-JP" sz="1800" kern="1200"/>
+            <a:rPr lang="ja-JP" altLang="en-US" sz="2000" kern="1200"/>
+            <a:t>・</a:t>
+          </a:r>
+          <a:r>
+            <a:rPr lang="ja-JP" sz="2000" kern="1200"/>
             <a:t>地理情報システム（</a:t>
           </a:r>
           <a:r>
-            <a:rPr lang="en-US" sz="1800" kern="1200" dirty="0"/>
+            <a:rPr lang="en-US" sz="2000" kern="1200" dirty="0"/>
             <a:t>GIS</a:t>
           </a:r>
           <a:r>
-            <a:rPr lang="ja-JP" sz="1800" kern="1200"/>
-            <a:t>）とデジタルアーカイブ技術の統合プラットフォーム</a:t>
+            <a:rPr lang="ja-JP" sz="2000" kern="1200"/>
+            <a:t>）とデジタルアーカイブ技術の統合プラッ</a:t>
           </a:r>
-          <a:endParaRPr lang="en-US" sz="1800" kern="1200" dirty="0"/>
+          <a:r>
+            <a:rPr lang="ja-JP" altLang="en-US" sz="2000" kern="1200"/>
+            <a:t>ト</a:t>
+          </a:r>
+          <a:r>
+            <a:rPr lang="ja-JP" sz="2000" kern="1200"/>
+            <a:t>フォーム</a:t>
+          </a:r>
+          <a:endParaRPr lang="en-US" sz="2000" kern="1200" dirty="0"/>
         </a:p>
         <a:p>
-          <a:pPr marL="0" lvl="0" indent="0" algn="l" defTabSz="800100">
+          <a:pPr marL="0" lvl="0" indent="0" algn="l" defTabSz="889000">
             <a:lnSpc>
               <a:spcPct val="90000"/>
             </a:lnSpc>
@@ -6862,15 +7433,19 @@
             <a:buNone/>
           </a:pPr>
           <a:r>
-            <a:rPr lang="ja-JP" sz="1800" kern="1200"/>
+            <a:rPr lang="ja-JP" altLang="en-US" sz="2000" kern="1200"/>
+            <a:t>・</a:t>
+          </a:r>
+          <a:r>
+            <a:rPr lang="ja-JP" sz="2000" kern="1200"/>
             <a:t>多層的な情報の表示と共有が可能</a:t>
           </a:r>
-          <a:endParaRPr lang="en-US" sz="1800" kern="1200" dirty="0"/>
+          <a:endParaRPr lang="en-US" sz="2000" kern="1200" dirty="0"/>
         </a:p>
       </dsp:txBody>
       <dsp:txXfrm>
-        <a:off x="5749552" y="2478056"/>
-        <a:ext cx="4320000" cy="1180640"/>
+        <a:off x="5968669" y="2668216"/>
+        <a:ext cx="4583755" cy="322895"/>
       </dsp:txXfrm>
     </dsp:sp>
   </dsp:spTree>
@@ -6955,7 +7530,7 @@
             <a:rPr lang="ja-JP" sz="1500" kern="1200"/>
             <a:t>被爆者の証言</a:t>
           </a:r>
-          <a:endParaRPr lang="en-US" sz="1500" kern="1200"/>
+          <a:endParaRPr lang="en-US" sz="1500" kern="1200" dirty="0"/>
         </a:p>
         <a:p>
           <a:pPr marL="114300" lvl="1" indent="-114300" algn="l" defTabSz="666750">
@@ -6974,7 +7549,7 @@
             <a:rPr lang="ja-JP" sz="1500" kern="1200"/>
             <a:t>写真、地図、動画の統合</a:t>
           </a:r>
-          <a:endParaRPr lang="en-US" sz="1500" kern="1200"/>
+          <a:endParaRPr lang="en-US" sz="1500" kern="1200" dirty="0"/>
         </a:p>
         <a:p>
           <a:pPr marL="114300" lvl="1" indent="-114300" algn="l" defTabSz="666750">
@@ -7072,7 +7647,7 @@
             <a:rPr lang="ja-JP" sz="1500" kern="1200"/>
             <a:t>広島アーカイブ</a:t>
           </a:r>
-          <a:endParaRPr lang="en-US" sz="1500" kern="1200"/>
+          <a:endParaRPr lang="en-US" sz="1500" kern="1200" dirty="0"/>
         </a:p>
       </dsp:txBody>
       <dsp:txXfrm>
@@ -7150,7 +7725,7 @@
             <a:rPr lang="ja-JP" sz="1500" kern="1200"/>
             <a:t>被爆の詳細な記録</a:t>
           </a:r>
-          <a:endParaRPr lang="en-US" sz="1500" kern="1200"/>
+          <a:endParaRPr lang="en-US" sz="1500" kern="1200" dirty="0"/>
         </a:p>
         <a:p>
           <a:pPr marL="114300" lvl="1" indent="-114300" algn="l" defTabSz="666750">
@@ -7345,7 +7920,7 @@
             <a:rPr lang="ja-JP" sz="1500" kern="1200"/>
             <a:t>地域コミュニティとの連携</a:t>
           </a:r>
-          <a:endParaRPr lang="en-US" sz="1500" kern="1200"/>
+          <a:endParaRPr lang="en-US" sz="1500" kern="1200" dirty="0"/>
         </a:p>
       </dsp:txBody>
       <dsp:txXfrm>
@@ -7451,8 +8026,8 @@
       </dsp:nvSpPr>
       <dsp:spPr>
         <a:xfrm>
-          <a:off x="0" y="320652"/>
-          <a:ext cx="6301601" cy="1631700"/>
+          <a:off x="0" y="403429"/>
+          <a:ext cx="6301601" cy="1134000"/>
         </a:xfrm>
         <a:prstGeom prst="rect">
           <a:avLst/>
@@ -7493,12 +8068,12 @@
         <a:fontRef idx="minor"/>
       </dsp:style>
       <dsp:txBody>
-        <a:bodyPr spcFirstLastPara="0" vert="horz" wrap="square" lIns="489074" tIns="291592" rIns="489074" bIns="99568" numCol="1" spcCol="1270" anchor="t" anchorCtr="0">
+        <a:bodyPr spcFirstLastPara="0" vert="horz" wrap="square" lIns="489074" tIns="208280" rIns="489074" bIns="71120" numCol="1" spcCol="1270" anchor="t" anchorCtr="0">
           <a:noAutofit/>
         </a:bodyPr>
         <a:lstStyle/>
         <a:p>
-          <a:pPr marL="114300" lvl="1" indent="-114300" algn="l" defTabSz="622300">
+          <a:pPr marL="57150" lvl="1" indent="-57150" algn="l" defTabSz="444500">
             <a:lnSpc>
               <a:spcPct val="90000"/>
             </a:lnSpc>
@@ -7508,16 +8083,25 @@
             <a:spcAft>
               <a:spcPct val="15000"/>
             </a:spcAft>
+            <a:buFont typeface="Arial" panose="020B0604020202020204" pitchFamily="34" charset="0"/>
             <a:buChar char="•"/>
           </a:pPr>
           <a:r>
-            <a:rPr lang="ja-JP" sz="1400" kern="1200"/>
-            <a:t>インタビューや音声記録</a:t>
+            <a:rPr lang="ja-JP" altLang="en-US" sz="1000" b="1" kern="1200"/>
+            <a:t>地震・津波の影響</a:t>
           </a:r>
-          <a:endParaRPr lang="en-US" sz="1400" kern="1200"/>
+          <a:r>
+            <a:rPr lang="en-US" altLang="ja-JP" sz="1000" b="1" kern="1200" dirty="0"/>
+            <a:t>: </a:t>
+          </a:r>
+          <a:r>
+            <a:rPr lang="ja-JP" altLang="en-US" sz="1000" kern="1200"/>
+            <a:t>楢葉町で観測された震度や被害状況、津波の浸水範囲、被災したインフラや住宅の写真・動画</a:t>
+          </a:r>
+          <a:endParaRPr lang="en-US" sz="1000" kern="1200" dirty="0"/>
         </a:p>
         <a:p>
-          <a:pPr marL="114300" lvl="1" indent="-114300" algn="l" defTabSz="622300">
+          <a:pPr marL="57150" lvl="1" indent="-57150" algn="l" defTabSz="444500">
             <a:lnSpc>
               <a:spcPct val="90000"/>
             </a:lnSpc>
@@ -7527,16 +8111,24 @@
             <a:spcAft>
               <a:spcPct val="15000"/>
             </a:spcAft>
+            <a:buFont typeface="Arial" panose="020B0604020202020204" pitchFamily="34" charset="0"/>
             <a:buChar char="•"/>
           </a:pPr>
           <a:r>
-            <a:rPr lang="ja-JP" sz="1400" kern="1200"/>
-            <a:t>個々の体験談</a:t>
+            <a:rPr lang="ja-JP" altLang="en-US" sz="1000" b="1" kern="1200"/>
+            <a:t>原発事故の影響</a:t>
           </a:r>
-          <a:endParaRPr lang="en-US" sz="1400" kern="1200" dirty="0"/>
+          <a:r>
+            <a:rPr lang="en-US" altLang="ja-JP" sz="1000" b="1" kern="1200" dirty="0"/>
+            <a:t>: </a:t>
+          </a:r>
+          <a:r>
+            <a:rPr lang="ja-JP" altLang="en-US" sz="1000" kern="1200"/>
+            <a:t>放射線量の推移や避難区域の設定</a:t>
+          </a:r>
         </a:p>
         <a:p>
-          <a:pPr marL="114300" lvl="1" indent="-114300" algn="l" defTabSz="622300">
+          <a:pPr marL="57150" lvl="1" indent="-57150" algn="l" defTabSz="444500">
             <a:lnSpc>
               <a:spcPct val="90000"/>
             </a:lnSpc>
@@ -7546,37 +8138,18 @@
             <a:spcAft>
               <a:spcPct val="15000"/>
             </a:spcAft>
+            <a:buFont typeface="Arial" panose="020B0604020202020204" pitchFamily="34" charset="0"/>
             <a:buChar char="•"/>
           </a:pPr>
           <a:r>
-            <a:rPr lang="ja-JP" sz="1400" kern="1200"/>
-            <a:t>カタリバ</a:t>
+            <a:rPr lang="ja-JP" altLang="en-US" sz="1000" b="1" kern="1200"/>
+            <a:t>避難指示の発令と住民の避難状況</a:t>
           </a:r>
-          <a:endParaRPr lang="en-US" sz="1400" kern="1200" dirty="0"/>
-        </a:p>
-        <a:p>
-          <a:pPr marL="114300" lvl="1" indent="-114300" algn="l" defTabSz="622300">
-            <a:lnSpc>
-              <a:spcPct val="90000"/>
-            </a:lnSpc>
-            <a:spcBef>
-              <a:spcPct val="0"/>
-            </a:spcBef>
-            <a:spcAft>
-              <a:spcPct val="15000"/>
-            </a:spcAft>
-            <a:buChar char="•"/>
-          </a:pPr>
-          <a:r>
-            <a:rPr lang="ja-JP" sz="1400" kern="1200"/>
-            <a:t>ふたば未来学園創設に関して</a:t>
-          </a:r>
-          <a:endParaRPr lang="en-US" sz="1400" kern="1200" dirty="0"/>
         </a:p>
       </dsp:txBody>
       <dsp:txXfrm>
-        <a:off x="0" y="320652"/>
-        <a:ext cx="6301601" cy="1631700"/>
+        <a:off x="0" y="403429"/>
+        <a:ext cx="6301601" cy="1134000"/>
       </dsp:txXfrm>
     </dsp:sp>
     <dsp:sp modelId="{0E014C99-F9F6-ED4B-A58D-6303DD6F89E9}">
@@ -7586,8 +8159,8 @@
       </dsp:nvSpPr>
       <dsp:spPr>
         <a:xfrm>
-          <a:off x="315080" y="114012"/>
-          <a:ext cx="4411120" cy="413279"/>
+          <a:off x="315080" y="255829"/>
+          <a:ext cx="4411120" cy="295199"/>
         </a:xfrm>
         <a:prstGeom prst="roundRect">
           <a:avLst/>
@@ -7634,7 +8207,7 @@
         </a:bodyPr>
         <a:lstStyle/>
         <a:p>
-          <a:pPr marL="0" lvl="0" indent="0" algn="l" defTabSz="622300">
+          <a:pPr marL="0" lvl="0" indent="0" algn="l" defTabSz="444500">
             <a:lnSpc>
               <a:spcPct val="90000"/>
             </a:lnSpc>
@@ -7647,15 +8220,15 @@
             <a:buNone/>
           </a:pPr>
           <a:r>
-            <a:rPr lang="ja-JP" sz="1400" kern="1200"/>
-            <a:t>被災者の証言</a:t>
+            <a:rPr lang="en-US" sz="1000" kern="1200" dirty="0" err="1"/>
+            <a:t>震災発生時の状況</a:t>
           </a:r>
-          <a:endParaRPr lang="en-US" sz="1400" kern="1200"/>
+          <a:endParaRPr lang="en-US" sz="1000" kern="1200" dirty="0"/>
         </a:p>
       </dsp:txBody>
       <dsp:txXfrm>
-        <a:off x="335255" y="134187"/>
-        <a:ext cx="4370770" cy="372929"/>
+        <a:off x="329490" y="270239"/>
+        <a:ext cx="4382300" cy="266379"/>
       </dsp:txXfrm>
     </dsp:sp>
     <dsp:sp modelId="{3494CF85-25D1-2047-B786-55E47CDC86B4}">
@@ -7665,8 +8238,8 @@
       </dsp:nvSpPr>
       <dsp:spPr>
         <a:xfrm>
-          <a:off x="0" y="2234592"/>
-          <a:ext cx="6301601" cy="992250"/>
+          <a:off x="0" y="1739029"/>
+          <a:ext cx="6301601" cy="1165500"/>
         </a:xfrm>
         <a:prstGeom prst="rect">
           <a:avLst/>
@@ -7707,12 +8280,12 @@
         <a:fontRef idx="minor"/>
       </dsp:style>
       <dsp:txBody>
-        <a:bodyPr spcFirstLastPara="0" vert="horz" wrap="square" lIns="489074" tIns="291592" rIns="489074" bIns="99568" numCol="1" spcCol="1270" anchor="t" anchorCtr="0">
+        <a:bodyPr spcFirstLastPara="0" vert="horz" wrap="square" lIns="489074" tIns="208280" rIns="489074" bIns="71120" numCol="1" spcCol="1270" anchor="t" anchorCtr="0">
           <a:noAutofit/>
         </a:bodyPr>
         <a:lstStyle/>
         <a:p>
-          <a:pPr marL="114300" lvl="1" indent="-114300" algn="l" defTabSz="622300">
+          <a:pPr marL="57150" lvl="1" indent="-57150" algn="l" defTabSz="444500">
             <a:lnSpc>
               <a:spcPct val="90000"/>
             </a:lnSpc>
@@ -7722,16 +8295,33 @@
             <a:spcAft>
               <a:spcPct val="15000"/>
             </a:spcAft>
+            <a:buFont typeface="Arial" panose="020B0604020202020204" pitchFamily="34" charset="0"/>
             <a:buChar char="•"/>
           </a:pPr>
           <a:r>
-            <a:rPr lang="ja-JP" sz="1400" kern="1200"/>
-            <a:t>災害直後の映像や写真</a:t>
+            <a:rPr lang="ja-JP" altLang="en-US" sz="1000" b="1" kern="1200"/>
+            <a:t>インフラ再建</a:t>
           </a:r>
-          <a:endParaRPr lang="en-US" sz="1400" kern="1200"/>
+          <a:r>
+            <a:rPr lang="en-US" altLang="ja-JP" sz="1000" b="1" kern="1200" dirty="0"/>
+            <a:t>: </a:t>
+          </a:r>
+          <a:r>
+            <a:rPr lang="ja-JP" altLang="en-US" sz="1000" kern="1200"/>
+            <a:t>道路や</a:t>
+          </a:r>
+          <a:r>
+            <a:rPr lang="en" sz="1000" kern="1200" dirty="0"/>
+            <a:t>JR</a:t>
+          </a:r>
+          <a:r>
+            <a:rPr lang="ja-JP" altLang="en-US" sz="1000" kern="1200"/>
+            <a:t>常磐線の復旧</a:t>
+          </a:r>
+          <a:endParaRPr lang="en-US" sz="1000" kern="1200" dirty="0"/>
         </a:p>
         <a:p>
-          <a:pPr marL="114300" lvl="1" indent="-114300" algn="l" defTabSz="622300">
+          <a:pPr marL="57150" lvl="1" indent="-57150" algn="l" defTabSz="444500">
             <a:lnSpc>
               <a:spcPct val="90000"/>
             </a:lnSpc>
@@ -7741,18 +8331,96 @@
             <a:spcAft>
               <a:spcPct val="15000"/>
             </a:spcAft>
+            <a:buFont typeface="Arial" panose="020B0604020202020204" pitchFamily="34" charset="0"/>
             <a:buChar char="•"/>
           </a:pPr>
           <a:r>
-            <a:rPr lang="ja-JP" sz="1400" kern="1200"/>
-            <a:t>復興過程の記録</a:t>
+            <a:rPr lang="ja-JP" altLang="en-US" sz="1000" b="1" kern="1200"/>
+            <a:t>産業復興</a:t>
           </a:r>
-          <a:endParaRPr lang="en-US" sz="1400" kern="1200"/>
+          <a:r>
+            <a:rPr lang="en-US" altLang="ja-JP" sz="1000" b="1" kern="1200" dirty="0"/>
+            <a:t>:</a:t>
+          </a:r>
+          <a:r>
+            <a:rPr lang="ja-JP" altLang="en-US" sz="1000" kern="1200"/>
+            <a:t>「木戸川の鮭」再生プロジェクト</a:t>
+          </a:r>
+          <a:r>
+            <a:rPr lang="en-US" altLang="ja-JP" sz="1000" kern="1200" dirty="0"/>
+            <a:t>,</a:t>
+          </a:r>
+          <a:r>
+            <a:rPr lang="ja-JP" altLang="en-US" sz="1000" kern="1200"/>
+            <a:t>「ならは</a:t>
+          </a:r>
+          <a:r>
+            <a:rPr lang="en" sz="1000" kern="1200" dirty="0" err="1"/>
+            <a:t>CANvas</a:t>
+          </a:r>
+          <a:r>
+            <a:rPr lang="en" sz="1000" kern="1200" dirty="0"/>
+            <a:t>」</a:t>
+          </a:r>
+          <a:r>
+            <a:rPr lang="ja-JP" altLang="en-US" sz="1000" kern="1200"/>
+            <a:t>の開設</a:t>
+          </a:r>
+        </a:p>
+        <a:p>
+          <a:pPr marL="57150" lvl="1" indent="-57150" algn="l" defTabSz="444500">
+            <a:lnSpc>
+              <a:spcPct val="90000"/>
+            </a:lnSpc>
+            <a:spcBef>
+              <a:spcPct val="0"/>
+            </a:spcBef>
+            <a:spcAft>
+              <a:spcPct val="15000"/>
+            </a:spcAft>
+            <a:buFont typeface="Arial" panose="020B0604020202020204" pitchFamily="34" charset="0"/>
+            <a:buChar char="•"/>
+          </a:pPr>
+          <a:r>
+            <a:rPr lang="ja-JP" altLang="en-US" sz="1000" b="1" kern="1200"/>
+            <a:t>住民帰還への施策</a:t>
+          </a:r>
+          <a:r>
+            <a:rPr lang="en-US" altLang="ja-JP" sz="1000" b="1" kern="1200" dirty="0"/>
+            <a:t>: </a:t>
+          </a:r>
+          <a:r>
+            <a:rPr lang="ja-JP" altLang="en-US" sz="1000" kern="1200"/>
+            <a:t>住宅再建支援や「空き家・空き地バンク」の取り組み</a:t>
+          </a:r>
+        </a:p>
+        <a:p>
+          <a:pPr marL="57150" lvl="1" indent="-57150" algn="l" defTabSz="444500">
+            <a:lnSpc>
+              <a:spcPct val="90000"/>
+            </a:lnSpc>
+            <a:spcBef>
+              <a:spcPct val="0"/>
+            </a:spcBef>
+            <a:spcAft>
+              <a:spcPct val="15000"/>
+            </a:spcAft>
+            <a:buFont typeface="Arial" panose="020B0604020202020204" pitchFamily="34" charset="0"/>
+            <a:buChar char="•"/>
+          </a:pPr>
+          <a:r>
+            <a:rPr lang="ja-JP" altLang="en-US" sz="1000" b="1" kern="1200"/>
+            <a:t>若年層の帰還促進</a:t>
+          </a:r>
+          <a:r>
+            <a:rPr lang="ja-JP" altLang="en-US" sz="1000" kern="1200"/>
+            <a:t>に向けたイベントやプログラム</a:t>
+          </a:r>
         </a:p>
       </dsp:txBody>
       <dsp:txXfrm>
-        <a:off x="0" y="2234592"/>
-        <a:ext cx="6301601" cy="992250"/>
+        <a:off x="0" y="1739029"/>
+        <a:ext cx="6301601" cy="1165500"/>
       </dsp:txXfrm>
     </dsp:sp>
     <dsp:sp modelId="{A77610AC-3209-774D-A0C4-C0ED7A7257F3}">
@@ -7762,8 +8430,8 @@
       </dsp:nvSpPr>
       <dsp:spPr>
         <a:xfrm>
-          <a:off x="315080" y="2027952"/>
-          <a:ext cx="4411120" cy="413279"/>
+          <a:off x="315080" y="1591429"/>
+          <a:ext cx="4411120" cy="295199"/>
         </a:xfrm>
         <a:prstGeom prst="roundRect">
           <a:avLst/>
@@ -7810,7 +8478,7 @@
         </a:bodyPr>
         <a:lstStyle/>
         <a:p>
-          <a:pPr marL="0" lvl="0" indent="0" algn="l" defTabSz="622300">
+          <a:pPr marL="0" lvl="0" indent="0" algn="l" defTabSz="444500">
             <a:lnSpc>
               <a:spcPct val="90000"/>
             </a:lnSpc>
@@ -7823,15 +8491,15 @@
             <a:buNone/>
           </a:pPr>
           <a:r>
-            <a:rPr lang="ja-JP" sz="1400" kern="1200"/>
-            <a:t>被害状況の写真・動画</a:t>
+            <a:rPr lang="en-US" sz="1000" kern="1200" dirty="0" err="1"/>
+            <a:t>楢葉町の復興への取り組み</a:t>
           </a:r>
-          <a:endParaRPr lang="en-US" sz="1400" kern="1200"/>
+          <a:endParaRPr lang="en-US" sz="1000" kern="1200" dirty="0"/>
         </a:p>
       </dsp:txBody>
       <dsp:txXfrm>
-        <a:off x="335255" y="2048127"/>
-        <a:ext cx="4370770" cy="372929"/>
+        <a:off x="329490" y="1605839"/>
+        <a:ext cx="4382300" cy="266379"/>
       </dsp:txXfrm>
     </dsp:sp>
     <dsp:sp modelId="{A650819D-F0A2-2640-98AF-5D8CD08B70C8}">
@@ -7841,8 +8509,8 @@
       </dsp:nvSpPr>
       <dsp:spPr>
         <a:xfrm>
-          <a:off x="0" y="3509082"/>
-          <a:ext cx="6301601" cy="1300949"/>
+          <a:off x="0" y="3106129"/>
+          <a:ext cx="6301601" cy="1386000"/>
         </a:xfrm>
         <a:prstGeom prst="rect">
           <a:avLst/>
@@ -7883,12 +8551,12 @@
         <a:fontRef idx="minor"/>
       </dsp:style>
       <dsp:txBody>
-        <a:bodyPr spcFirstLastPara="0" vert="horz" wrap="square" lIns="489074" tIns="291592" rIns="489074" bIns="99568" numCol="1" spcCol="1270" anchor="t" anchorCtr="0">
+        <a:bodyPr spcFirstLastPara="0" vert="horz" wrap="square" lIns="489074" tIns="208280" rIns="489074" bIns="71120" numCol="1" spcCol="1270" anchor="t" anchorCtr="0">
           <a:noAutofit/>
         </a:bodyPr>
         <a:lstStyle/>
         <a:p>
-          <a:pPr marL="114300" lvl="1" indent="-114300" algn="l" defTabSz="622300">
+          <a:pPr marL="57150" lvl="1" indent="-57150" algn="l" defTabSz="444500">
             <a:lnSpc>
               <a:spcPct val="90000"/>
             </a:lnSpc>
@@ -7898,16 +8566,25 @@
             <a:spcAft>
               <a:spcPct val="15000"/>
             </a:spcAft>
+            <a:buFont typeface="Arial" panose="020B0604020202020204" pitchFamily="34" charset="0"/>
             <a:buChar char="•"/>
           </a:pPr>
           <a:r>
-            <a:rPr lang="ja-JP" sz="1400" kern="1200"/>
-            <a:t>インフラ再建の記録</a:t>
+            <a:rPr lang="ja-JP" altLang="en-US" sz="1000" b="1" kern="1200"/>
+            <a:t>住民帰還の現状</a:t>
           </a:r>
-          <a:endParaRPr lang="en-US" sz="1400" kern="1200"/>
+          <a:r>
+            <a:rPr lang="en-US" altLang="ja-JP" sz="1000" b="1" kern="1200" dirty="0"/>
+            <a:t>: </a:t>
+          </a:r>
+          <a:r>
+            <a:rPr lang="ja-JP" altLang="en-US" sz="1000" kern="1200"/>
+            <a:t>帰還率とその変化、帰還した住民とそうしなかった住民それぞれの考え</a:t>
+          </a:r>
+          <a:endParaRPr lang="en-US" sz="1000" kern="1200" dirty="0"/>
         </a:p>
         <a:p>
-          <a:pPr marL="114300" lvl="1" indent="-114300" algn="l" defTabSz="622300">
+          <a:pPr marL="57150" lvl="1" indent="-57150" algn="l" defTabSz="444500">
             <a:lnSpc>
               <a:spcPct val="90000"/>
             </a:lnSpc>
@@ -7917,16 +8594,17 @@
             <a:spcAft>
               <a:spcPct val="15000"/>
             </a:spcAft>
+            <a:buFont typeface="Arial" panose="020B0604020202020204" pitchFamily="34" charset="0"/>
             <a:buChar char="•"/>
           </a:pPr>
           <a:r>
-            <a:rPr lang="ja-JP" sz="1400" kern="1200"/>
-            <a:t>コミュニティの復興努力</a:t>
+            <a:rPr lang="ja-JP" altLang="en-US" sz="1000" b="1" kern="1200"/>
+            <a:t>少子高齢化とその影響</a:t>
           </a:r>
-          <a:endParaRPr lang="en-US" sz="1400" kern="1200"/>
+          <a:endParaRPr lang="ja-JP" altLang="en-US" sz="1000" kern="1200"/>
         </a:p>
         <a:p>
-          <a:pPr marL="114300" lvl="1" indent="-114300" algn="l" defTabSz="622300">
+          <a:pPr marL="57150" lvl="1" indent="-57150" algn="l" defTabSz="444500">
             <a:lnSpc>
               <a:spcPct val="90000"/>
             </a:lnSpc>
@@ -7936,18 +8614,68 @@
             <a:spcAft>
               <a:spcPct val="15000"/>
             </a:spcAft>
+            <a:buFont typeface="Arial" panose="020B0604020202020204" pitchFamily="34" charset="0"/>
             <a:buChar char="•"/>
           </a:pPr>
           <a:r>
-            <a:rPr lang="ja-JP" sz="1400" kern="1200"/>
-            <a:t>学生の探究活動</a:t>
+            <a:rPr lang="ja-JP" altLang="en-US" sz="1000" b="1" kern="1200"/>
+            <a:t>教育や医療サービスの課題</a:t>
           </a:r>
-          <a:endParaRPr lang="en-US" sz="1400" kern="1200"/>
+        </a:p>
+        <a:p>
+          <a:pPr marL="57150" lvl="1" indent="-57150" algn="l" defTabSz="444500">
+            <a:lnSpc>
+              <a:spcPct val="90000"/>
+            </a:lnSpc>
+            <a:spcBef>
+              <a:spcPct val="0"/>
+            </a:spcBef>
+            <a:spcAft>
+              <a:spcPct val="15000"/>
+            </a:spcAft>
+            <a:buFont typeface="Arial" panose="020B0604020202020204" pitchFamily="34" charset="0"/>
+            <a:buChar char="•"/>
+          </a:pPr>
+          <a:r>
+            <a:rPr lang="ja-JP" altLang="en-US" sz="1000" b="1" kern="1200"/>
+            <a:t>震災遺構の保存</a:t>
+          </a:r>
+          <a:r>
+            <a:rPr lang="en-US" altLang="ja-JP" sz="1000" b="1" kern="1200" dirty="0"/>
+            <a:t>: </a:t>
+          </a:r>
+          <a:r>
+            <a:rPr lang="ja-JP" altLang="en-US" sz="1000" kern="1200"/>
+            <a:t>避難所や被災した公共施設の活用状況</a:t>
+          </a:r>
+        </a:p>
+        <a:p>
+          <a:pPr marL="57150" lvl="1" indent="-57150" algn="l" defTabSz="444500">
+            <a:lnSpc>
+              <a:spcPct val="90000"/>
+            </a:lnSpc>
+            <a:spcBef>
+              <a:spcPct val="0"/>
+            </a:spcBef>
+            <a:spcAft>
+              <a:spcPct val="15000"/>
+            </a:spcAft>
+            <a:buFont typeface="Arial" panose="020B0604020202020204" pitchFamily="34" charset="0"/>
+            <a:buChar char="•"/>
+          </a:pPr>
+          <a:r>
+            <a:rPr lang="ja-JP" altLang="en-US" sz="1000" b="1" kern="1200"/>
+            <a:t>観光資源としての震災遺構</a:t>
+          </a:r>
+          <a:r>
+            <a:rPr lang="ja-JP" altLang="en-US" sz="1000" kern="1200"/>
+            <a:t>の取り組み</a:t>
+          </a:r>
         </a:p>
       </dsp:txBody>
       <dsp:txXfrm>
-        <a:off x="0" y="3509082"/>
-        <a:ext cx="6301601" cy="1300949"/>
+        <a:off x="0" y="3106129"/>
+        <a:ext cx="6301601" cy="1386000"/>
       </dsp:txXfrm>
     </dsp:sp>
     <dsp:sp modelId="{7FBE82F5-A708-3B49-985B-379EE1FF7110}">
@@ -7957,8 +8685,8 @@
       </dsp:nvSpPr>
       <dsp:spPr>
         <a:xfrm>
-          <a:off x="315080" y="3302442"/>
-          <a:ext cx="4411120" cy="413279"/>
+          <a:off x="315080" y="2958529"/>
+          <a:ext cx="4411120" cy="295199"/>
         </a:xfrm>
         <a:prstGeom prst="roundRect">
           <a:avLst/>
@@ -8005,7 +8733,7 @@
         </a:bodyPr>
         <a:lstStyle/>
         <a:p>
-          <a:pPr marL="0" lvl="0" indent="0" algn="l" defTabSz="622300">
+          <a:pPr marL="0" lvl="0" indent="0" algn="l" defTabSz="444500">
             <a:lnSpc>
               <a:spcPct val="90000"/>
             </a:lnSpc>
@@ -8018,15 +8746,15 @@
             <a:buNone/>
           </a:pPr>
           <a:r>
-            <a:rPr lang="ja-JP" sz="1400" kern="1200"/>
-            <a:t>復興の過程</a:t>
+            <a:rPr lang="en-US" sz="1000" kern="1200" dirty="0" err="1"/>
+            <a:t>避難指示解除後課題と現状</a:t>
           </a:r>
-          <a:endParaRPr lang="en-US" sz="1400" kern="1200"/>
+          <a:endParaRPr lang="en-US" sz="1000" kern="1200" dirty="0"/>
         </a:p>
       </dsp:txBody>
       <dsp:txXfrm>
-        <a:off x="335255" y="3322617"/>
-        <a:ext cx="4370770" cy="372929"/>
+        <a:off x="329490" y="2972939"/>
+        <a:ext cx="4382300" cy="266379"/>
       </dsp:txXfrm>
     </dsp:sp>
     <dsp:sp modelId="{46D3FFF5-4E64-A14D-8A3C-B797EA06E626}">
@@ -8036,8 +8764,8 @@
       </dsp:nvSpPr>
       <dsp:spPr>
         <a:xfrm>
-          <a:off x="0" y="5092272"/>
-          <a:ext cx="6301601" cy="672525"/>
+          <a:off x="0" y="4693729"/>
+          <a:ext cx="6301601" cy="929250"/>
         </a:xfrm>
         <a:prstGeom prst="rect">
           <a:avLst/>
@@ -8078,12 +8806,12 @@
         <a:fontRef idx="minor"/>
       </dsp:style>
       <dsp:txBody>
-        <a:bodyPr spcFirstLastPara="0" vert="horz" wrap="square" lIns="489074" tIns="291592" rIns="489074" bIns="99568" numCol="1" spcCol="1270" anchor="t" anchorCtr="0">
+        <a:bodyPr spcFirstLastPara="0" vert="horz" wrap="square" lIns="489074" tIns="208280" rIns="489074" bIns="71120" numCol="1" spcCol="1270" anchor="t" anchorCtr="0">
           <a:noAutofit/>
         </a:bodyPr>
         <a:lstStyle/>
         <a:p>
-          <a:pPr marL="114300" lvl="1" indent="-114300" algn="l" defTabSz="622300">
+          <a:pPr marL="57150" lvl="1" indent="-57150" algn="l" defTabSz="444500">
             <a:lnSpc>
               <a:spcPct val="90000"/>
             </a:lnSpc>
@@ -8093,18 +8821,57 @@
             <a:spcAft>
               <a:spcPct val="15000"/>
             </a:spcAft>
+            <a:buFont typeface="Arial" panose="020B0604020202020204" pitchFamily="34" charset="0"/>
             <a:buChar char="•"/>
           </a:pPr>
           <a:r>
-            <a:rPr lang="ja-JP" sz="1400" kern="1200"/>
-            <a:t>文書、地図、マルチメディアコンテンツ</a:t>
+            <a:rPr lang="ja-JP" altLang="en-US" sz="1000" b="1" kern="1200"/>
+            <a:t>震災の記憶を伝える活動</a:t>
           </a:r>
-          <a:endParaRPr lang="en-US" sz="1400" kern="1200"/>
+          <a:endParaRPr lang="en-US" sz="1000" kern="1200" dirty="0"/>
+        </a:p>
+        <a:p>
+          <a:pPr marL="57150" lvl="1" indent="-57150" algn="l" defTabSz="444500">
+            <a:lnSpc>
+              <a:spcPct val="90000"/>
+            </a:lnSpc>
+            <a:spcBef>
+              <a:spcPct val="0"/>
+            </a:spcBef>
+            <a:spcAft>
+              <a:spcPct val="15000"/>
+            </a:spcAft>
+            <a:buFont typeface="Arial" panose="020B0604020202020204" pitchFamily="34" charset="0"/>
+            <a:buChar char="•"/>
+          </a:pPr>
+          <a:r>
+            <a:rPr lang="ja-JP" altLang="en-US" sz="1000" kern="1200"/>
+            <a:t>被災者の体験談を記録したドキュメンタリー動画の作成</a:t>
+          </a:r>
+        </a:p>
+        <a:p>
+          <a:pPr marL="57150" lvl="1" indent="-57150" algn="l" defTabSz="444500">
+            <a:lnSpc>
+              <a:spcPct val="90000"/>
+            </a:lnSpc>
+            <a:spcBef>
+              <a:spcPct val="0"/>
+            </a:spcBef>
+            <a:spcAft>
+              <a:spcPct val="15000"/>
+            </a:spcAft>
+            <a:buFont typeface="Arial" panose="020B0604020202020204" pitchFamily="34" charset="0"/>
+            <a:buChar char="•"/>
+          </a:pPr>
+          <a:r>
+            <a:rPr lang="ja-JP" altLang="en-US" sz="1000" kern="1200"/>
+            <a:t>楢葉町が行う防災ワークショップや地域交流イベント</a:t>
+          </a:r>
         </a:p>
       </dsp:txBody>
       <dsp:txXfrm>
-        <a:off x="0" y="5092272"/>
-        <a:ext cx="6301601" cy="672525"/>
+        <a:off x="0" y="4693729"/>
+        <a:ext cx="6301601" cy="929250"/>
       </dsp:txXfrm>
     </dsp:sp>
     <dsp:sp modelId="{5F4AD8C9-A8C7-5247-B21B-CDAA079C4D87}">
@@ -8114,8 +8881,8 @@
       </dsp:nvSpPr>
       <dsp:spPr>
         <a:xfrm>
-          <a:off x="315080" y="4885631"/>
-          <a:ext cx="4411120" cy="413279"/>
+          <a:off x="315080" y="4546129"/>
+          <a:ext cx="4411120" cy="295199"/>
         </a:xfrm>
         <a:prstGeom prst="roundRect">
           <a:avLst/>
@@ -8162,7 +8929,7 @@
         </a:bodyPr>
         <a:lstStyle/>
         <a:p>
-          <a:pPr marL="0" lvl="0" indent="0" algn="l" defTabSz="622300">
+          <a:pPr marL="0" lvl="0" indent="0" algn="l" defTabSz="444500">
             <a:lnSpc>
               <a:spcPct val="90000"/>
             </a:lnSpc>
@@ -8175,15 +8942,15 @@
             <a:buNone/>
           </a:pPr>
           <a:r>
-            <a:rPr lang="ja-JP" sz="1400" kern="1200"/>
-            <a:t>多岐にわたる情報の収集とデジタル化</a:t>
+            <a:rPr lang="en-US" sz="1000" kern="1200" dirty="0" err="1"/>
+            <a:t>次世代への教訓</a:t>
           </a:r>
-          <a:endParaRPr lang="en-US" sz="1400" kern="1200"/>
+          <a:endParaRPr lang="en-US" sz="1000" kern="1200" dirty="0"/>
         </a:p>
       </dsp:txBody>
       <dsp:txXfrm>
-        <a:off x="335255" y="4905806"/>
-        <a:ext cx="4370770" cy="372929"/>
+        <a:off x="329490" y="4560539"/>
+        <a:ext cx="4382300" cy="266379"/>
       </dsp:txXfrm>
     </dsp:sp>
   </dsp:spTree>
@@ -8198,22 +8965,21 @@
       <dsp:cNvGrpSpPr/>
     </dsp:nvGrpSpPr>
     <dsp:grpSpPr/>
-    <dsp:sp modelId="{FFD0C0ED-46A2-DC4D-A33A-999645E9094A}">
+    <dsp:sp modelId="{C809F4DA-BAF6-1E4F-BDBE-3465FB3808D9}">
       <dsp:nvSpPr>
         <dsp:cNvPr id="0" name=""/>
         <dsp:cNvSpPr/>
       </dsp:nvSpPr>
       <dsp:spPr>
         <a:xfrm>
-          <a:off x="0" y="265948"/>
-          <a:ext cx="10927829" cy="1204874"/>
+          <a:off x="853" y="21822"/>
+          <a:ext cx="3457633" cy="4149160"/>
         </a:xfrm>
         <a:prstGeom prst="rect">
           <a:avLst/>
         </a:prstGeom>
         <a:solidFill>
-          <a:schemeClr val="lt1">
-            <a:alpha val="90000"/>
+          <a:schemeClr val="accent2">
             <a:hueOff val="0"/>
             <a:satOff val="0"/>
             <a:lumOff val="0"/>
@@ -8244,15 +9010,36 @@
         <a:effectRef idx="0">
           <a:scrgbClr r="0" g="0" b="0"/>
         </a:effectRef>
-        <a:fontRef idx="minor"/>
+        <a:fontRef idx="minor">
+          <a:schemeClr val="lt1"/>
+        </a:fontRef>
       </dsp:style>
       <dsp:txBody>
-        <a:bodyPr spcFirstLastPara="0" vert="horz" wrap="square" lIns="848121" tIns="354076" rIns="848121" bIns="120904" numCol="1" spcCol="1270" anchor="t" anchorCtr="0">
+        <a:bodyPr spcFirstLastPara="0" vert="horz" wrap="square" lIns="341537" tIns="0" rIns="341537" bIns="330200" numCol="1" spcCol="1270" anchor="t" anchorCtr="0">
           <a:noAutofit/>
         </a:bodyPr>
         <a:lstStyle/>
         <a:p>
-          <a:pPr marL="171450" lvl="1" indent="-171450" algn="l" defTabSz="755650">
+          <a:pPr marL="0" lvl="0" indent="0" algn="l" defTabSz="844550">
+            <a:lnSpc>
+              <a:spcPct val="90000"/>
+            </a:lnSpc>
+            <a:spcBef>
+              <a:spcPct val="0"/>
+            </a:spcBef>
+            <a:spcAft>
+              <a:spcPct val="35000"/>
+            </a:spcAft>
+            <a:buNone/>
+          </a:pPr>
+          <a:r>
+            <a:rPr lang="ja-JP" sz="1900" kern="1200"/>
+            <a:t>地域の学校やコミュニティにおける防災教育の教材としての利用</a:t>
+          </a:r>
+          <a:endParaRPr lang="en-US" sz="1900" kern="1200" dirty="0"/>
+        </a:p>
+        <a:p>
+          <a:pPr marL="114300" lvl="1" indent="-114300" algn="l" defTabSz="666750">
             <a:lnSpc>
               <a:spcPct val="90000"/>
             </a:lnSpc>
@@ -8265,13 +9052,13 @@
             <a:buChar char="•"/>
           </a:pPr>
           <a:r>
-            <a:rPr lang="ja-JP" sz="1700" kern="1200"/>
+            <a:rPr lang="ja-JP" sz="1500" kern="1200"/>
             <a:t>教材としての価値</a:t>
           </a:r>
-          <a:endParaRPr lang="en-US" sz="1700" kern="1200"/>
+          <a:endParaRPr lang="en-US" sz="1500" kern="1200" dirty="0"/>
         </a:p>
         <a:p>
-          <a:pPr marL="171450" lvl="1" indent="-171450" algn="l" defTabSz="755650">
+          <a:pPr marL="114300" lvl="1" indent="-114300" algn="l" defTabSz="666750">
             <a:lnSpc>
               <a:spcPct val="90000"/>
             </a:lnSpc>
@@ -8284,29 +9071,453 @@
             <a:buChar char="•"/>
           </a:pPr>
           <a:r>
-            <a:rPr lang="ja-JP" sz="1700" kern="1200"/>
+            <a:rPr lang="ja-JP" sz="1500" kern="1200"/>
             <a:t>ワークショップや授業での活用</a:t>
           </a:r>
-          <a:endParaRPr lang="en-US" sz="1700" kern="1200"/>
+          <a:endParaRPr lang="en-US" sz="1500" kern="1200" dirty="0"/>
         </a:p>
       </dsp:txBody>
       <dsp:txXfrm>
-        <a:off x="0" y="265948"/>
-        <a:ext cx="10927829" cy="1204874"/>
+        <a:off x="853" y="1681486"/>
+        <a:ext cx="3457633" cy="2489496"/>
       </dsp:txXfrm>
     </dsp:sp>
-    <dsp:sp modelId="{9D3D787D-64AD-154E-9DD8-EFD989F3AEB3}">
+    <dsp:sp modelId="{78429905-2210-6646-9B3B-4614D74C4D89}">
       <dsp:nvSpPr>
         <dsp:cNvPr id="0" name=""/>
         <dsp:cNvSpPr/>
       </dsp:nvSpPr>
       <dsp:spPr>
         <a:xfrm>
-          <a:off x="546391" y="15028"/>
-          <a:ext cx="7649480" cy="501840"/>
+          <a:off x="853" y="21822"/>
+          <a:ext cx="3457633" cy="1659664"/>
+        </a:xfrm>
+        <a:prstGeom prst="rect">
+          <a:avLst/>
+        </a:prstGeom>
+        <a:noFill/>
+        <a:ln w="19050" cap="flat" cmpd="sng" algn="ctr">
+          <a:noFill/>
+          <a:prstDash val="solid"/>
+          <a:miter lim="800000"/>
+        </a:ln>
+        <a:effectLst/>
+        <a:sp3d/>
+      </dsp:spPr>
+      <dsp:style>
+        <a:lnRef idx="2">
+          <a:scrgbClr r="0" g="0" b="0"/>
+        </a:lnRef>
+        <a:fillRef idx="1">
+          <a:scrgbClr r="0" g="0" b="0"/>
+        </a:fillRef>
+        <a:effectRef idx="0">
+          <a:scrgbClr r="0" g="0" b="0"/>
+        </a:effectRef>
+        <a:fontRef idx="minor">
+          <a:schemeClr val="lt1"/>
+        </a:fontRef>
+      </dsp:style>
+      <dsp:txBody>
+        <a:bodyPr spcFirstLastPara="0" vert="horz" wrap="square" lIns="341537" tIns="165100" rIns="341537" bIns="165100" numCol="1" spcCol="1270" anchor="ctr" anchorCtr="0">
+          <a:noAutofit/>
+        </a:bodyPr>
+        <a:lstStyle/>
+        <a:p>
+          <a:pPr marL="0" lvl="0" indent="0" algn="l" defTabSz="2933700">
+            <a:lnSpc>
+              <a:spcPct val="90000"/>
+            </a:lnSpc>
+            <a:spcBef>
+              <a:spcPct val="0"/>
+            </a:spcBef>
+            <a:spcAft>
+              <a:spcPct val="35000"/>
+            </a:spcAft>
+            <a:buNone/>
+          </a:pPr>
+          <a:r>
+            <a:rPr lang="en-US" sz="6600" kern="1200"/>
+            <a:t>01</a:t>
+          </a:r>
+        </a:p>
+      </dsp:txBody>
+      <dsp:txXfrm>
+        <a:off x="853" y="21822"/>
+        <a:ext cx="3457633" cy="1659664"/>
+      </dsp:txXfrm>
+    </dsp:sp>
+    <dsp:sp modelId="{428DB667-7701-2B4A-AF99-C68442DEF1A4}">
+      <dsp:nvSpPr>
+        <dsp:cNvPr id="0" name=""/>
+        <dsp:cNvSpPr/>
+      </dsp:nvSpPr>
+      <dsp:spPr>
+        <a:xfrm>
+          <a:off x="3735097" y="21822"/>
+          <a:ext cx="3457633" cy="4149160"/>
+        </a:xfrm>
+        <a:prstGeom prst="rect">
+          <a:avLst/>
+        </a:prstGeom>
+        <a:solidFill>
+          <a:schemeClr val="accent3">
+            <a:hueOff val="0"/>
+            <a:satOff val="0"/>
+            <a:lumOff val="0"/>
+            <a:alphaOff val="0"/>
+          </a:schemeClr>
+        </a:solidFill>
+        <a:ln w="19050" cap="flat" cmpd="sng" algn="ctr">
+          <a:solidFill>
+            <a:schemeClr val="accent3">
+              <a:hueOff val="0"/>
+              <a:satOff val="0"/>
+              <a:lumOff val="0"/>
+              <a:alphaOff val="0"/>
+            </a:schemeClr>
+          </a:solidFill>
+          <a:prstDash val="solid"/>
+          <a:miter lim="800000"/>
+        </a:ln>
+        <a:effectLst/>
+      </dsp:spPr>
+      <dsp:style>
+        <a:lnRef idx="2">
+          <a:scrgbClr r="0" g="0" b="0"/>
+        </a:lnRef>
+        <a:fillRef idx="1">
+          <a:scrgbClr r="0" g="0" b="0"/>
+        </a:fillRef>
+        <a:effectRef idx="0">
+          <a:scrgbClr r="0" g="0" b="0"/>
+        </a:effectRef>
+        <a:fontRef idx="minor">
+          <a:schemeClr val="lt1"/>
+        </a:fontRef>
+      </dsp:style>
+      <dsp:txBody>
+        <a:bodyPr spcFirstLastPara="0" vert="horz" wrap="square" lIns="341537" tIns="0" rIns="341537" bIns="330200" numCol="1" spcCol="1270" anchor="t" anchorCtr="0">
+          <a:noAutofit/>
+        </a:bodyPr>
+        <a:lstStyle/>
+        <a:p>
+          <a:pPr marL="0" lvl="0" indent="0" algn="l" defTabSz="844550">
+            <a:lnSpc>
+              <a:spcPct val="90000"/>
+            </a:lnSpc>
+            <a:spcBef>
+              <a:spcPct val="0"/>
+            </a:spcBef>
+            <a:spcAft>
+              <a:spcPct val="35000"/>
+            </a:spcAft>
+            <a:buNone/>
+          </a:pPr>
+          <a:r>
+            <a:rPr lang="ja-JP" sz="1900" kern="1200"/>
+            <a:t>地域社会への啓発</a:t>
+          </a:r>
+          <a:endParaRPr lang="en-US" sz="1900" kern="1200"/>
+        </a:p>
+        <a:p>
+          <a:pPr marL="114300" lvl="1" indent="-114300" algn="l" defTabSz="666750">
+            <a:lnSpc>
+              <a:spcPct val="90000"/>
+            </a:lnSpc>
+            <a:spcBef>
+              <a:spcPct val="0"/>
+            </a:spcBef>
+            <a:spcAft>
+              <a:spcPct val="15000"/>
+            </a:spcAft>
+            <a:buChar char="•"/>
+          </a:pPr>
+          <a:r>
+            <a:rPr lang="ja-JP" sz="1500" kern="1200"/>
+            <a:t>地域住民への情報提供</a:t>
+          </a:r>
+          <a:endParaRPr lang="en-US" sz="1500" kern="1200" dirty="0"/>
+        </a:p>
+        <a:p>
+          <a:pPr marL="114300" lvl="1" indent="-114300" algn="l" defTabSz="666750">
+            <a:lnSpc>
+              <a:spcPct val="90000"/>
+            </a:lnSpc>
+            <a:spcBef>
+              <a:spcPct val="0"/>
+            </a:spcBef>
+            <a:spcAft>
+              <a:spcPct val="15000"/>
+            </a:spcAft>
+            <a:buChar char="•"/>
+          </a:pPr>
+          <a:r>
+            <a:rPr lang="ja-JP" sz="1500" kern="1200"/>
+            <a:t>防災意識の向上</a:t>
+          </a:r>
+          <a:endParaRPr lang="en-US" sz="1500" kern="1200"/>
+        </a:p>
+      </dsp:txBody>
+      <dsp:txXfrm>
+        <a:off x="3735097" y="1681486"/>
+        <a:ext cx="3457633" cy="2489496"/>
+      </dsp:txXfrm>
+    </dsp:sp>
+    <dsp:sp modelId="{6313288A-0BDB-0341-9913-B7E0AA434637}">
+      <dsp:nvSpPr>
+        <dsp:cNvPr id="0" name=""/>
+        <dsp:cNvSpPr/>
+      </dsp:nvSpPr>
+      <dsp:spPr>
+        <a:xfrm>
+          <a:off x="3735097" y="21822"/>
+          <a:ext cx="3457633" cy="1659664"/>
+        </a:xfrm>
+        <a:prstGeom prst="rect">
+          <a:avLst/>
+        </a:prstGeom>
+        <a:noFill/>
+        <a:ln w="19050" cap="flat" cmpd="sng" algn="ctr">
+          <a:noFill/>
+          <a:prstDash val="solid"/>
+          <a:miter lim="800000"/>
+        </a:ln>
+        <a:effectLst/>
+        <a:sp3d/>
+      </dsp:spPr>
+      <dsp:style>
+        <a:lnRef idx="2">
+          <a:scrgbClr r="0" g="0" b="0"/>
+        </a:lnRef>
+        <a:fillRef idx="1">
+          <a:scrgbClr r="0" g="0" b="0"/>
+        </a:fillRef>
+        <a:effectRef idx="0">
+          <a:scrgbClr r="0" g="0" b="0"/>
+        </a:effectRef>
+        <a:fontRef idx="minor">
+          <a:schemeClr val="lt1"/>
+        </a:fontRef>
+      </dsp:style>
+      <dsp:txBody>
+        <a:bodyPr spcFirstLastPara="0" vert="horz" wrap="square" lIns="341537" tIns="165100" rIns="341537" bIns="165100" numCol="1" spcCol="1270" anchor="ctr" anchorCtr="0">
+          <a:noAutofit/>
+        </a:bodyPr>
+        <a:lstStyle/>
+        <a:p>
+          <a:pPr marL="0" lvl="0" indent="0" algn="l" defTabSz="2933700">
+            <a:lnSpc>
+              <a:spcPct val="90000"/>
+            </a:lnSpc>
+            <a:spcBef>
+              <a:spcPct val="0"/>
+            </a:spcBef>
+            <a:spcAft>
+              <a:spcPct val="35000"/>
+            </a:spcAft>
+            <a:buNone/>
+          </a:pPr>
+          <a:r>
+            <a:rPr lang="en-US" sz="6600" kern="1200"/>
+            <a:t>02</a:t>
+          </a:r>
+        </a:p>
+      </dsp:txBody>
+      <dsp:txXfrm>
+        <a:off x="3735097" y="21822"/>
+        <a:ext cx="3457633" cy="1659664"/>
+      </dsp:txXfrm>
+    </dsp:sp>
+    <dsp:sp modelId="{BF95C030-A954-2148-B7EC-E4F1A71A7B61}">
+      <dsp:nvSpPr>
+        <dsp:cNvPr id="0" name=""/>
+        <dsp:cNvSpPr/>
+      </dsp:nvSpPr>
+      <dsp:spPr>
+        <a:xfrm>
+          <a:off x="7469341" y="21822"/>
+          <a:ext cx="3457633" cy="4149160"/>
+        </a:xfrm>
+        <a:prstGeom prst="rect">
+          <a:avLst/>
+        </a:prstGeom>
+        <a:solidFill>
+          <a:schemeClr val="accent4">
+            <a:hueOff val="0"/>
+            <a:satOff val="0"/>
+            <a:lumOff val="0"/>
+            <a:alphaOff val="0"/>
+          </a:schemeClr>
+        </a:solidFill>
+        <a:ln w="19050" cap="flat" cmpd="sng" algn="ctr">
+          <a:solidFill>
+            <a:schemeClr val="accent4">
+              <a:hueOff val="0"/>
+              <a:satOff val="0"/>
+              <a:lumOff val="0"/>
+              <a:alphaOff val="0"/>
+            </a:schemeClr>
+          </a:solidFill>
+          <a:prstDash val="solid"/>
+          <a:miter lim="800000"/>
+        </a:ln>
+        <a:effectLst/>
+      </dsp:spPr>
+      <dsp:style>
+        <a:lnRef idx="2">
+          <a:scrgbClr r="0" g="0" b="0"/>
+        </a:lnRef>
+        <a:fillRef idx="1">
+          <a:scrgbClr r="0" g="0" b="0"/>
+        </a:fillRef>
+        <a:effectRef idx="0">
+          <a:scrgbClr r="0" g="0" b="0"/>
+        </a:effectRef>
+        <a:fontRef idx="minor">
+          <a:schemeClr val="lt1"/>
+        </a:fontRef>
+      </dsp:style>
+      <dsp:txBody>
+        <a:bodyPr spcFirstLastPara="0" vert="horz" wrap="square" lIns="341537" tIns="0" rIns="341537" bIns="330200" numCol="1" spcCol="1270" anchor="t" anchorCtr="0">
+          <a:noAutofit/>
+        </a:bodyPr>
+        <a:lstStyle/>
+        <a:p>
+          <a:pPr marL="0" lvl="0" indent="0" algn="l" defTabSz="844550">
+            <a:lnSpc>
+              <a:spcPct val="90000"/>
+            </a:lnSpc>
+            <a:spcBef>
+              <a:spcPct val="0"/>
+            </a:spcBef>
+            <a:spcAft>
+              <a:spcPct val="35000"/>
+            </a:spcAft>
+            <a:buNone/>
+          </a:pPr>
+          <a:r>
+            <a:rPr lang="ja-JP" sz="1900" kern="1200"/>
+            <a:t>将来の災害対策への貢献</a:t>
+          </a:r>
+          <a:endParaRPr lang="en-US" sz="1900" kern="1200"/>
+        </a:p>
+        <a:p>
+          <a:pPr marL="114300" lvl="1" indent="-114300" algn="l" defTabSz="666750">
+            <a:lnSpc>
+              <a:spcPct val="90000"/>
+            </a:lnSpc>
+            <a:spcBef>
+              <a:spcPct val="0"/>
+            </a:spcBef>
+            <a:spcAft>
+              <a:spcPct val="15000"/>
+            </a:spcAft>
+            <a:buChar char="•"/>
+          </a:pPr>
+          <a:r>
+            <a:rPr lang="ja-JP" sz="1500" kern="1200"/>
+            <a:t>過去の教訓を学ぶための資料</a:t>
+          </a:r>
+          <a:endParaRPr lang="en-US" sz="1500" kern="1200"/>
+        </a:p>
+      </dsp:txBody>
+      <dsp:txXfrm>
+        <a:off x="7469341" y="1681486"/>
+        <a:ext cx="3457633" cy="2489496"/>
+      </dsp:txXfrm>
+    </dsp:sp>
+    <dsp:sp modelId="{826B5142-58A2-B348-A331-9DBD21697DF5}">
+      <dsp:nvSpPr>
+        <dsp:cNvPr id="0" name=""/>
+        <dsp:cNvSpPr/>
+      </dsp:nvSpPr>
+      <dsp:spPr>
+        <a:xfrm>
+          <a:off x="7469341" y="21822"/>
+          <a:ext cx="3457633" cy="1659664"/>
+        </a:xfrm>
+        <a:prstGeom prst="rect">
+          <a:avLst/>
+        </a:prstGeom>
+        <a:noFill/>
+        <a:ln w="19050" cap="flat" cmpd="sng" algn="ctr">
+          <a:noFill/>
+          <a:prstDash val="solid"/>
+          <a:miter lim="800000"/>
+        </a:ln>
+        <a:effectLst/>
+        <a:sp3d/>
+      </dsp:spPr>
+      <dsp:style>
+        <a:lnRef idx="2">
+          <a:scrgbClr r="0" g="0" b="0"/>
+        </a:lnRef>
+        <a:fillRef idx="1">
+          <a:scrgbClr r="0" g="0" b="0"/>
+        </a:fillRef>
+        <a:effectRef idx="0">
+          <a:scrgbClr r="0" g="0" b="0"/>
+        </a:effectRef>
+        <a:fontRef idx="minor">
+          <a:schemeClr val="lt1"/>
+        </a:fontRef>
+      </dsp:style>
+      <dsp:txBody>
+        <a:bodyPr spcFirstLastPara="0" vert="horz" wrap="square" lIns="341537" tIns="165100" rIns="341537" bIns="165100" numCol="1" spcCol="1270" anchor="ctr" anchorCtr="0">
+          <a:noAutofit/>
+        </a:bodyPr>
+        <a:lstStyle/>
+        <a:p>
+          <a:pPr marL="0" lvl="0" indent="0" algn="l" defTabSz="2933700">
+            <a:lnSpc>
+              <a:spcPct val="90000"/>
+            </a:lnSpc>
+            <a:spcBef>
+              <a:spcPct val="0"/>
+            </a:spcBef>
+            <a:spcAft>
+              <a:spcPct val="35000"/>
+            </a:spcAft>
+            <a:buNone/>
+          </a:pPr>
+          <a:r>
+            <a:rPr lang="en-US" sz="6600" kern="1200"/>
+            <a:t>03</a:t>
+          </a:r>
+        </a:p>
+      </dsp:txBody>
+      <dsp:txXfrm>
+        <a:off x="7469341" y="21822"/>
+        <a:ext cx="3457633" cy="1659664"/>
+      </dsp:txXfrm>
+    </dsp:sp>
+  </dsp:spTree>
+</dsp:drawing>
+</file>
+
+<file path=ppt/diagrams/drawing5.xml><?xml version="1.0" encoding="utf-8"?>
+<dsp:drawing xmlns:dgm="http://schemas.openxmlformats.org/drawingml/2006/diagram" xmlns:dsp="http://schemas.microsoft.com/office/drawing/2008/diagram" xmlns:a="http://schemas.openxmlformats.org/drawingml/2006/main">
+  <dsp:spTree>
+    <dsp:nvGrpSpPr>
+      <dsp:cNvPr id="0" name=""/>
+      <dsp:cNvGrpSpPr/>
+    </dsp:nvGrpSpPr>
+    <dsp:grpSpPr/>
+    <dsp:sp modelId="{0B959140-14F3-7148-8C24-1CD9C0D5C6A5}">
+      <dsp:nvSpPr>
+        <dsp:cNvPr id="0" name=""/>
+        <dsp:cNvSpPr/>
+      </dsp:nvSpPr>
+      <dsp:spPr>
+        <a:xfrm>
+          <a:off x="1271267" y="78"/>
+          <a:ext cx="2395798" cy="1197899"/>
         </a:xfrm>
         <a:prstGeom prst="roundRect">
-          <a:avLst/>
+          <a:avLst>
+            <a:gd name="adj" fmla="val 10000"/>
+          </a:avLst>
         </a:prstGeom>
         <a:solidFill>
           <a:schemeClr val="accent2">
@@ -8345,12 +9556,12 @@
         </a:fontRef>
       </dsp:style>
       <dsp:txBody>
-        <a:bodyPr spcFirstLastPara="0" vert="horz" wrap="square" lIns="289132" tIns="0" rIns="289132" bIns="0" numCol="1" spcCol="1270" anchor="ctr" anchorCtr="0">
+        <a:bodyPr spcFirstLastPara="0" vert="horz" wrap="square" lIns="32385" tIns="21590" rIns="32385" bIns="21590" numCol="1" spcCol="1270" anchor="ctr" anchorCtr="0">
           <a:noAutofit/>
         </a:bodyPr>
         <a:lstStyle/>
         <a:p>
-          <a:pPr marL="0" lvl="0" indent="0" algn="l" defTabSz="755650">
+          <a:pPr marL="0" lvl="0" indent="0" algn="ctr" defTabSz="755650">
             <a:lnSpc>
               <a:spcPct val="90000"/>
             </a:lnSpc>
@@ -8364,28 +9575,88 @@
           </a:pPr>
           <a:r>
             <a:rPr lang="ja-JP" sz="1700" kern="1200"/>
-            <a:t>地域の学校やコミュニティにおける防災教育の教材としての利用</a:t>
+            <a:t>記憶を次世代に伝える重要性</a:t>
           </a:r>
-          <a:endParaRPr lang="en-US" sz="1700" kern="1200"/>
+          <a:endParaRPr lang="en-US" sz="1700" kern="1200" dirty="0"/>
         </a:p>
       </dsp:txBody>
       <dsp:txXfrm>
-        <a:off x="570889" y="39526"/>
-        <a:ext cx="7600484" cy="452844"/>
+        <a:off x="1306352" y="35163"/>
+        <a:ext cx="2325628" cy="1127729"/>
       </dsp:txXfrm>
     </dsp:sp>
-    <dsp:sp modelId="{24274DF9-F8F1-3D48-8498-9082D8BFBEC3}">
+    <dsp:sp modelId="{A1D2C60D-CA5C-DE48-A07E-842C322498A9}">
       <dsp:nvSpPr>
         <dsp:cNvPr id="0" name=""/>
         <dsp:cNvSpPr/>
       </dsp:nvSpPr>
       <dsp:spPr>
         <a:xfrm>
-          <a:off x="0" y="1813543"/>
-          <a:ext cx="10927829" cy="1204874"/>
+          <a:off x="1510847" y="1197978"/>
+          <a:ext cx="239579" cy="898424"/>
         </a:xfrm>
-        <a:prstGeom prst="rect">
+        <a:custGeom>
           <a:avLst/>
+          <a:gdLst/>
+          <a:ahLst/>
+          <a:cxnLst/>
+          <a:rect l="0" t="0" r="0" b="0"/>
+          <a:pathLst>
+            <a:path>
+              <a:moveTo>
+                <a:pt x="0" y="0"/>
+              </a:moveTo>
+              <a:lnTo>
+                <a:pt x="0" y="898424"/>
+              </a:lnTo>
+              <a:lnTo>
+                <a:pt x="239579" y="898424"/>
+              </a:lnTo>
+            </a:path>
+          </a:pathLst>
+        </a:custGeom>
+        <a:noFill/>
+        <a:ln w="19050" cap="flat" cmpd="sng" algn="ctr">
+          <a:solidFill>
+            <a:schemeClr val="accent3">
+              <a:hueOff val="0"/>
+              <a:satOff val="0"/>
+              <a:lumOff val="0"/>
+              <a:alphaOff val="0"/>
+            </a:schemeClr>
+          </a:solidFill>
+          <a:prstDash val="solid"/>
+          <a:miter lim="800000"/>
+        </a:ln>
+        <a:effectLst/>
+      </dsp:spPr>
+      <dsp:style>
+        <a:lnRef idx="2">
+          <a:scrgbClr r="0" g="0" b="0"/>
+        </a:lnRef>
+        <a:fillRef idx="0">
+          <a:scrgbClr r="0" g="0" b="0"/>
+        </a:fillRef>
+        <a:effectRef idx="0">
+          <a:scrgbClr r="0" g="0" b="0"/>
+        </a:effectRef>
+        <a:fontRef idx="minor"/>
+      </dsp:style>
+    </dsp:sp>
+    <dsp:sp modelId="{0FD2CEAB-5481-B341-8F5A-42F78F4257FA}">
+      <dsp:nvSpPr>
+        <dsp:cNvPr id="0" name=""/>
+        <dsp:cNvSpPr/>
+      </dsp:nvSpPr>
+      <dsp:spPr>
+        <a:xfrm>
+          <a:off x="1750426" y="1497452"/>
+          <a:ext cx="1916638" cy="1197899"/>
+        </a:xfrm>
+        <a:prstGeom prst="roundRect">
+          <a:avLst>
+            <a:gd name="adj" fmla="val 10000"/>
+          </a:avLst>
         </a:prstGeom>
         <a:solidFill>
           <a:schemeClr val="lt1">
@@ -8399,9 +9670,9 @@
         <a:ln w="19050" cap="flat" cmpd="sng" algn="ctr">
           <a:solidFill>
             <a:schemeClr val="accent2">
-              <a:hueOff val="3221806"/>
-              <a:satOff val="-9246"/>
-              <a:lumOff val="-14805"/>
+              <a:hueOff val="0"/>
+              <a:satOff val="0"/>
+              <a:lumOff val="0"/>
               <a:alphaOff val="0"/>
             </a:schemeClr>
           </a:solidFill>
@@ -8423,12 +9694,12 @@
         <a:fontRef idx="minor"/>
       </dsp:style>
       <dsp:txBody>
-        <a:bodyPr spcFirstLastPara="0" vert="horz" wrap="square" lIns="848121" tIns="354076" rIns="848121" bIns="120904" numCol="1" spcCol="1270" anchor="t" anchorCtr="0">
+        <a:bodyPr spcFirstLastPara="0" vert="horz" wrap="square" lIns="32385" tIns="21590" rIns="32385" bIns="21590" numCol="1" spcCol="1270" anchor="ctr" anchorCtr="0">
           <a:noAutofit/>
         </a:bodyPr>
         <a:lstStyle/>
         <a:p>
-          <a:pPr marL="171450" lvl="1" indent="-171450" algn="l" defTabSz="755650">
+          <a:pPr marL="0" lvl="0" indent="0" algn="ctr" defTabSz="755650">
             <a:lnSpc>
               <a:spcPct val="90000"/>
             </a:lnSpc>
@@ -8436,18 +9707,137 @@
               <a:spcPct val="0"/>
             </a:spcBef>
             <a:spcAft>
-              <a:spcPct val="15000"/>
+              <a:spcPct val="35000"/>
             </a:spcAft>
-            <a:buChar char="•"/>
+            <a:buNone/>
           </a:pPr>
           <a:r>
             <a:rPr lang="ja-JP" sz="1700" kern="1200"/>
-            <a:t>地域住民への情報提供</a:t>
+            <a:t>災害の経験を風化させない</a:t>
           </a:r>
-          <a:endParaRPr lang="en-US" sz="1700" kern="1200"/>
+          <a:endParaRPr lang="en-US" sz="1700" kern="1200" dirty="0"/>
         </a:p>
+      </dsp:txBody>
+      <dsp:txXfrm>
+        <a:off x="1785511" y="1532537"/>
+        <a:ext cx="1846468" cy="1127729"/>
+      </dsp:txXfrm>
+    </dsp:sp>
+    <dsp:sp modelId="{202EDEB1-4CC6-4943-8E13-D64B4E6CB55B}">
+      <dsp:nvSpPr>
+        <dsp:cNvPr id="0" name=""/>
+        <dsp:cNvSpPr/>
+      </dsp:nvSpPr>
+      <dsp:spPr>
+        <a:xfrm>
+          <a:off x="1510847" y="1197978"/>
+          <a:ext cx="239579" cy="2395798"/>
+        </a:xfrm>
+        <a:custGeom>
+          <a:avLst/>
+          <a:gdLst/>
+          <a:ahLst/>
+          <a:cxnLst/>
+          <a:rect l="0" t="0" r="0" b="0"/>
+          <a:pathLst>
+            <a:path>
+              <a:moveTo>
+                <a:pt x="0" y="0"/>
+              </a:moveTo>
+              <a:lnTo>
+                <a:pt x="0" y="2395798"/>
+              </a:lnTo>
+              <a:lnTo>
+                <a:pt x="239579" y="2395798"/>
+              </a:lnTo>
+            </a:path>
+          </a:pathLst>
+        </a:custGeom>
+        <a:noFill/>
+        <a:ln w="19050" cap="flat" cmpd="sng" algn="ctr">
+          <a:solidFill>
+            <a:schemeClr val="accent3">
+              <a:hueOff val="0"/>
+              <a:satOff val="0"/>
+              <a:lumOff val="0"/>
+              <a:alphaOff val="0"/>
+            </a:schemeClr>
+          </a:solidFill>
+          <a:prstDash val="solid"/>
+          <a:miter lim="800000"/>
+        </a:ln>
+        <a:effectLst/>
+      </dsp:spPr>
+      <dsp:style>
+        <a:lnRef idx="2">
+          <a:scrgbClr r="0" g="0" b="0"/>
+        </a:lnRef>
+        <a:fillRef idx="0">
+          <a:scrgbClr r="0" g="0" b="0"/>
+        </a:fillRef>
+        <a:effectRef idx="0">
+          <a:scrgbClr r="0" g="0" b="0"/>
+        </a:effectRef>
+        <a:fontRef idx="minor"/>
+      </dsp:style>
+    </dsp:sp>
+    <dsp:sp modelId="{751EDA55-21C5-634D-9484-E95FCD1E1100}">
+      <dsp:nvSpPr>
+        <dsp:cNvPr id="0" name=""/>
+        <dsp:cNvSpPr/>
+      </dsp:nvSpPr>
+      <dsp:spPr>
+        <a:xfrm>
+          <a:off x="1750426" y="2994826"/>
+          <a:ext cx="1916638" cy="1197899"/>
+        </a:xfrm>
+        <a:prstGeom prst="roundRect">
+          <a:avLst>
+            <a:gd name="adj" fmla="val 10000"/>
+          </a:avLst>
+        </a:prstGeom>
+        <a:solidFill>
+          <a:schemeClr val="lt1">
+            <a:alpha val="90000"/>
+            <a:hueOff val="0"/>
+            <a:satOff val="0"/>
+            <a:lumOff val="0"/>
+            <a:alphaOff val="0"/>
+          </a:schemeClr>
+        </a:solidFill>
+        <a:ln w="19050" cap="flat" cmpd="sng" algn="ctr">
+          <a:solidFill>
+            <a:schemeClr val="accent2">
+              <a:hueOff val="2147871"/>
+              <a:satOff val="-6164"/>
+              <a:lumOff val="-9870"/>
+              <a:alphaOff val="0"/>
+            </a:schemeClr>
+          </a:solidFill>
+          <a:prstDash val="solid"/>
+          <a:miter lim="800000"/>
+        </a:ln>
+        <a:effectLst/>
+      </dsp:spPr>
+      <dsp:style>
+        <a:lnRef idx="2">
+          <a:scrgbClr r="0" g="0" b="0"/>
+        </a:lnRef>
+        <a:fillRef idx="1">
+          <a:scrgbClr r="0" g="0" b="0"/>
+        </a:fillRef>
+        <a:effectRef idx="0">
+          <a:scrgbClr r="0" g="0" b="0"/>
+        </a:effectRef>
+        <a:fontRef idx="minor"/>
+      </dsp:style>
+      <dsp:txBody>
+        <a:bodyPr spcFirstLastPara="0" vert="horz" wrap="square" lIns="32385" tIns="21590" rIns="32385" bIns="21590" numCol="1" spcCol="1270" anchor="ctr" anchorCtr="0">
+          <a:noAutofit/>
+        </a:bodyPr>
+        <a:lstStyle/>
         <a:p>
-          <a:pPr marL="171450" lvl="1" indent="-171450" algn="l" defTabSz="755650">
+          <a:pPr marL="0" lvl="0" indent="0" algn="ctr" defTabSz="755650">
             <a:lnSpc>
               <a:spcPct val="90000"/>
             </a:lnSpc>
@@ -8455,34 +9845,36 @@
               <a:spcPct val="0"/>
             </a:spcBef>
             <a:spcAft>
-              <a:spcPct val="15000"/>
+              <a:spcPct val="35000"/>
             </a:spcAft>
-            <a:buChar char="•"/>
+            <a:buNone/>
           </a:pPr>
           <a:r>
             <a:rPr lang="ja-JP" sz="1700" kern="1200"/>
-            <a:t>防災意識の向上</a:t>
+            <a:t>次世代への教訓としての価値</a:t>
           </a:r>
-          <a:endParaRPr lang="en-US" sz="1700" kern="1200"/>
+          <a:endParaRPr lang="en-US" sz="1700" kern="1200" dirty="0"/>
         </a:p>
       </dsp:txBody>
       <dsp:txXfrm>
-        <a:off x="0" y="1813543"/>
-        <a:ext cx="10927829" cy="1204874"/>
+        <a:off x="1785511" y="3029911"/>
+        <a:ext cx="1846468" cy="1127729"/>
       </dsp:txXfrm>
     </dsp:sp>
-    <dsp:sp modelId="{09A9925B-6E1B-7447-80CE-2792EA318075}">
+    <dsp:sp modelId="{DF43ABE3-A249-E74A-91FA-F00635F7109C}">
       <dsp:nvSpPr>
         <dsp:cNvPr id="0" name=""/>
         <dsp:cNvSpPr/>
       </dsp:nvSpPr>
       <dsp:spPr>
         <a:xfrm>
-          <a:off x="546391" y="1562623"/>
-          <a:ext cx="7649480" cy="501840"/>
+          <a:off x="4266015" y="78"/>
+          <a:ext cx="2395798" cy="1197899"/>
         </a:xfrm>
         <a:prstGeom prst="roundRect">
-          <a:avLst/>
+          <a:avLst>
+            <a:gd name="adj" fmla="val 10000"/>
+          </a:avLst>
         </a:prstGeom>
         <a:solidFill>
           <a:schemeClr val="accent2">
@@ -8521,12 +9913,12 @@
         </a:fontRef>
       </dsp:style>
       <dsp:txBody>
-        <a:bodyPr spcFirstLastPara="0" vert="horz" wrap="square" lIns="289132" tIns="0" rIns="289132" bIns="0" numCol="1" spcCol="1270" anchor="ctr" anchorCtr="0">
+        <a:bodyPr spcFirstLastPara="0" vert="horz" wrap="square" lIns="32385" tIns="21590" rIns="32385" bIns="21590" numCol="1" spcCol="1270" anchor="ctr" anchorCtr="0">
           <a:noAutofit/>
         </a:bodyPr>
         <a:lstStyle/>
         <a:p>
-          <a:pPr marL="0" lvl="0" indent="0" algn="l" defTabSz="755650">
+          <a:pPr marL="0" lvl="0" indent="0" algn="ctr" defTabSz="755650">
             <a:lnSpc>
               <a:spcPct val="90000"/>
             </a:lnSpc>
@@ -8540,28 +9932,88 @@
           </a:pPr>
           <a:r>
             <a:rPr lang="ja-JP" sz="1700" kern="1200"/>
-            <a:t>地域社会への啓発</a:t>
+            <a:t>双葉郡の歴史と復興をデジタル化して保存</a:t>
           </a:r>
-          <a:endParaRPr lang="en-US" sz="1700" kern="1200"/>
+          <a:endParaRPr lang="en-US" sz="1700" kern="1200" dirty="0"/>
         </a:p>
       </dsp:txBody>
       <dsp:txXfrm>
-        <a:off x="570889" y="1587121"/>
-        <a:ext cx="7600484" cy="452844"/>
+        <a:off x="4301100" y="35163"/>
+        <a:ext cx="2325628" cy="1127729"/>
       </dsp:txXfrm>
     </dsp:sp>
-    <dsp:sp modelId="{5C18737C-5135-0C4B-A789-637A5B7808E0}">
+    <dsp:sp modelId="{6A98F10E-541B-974A-9249-A8EDAF3D783C}">
       <dsp:nvSpPr>
         <dsp:cNvPr id="0" name=""/>
         <dsp:cNvSpPr/>
       </dsp:nvSpPr>
       <dsp:spPr>
         <a:xfrm>
-          <a:off x="0" y="3361138"/>
-          <a:ext cx="10927829" cy="816637"/>
+          <a:off x="4505595" y="1197978"/>
+          <a:ext cx="239579" cy="898424"/>
         </a:xfrm>
-        <a:prstGeom prst="rect">
+        <a:custGeom>
           <a:avLst/>
+          <a:gdLst/>
+          <a:ahLst/>
+          <a:cxnLst/>
+          <a:rect l="0" t="0" r="0" b="0"/>
+          <a:pathLst>
+            <a:path>
+              <a:moveTo>
+                <a:pt x="0" y="0"/>
+              </a:moveTo>
+              <a:lnTo>
+                <a:pt x="0" y="898424"/>
+              </a:lnTo>
+              <a:lnTo>
+                <a:pt x="239579" y="898424"/>
+              </a:lnTo>
+            </a:path>
+          </a:pathLst>
+        </a:custGeom>
+        <a:noFill/>
+        <a:ln w="19050" cap="flat" cmpd="sng" algn="ctr">
+          <a:solidFill>
+            <a:schemeClr val="accent3">
+              <a:hueOff val="0"/>
+              <a:satOff val="0"/>
+              <a:lumOff val="0"/>
+              <a:alphaOff val="0"/>
+            </a:schemeClr>
+          </a:solidFill>
+          <a:prstDash val="solid"/>
+          <a:miter lim="800000"/>
+        </a:ln>
+        <a:effectLst/>
+      </dsp:spPr>
+      <dsp:style>
+        <a:lnRef idx="2">
+          <a:scrgbClr r="0" g="0" b="0"/>
+        </a:lnRef>
+        <a:fillRef idx="0">
+          <a:scrgbClr r="0" g="0" b="0"/>
+        </a:fillRef>
+        <a:effectRef idx="0">
+          <a:scrgbClr r="0" g="0" b="0"/>
+        </a:effectRef>
+        <a:fontRef idx="minor"/>
+      </dsp:style>
+    </dsp:sp>
+    <dsp:sp modelId="{3B714A36-8EEE-A945-8DC6-340741702DE0}">
+      <dsp:nvSpPr>
+        <dsp:cNvPr id="0" name=""/>
+        <dsp:cNvSpPr/>
+      </dsp:nvSpPr>
+      <dsp:spPr>
+        <a:xfrm>
+          <a:off x="4745174" y="1497452"/>
+          <a:ext cx="1916638" cy="1197899"/>
+        </a:xfrm>
+        <a:prstGeom prst="roundRect">
+          <a:avLst>
+            <a:gd name="adj" fmla="val 10000"/>
+          </a:avLst>
         </a:prstGeom>
         <a:solidFill>
           <a:schemeClr val="lt1">
@@ -8575,9 +10027,9 @@
         <a:ln w="19050" cap="flat" cmpd="sng" algn="ctr">
           <a:solidFill>
             <a:schemeClr val="accent2">
-              <a:hueOff val="6443612"/>
-              <a:satOff val="-18493"/>
-              <a:lumOff val="-29609"/>
+              <a:hueOff val="4295742"/>
+              <a:satOff val="-12329"/>
+              <a:lumOff val="-19739"/>
               <a:alphaOff val="0"/>
             </a:schemeClr>
           </a:solidFill>
@@ -8599,12 +10051,12 @@
         <a:fontRef idx="minor"/>
       </dsp:style>
       <dsp:txBody>
-        <a:bodyPr spcFirstLastPara="0" vert="horz" wrap="square" lIns="848121" tIns="354076" rIns="848121" bIns="120904" numCol="1" spcCol="1270" anchor="t" anchorCtr="0">
+        <a:bodyPr spcFirstLastPara="0" vert="horz" wrap="square" lIns="32385" tIns="21590" rIns="32385" bIns="21590" numCol="1" spcCol="1270" anchor="ctr" anchorCtr="0">
           <a:noAutofit/>
         </a:bodyPr>
         <a:lstStyle/>
         <a:p>
-          <a:pPr marL="171450" lvl="1" indent="-171450" algn="l" defTabSz="755650">
+          <a:pPr marL="0" lvl="0" indent="0" algn="ctr" defTabSz="755650">
             <a:lnSpc>
               <a:spcPct val="90000"/>
             </a:lnSpc>
@@ -8612,34 +10064,36 @@
               <a:spcPct val="0"/>
             </a:spcBef>
             <a:spcAft>
-              <a:spcPct val="15000"/>
+              <a:spcPct val="35000"/>
             </a:spcAft>
-            <a:buChar char="•"/>
+            <a:buNone/>
           </a:pPr>
           <a:r>
             <a:rPr lang="ja-JP" sz="1700" kern="1200"/>
-            <a:t>過去の教訓を学ぶための資料</a:t>
+            <a:t>地域の歴史の一部としての保存</a:t>
           </a:r>
-          <a:endParaRPr lang="en-US" sz="1700" kern="1200"/>
+          <a:endParaRPr lang="en-US" sz="1700" kern="1200" dirty="0"/>
         </a:p>
       </dsp:txBody>
       <dsp:txXfrm>
-        <a:off x="0" y="3361138"/>
-        <a:ext cx="10927829" cy="816637"/>
+        <a:off x="4780259" y="1532537"/>
+        <a:ext cx="1846468" cy="1127729"/>
       </dsp:txXfrm>
     </dsp:sp>
-    <dsp:sp modelId="{07E376AF-511D-5D43-8993-CCE9D1CD46BB}">
+    <dsp:sp modelId="{474D952C-3046-6C41-82A3-08FDEE197C80}">
       <dsp:nvSpPr>
         <dsp:cNvPr id="0" name=""/>
         <dsp:cNvSpPr/>
       </dsp:nvSpPr>
       <dsp:spPr>
         <a:xfrm>
-          <a:off x="546391" y="3110218"/>
-          <a:ext cx="7649480" cy="501840"/>
+          <a:off x="7260763" y="78"/>
+          <a:ext cx="2395798" cy="1197899"/>
         </a:xfrm>
         <a:prstGeom prst="roundRect">
-          <a:avLst/>
+          <a:avLst>
+            <a:gd name="adj" fmla="val 10000"/>
+          </a:avLst>
         </a:prstGeom>
         <a:solidFill>
           <a:schemeClr val="accent2">
@@ -8678,12 +10132,12 @@
         </a:fontRef>
       </dsp:style>
       <dsp:txBody>
-        <a:bodyPr spcFirstLastPara="0" vert="horz" wrap="square" lIns="289132" tIns="0" rIns="289132" bIns="0" numCol="1" spcCol="1270" anchor="ctr" anchorCtr="0">
+        <a:bodyPr spcFirstLastPara="0" vert="horz" wrap="square" lIns="32385" tIns="21590" rIns="32385" bIns="21590" numCol="1" spcCol="1270" anchor="ctr" anchorCtr="0">
           <a:noAutofit/>
         </a:bodyPr>
         <a:lstStyle/>
         <a:p>
-          <a:pPr marL="0" lvl="0" indent="0" algn="l" defTabSz="755650">
+          <a:pPr marL="0" lvl="0" indent="0" algn="ctr" defTabSz="755650">
             <a:lnSpc>
               <a:spcPct val="90000"/>
             </a:lnSpc>
@@ -8696,45 +10150,96 @@
             <a:buNone/>
           </a:pPr>
           <a:r>
+            <a:rPr lang="en-US" sz="1700" kern="1200" dirty="0"/>
+            <a:t>Re: Earth</a:t>
+          </a:r>
+          <a:r>
             <a:rPr lang="ja-JP" sz="1700" kern="1200"/>
-            <a:t>将来の災害対策への貢献</a:t>
+            <a:t>を活用した持続可能な情報発信</a:t>
           </a:r>
-          <a:endParaRPr lang="en-US" sz="1700" kern="1200"/>
+          <a:endParaRPr lang="en-US" sz="1700" kern="1200" dirty="0"/>
         </a:p>
       </dsp:txBody>
       <dsp:txXfrm>
-        <a:off x="570889" y="3134716"/>
-        <a:ext cx="7600484" cy="452844"/>
+        <a:off x="7295848" y="35163"/>
+        <a:ext cx="2325628" cy="1127729"/>
       </dsp:txXfrm>
     </dsp:sp>
-  </dsp:spTree>
-</dsp:drawing>
-</file>
-
-<file path=ppt/diagrams/drawing5.xml><?xml version="1.0" encoding="utf-8"?>
-<dsp:drawing xmlns:dgm="http://schemas.openxmlformats.org/drawingml/2006/diagram" xmlns:dsp="http://schemas.microsoft.com/office/drawing/2008/diagram" xmlns:a="http://schemas.openxmlformats.org/drawingml/2006/main">
-  <dsp:spTree>
-    <dsp:nvGrpSpPr>
-      <dsp:cNvPr id="0" name=""/>
-      <dsp:cNvGrpSpPr/>
-    </dsp:nvGrpSpPr>
-    <dsp:grpSpPr/>
-    <dsp:sp modelId="{79A1CC0B-E312-4848-9533-876CD3C4871B}">
+    <dsp:sp modelId="{911EB399-EAE7-C445-BA92-552BEA39D657}">
       <dsp:nvSpPr>
         <dsp:cNvPr id="0" name=""/>
         <dsp:cNvSpPr/>
       </dsp:nvSpPr>
       <dsp:spPr>
-        <a:xfrm rot="5400000">
-          <a:off x="6890444" y="-2819259"/>
-          <a:ext cx="1080957" cy="6993810"/>
+        <a:xfrm>
+          <a:off x="7500343" y="1197978"/>
+          <a:ext cx="239579" cy="898424"/>
         </a:xfrm>
-        <a:prstGeom prst="round2SameRect">
+        <a:custGeom>
           <a:avLst/>
+          <a:gdLst/>
+          <a:ahLst/>
+          <a:cxnLst/>
+          <a:rect l="0" t="0" r="0" b="0"/>
+          <a:pathLst>
+            <a:path>
+              <a:moveTo>
+                <a:pt x="0" y="0"/>
+              </a:moveTo>
+              <a:lnTo>
+                <a:pt x="0" y="898424"/>
+              </a:lnTo>
+              <a:lnTo>
+                <a:pt x="239579" y="898424"/>
+              </a:lnTo>
+            </a:path>
+          </a:pathLst>
+        </a:custGeom>
+        <a:noFill/>
+        <a:ln w="19050" cap="flat" cmpd="sng" algn="ctr">
+          <a:solidFill>
+            <a:schemeClr val="accent3">
+              <a:hueOff val="0"/>
+              <a:satOff val="0"/>
+              <a:lumOff val="0"/>
+              <a:alphaOff val="0"/>
+            </a:schemeClr>
+          </a:solidFill>
+          <a:prstDash val="solid"/>
+          <a:miter lim="800000"/>
+        </a:ln>
+        <a:effectLst/>
+      </dsp:spPr>
+      <dsp:style>
+        <a:lnRef idx="2">
+          <a:scrgbClr r="0" g="0" b="0"/>
+        </a:lnRef>
+        <a:fillRef idx="0">
+          <a:scrgbClr r="0" g="0" b="0"/>
+        </a:fillRef>
+        <a:effectRef idx="0">
+          <a:scrgbClr r="0" g="0" b="0"/>
+        </a:effectRef>
+        <a:fontRef idx="minor"/>
+      </dsp:style>
+    </dsp:sp>
+    <dsp:sp modelId="{5320BDB4-391B-2D4A-960D-A70D111FEAAF}">
+      <dsp:nvSpPr>
+        <dsp:cNvPr id="0" name=""/>
+        <dsp:cNvSpPr/>
+      </dsp:nvSpPr>
+      <dsp:spPr>
+        <a:xfrm>
+          <a:off x="7739923" y="1497452"/>
+          <a:ext cx="1916638" cy="1197899"/>
+        </a:xfrm>
+        <a:prstGeom prst="roundRect">
+          <a:avLst>
+            <a:gd name="adj" fmla="val 10000"/>
+          </a:avLst>
         </a:prstGeom>
         <a:solidFill>
-          <a:schemeClr val="accent2">
-            <a:tint val="40000"/>
+          <a:schemeClr val="lt1">
             <a:alpha val="90000"/>
             <a:hueOff val="0"/>
             <a:satOff val="0"/>
@@ -8745,11 +10250,9 @@
         <a:ln w="19050" cap="flat" cmpd="sng" algn="ctr">
           <a:solidFill>
             <a:schemeClr val="accent2">
-              <a:tint val="40000"/>
-              <a:alpha val="90000"/>
-              <a:hueOff val="0"/>
-              <a:satOff val="0"/>
-              <a:lumOff val="0"/>
+              <a:hueOff val="6443612"/>
+              <a:satOff val="-18493"/>
+              <a:lumOff val="-29609"/>
               <a:alphaOff val="0"/>
             </a:schemeClr>
           </a:solidFill>
@@ -8771,110 +10274,12 @@
         <a:fontRef idx="minor"/>
       </dsp:style>
       <dsp:txBody>
-        <a:bodyPr spcFirstLastPara="0" vert="horz" wrap="square" lIns="80010" tIns="40005" rIns="80010" bIns="40005" numCol="1" spcCol="1270" anchor="ctr" anchorCtr="0">
+        <a:bodyPr spcFirstLastPara="0" vert="horz" wrap="square" lIns="32385" tIns="21590" rIns="32385" bIns="21590" numCol="1" spcCol="1270" anchor="ctr" anchorCtr="0">
           <a:noAutofit/>
         </a:bodyPr>
         <a:lstStyle/>
         <a:p>
-          <a:pPr marL="228600" lvl="1" indent="-228600" algn="l" defTabSz="933450">
-            <a:lnSpc>
-              <a:spcPct val="90000"/>
-            </a:lnSpc>
-            <a:spcBef>
-              <a:spcPct val="0"/>
-            </a:spcBef>
-            <a:spcAft>
-              <a:spcPct val="15000"/>
-            </a:spcAft>
-            <a:buChar char="•"/>
-          </a:pPr>
-          <a:r>
-            <a:rPr lang="ja-JP" sz="2100" kern="1200"/>
-            <a:t>災害の経験を風化させない</a:t>
-          </a:r>
-          <a:endParaRPr lang="en-US" sz="2100" kern="1200"/>
-        </a:p>
-        <a:p>
-          <a:pPr marL="228600" lvl="1" indent="-228600" algn="l" defTabSz="933450">
-            <a:lnSpc>
-              <a:spcPct val="90000"/>
-            </a:lnSpc>
-            <a:spcBef>
-              <a:spcPct val="0"/>
-            </a:spcBef>
-            <a:spcAft>
-              <a:spcPct val="15000"/>
-            </a:spcAft>
-            <a:buChar char="•"/>
-          </a:pPr>
-          <a:r>
-            <a:rPr lang="ja-JP" sz="2100" kern="1200"/>
-            <a:t>次世代への教訓としての価値</a:t>
-          </a:r>
-          <a:endParaRPr lang="en-US" sz="2100" kern="1200"/>
-        </a:p>
-      </dsp:txBody>
-      <dsp:txXfrm rot="-5400000">
-        <a:off x="3934018" y="189935"/>
-        <a:ext cx="6941042" cy="975421"/>
-      </dsp:txXfrm>
-    </dsp:sp>
-    <dsp:sp modelId="{BD6A6B36-CF04-494A-A121-439976E4CEC1}">
-      <dsp:nvSpPr>
-        <dsp:cNvPr id="0" name=""/>
-        <dsp:cNvSpPr/>
-      </dsp:nvSpPr>
-      <dsp:spPr>
-        <a:xfrm>
-          <a:off x="0" y="2047"/>
-          <a:ext cx="3934018" cy="1351196"/>
-        </a:xfrm>
-        <a:prstGeom prst="roundRect">
-          <a:avLst/>
-        </a:prstGeom>
-        <a:solidFill>
-          <a:schemeClr val="accent2">
-            <a:hueOff val="0"/>
-            <a:satOff val="0"/>
-            <a:lumOff val="0"/>
-            <a:alphaOff val="0"/>
-          </a:schemeClr>
-        </a:solidFill>
-        <a:ln w="19050" cap="flat" cmpd="sng" algn="ctr">
-          <a:solidFill>
-            <a:schemeClr val="lt1">
-              <a:hueOff val="0"/>
-              <a:satOff val="0"/>
-              <a:lumOff val="0"/>
-              <a:alphaOff val="0"/>
-            </a:schemeClr>
-          </a:solidFill>
-          <a:prstDash val="solid"/>
-          <a:miter lim="800000"/>
-        </a:ln>
-        <a:effectLst/>
-      </dsp:spPr>
-      <dsp:style>
-        <a:lnRef idx="2">
-          <a:scrgbClr r="0" g="0" b="0"/>
-        </a:lnRef>
-        <a:fillRef idx="1">
-          <a:scrgbClr r="0" g="0" b="0"/>
-        </a:fillRef>
-        <a:effectRef idx="0">
-          <a:scrgbClr r="0" g="0" b="0"/>
-        </a:effectRef>
-        <a:fontRef idx="minor">
-          <a:schemeClr val="lt1"/>
-        </a:fontRef>
-      </dsp:style>
-      <dsp:txBody>
-        <a:bodyPr spcFirstLastPara="0" vert="horz" wrap="square" lIns="106680" tIns="53340" rIns="106680" bIns="53340" numCol="1" spcCol="1270" anchor="ctr" anchorCtr="0">
-          <a:noAutofit/>
-        </a:bodyPr>
-        <a:lstStyle/>
-        <a:p>
-          <a:pPr marL="0" lvl="0" indent="0" algn="ctr" defTabSz="1244600">
+          <a:pPr marL="0" lvl="0" indent="0" algn="ctr" defTabSz="755650">
             <a:lnSpc>
               <a:spcPct val="90000"/>
             </a:lnSpc>
@@ -8887,339 +10292,15 @@
             <a:buNone/>
           </a:pPr>
           <a:r>
-            <a:rPr lang="ja-JP" sz="2800" kern="1200"/>
-            <a:t>記憶を次世代に伝える重要性</a:t>
+            <a:rPr lang="ja-JP" sz="1700" kern="1200"/>
+            <a:t>長期的な視点での情報保存と発信</a:t>
           </a:r>
-          <a:endParaRPr lang="en-US" sz="2800" kern="1200"/>
+          <a:endParaRPr lang="en-US" sz="1700" kern="1200" dirty="0"/>
         </a:p>
       </dsp:txBody>
       <dsp:txXfrm>
-        <a:off x="65960" y="68007"/>
-        <a:ext cx="3802098" cy="1219276"/>
-      </dsp:txXfrm>
-    </dsp:sp>
-    <dsp:sp modelId="{8AA4BBD4-A426-8045-B935-B1EB4C9C627C}">
-      <dsp:nvSpPr>
-        <dsp:cNvPr id="0" name=""/>
-        <dsp:cNvSpPr/>
-      </dsp:nvSpPr>
-      <dsp:spPr>
-        <a:xfrm rot="5400000">
-          <a:off x="6890444" y="-1400502"/>
-          <a:ext cx="1080957" cy="6993810"/>
-        </a:xfrm>
-        <a:prstGeom prst="round2SameRect">
-          <a:avLst/>
-        </a:prstGeom>
-        <a:solidFill>
-          <a:schemeClr val="accent2">
-            <a:tint val="40000"/>
-            <a:alpha val="90000"/>
-            <a:hueOff val="3367362"/>
-            <a:satOff val="-31116"/>
-            <a:lumOff val="-3508"/>
-            <a:alphaOff val="0"/>
-          </a:schemeClr>
-        </a:solidFill>
-        <a:ln w="19050" cap="flat" cmpd="sng" algn="ctr">
-          <a:solidFill>
-            <a:schemeClr val="accent2">
-              <a:tint val="40000"/>
-              <a:alpha val="90000"/>
-              <a:hueOff val="3367362"/>
-              <a:satOff val="-31116"/>
-              <a:lumOff val="-3508"/>
-              <a:alphaOff val="0"/>
-            </a:schemeClr>
-          </a:solidFill>
-          <a:prstDash val="solid"/>
-          <a:miter lim="800000"/>
-        </a:ln>
-        <a:effectLst/>
-      </dsp:spPr>
-      <dsp:style>
-        <a:lnRef idx="2">
-          <a:scrgbClr r="0" g="0" b="0"/>
-        </a:lnRef>
-        <a:fillRef idx="1">
-          <a:scrgbClr r="0" g="0" b="0"/>
-        </a:fillRef>
-        <a:effectRef idx="0">
-          <a:scrgbClr r="0" g="0" b="0"/>
-        </a:effectRef>
-        <a:fontRef idx="minor"/>
-      </dsp:style>
-      <dsp:txBody>
-        <a:bodyPr spcFirstLastPara="0" vert="horz" wrap="square" lIns="80010" tIns="40005" rIns="80010" bIns="40005" numCol="1" spcCol="1270" anchor="ctr" anchorCtr="0">
-          <a:noAutofit/>
-        </a:bodyPr>
-        <a:lstStyle/>
-        <a:p>
-          <a:pPr marL="228600" lvl="1" indent="-228600" algn="l" defTabSz="933450">
-            <a:lnSpc>
-              <a:spcPct val="90000"/>
-            </a:lnSpc>
-            <a:spcBef>
-              <a:spcPct val="0"/>
-            </a:spcBef>
-            <a:spcAft>
-              <a:spcPct val="15000"/>
-            </a:spcAft>
-            <a:buChar char="•"/>
-          </a:pPr>
-          <a:r>
-            <a:rPr lang="ja-JP" sz="2100" kern="1200"/>
-            <a:t>地域の歴史の一部としての保存</a:t>
-          </a:r>
-          <a:endParaRPr lang="en-US" sz="2100" kern="1200"/>
-        </a:p>
-      </dsp:txBody>
-      <dsp:txXfrm rot="-5400000">
-        <a:off x="3934018" y="1608692"/>
-        <a:ext cx="6941042" cy="975421"/>
-      </dsp:txXfrm>
-    </dsp:sp>
-    <dsp:sp modelId="{1E270CAD-423D-2D4F-9764-51C12CA14905}">
-      <dsp:nvSpPr>
-        <dsp:cNvPr id="0" name=""/>
-        <dsp:cNvSpPr/>
-      </dsp:nvSpPr>
-      <dsp:spPr>
-        <a:xfrm>
-          <a:off x="0" y="1420804"/>
-          <a:ext cx="3934018" cy="1351196"/>
-        </a:xfrm>
-        <a:prstGeom prst="roundRect">
-          <a:avLst/>
-        </a:prstGeom>
-        <a:solidFill>
-          <a:schemeClr val="accent2">
-            <a:hueOff val="3221806"/>
-            <a:satOff val="-9246"/>
-            <a:lumOff val="-14805"/>
-            <a:alphaOff val="0"/>
-          </a:schemeClr>
-        </a:solidFill>
-        <a:ln w="19050" cap="flat" cmpd="sng" algn="ctr">
-          <a:solidFill>
-            <a:schemeClr val="lt1">
-              <a:hueOff val="0"/>
-              <a:satOff val="0"/>
-              <a:lumOff val="0"/>
-              <a:alphaOff val="0"/>
-            </a:schemeClr>
-          </a:solidFill>
-          <a:prstDash val="solid"/>
-          <a:miter lim="800000"/>
-        </a:ln>
-        <a:effectLst/>
-      </dsp:spPr>
-      <dsp:style>
-        <a:lnRef idx="2">
-          <a:scrgbClr r="0" g="0" b="0"/>
-        </a:lnRef>
-        <a:fillRef idx="1">
-          <a:scrgbClr r="0" g="0" b="0"/>
-        </a:fillRef>
-        <a:effectRef idx="0">
-          <a:scrgbClr r="0" g="0" b="0"/>
-        </a:effectRef>
-        <a:fontRef idx="minor">
-          <a:schemeClr val="lt1"/>
-        </a:fontRef>
-      </dsp:style>
-      <dsp:txBody>
-        <a:bodyPr spcFirstLastPara="0" vert="horz" wrap="square" lIns="106680" tIns="53340" rIns="106680" bIns="53340" numCol="1" spcCol="1270" anchor="ctr" anchorCtr="0">
-          <a:noAutofit/>
-        </a:bodyPr>
-        <a:lstStyle/>
-        <a:p>
-          <a:pPr marL="0" lvl="0" indent="0" algn="ctr" defTabSz="1244600">
-            <a:lnSpc>
-              <a:spcPct val="90000"/>
-            </a:lnSpc>
-            <a:spcBef>
-              <a:spcPct val="0"/>
-            </a:spcBef>
-            <a:spcAft>
-              <a:spcPct val="35000"/>
-            </a:spcAft>
-            <a:buNone/>
-          </a:pPr>
-          <a:r>
-            <a:rPr lang="ja-JP" sz="2800" kern="1200"/>
-            <a:t>双葉郡の歴史と復興をデジタル化して保存</a:t>
-          </a:r>
-          <a:endParaRPr lang="en-US" sz="2800" kern="1200"/>
-        </a:p>
-      </dsp:txBody>
-      <dsp:txXfrm>
-        <a:off x="65960" y="1486764"/>
-        <a:ext cx="3802098" cy="1219276"/>
-      </dsp:txXfrm>
-    </dsp:sp>
-    <dsp:sp modelId="{DE5B031E-51E1-F04A-B698-79E4394A937E}">
-      <dsp:nvSpPr>
-        <dsp:cNvPr id="0" name=""/>
-        <dsp:cNvSpPr/>
-      </dsp:nvSpPr>
-      <dsp:spPr>
-        <a:xfrm rot="5400000">
-          <a:off x="6890444" y="18253"/>
-          <a:ext cx="1080957" cy="6993810"/>
-        </a:xfrm>
-        <a:prstGeom prst="round2SameRect">
-          <a:avLst/>
-        </a:prstGeom>
-        <a:solidFill>
-          <a:schemeClr val="accent2">
-            <a:tint val="40000"/>
-            <a:alpha val="90000"/>
-            <a:hueOff val="6734724"/>
-            <a:satOff val="-62232"/>
-            <a:lumOff val="-7015"/>
-            <a:alphaOff val="0"/>
-          </a:schemeClr>
-        </a:solidFill>
-        <a:ln w="19050" cap="flat" cmpd="sng" algn="ctr">
-          <a:solidFill>
-            <a:schemeClr val="accent2">
-              <a:tint val="40000"/>
-              <a:alpha val="90000"/>
-              <a:hueOff val="6734724"/>
-              <a:satOff val="-62232"/>
-              <a:lumOff val="-7015"/>
-              <a:alphaOff val="0"/>
-            </a:schemeClr>
-          </a:solidFill>
-          <a:prstDash val="solid"/>
-          <a:miter lim="800000"/>
-        </a:ln>
-        <a:effectLst/>
-      </dsp:spPr>
-      <dsp:style>
-        <a:lnRef idx="2">
-          <a:scrgbClr r="0" g="0" b="0"/>
-        </a:lnRef>
-        <a:fillRef idx="1">
-          <a:scrgbClr r="0" g="0" b="0"/>
-        </a:fillRef>
-        <a:effectRef idx="0">
-          <a:scrgbClr r="0" g="0" b="0"/>
-        </a:effectRef>
-        <a:fontRef idx="minor"/>
-      </dsp:style>
-      <dsp:txBody>
-        <a:bodyPr spcFirstLastPara="0" vert="horz" wrap="square" lIns="80010" tIns="40005" rIns="80010" bIns="40005" numCol="1" spcCol="1270" anchor="ctr" anchorCtr="0">
-          <a:noAutofit/>
-        </a:bodyPr>
-        <a:lstStyle/>
-        <a:p>
-          <a:pPr marL="228600" lvl="1" indent="-228600" algn="l" defTabSz="933450">
-            <a:lnSpc>
-              <a:spcPct val="90000"/>
-            </a:lnSpc>
-            <a:spcBef>
-              <a:spcPct val="0"/>
-            </a:spcBef>
-            <a:spcAft>
-              <a:spcPct val="15000"/>
-            </a:spcAft>
-            <a:buChar char="•"/>
-          </a:pPr>
-          <a:r>
-            <a:rPr lang="ja-JP" sz="2100" kern="1200"/>
-            <a:t>長期的な視点での情報保存と発信</a:t>
-          </a:r>
-          <a:endParaRPr lang="en-US" sz="2100" kern="1200"/>
-        </a:p>
-      </dsp:txBody>
-      <dsp:txXfrm rot="-5400000">
-        <a:off x="3934018" y="3027447"/>
-        <a:ext cx="6941042" cy="975421"/>
-      </dsp:txXfrm>
-    </dsp:sp>
-    <dsp:sp modelId="{FA77F8E1-E7E6-E540-BBA9-4F9BCA2851F9}">
-      <dsp:nvSpPr>
-        <dsp:cNvPr id="0" name=""/>
-        <dsp:cNvSpPr/>
-      </dsp:nvSpPr>
-      <dsp:spPr>
-        <a:xfrm>
-          <a:off x="0" y="2839560"/>
-          <a:ext cx="3934018" cy="1351196"/>
-        </a:xfrm>
-        <a:prstGeom prst="roundRect">
-          <a:avLst/>
-        </a:prstGeom>
-        <a:solidFill>
-          <a:schemeClr val="accent2">
-            <a:hueOff val="6443612"/>
-            <a:satOff val="-18493"/>
-            <a:lumOff val="-29609"/>
-            <a:alphaOff val="0"/>
-          </a:schemeClr>
-        </a:solidFill>
-        <a:ln w="19050" cap="flat" cmpd="sng" algn="ctr">
-          <a:solidFill>
-            <a:schemeClr val="lt1">
-              <a:hueOff val="0"/>
-              <a:satOff val="0"/>
-              <a:lumOff val="0"/>
-              <a:alphaOff val="0"/>
-            </a:schemeClr>
-          </a:solidFill>
-          <a:prstDash val="solid"/>
-          <a:miter lim="800000"/>
-        </a:ln>
-        <a:effectLst/>
-      </dsp:spPr>
-      <dsp:style>
-        <a:lnRef idx="2">
-          <a:scrgbClr r="0" g="0" b="0"/>
-        </a:lnRef>
-        <a:fillRef idx="1">
-          <a:scrgbClr r="0" g="0" b="0"/>
-        </a:fillRef>
-        <a:effectRef idx="0">
-          <a:scrgbClr r="0" g="0" b="0"/>
-        </a:effectRef>
-        <a:fontRef idx="minor">
-          <a:schemeClr val="lt1"/>
-        </a:fontRef>
-      </dsp:style>
-      <dsp:txBody>
-        <a:bodyPr spcFirstLastPara="0" vert="horz" wrap="square" lIns="106680" tIns="53340" rIns="106680" bIns="53340" numCol="1" spcCol="1270" anchor="ctr" anchorCtr="0">
-          <a:noAutofit/>
-        </a:bodyPr>
-        <a:lstStyle/>
-        <a:p>
-          <a:pPr marL="0" lvl="0" indent="0" algn="ctr" defTabSz="1244600">
-            <a:lnSpc>
-              <a:spcPct val="90000"/>
-            </a:lnSpc>
-            <a:spcBef>
-              <a:spcPct val="0"/>
-            </a:spcBef>
-            <a:spcAft>
-              <a:spcPct val="35000"/>
-            </a:spcAft>
-            <a:buNone/>
-          </a:pPr>
-          <a:r>
-            <a:rPr lang="en-US" sz="2800" kern="1200"/>
-            <a:t>Re: Earth</a:t>
-          </a:r>
-          <a:r>
-            <a:rPr lang="ja-JP" sz="2800" kern="1200"/>
-            <a:t>を活用した持続可能な情報発信</a:t>
-          </a:r>
-          <a:endParaRPr lang="en-US" sz="2800" kern="1200"/>
-        </a:p>
-      </dsp:txBody>
-      <dsp:txXfrm>
-        <a:off x="65960" y="2905520"/>
-        <a:ext cx="3802098" cy="1219276"/>
+        <a:off x="7775008" y="1532537"/>
+        <a:ext cx="1846468" cy="1127729"/>
       </dsp:txXfrm>
     </dsp:sp>
   </dsp:spTree>
@@ -9886,237 +10967,11 @@
 </file>
 
 <file path=ppt/diagrams/layout4.xml><?xml version="1.0" encoding="utf-8"?>
-<dgm:layoutDef xmlns:dgm="http://schemas.openxmlformats.org/drawingml/2006/diagram" xmlns:a="http://schemas.openxmlformats.org/drawingml/2006/main" uniqueId="urn:microsoft.com/office/officeart/2005/8/layout/list1">
-  <dgm:title val=""/>
-  <dgm:desc val=""/>
+<dgm:layoutDef xmlns:dgm="http://schemas.openxmlformats.org/drawingml/2006/diagram" xmlns:a="http://schemas.openxmlformats.org/drawingml/2006/main" uniqueId="urn:microsoft.com/office/officeart/2016/7/layout/LinearBlockProcessNumbered">
+  <dgm:title val="Linear Block Process Numbered"/>
+  <dgm:desc val="Used to show a progression; a timeline; sequential steps in a task, process, or workflow; or to emphasize movement or direction. Automatic numbers have been introduced to show the steps of the process. Level 1 text and Level 2 text both appears in a rectangle."/>
   <dgm:catLst>
-    <dgm:cat type="list" pri="4000"/>
-  </dgm:catLst>
-  <dgm:sampData>
-    <dgm:dataModel>
-      <dgm:ptLst>
-        <dgm:pt modelId="0" type="doc"/>
-        <dgm:pt modelId="1">
-          <dgm:prSet phldr="1"/>
-        </dgm:pt>
-        <dgm:pt modelId="2">
-          <dgm:prSet phldr="1"/>
-        </dgm:pt>
-        <dgm:pt modelId="3">
-          <dgm:prSet phldr="1"/>
-        </dgm:pt>
-      </dgm:ptLst>
-      <dgm:cxnLst>
-        <dgm:cxn modelId="4" srcId="0" destId="1" srcOrd="0" destOrd="0"/>
-        <dgm:cxn modelId="5" srcId="0" destId="2" srcOrd="1" destOrd="0"/>
-        <dgm:cxn modelId="6" srcId="0" destId="3" srcOrd="2" destOrd="0"/>
-      </dgm:cxnLst>
-      <dgm:bg/>
-      <dgm:whole/>
-    </dgm:dataModel>
-  </dgm:sampData>
-  <dgm:styleData>
-    <dgm:dataModel>
-      <dgm:ptLst>
-        <dgm:pt modelId="0" type="doc"/>
-        <dgm:pt modelId="1"/>
-        <dgm:pt modelId="2"/>
-      </dgm:ptLst>
-      <dgm:cxnLst>
-        <dgm:cxn modelId="4" srcId="0" destId="1" srcOrd="0" destOrd="0"/>
-        <dgm:cxn modelId="5" srcId="0" destId="2" srcOrd="1" destOrd="0"/>
-      </dgm:cxnLst>
-      <dgm:bg/>
-      <dgm:whole/>
-    </dgm:dataModel>
-  </dgm:styleData>
-  <dgm:clrData>
-    <dgm:dataModel>
-      <dgm:ptLst>
-        <dgm:pt modelId="0" type="doc"/>
-        <dgm:pt modelId="1"/>
-        <dgm:pt modelId="2"/>
-        <dgm:pt modelId="3"/>
-        <dgm:pt modelId="4"/>
-      </dgm:ptLst>
-      <dgm:cxnLst>
-        <dgm:cxn modelId="5" srcId="0" destId="1" srcOrd="0" destOrd="0"/>
-        <dgm:cxn modelId="6" srcId="0" destId="2" srcOrd="1" destOrd="0"/>
-        <dgm:cxn modelId="7" srcId="0" destId="3" srcOrd="2" destOrd="0"/>
-        <dgm:cxn modelId="8" srcId="0" destId="4" srcOrd="3" destOrd="0"/>
-      </dgm:cxnLst>
-      <dgm:bg/>
-      <dgm:whole/>
-    </dgm:dataModel>
-  </dgm:clrData>
-  <dgm:layoutNode name="linear">
-    <dgm:varLst>
-      <dgm:dir/>
-      <dgm:animLvl val="lvl"/>
-      <dgm:resizeHandles val="exact"/>
-    </dgm:varLst>
-    <dgm:choose name="Name0">
-      <dgm:if name="Name1" func="var" arg="dir" op="equ" val="norm">
-        <dgm:alg type="lin">
-          <dgm:param type="linDir" val="fromT"/>
-          <dgm:param type="vertAlign" val="mid"/>
-          <dgm:param type="horzAlign" val="l"/>
-          <dgm:param type="nodeHorzAlign" val="l"/>
-        </dgm:alg>
-      </dgm:if>
-      <dgm:else name="Name2">
-        <dgm:alg type="lin">
-          <dgm:param type="linDir" val="fromT"/>
-          <dgm:param type="vertAlign" val="mid"/>
-          <dgm:param type="horzAlign" val="r"/>
-          <dgm:param type="nodeHorzAlign" val="r"/>
-        </dgm:alg>
-      </dgm:else>
-    </dgm:choose>
-    <dgm:shape xmlns:r="http://schemas.openxmlformats.org/officeDocument/2006/relationships" r:blip="">
-      <dgm:adjLst/>
-    </dgm:shape>
-    <dgm:presOf/>
-    <dgm:constrLst>
-      <dgm:constr type="w" for="ch" forName="parentLin" refType="w"/>
-      <dgm:constr type="h" for="ch" forName="parentLin" val="INF"/>
-      <dgm:constr type="w" for="des" forName="parentLeftMargin" refType="w" fact="0.05"/>
-      <dgm:constr type="w" for="des" forName="parentText" refType="w" fact="0.7"/>
-      <dgm:constr type="h" for="des" forName="parentText" refType="primFontSz" refFor="des" refForName="parentText" fact="0.82"/>
-      <dgm:constr type="h" for="ch" forName="negativeSpace" refType="primFontSz" refFor="des" refForName="parentText" fact="-0.41"/>
-      <dgm:constr type="h" for="ch" forName="negativeSpace" refType="h" refFor="des" refForName="parentText" op="lte" fact="-0.82"/>
-      <dgm:constr type="h" for="ch" forName="negativeSpace" refType="h" refFor="des" refForName="parentText" op="gte" fact="-0.82"/>
-      <dgm:constr type="w" for="ch" forName="childText" refType="w"/>
-      <dgm:constr type="h" for="ch" forName="childText" refType="primFontSz" refFor="des" refForName="parentText" fact="0.7"/>
-      <dgm:constr type="primFontSz" for="des" forName="parentText" val="65"/>
-      <dgm:constr type="primFontSz" for="ch" forName="childText" refType="primFontSz" refFor="des" refForName="parentText"/>
-      <dgm:constr type="tMarg" for="ch" forName="childText" refType="primFontSz" refFor="des" refForName="parentText" fact="1.64"/>
-      <dgm:constr type="tMarg" for="ch" forName="childText" refType="h" refFor="des" refForName="parentText" op="lte" fact="3.28"/>
-      <dgm:constr type="tMarg" for="ch" forName="childText" refType="h" refFor="des" refForName="parentText" op="gte" fact="3.28"/>
-      <dgm:constr type="lMarg" for="ch" forName="childText" refType="w" fact="0.22"/>
-      <dgm:constr type="rMarg" for="ch" forName="childText" refType="lMarg" refFor="ch" refForName="childText"/>
-      <dgm:constr type="lMarg" for="des" forName="parentText" refType="w" fact="0.075"/>
-      <dgm:constr type="rMarg" for="des" forName="parentText" refType="lMarg" refFor="des" refForName="parentText"/>
-      <dgm:constr type="h" for="ch" forName="spaceBetweenRectangles" refType="primFontSz" refFor="des" refForName="parentText" fact="0.15"/>
-    </dgm:constrLst>
-    <dgm:ruleLst>
-      <dgm:rule type="primFontSz" for="des" forName="parentText" val="5" fact="NaN" max="NaN"/>
-    </dgm:ruleLst>
-    <dgm:forEach name="Name3" axis="ch" ptType="node">
-      <dgm:layoutNode name="parentLin">
-        <dgm:choose name="Name4">
-          <dgm:if name="Name5" func="var" arg="dir" op="equ" val="norm">
-            <dgm:alg type="lin">
-              <dgm:param type="linDir" val="fromL"/>
-              <dgm:param type="horzAlign" val="l"/>
-              <dgm:param type="nodeHorzAlign" val="l"/>
-            </dgm:alg>
-          </dgm:if>
-          <dgm:else name="Name6">
-            <dgm:alg type="lin">
-              <dgm:param type="linDir" val="fromR"/>
-              <dgm:param type="horzAlign" val="r"/>
-              <dgm:param type="nodeHorzAlign" val="r"/>
-            </dgm:alg>
-          </dgm:else>
-        </dgm:choose>
-        <dgm:shape xmlns:r="http://schemas.openxmlformats.org/officeDocument/2006/relationships" r:blip="">
-          <dgm:adjLst/>
-        </dgm:shape>
-        <dgm:presOf/>
-        <dgm:constrLst/>
-        <dgm:ruleLst/>
-        <dgm:layoutNode name="parentLeftMargin">
-          <dgm:alg type="sp"/>
-          <dgm:shape xmlns:r="http://schemas.openxmlformats.org/officeDocument/2006/relationships" type="rect" r:blip="" hideGeom="1">
-            <dgm:adjLst/>
-          </dgm:shape>
-          <dgm:presOf axis="self"/>
-          <dgm:constrLst>
-            <dgm:constr type="h"/>
-          </dgm:constrLst>
-          <dgm:ruleLst/>
-        </dgm:layoutNode>
-        <dgm:layoutNode name="parentText" styleLbl="node1">
-          <dgm:varLst>
-            <dgm:chMax val="0"/>
-            <dgm:bulletEnabled val="1"/>
-          </dgm:varLst>
-          <dgm:choose name="Name7">
-            <dgm:if name="Name8" func="var" arg="dir" op="equ" val="norm">
-              <dgm:alg type="tx">
-                <dgm:param type="parTxLTRAlign" val="l"/>
-                <dgm:param type="parTxRTLAlign" val="l"/>
-              </dgm:alg>
-            </dgm:if>
-            <dgm:else name="Name9">
-              <dgm:alg type="tx">
-                <dgm:param type="parTxLTRAlign" val="r"/>
-                <dgm:param type="parTxRTLAlign" val="r"/>
-              </dgm:alg>
-            </dgm:else>
-          </dgm:choose>
-          <dgm:shape xmlns:r="http://schemas.openxmlformats.org/officeDocument/2006/relationships" type="roundRect" r:blip="">
-            <dgm:adjLst/>
-          </dgm:shape>
-          <dgm:presOf axis="self" ptType="node"/>
-          <dgm:constrLst>
-            <dgm:constr type="tMarg"/>
-            <dgm:constr type="bMarg"/>
-          </dgm:constrLst>
-          <dgm:ruleLst/>
-        </dgm:layoutNode>
-      </dgm:layoutNode>
-      <dgm:layoutNode name="negativeSpace">
-        <dgm:alg type="sp"/>
-        <dgm:shape xmlns:r="http://schemas.openxmlformats.org/officeDocument/2006/relationships" r:blip="">
-          <dgm:adjLst/>
-        </dgm:shape>
-        <dgm:presOf/>
-        <dgm:constrLst/>
-        <dgm:ruleLst/>
-      </dgm:layoutNode>
-      <dgm:layoutNode name="childText" styleLbl="conFgAcc1">
-        <dgm:varLst>
-          <dgm:bulletEnabled val="1"/>
-        </dgm:varLst>
-        <dgm:alg type="tx">
-          <dgm:param type="stBulletLvl" val="1"/>
-        </dgm:alg>
-        <dgm:shape xmlns:r="http://schemas.openxmlformats.org/officeDocument/2006/relationships" type="rect" r:blip="" zOrderOff="-2">
-          <dgm:adjLst/>
-        </dgm:shape>
-        <dgm:presOf axis="des" ptType="node"/>
-        <dgm:constrLst>
-          <dgm:constr type="secFontSz" refType="primFontSz"/>
-        </dgm:constrLst>
-        <dgm:ruleLst>
-          <dgm:rule type="h" val="INF" fact="NaN" max="NaN"/>
-        </dgm:ruleLst>
-      </dgm:layoutNode>
-      <dgm:forEach name="Name10" axis="followSib" ptType="sibTrans" cnt="1">
-        <dgm:layoutNode name="spaceBetweenRectangles">
-          <dgm:alg type="sp"/>
-          <dgm:shape xmlns:r="http://schemas.openxmlformats.org/officeDocument/2006/relationships" r:blip="">
-            <dgm:adjLst/>
-          </dgm:shape>
-          <dgm:presOf/>
-          <dgm:constrLst/>
-          <dgm:ruleLst/>
-        </dgm:layoutNode>
-      </dgm:forEach>
-    </dgm:forEach>
-  </dgm:layoutNode>
-</dgm:layoutDef>
-</file>
-
-<file path=ppt/diagrams/layout5.xml><?xml version="1.0" encoding="utf-8"?>
-<dgm:layoutDef xmlns:dgm="http://schemas.openxmlformats.org/drawingml/2006/diagram" xmlns:a="http://schemas.openxmlformats.org/drawingml/2006/main" uniqueId="urn:microsoft.com/office/officeart/2005/8/layout/vList5">
-  <dgm:title val=""/>
-  <dgm:desc val=""/>
-  <dgm:catLst>
-    <dgm:cat type="list" pri="15000"/>
-    <dgm:cat type="convert" pri="2000"/>
+    <dgm:cat type="process" pri="500"/>
   </dgm:catLst>
   <dgm:sampData>
     <dgm:dataModel>
@@ -10128,16 +10983,10 @@
         <dgm:pt modelId="11">
           <dgm:prSet phldr="1"/>
         </dgm:pt>
-        <dgm:pt modelId="12">
-          <dgm:prSet phldr="1"/>
-        </dgm:pt>
         <dgm:pt modelId="2">
           <dgm:prSet phldr="1"/>
         </dgm:pt>
         <dgm:pt modelId="21">
-          <dgm:prSet phldr="1"/>
-        </dgm:pt>
-        <dgm:pt modelId="22">
           <dgm:prSet phldr="1"/>
         </dgm:pt>
         <dgm:pt modelId="3">
@@ -10146,20 +10995,50 @@
         <dgm:pt modelId="31">
           <dgm:prSet phldr="1"/>
         </dgm:pt>
-        <dgm:pt modelId="32">
-          <dgm:prSet phldr="1"/>
+        <dgm:pt modelId="101" type="sibTrans" cxnId="4">
+          <dgm:prSet phldrT="1"/>
+          <dgm:t>
+            <a:bodyPr/>
+            <a:lstStyle/>
+            <a:p>
+              <a:r>
+                <a:t>01</a:t>
+              </a:r>
+            </a:p>
+          </dgm:t>
+        </dgm:pt>
+        <dgm:pt modelId="201" type="sibTrans" cxnId="5">
+          <dgm:prSet phldrT="2"/>
+          <dgm:t>
+            <a:bodyPr/>
+            <a:lstStyle/>
+            <a:p>
+              <a:r>
+                <a:t>02</a:t>
+              </a:r>
+            </a:p>
+          </dgm:t>
+        </dgm:pt>
+        <dgm:pt modelId="301" type="sibTrans" cxnId="6">
+          <dgm:prSet phldrT="3"/>
+          <dgm:t>
+            <a:bodyPr/>
+            <a:lstStyle/>
+            <a:p>
+              <a:r>
+                <a:t>03</a:t>
+              </a:r>
+            </a:p>
+          </dgm:t>
         </dgm:pt>
       </dgm:ptLst>
       <dgm:cxnLst>
-        <dgm:cxn modelId="4" srcId="0" destId="1" srcOrd="0" destOrd="0"/>
-        <dgm:cxn modelId="5" srcId="0" destId="2" srcOrd="1" destOrd="0"/>
-        <dgm:cxn modelId="6" srcId="0" destId="3" srcOrd="2" destOrd="0"/>
+        <dgm:cxn modelId="4" srcId="0" destId="1" srcOrd="0" destOrd="0" sibTransId="101"/>
+        <dgm:cxn modelId="5" srcId="0" destId="2" srcOrd="1" destOrd="0" sibTransId="201"/>
+        <dgm:cxn modelId="6" srcId="0" destId="3" srcOrd="2" destOrd="0" sibTransId="301"/>
         <dgm:cxn modelId="13" srcId="1" destId="11" srcOrd="0" destOrd="0"/>
-        <dgm:cxn modelId="14" srcId="1" destId="12" srcOrd="1" destOrd="0"/>
         <dgm:cxn modelId="23" srcId="2" destId="21" srcOrd="0" destOrd="0"/>
-        <dgm:cxn modelId="24" srcId="2" destId="22" srcOrd="1" destOrd="0"/>
         <dgm:cxn modelId="33" srcId="3" destId="31" srcOrd="0" destOrd="0"/>
-        <dgm:cxn modelId="34" srcId="3" destId="32" srcOrd="1" destOrd="0"/>
       </dgm:cxnLst>
       <dgm:bg/>
       <dgm:whole/>
@@ -10213,21 +11092,254 @@
   </dgm:clrData>
   <dgm:layoutNode name="Name0">
     <dgm:varLst>
-      <dgm:dir/>
       <dgm:animLvl val="lvl"/>
       <dgm:resizeHandles val="exact"/>
     </dgm:varLst>
-    <dgm:choose name="Name1">
-      <dgm:if name="Name2" func="var" arg="dir" op="equ" val="norm">
-        <dgm:alg type="lin">
-          <dgm:param type="linDir" val="fromT"/>
-          <dgm:param type="nodeHorzAlign" val="l"/>
+    <dgm:alg type="lin">
+      <dgm:param type="linDir" val="fromL"/>
+      <dgm:param type="nodeVertAlign" val="t"/>
+    </dgm:alg>
+    <dgm:shape xmlns:r="http://schemas.openxmlformats.org/officeDocument/2006/relationships" r:blip="">
+      <dgm:adjLst/>
+    </dgm:shape>
+    <dgm:presOf/>
+    <dgm:constrLst>
+      <dgm:constr type="h" for="ch" forName="compositeNode" refType="h"/>
+      <dgm:constr type="w" for="ch" forName="compositeNode" refType="w"/>
+      <dgm:constr type="w" for="des" forName="simulatedConn" refType="w" refFor="ch" refForName="compositeNode" fact="0.15"/>
+      <dgm:constr type="h" for="des" forName="simulatedConn" refType="w" refFor="des" refForName="simulatedConn"/>
+      <dgm:constr type="h" for="des" forName="vSp1" refType="w" refFor="ch" refForName="compositeNode" fact="0.8"/>
+      <dgm:constr type="h" for="des" forName="vSp2" refType="w" refFor="ch" refForName="compositeNode" fact="0.07"/>
+      <dgm:constr type="w" for="ch" forName="vProcSp" refType="w" refFor="des" refForName="simulatedConn" op="equ"/>
+      <dgm:constr type="h" for="ch" forName="vProcSp" refType="h" refFor="ch" refForName="compositeNode" op="equ"/>
+      <dgm:constr type="w" for="ch" forName="sibTrans" refType="w" refFor="ch" refForName="compositeNode" fact="0.08"/>
+      <dgm:constr type="primFontSz" for="des" forName="sibTransNodeRect" op="equ"/>
+      <dgm:constr type="primFontSz" for="des" forName="nodeRect" op="equ"/>
+    </dgm:constrLst>
+    <dgm:ruleLst/>
+    <dgm:forEach name="Name4" axis="ch" ptType="node">
+      <dgm:layoutNode name="compositeNode">
+        <dgm:varLst>
+          <dgm:bulletEnabled val="1"/>
+        </dgm:varLst>
+        <dgm:alg type="composite"/>
+        <dgm:constrLst>
+          <dgm:constr type="h" refType="w" op="lte" fact="1.2"/>
+          <dgm:constr type="w" for="ch" forName="bgRect" refType="w"/>
+          <dgm:constr type="h" for="ch" forName="bgRect" refType="h"/>
+          <dgm:constr type="t" for="ch" forName="bgRect"/>
+          <dgm:constr type="l" for="ch" forName="bgRect"/>
+          <dgm:constr type="w" for="ch" forName="sibTransNodeRect" refType="w" refFor="ch" refForName="bgRect"/>
+          <dgm:constr type="h" for="ch" forName="sibTransNodeRect" refType="h" refFor="ch" refForName="bgRect" fact="0.4"/>
+          <dgm:constr type="t" for="ch" forName="sibTransNodeRect"/>
+          <dgm:constr type="l" for="ch" forName="sibTransNodeRect"/>
+          <dgm:constr type="r" for="ch" forName="nodeRect" refType="r" refFor="ch" refForName="bgRect"/>
+          <dgm:constr type="h" for="ch" forName="nodeRect" refType="h" refFor="ch" refForName="bgRect" fact="0.6"/>
+          <dgm:constr type="t" for="ch" forName="nodeRect" refType="b" refFor="ch" refForName="sibTransNodeRect"/>
+          <dgm:constr type="l" for="ch" forName="nodeRect" refType="l" refFor="ch" refForName="bgRect"/>
+        </dgm:constrLst>
+        <dgm:ruleLst>
+          <dgm:rule type="w" for="ch" forName="nodeRect" val="NaN" fact="NaN" max="30"/>
+        </dgm:ruleLst>
+        <dgm:layoutNode name="bgRect" styleLbl="alignNode1">
+          <dgm:alg type="sp"/>
+          <dgm:shape xmlns:r="http://schemas.openxmlformats.org/officeDocument/2006/relationships" type="rect" r:blip="">
+            <dgm:adjLst>
+              <dgm:adj idx="1" val="0.05"/>
+            </dgm:adjLst>
+          </dgm:shape>
+          <dgm:presOf axis="self"/>
+          <dgm:constrLst/>
+          <dgm:ruleLst/>
+        </dgm:layoutNode>
+        <dgm:forEach name="Name19" axis="followSib" ptType="sibTrans" hideLastTrans="0" cnt="1">
+          <dgm:layoutNode name="sibTransNodeRect" styleLbl="alignNode1">
+            <dgm:varLst>
+              <dgm:chMax val="0"/>
+              <dgm:bulletEnabled val="1"/>
+            </dgm:varLst>
+            <dgm:presOf axis="self"/>
+            <dgm:alg type="tx">
+              <dgm:param type="parTxLTRAlign" val="l"/>
+              <dgm:param type="parTxRTLAlign" val="l"/>
+            </dgm:alg>
+            <dgm:shape xmlns:r="http://schemas.openxmlformats.org/officeDocument/2006/relationships" type="rect" r:blip="" hideGeom="1">
+              <dgm:adjLst/>
+            </dgm:shape>
+            <dgm:constrLst>
+              <dgm:constr type="primFontSz" val="66"/>
+              <dgm:constr type="tMarg" val="13"/>
+              <dgm:constr type="lMarg" refType="w" fact="0.28"/>
+              <dgm:constr type="rMarg" refType="w" fact="0.28"/>
+              <dgm:constr type="bMarg" val="13"/>
+            </dgm:constrLst>
+            <dgm:ruleLst>
+              <dgm:rule type="primFontSz" val="14" fact="NaN" max="NaN"/>
+              <dgm:rule type="tMarg" val="13" fact="NaN" max="NaN"/>
+            </dgm:ruleLst>
+          </dgm:layoutNode>
+        </dgm:forEach>
+        <dgm:layoutNode name="nodeRect" styleLbl="alignNode1" moveWith="bgRect">
+          <dgm:varLst>
+            <dgm:bulletEnabled val="1"/>
+          </dgm:varLst>
+          <dgm:alg type="tx">
+            <dgm:param type="parTxLTRAlign" val="l"/>
+            <dgm:param type="parTxRTLAlign" val="r"/>
+            <dgm:param type="txAnchorVert" val="t"/>
+            <dgm:param type="stBulletLvl" val="2"/>
+          </dgm:alg>
+          <dgm:shape xmlns:r="http://schemas.openxmlformats.org/officeDocument/2006/relationships" type="rect" r:blip="" hideGeom="1">
+            <dgm:adjLst/>
+          </dgm:shape>
+          <dgm:presOf axis="desOrSelf" ptType="node"/>
+          <dgm:constrLst>
+            <dgm:constr type="primFontSz" val="26"/>
+            <dgm:constr type="tMarg"/>
+            <dgm:constr type="lMarg" refType="w" fact="0.28"/>
+            <dgm:constr type="rMarg" refType="w" fact="0.28"/>
+            <dgm:constr type="bMarg" val="26"/>
+          </dgm:constrLst>
+          <dgm:ruleLst>
+            <dgm:rule type="primFontSz" val="11" fact="NaN" max="NaN"/>
+          </dgm:ruleLst>
+        </dgm:layoutNode>
+      </dgm:layoutNode>
+      <dgm:forEach name="Name14" axis="followSib" ptType="sibTrans" cnt="1">
+        <dgm:layoutNode name="sibTrans">
+          <dgm:alg type="sp"/>
+          <dgm:shape xmlns:r="http://schemas.openxmlformats.org/officeDocument/2006/relationships" r:blip="">
+            <dgm:adjLst/>
+          </dgm:shape>
+          <dgm:presOf/>
+          <dgm:constrLst/>
+          <dgm:ruleLst/>
+        </dgm:layoutNode>
+      </dgm:forEach>
+    </dgm:forEach>
+  </dgm:layoutNode>
+  <dgm:extLst>
+    <a:ext uri="{4F341089-5ED1-44EC-B178-C955D00A3D55}">
+      <dgm1611:autoBuNodeInfoLst xmlns:dgm1611="http://schemas.microsoft.com/office/drawing/2016/11/diagram">
+        <dgm1611:autoBuNodeInfo lvl="1" ptType="sibTrans">
+          <dgm1611:buPr prefix="" leadZeros="1">
+            <a:buAutoNum type="arabicParenBoth"/>
+          </dgm1611:buPr>
+        </dgm1611:autoBuNodeInfo>
+      </dgm1611:autoBuNodeInfoLst>
+    </a:ext>
+  </dgm:extLst>
+</dgm:layoutDef>
+</file>
+
+<file path=ppt/diagrams/layout5.xml><?xml version="1.0" encoding="utf-8"?>
+<dgm:layoutDef xmlns:dgm="http://schemas.openxmlformats.org/drawingml/2006/diagram" xmlns:a="http://schemas.openxmlformats.org/drawingml/2006/main" uniqueId="urn:microsoft.com/office/officeart/2005/8/layout/hierarchy3">
+  <dgm:title val=""/>
+  <dgm:desc val=""/>
+  <dgm:catLst>
+    <dgm:cat type="hierarchy" pri="7000"/>
+    <dgm:cat type="list" pri="23000"/>
+    <dgm:cat type="relationship" pri="15000"/>
+    <dgm:cat type="convert" pri="7000"/>
+  </dgm:catLst>
+  <dgm:sampData>
+    <dgm:dataModel>
+      <dgm:ptLst>
+        <dgm:pt modelId="0" type="doc"/>
+        <dgm:pt modelId="1">
+          <dgm:prSet phldr="1"/>
+        </dgm:pt>
+        <dgm:pt modelId="11">
+          <dgm:prSet phldr="1"/>
+        </dgm:pt>
+        <dgm:pt modelId="12">
+          <dgm:prSet phldr="1"/>
+        </dgm:pt>
+        <dgm:pt modelId="2">
+          <dgm:prSet phldr="1"/>
+        </dgm:pt>
+        <dgm:pt modelId="21">
+          <dgm:prSet phldr="1"/>
+        </dgm:pt>
+        <dgm:pt modelId="22">
+          <dgm:prSet phldr="1"/>
+        </dgm:pt>
+      </dgm:ptLst>
+      <dgm:cxnLst>
+        <dgm:cxn modelId="4" srcId="0" destId="1" srcOrd="0" destOrd="0"/>
+        <dgm:cxn modelId="5" srcId="1" destId="11" srcOrd="0" destOrd="0"/>
+        <dgm:cxn modelId="6" srcId="1" destId="12" srcOrd="1" destOrd="0"/>
+        <dgm:cxn modelId="7" srcId="0" destId="2" srcOrd="1" destOrd="0"/>
+        <dgm:cxn modelId="8" srcId="2" destId="21" srcOrd="0" destOrd="0"/>
+        <dgm:cxn modelId="9" srcId="2" destId="22" srcOrd="1" destOrd="0"/>
+      </dgm:cxnLst>
+      <dgm:bg/>
+      <dgm:whole/>
+    </dgm:dataModel>
+  </dgm:sampData>
+  <dgm:styleData>
+    <dgm:dataModel>
+      <dgm:ptLst>
+        <dgm:pt modelId="0" type="doc"/>
+        <dgm:pt modelId="1"/>
+        <dgm:pt modelId="11"/>
+        <dgm:pt modelId="2"/>
+        <dgm:pt modelId="21"/>
+      </dgm:ptLst>
+      <dgm:cxnLst>
+        <dgm:cxn modelId="4" srcId="0" destId="1" srcOrd="0" destOrd="0"/>
+        <dgm:cxn modelId="5" srcId="0" destId="2" srcOrd="1" destOrd="0"/>
+        <dgm:cxn modelId="13" srcId="1" destId="11" srcOrd="0" destOrd="0"/>
+        <dgm:cxn modelId="23" srcId="2" destId="21" srcOrd="0" destOrd="0"/>
+      </dgm:cxnLst>
+      <dgm:bg/>
+      <dgm:whole/>
+    </dgm:dataModel>
+  </dgm:styleData>
+  <dgm:clrData>
+    <dgm:dataModel>
+      <dgm:ptLst>
+        <dgm:pt modelId="0" type="doc"/>
+        <dgm:pt modelId="1"/>
+        <dgm:pt modelId="11"/>
+        <dgm:pt modelId="2"/>
+        <dgm:pt modelId="21"/>
+        <dgm:pt modelId="3"/>
+        <dgm:pt modelId="31"/>
+        <dgm:pt modelId="4"/>
+        <dgm:pt modelId="41"/>
+      </dgm:ptLst>
+      <dgm:cxnLst>
+        <dgm:cxn modelId="5" srcId="0" destId="1" srcOrd="0" destOrd="0"/>
+        <dgm:cxn modelId="6" srcId="0" destId="2" srcOrd="1" destOrd="0"/>
+        <dgm:cxn modelId="7" srcId="0" destId="3" srcOrd="2" destOrd="0"/>
+        <dgm:cxn modelId="8" srcId="0" destId="4" srcOrd="3" destOrd="0"/>
+        <dgm:cxn modelId="13" srcId="1" destId="11" srcOrd="0" destOrd="0"/>
+        <dgm:cxn modelId="23" srcId="2" destId="21" srcOrd="0" destOrd="0"/>
+        <dgm:cxn modelId="33" srcId="3" destId="31" srcOrd="0" destOrd="0"/>
+        <dgm:cxn modelId="43" srcId="4" destId="41" srcOrd="0" destOrd="0"/>
+      </dgm:cxnLst>
+      <dgm:bg/>
+      <dgm:whole/>
+    </dgm:dataModel>
+  </dgm:clrData>
+  <dgm:layoutNode name="diagram">
+    <dgm:varLst>
+      <dgm:chPref val="1"/>
+      <dgm:dir/>
+      <dgm:animOne val="branch"/>
+      <dgm:animLvl val="lvl"/>
+      <dgm:resizeHandles/>
+    </dgm:varLst>
+    <dgm:choose name="Name0">
+      <dgm:if name="Name1" func="var" arg="dir" op="equ" val="norm">
+        <dgm:alg type="hierChild">
+          <dgm:param type="linDir" val="fromL"/>
         </dgm:alg>
       </dgm:if>
-      <dgm:else name="Name3">
-        <dgm:alg type="lin">
-          <dgm:param type="linDir" val="fromT"/>
-          <dgm:param type="nodeHorzAlign" val="r"/>
+      <dgm:else name="Name2">
+        <dgm:alg type="hierChild">
+          <dgm:param type="linDir" val="fromR"/>
         </dgm:alg>
       </dgm:else>
     </dgm:choose>
@@ -10236,106 +11348,175 @@
     </dgm:shape>
     <dgm:presOf/>
     <dgm:constrLst>
-      <dgm:constr type="h" for="ch" forName="linNode" refType="h"/>
-      <dgm:constr type="w" for="ch" forName="linNode" refType="w"/>
-      <dgm:constr type="h" for="ch" forName="sp" refType="h" fact="0.05"/>
-      <dgm:constr type="primFontSz" for="des" forName="parentText" op="equ" val="65"/>
-      <dgm:constr type="secFontSz" for="des" forName="descendantText" op="equ"/>
+      <dgm:constr type="primFontSz" for="des" forName="rootText" op="equ" val="65"/>
+      <dgm:constr type="primFontSz" for="des" forName="childText" op="equ" val="65"/>
+      <dgm:constr type="w" for="des" forName="rootComposite" refType="w"/>
+      <dgm:constr type="h" for="des" forName="rootComposite" refType="w" fact="0.5"/>
+      <dgm:constr type="w" for="des" forName="childText" refType="w" refFor="des" refForName="rootComposite" fact="0.8"/>
+      <dgm:constr type="h" for="des" forName="childText" refType="h" refFor="des" refForName="rootComposite"/>
+      <dgm:constr type="sibSp" refType="w" refFor="des" refForName="rootComposite" fact="0.25"/>
+      <dgm:constr type="sibSp" for="des" forName="childShape" refType="h" refFor="des" refForName="childText" fact="0.25"/>
+      <dgm:constr type="sp" for="des" forName="root" refType="h" refFor="des" refForName="childText" fact="0.25"/>
     </dgm:constrLst>
     <dgm:ruleLst/>
-    <dgm:forEach name="Name4" axis="ch" ptType="node">
-      <dgm:layoutNode name="linNode">
-        <dgm:choose name="Name5">
-          <dgm:if name="Name6" func="var" arg="dir" op="equ" val="norm">
-            <dgm:alg type="lin">
-              <dgm:param type="linDir" val="fromL"/>
-            </dgm:alg>
-          </dgm:if>
-          <dgm:else name="Name7">
-            <dgm:alg type="lin">
-              <dgm:param type="linDir" val="fromR"/>
-            </dgm:alg>
-          </dgm:else>
-        </dgm:choose>
-        <dgm:shape xmlns:r="http://schemas.openxmlformats.org/officeDocument/2006/relationships" r:blip="">
-          <dgm:adjLst/>
-        </dgm:shape>
-        <dgm:presOf/>
-        <dgm:constrLst>
-          <dgm:constr type="w" for="ch" forName="parentText" refType="w" fact="0.36"/>
-          <dgm:constr type="w" for="ch" forName="descendantText" refType="w" fact="0.64"/>
-          <dgm:constr type="h" for="ch" forName="parentText" refType="h"/>
-          <dgm:constr type="h" for="ch" forName="descendantText" refType="h" refFor="ch" refForName="parentText" fact="0.8"/>
-        </dgm:constrLst>
-        <dgm:ruleLst/>
-        <dgm:layoutNode name="parentText">
-          <dgm:varLst>
-            <dgm:chMax val="1"/>
-            <dgm:bulletEnabled val="1"/>
-          </dgm:varLst>
-          <dgm:alg type="tx"/>
-          <dgm:shape xmlns:r="http://schemas.openxmlformats.org/officeDocument/2006/relationships" type="roundRect" r:blip="" zOrderOff="3">
-            <dgm:adjLst/>
-          </dgm:shape>
-          <dgm:presOf axis="self" ptType="node"/>
-          <dgm:constrLst>
-            <dgm:constr type="tMarg" refType="primFontSz" fact="0.15"/>
-            <dgm:constr type="bMarg" refType="primFontSz" fact="0.15"/>
-            <dgm:constr type="lMarg" refType="primFontSz" fact="0.3"/>
-            <dgm:constr type="rMarg" refType="primFontSz" fact="0.3"/>
-          </dgm:constrLst>
-          <dgm:ruleLst>
-            <dgm:rule type="primFontSz" val="5" fact="NaN" max="NaN"/>
-          </dgm:ruleLst>
-        </dgm:layoutNode>
-        <dgm:choose name="Name8">
-          <dgm:if name="Name9" axis="ch" ptType="node" func="cnt" op="gte" val="1">
-            <dgm:layoutNode name="descendantText" styleLbl="alignAccFollowNode1">
-              <dgm:varLst>
-                <dgm:bulletEnabled val="1"/>
-              </dgm:varLst>
-              <dgm:alg type="tx">
-                <dgm:param type="stBulletLvl" val="1"/>
-                <dgm:param type="txAnchorVertCh" val="mid"/>
+    <dgm:forEach name="Name3" axis="ch">
+      <dgm:forEach name="Name4" axis="self" ptType="node" cnt="1">
+        <dgm:layoutNode name="root">
+          <dgm:choose name="Name5">
+            <dgm:if name="Name6" func="var" arg="dir" op="equ" val="norm">
+              <dgm:alg type="hierRoot">
+                <dgm:param type="hierAlign" val="tL"/>
               </dgm:alg>
-              <dgm:choose name="Name10">
-                <dgm:if name="Name11" func="var" arg="dir" op="equ" val="norm">
-                  <dgm:shape xmlns:r="http://schemas.openxmlformats.org/officeDocument/2006/relationships" rot="90" type="round2SameRect" r:blip="">
-                    <dgm:adjLst/>
-                  </dgm:shape>
-                </dgm:if>
-                <dgm:else name="Name12">
-                  <dgm:shape xmlns:r="http://schemas.openxmlformats.org/officeDocument/2006/relationships" rot="-90" type="round2SameRect" r:blip="">
-                    <dgm:adjLst/>
-                  </dgm:shape>
-                </dgm:else>
-              </dgm:choose>
-              <dgm:presOf axis="des" ptType="node"/>
-              <dgm:constrLst>
-                <dgm:constr type="secFontSz" val="65"/>
-                <dgm:constr type="primFontSz" refType="secFontSz"/>
-                <dgm:constr type="lMarg" refType="secFontSz" fact="0.3"/>
-                <dgm:constr type="rMarg" refType="secFontSz" fact="0.3"/>
-                <dgm:constr type="tMarg" refType="secFontSz" fact="0.15"/>
-                <dgm:constr type="bMarg" refType="secFontSz" fact="0.15"/>
-              </dgm:constrLst>
-              <dgm:ruleLst>
-                <dgm:rule type="secFontSz" val="5" fact="NaN" max="NaN"/>
-              </dgm:ruleLst>
-            </dgm:layoutNode>
-          </dgm:if>
-          <dgm:else name="Name13"/>
-        </dgm:choose>
-      </dgm:layoutNode>
-      <dgm:forEach name="Name14" axis="followSib" ptType="sibTrans" cnt="1">
-        <dgm:layoutNode name="sp">
-          <dgm:alg type="sp"/>
+            </dgm:if>
+            <dgm:else name="Name7">
+              <dgm:alg type="hierRoot">
+                <dgm:param type="hierAlign" val="tR"/>
+              </dgm:alg>
+            </dgm:else>
+          </dgm:choose>
           <dgm:shape xmlns:r="http://schemas.openxmlformats.org/officeDocument/2006/relationships" r:blip="">
             <dgm:adjLst/>
           </dgm:shape>
           <dgm:presOf/>
-          <dgm:constrLst/>
+          <dgm:constrLst>
+            <dgm:constr type="alignOff" val="0.2"/>
+          </dgm:constrLst>
           <dgm:ruleLst/>
+          <dgm:layoutNode name="rootComposite">
+            <dgm:alg type="composite"/>
+            <dgm:shape xmlns:r="http://schemas.openxmlformats.org/officeDocument/2006/relationships" r:blip="">
+              <dgm:adjLst/>
+            </dgm:shape>
+            <dgm:presOf axis="self" ptType="node" cnt="1"/>
+            <dgm:choose name="Name8">
+              <dgm:if name="Name9" func="var" arg="dir" op="equ" val="norm">
+                <dgm:constrLst>
+                  <dgm:constr type="l" for="ch" forName="rootText"/>
+                  <dgm:constr type="t" for="ch" forName="rootText"/>
+                  <dgm:constr type="w" for="ch" forName="rootText" refType="w"/>
+                  <dgm:constr type="h" for="ch" forName="rootText" refType="h"/>
+                  <dgm:constr type="l" for="ch" forName="rootConnector"/>
+                  <dgm:constr type="t" for="ch" forName="rootConnector"/>
+                  <dgm:constr type="w" for="ch" forName="rootConnector" refType="w" refFor="ch" refForName="rootText" fact="0.2"/>
+                  <dgm:constr type="h" for="ch" forName="rootConnector" refType="h" refFor="ch" refForName="rootText"/>
+                </dgm:constrLst>
+              </dgm:if>
+              <dgm:else name="Name10">
+                <dgm:constrLst>
+                  <dgm:constr type="l" for="ch" forName="rootText"/>
+                  <dgm:constr type="t" for="ch" forName="rootText"/>
+                  <dgm:constr type="w" for="ch" forName="rootText" refType="w"/>
+                  <dgm:constr type="h" for="ch" forName="rootText" refType="h"/>
+                  <dgm:constr type="r" for="ch" forName="rootConnector" refType="w"/>
+                  <dgm:constr type="t" for="ch" forName="rootConnector"/>
+                  <dgm:constr type="w" for="ch" forName="rootConnector" refType="w" refFor="ch" refForName="rootText" fact="0.2"/>
+                  <dgm:constr type="h" for="ch" forName="rootConnector" refType="h" refFor="ch" refForName="rootText"/>
+                </dgm:constrLst>
+              </dgm:else>
+            </dgm:choose>
+            <dgm:ruleLst/>
+            <dgm:layoutNode name="rootText" styleLbl="node1">
+              <dgm:alg type="tx"/>
+              <dgm:shape xmlns:r="http://schemas.openxmlformats.org/officeDocument/2006/relationships" type="roundRect" r:blip="">
+                <dgm:adjLst>
+                  <dgm:adj idx="1" val="0.1"/>
+                </dgm:adjLst>
+              </dgm:shape>
+              <dgm:presOf axis="self" ptType="node" cnt="1"/>
+              <dgm:constrLst>
+                <dgm:constr type="tMarg" refType="primFontSz" fact="0.1"/>
+                <dgm:constr type="bMarg" refType="primFontSz" fact="0.1"/>
+                <dgm:constr type="lMarg" refType="primFontSz" fact="0.15"/>
+                <dgm:constr type="rMarg" refType="primFontSz" fact="0.15"/>
+              </dgm:constrLst>
+              <dgm:ruleLst>
+                <dgm:rule type="primFontSz" val="5" fact="NaN" max="NaN"/>
+              </dgm:ruleLst>
+            </dgm:layoutNode>
+            <dgm:layoutNode name="rootConnector" moveWith="rootText">
+              <dgm:alg type="sp"/>
+              <dgm:shape xmlns:r="http://schemas.openxmlformats.org/officeDocument/2006/relationships" type="roundRect" r:blip="" hideGeom="1">
+                <dgm:adjLst>
+                  <dgm:adj idx="1" val="0.1"/>
+                </dgm:adjLst>
+              </dgm:shape>
+              <dgm:presOf axis="self" ptType="node" cnt="1"/>
+              <dgm:constrLst/>
+              <dgm:ruleLst/>
+            </dgm:layoutNode>
+          </dgm:layoutNode>
+          <dgm:layoutNode name="childShape">
+            <dgm:alg type="hierChild">
+              <dgm:param type="chAlign" val="l"/>
+              <dgm:param type="linDir" val="fromT"/>
+            </dgm:alg>
+            <dgm:shape xmlns:r="http://schemas.openxmlformats.org/officeDocument/2006/relationships" r:blip="">
+              <dgm:adjLst/>
+            </dgm:shape>
+            <dgm:presOf/>
+            <dgm:constrLst/>
+            <dgm:ruleLst/>
+            <dgm:forEach name="Name11" axis="ch">
+              <dgm:forEach name="Name12" axis="self" ptType="parTrans" cnt="1">
+                <dgm:layoutNode name="Name13">
+                  <dgm:choose name="Name14">
+                    <dgm:if name="Name15" func="var" arg="dir" op="equ" val="norm">
+                      <dgm:alg type="conn">
+                        <dgm:param type="dim" val="1D"/>
+                        <dgm:param type="endSty" val="noArr"/>
+                        <dgm:param type="connRout" val="bend"/>
+                        <dgm:param type="srcNode" val="rootConnector"/>
+                        <dgm:param type="begPts" val="bCtr"/>
+                        <dgm:param type="endPts" val="midL"/>
+                      </dgm:alg>
+                    </dgm:if>
+                    <dgm:else name="Name16">
+                      <dgm:alg type="conn">
+                        <dgm:param type="dim" val="1D"/>
+                        <dgm:param type="endSty" val="noArr"/>
+                        <dgm:param type="connRout" val="bend"/>
+                        <dgm:param type="srcNode" val="rootConnector"/>
+                        <dgm:param type="begPts" val="bCtr"/>
+                        <dgm:param type="endPts" val="midR"/>
+                      </dgm:alg>
+                    </dgm:else>
+                  </dgm:choose>
+                  <dgm:shape xmlns:r="http://schemas.openxmlformats.org/officeDocument/2006/relationships" type="conn" r:blip="">
+                    <dgm:adjLst/>
+                  </dgm:shape>
+                  <dgm:presOf axis="self"/>
+                  <dgm:constrLst>
+                    <dgm:constr type="begPad"/>
+                    <dgm:constr type="endPad"/>
+                  </dgm:constrLst>
+                  <dgm:ruleLst/>
+                </dgm:layoutNode>
+              </dgm:forEach>
+              <dgm:forEach name="Name17" axis="self" ptType="node">
+                <dgm:layoutNode name="childText" styleLbl="bgAcc1">
+                  <dgm:varLst>
+                    <dgm:bulletEnabled val="1"/>
+                  </dgm:varLst>
+                  <dgm:alg type="tx"/>
+                  <dgm:shape xmlns:r="http://schemas.openxmlformats.org/officeDocument/2006/relationships" type="roundRect" r:blip="">
+                    <dgm:adjLst>
+                      <dgm:adj idx="1" val="0.1"/>
+                    </dgm:adjLst>
+                  </dgm:shape>
+                  <dgm:presOf axis="self desOrSelf" ptType="node node" st="1 1" cnt="1 0"/>
+                  <dgm:constrLst>
+                    <dgm:constr type="tMarg" refType="primFontSz" fact="0.1"/>
+                    <dgm:constr type="bMarg" refType="primFontSz" fact="0.1"/>
+                    <dgm:constr type="lMarg" refType="primFontSz" fact="0.15"/>
+                    <dgm:constr type="rMarg" refType="primFontSz" fact="0.15"/>
+                  </dgm:constrLst>
+                  <dgm:ruleLst>
+                    <dgm:rule type="primFontSz" val="5" fact="NaN" max="NaN"/>
+                  </dgm:ruleLst>
+                </dgm:layoutNode>
+              </dgm:forEach>
+            </dgm:forEach>
+          </dgm:layoutNode>
         </dgm:layoutNode>
       </dgm:forEach>
     </dgm:forEach>
@@ -15511,6 +16692,569 @@
     </dgm:style>
   </dgm:styleLbl>
 </dgm:styleDef>
+</file>
+
+<file path=ppt/notesMasters/notesMaster1.xml><?xml version="1.0" encoding="utf-8"?>
+<p:notesMaster xmlns:a="http://schemas.openxmlformats.org/drawingml/2006/main" xmlns:r="http://schemas.openxmlformats.org/officeDocument/2006/relationships" xmlns:p="http://schemas.openxmlformats.org/presentationml/2006/main">
+  <p:cSld>
+    <p:bg>
+      <p:bgRef idx="1001">
+        <a:schemeClr val="bg1"/>
+      </p:bgRef>
+    </p:bg>
+    <p:spTree>
+      <p:nvGrpSpPr>
+        <p:cNvPr id="1" name=""/>
+        <p:cNvGrpSpPr/>
+        <p:nvPr/>
+      </p:nvGrpSpPr>
+      <p:grpSpPr>
+        <a:xfrm>
+          <a:off x="0" y="0"/>
+          <a:ext cx="0" cy="0"/>
+          <a:chOff x="0" y="0"/>
+          <a:chExt cx="0" cy="0"/>
+        </a:xfrm>
+      </p:grpSpPr>
+      <p:sp>
+        <p:nvSpPr>
+          <p:cNvPr id="2" name="ヘッダー プレースホルダー 1"/>
+          <p:cNvSpPr>
+            <a:spLocks noGrp="1"/>
+          </p:cNvSpPr>
+          <p:nvPr>
+            <p:ph type="hdr" sz="quarter"/>
+          </p:nvPr>
+        </p:nvSpPr>
+        <p:spPr>
+          <a:xfrm>
+            <a:off x="0" y="0"/>
+            <a:ext cx="2971800" cy="458788"/>
+          </a:xfrm>
+          <a:prstGeom prst="rect">
+            <a:avLst/>
+          </a:prstGeom>
+        </p:spPr>
+        <p:txBody>
+          <a:bodyPr vert="horz" lIns="91440" tIns="45720" rIns="91440" bIns="45720" rtlCol="0"/>
+          <a:lstStyle>
+            <a:lvl1pPr algn="l">
+              <a:defRPr sz="1200"/>
+            </a:lvl1pPr>
+          </a:lstStyle>
+          <a:p>
+            <a:endParaRPr kumimoji="1" lang="ja-JP" altLang="en-US"/>
+          </a:p>
+        </p:txBody>
+      </p:sp>
+      <p:sp>
+        <p:nvSpPr>
+          <p:cNvPr id="3" name="日付プレースホルダー 2"/>
+          <p:cNvSpPr>
+            <a:spLocks noGrp="1"/>
+          </p:cNvSpPr>
+          <p:nvPr>
+            <p:ph type="dt" idx="1"/>
+          </p:nvPr>
+        </p:nvSpPr>
+        <p:spPr>
+          <a:xfrm>
+            <a:off x="3884613" y="0"/>
+            <a:ext cx="2971800" cy="458788"/>
+          </a:xfrm>
+          <a:prstGeom prst="rect">
+            <a:avLst/>
+          </a:prstGeom>
+        </p:spPr>
+        <p:txBody>
+          <a:bodyPr vert="horz" lIns="91440" tIns="45720" rIns="91440" bIns="45720" rtlCol="0"/>
+          <a:lstStyle>
+            <a:lvl1pPr algn="r">
+              <a:defRPr sz="1200"/>
+            </a:lvl1pPr>
+          </a:lstStyle>
+          <a:p>
+            <a:fld id="{0354BAEF-20FE-8548-8A1D-5447C89E2F6B}" type="datetimeFigureOut">
+              <a:rPr kumimoji="1" lang="ja-JP" altLang="en-US" smtClean="0"/>
+              <a:t>2024/11/19</a:t>
+            </a:fld>
+            <a:endParaRPr kumimoji="1" lang="ja-JP" altLang="en-US"/>
+          </a:p>
+        </p:txBody>
+      </p:sp>
+      <p:sp>
+        <p:nvSpPr>
+          <p:cNvPr id="4" name="スライド イメージ プレースホルダー 3"/>
+          <p:cNvSpPr>
+            <a:spLocks noGrp="1" noRot="1" noChangeAspect="1"/>
+          </p:cNvSpPr>
+          <p:nvPr>
+            <p:ph type="sldImg" idx="2"/>
+          </p:nvPr>
+        </p:nvSpPr>
+        <p:spPr>
+          <a:xfrm>
+            <a:off x="685800" y="1143000"/>
+            <a:ext cx="5486400" cy="3086100"/>
+          </a:xfrm>
+          <a:prstGeom prst="rect">
+            <a:avLst/>
+          </a:prstGeom>
+          <a:noFill/>
+          <a:ln w="12700">
+            <a:solidFill>
+              <a:prstClr val="black"/>
+            </a:solidFill>
+          </a:ln>
+        </p:spPr>
+        <p:txBody>
+          <a:bodyPr vert="horz" lIns="91440" tIns="45720" rIns="91440" bIns="45720" rtlCol="0" anchor="ctr"/>
+          <a:lstStyle/>
+          <a:p>
+            <a:endParaRPr lang="ja-JP" altLang="en-US"/>
+          </a:p>
+        </p:txBody>
+      </p:sp>
+      <p:sp>
+        <p:nvSpPr>
+          <p:cNvPr id="5" name="ノート プレースホルダー 4"/>
+          <p:cNvSpPr>
+            <a:spLocks noGrp="1"/>
+          </p:cNvSpPr>
+          <p:nvPr>
+            <p:ph type="body" sz="quarter" idx="3"/>
+          </p:nvPr>
+        </p:nvSpPr>
+        <p:spPr>
+          <a:xfrm>
+            <a:off x="685800" y="4400550"/>
+            <a:ext cx="5486400" cy="3600450"/>
+          </a:xfrm>
+          <a:prstGeom prst="rect">
+            <a:avLst/>
+          </a:prstGeom>
+        </p:spPr>
+        <p:txBody>
+          <a:bodyPr vert="horz" lIns="91440" tIns="45720" rIns="91440" bIns="45720" rtlCol="0"/>
+          <a:lstStyle/>
+          <a:p>
+            <a:pPr lvl="0"/>
+            <a:r>
+              <a:rPr kumimoji="1" lang="ja-JP" altLang="en-US"/>
+              <a:t>マスター テキストの書式設定</a:t>
+            </a:r>
+          </a:p>
+          <a:p>
+            <a:pPr lvl="1"/>
+            <a:r>
+              <a:rPr kumimoji="1" lang="ja-JP" altLang="en-US"/>
+              <a:t>第 </a:t>
+            </a:r>
+            <a:r>
+              <a:rPr kumimoji="1" lang="en-US" altLang="ja-JP"/>
+              <a:t>2 </a:t>
+            </a:r>
+            <a:r>
+              <a:rPr kumimoji="1" lang="ja-JP" altLang="en-US"/>
+              <a:t>レベル</a:t>
+            </a:r>
+          </a:p>
+          <a:p>
+            <a:pPr lvl="2"/>
+            <a:r>
+              <a:rPr kumimoji="1" lang="ja-JP" altLang="en-US"/>
+              <a:t>第 </a:t>
+            </a:r>
+            <a:r>
+              <a:rPr kumimoji="1" lang="en-US" altLang="ja-JP"/>
+              <a:t>3 </a:t>
+            </a:r>
+            <a:r>
+              <a:rPr kumimoji="1" lang="ja-JP" altLang="en-US"/>
+              <a:t>レベル</a:t>
+            </a:r>
+          </a:p>
+          <a:p>
+            <a:pPr lvl="3"/>
+            <a:r>
+              <a:rPr kumimoji="1" lang="ja-JP" altLang="en-US"/>
+              <a:t>第 </a:t>
+            </a:r>
+            <a:r>
+              <a:rPr kumimoji="1" lang="en-US" altLang="ja-JP"/>
+              <a:t>4 </a:t>
+            </a:r>
+            <a:r>
+              <a:rPr kumimoji="1" lang="ja-JP" altLang="en-US"/>
+              <a:t>レベル</a:t>
+            </a:r>
+          </a:p>
+          <a:p>
+            <a:pPr lvl="4"/>
+            <a:r>
+              <a:rPr kumimoji="1" lang="ja-JP" altLang="en-US"/>
+              <a:t>第 </a:t>
+            </a:r>
+            <a:r>
+              <a:rPr kumimoji="1" lang="en-US" altLang="ja-JP"/>
+              <a:t>5 </a:t>
+            </a:r>
+            <a:r>
+              <a:rPr kumimoji="1" lang="ja-JP" altLang="en-US"/>
+              <a:t>レベル</a:t>
+            </a:r>
+          </a:p>
+        </p:txBody>
+      </p:sp>
+      <p:sp>
+        <p:nvSpPr>
+          <p:cNvPr id="6" name="フッター プレースホルダー 5"/>
+          <p:cNvSpPr>
+            <a:spLocks noGrp="1"/>
+          </p:cNvSpPr>
+          <p:nvPr>
+            <p:ph type="ftr" sz="quarter" idx="4"/>
+          </p:nvPr>
+        </p:nvSpPr>
+        <p:spPr>
+          <a:xfrm>
+            <a:off x="0" y="8685213"/>
+            <a:ext cx="2971800" cy="458787"/>
+          </a:xfrm>
+          <a:prstGeom prst="rect">
+            <a:avLst/>
+          </a:prstGeom>
+        </p:spPr>
+        <p:txBody>
+          <a:bodyPr vert="horz" lIns="91440" tIns="45720" rIns="91440" bIns="45720" rtlCol="0" anchor="b"/>
+          <a:lstStyle>
+            <a:lvl1pPr algn="l">
+              <a:defRPr sz="1200"/>
+            </a:lvl1pPr>
+          </a:lstStyle>
+          <a:p>
+            <a:endParaRPr kumimoji="1" lang="ja-JP" altLang="en-US"/>
+          </a:p>
+        </p:txBody>
+      </p:sp>
+      <p:sp>
+        <p:nvSpPr>
+          <p:cNvPr id="7" name="スライド番号プレースホルダー 6"/>
+          <p:cNvSpPr>
+            <a:spLocks noGrp="1"/>
+          </p:cNvSpPr>
+          <p:nvPr>
+            <p:ph type="sldNum" sz="quarter" idx="5"/>
+          </p:nvPr>
+        </p:nvSpPr>
+        <p:spPr>
+          <a:xfrm>
+            <a:off x="3884613" y="8685213"/>
+            <a:ext cx="2971800" cy="458787"/>
+          </a:xfrm>
+          <a:prstGeom prst="rect">
+            <a:avLst/>
+          </a:prstGeom>
+        </p:spPr>
+        <p:txBody>
+          <a:bodyPr vert="horz" lIns="91440" tIns="45720" rIns="91440" bIns="45720" rtlCol="0" anchor="b"/>
+          <a:lstStyle>
+            <a:lvl1pPr algn="r">
+              <a:defRPr sz="1200"/>
+            </a:lvl1pPr>
+          </a:lstStyle>
+          <a:p>
+            <a:fld id="{5AE08FFF-4338-9C41-8C63-6987AB1252F8}" type="slidenum">
+              <a:rPr kumimoji="1" lang="ja-JP" altLang="en-US" smtClean="0"/>
+              <a:t>‹#›</a:t>
+            </a:fld>
+            <a:endParaRPr kumimoji="1" lang="ja-JP" altLang="en-US"/>
+          </a:p>
+        </p:txBody>
+      </p:sp>
+    </p:spTree>
+    <p:extLst>
+      <p:ext uri="{BB962C8B-B14F-4D97-AF65-F5344CB8AC3E}">
+        <p14:creationId xmlns:p14="http://schemas.microsoft.com/office/powerpoint/2010/main" val="3881566658"/>
+      </p:ext>
+    </p:extLst>
+  </p:cSld>
+  <p:clrMap bg1="lt1" tx1="dk1" bg2="lt2" tx2="dk2" accent1="accent1" accent2="accent2" accent3="accent3" accent4="accent4" accent5="accent5" accent6="accent6" hlink="hlink" folHlink="folHlink"/>
+  <p:notesStyle>
+    <a:lvl1pPr marL="0" algn="l" defTabSz="914400" rtl="0" eaLnBrk="1" latinLnBrk="0" hangingPunct="1">
+      <a:defRPr kumimoji="1" sz="1200" kern="1200">
+        <a:solidFill>
+          <a:schemeClr val="tx1"/>
+        </a:solidFill>
+        <a:latin typeface="+mn-lt"/>
+        <a:ea typeface="+mn-ea"/>
+        <a:cs typeface="+mn-cs"/>
+      </a:defRPr>
+    </a:lvl1pPr>
+    <a:lvl2pPr marL="457200" algn="l" defTabSz="914400" rtl="0" eaLnBrk="1" latinLnBrk="0" hangingPunct="1">
+      <a:defRPr kumimoji="1" sz="1200" kern="1200">
+        <a:solidFill>
+          <a:schemeClr val="tx1"/>
+        </a:solidFill>
+        <a:latin typeface="+mn-lt"/>
+        <a:ea typeface="+mn-ea"/>
+        <a:cs typeface="+mn-cs"/>
+      </a:defRPr>
+    </a:lvl2pPr>
+    <a:lvl3pPr marL="914400" algn="l" defTabSz="914400" rtl="0" eaLnBrk="1" latinLnBrk="0" hangingPunct="1">
+      <a:defRPr kumimoji="1" sz="1200" kern="1200">
+        <a:solidFill>
+          <a:schemeClr val="tx1"/>
+        </a:solidFill>
+        <a:latin typeface="+mn-lt"/>
+        <a:ea typeface="+mn-ea"/>
+        <a:cs typeface="+mn-cs"/>
+      </a:defRPr>
+    </a:lvl3pPr>
+    <a:lvl4pPr marL="1371600" algn="l" defTabSz="914400" rtl="0" eaLnBrk="1" latinLnBrk="0" hangingPunct="1">
+      <a:defRPr kumimoji="1" sz="1200" kern="1200">
+        <a:solidFill>
+          <a:schemeClr val="tx1"/>
+        </a:solidFill>
+        <a:latin typeface="+mn-lt"/>
+        <a:ea typeface="+mn-ea"/>
+        <a:cs typeface="+mn-cs"/>
+      </a:defRPr>
+    </a:lvl4pPr>
+    <a:lvl5pPr marL="1828800" algn="l" defTabSz="914400" rtl="0" eaLnBrk="1" latinLnBrk="0" hangingPunct="1">
+      <a:defRPr kumimoji="1" sz="1200" kern="1200">
+        <a:solidFill>
+          <a:schemeClr val="tx1"/>
+        </a:solidFill>
+        <a:latin typeface="+mn-lt"/>
+        <a:ea typeface="+mn-ea"/>
+        <a:cs typeface="+mn-cs"/>
+      </a:defRPr>
+    </a:lvl5pPr>
+    <a:lvl6pPr marL="2286000" algn="l" defTabSz="914400" rtl="0" eaLnBrk="1" latinLnBrk="0" hangingPunct="1">
+      <a:defRPr kumimoji="1" sz="1200" kern="1200">
+        <a:solidFill>
+          <a:schemeClr val="tx1"/>
+        </a:solidFill>
+        <a:latin typeface="+mn-lt"/>
+        <a:ea typeface="+mn-ea"/>
+        <a:cs typeface="+mn-cs"/>
+      </a:defRPr>
+    </a:lvl6pPr>
+    <a:lvl7pPr marL="2743200" algn="l" defTabSz="914400" rtl="0" eaLnBrk="1" latinLnBrk="0" hangingPunct="1">
+      <a:defRPr kumimoji="1" sz="1200" kern="1200">
+        <a:solidFill>
+          <a:schemeClr val="tx1"/>
+        </a:solidFill>
+        <a:latin typeface="+mn-lt"/>
+        <a:ea typeface="+mn-ea"/>
+        <a:cs typeface="+mn-cs"/>
+      </a:defRPr>
+    </a:lvl7pPr>
+    <a:lvl8pPr marL="3200400" algn="l" defTabSz="914400" rtl="0" eaLnBrk="1" latinLnBrk="0" hangingPunct="1">
+      <a:defRPr kumimoji="1" sz="1200" kern="1200">
+        <a:solidFill>
+          <a:schemeClr val="tx1"/>
+        </a:solidFill>
+        <a:latin typeface="+mn-lt"/>
+        <a:ea typeface="+mn-ea"/>
+        <a:cs typeface="+mn-cs"/>
+      </a:defRPr>
+    </a:lvl8pPr>
+    <a:lvl9pPr marL="3657600" algn="l" defTabSz="914400" rtl="0" eaLnBrk="1" latinLnBrk="0" hangingPunct="1">
+      <a:defRPr kumimoji="1" sz="1200" kern="1200">
+        <a:solidFill>
+          <a:schemeClr val="tx1"/>
+        </a:solidFill>
+        <a:latin typeface="+mn-lt"/>
+        <a:ea typeface="+mn-ea"/>
+        <a:cs typeface="+mn-cs"/>
+      </a:defRPr>
+    </a:lvl9pPr>
+  </p:notesStyle>
+</p:notesMaster>
+</file>
+
+<file path=ppt/notesSlides/notesSlide1.xml><?xml version="1.0" encoding="utf-8"?>
+<p:notes xmlns:a="http://schemas.openxmlformats.org/drawingml/2006/main" xmlns:r="http://schemas.openxmlformats.org/officeDocument/2006/relationships" xmlns:p="http://schemas.openxmlformats.org/presentationml/2006/main">
+  <p:cSld>
+    <p:spTree>
+      <p:nvGrpSpPr>
+        <p:cNvPr id="1" name=""/>
+        <p:cNvGrpSpPr/>
+        <p:nvPr/>
+      </p:nvGrpSpPr>
+      <p:grpSpPr>
+        <a:xfrm>
+          <a:off x="0" y="0"/>
+          <a:ext cx="0" cy="0"/>
+          <a:chOff x="0" y="0"/>
+          <a:chExt cx="0" cy="0"/>
+        </a:xfrm>
+      </p:grpSpPr>
+      <p:sp>
+        <p:nvSpPr>
+          <p:cNvPr id="2" name="スライド イメージ プレースホルダー 1"/>
+          <p:cNvSpPr>
+            <a:spLocks noGrp="1" noRot="1" noChangeAspect="1"/>
+          </p:cNvSpPr>
+          <p:nvPr>
+            <p:ph type="sldImg"/>
+          </p:nvPr>
+        </p:nvSpPr>
+        <p:spPr/>
+      </p:sp>
+      <p:sp>
+        <p:nvSpPr>
+          <p:cNvPr id="3" name="ノート プレースホルダー 2"/>
+          <p:cNvSpPr>
+            <a:spLocks noGrp="1"/>
+          </p:cNvSpPr>
+          <p:nvPr>
+            <p:ph type="body" idx="1"/>
+          </p:nvPr>
+        </p:nvSpPr>
+        <p:spPr/>
+        <p:txBody>
+          <a:bodyPr/>
+          <a:lstStyle/>
+          <a:p>
+            <a:r>
+              <a:rPr kumimoji="1" lang="ja-JP" altLang="en-US"/>
+              <a:t>これらのデータや参加した活動のまとめ、作成した動画などを</a:t>
+            </a:r>
+            <a:r>
+              <a:rPr kumimoji="1" lang="en-US" altLang="ja-JP" dirty="0"/>
+              <a:t>Re; Earth</a:t>
+            </a:r>
+            <a:r>
+              <a:rPr kumimoji="1" lang="ja-JP" altLang="en-US"/>
+              <a:t>上にまとめ、私が取り組んだ復興活動全てを一元化することで、震災を語れる最後の世代としての役割を果たす。</a:t>
+            </a:r>
+          </a:p>
+        </p:txBody>
+      </p:sp>
+      <p:sp>
+        <p:nvSpPr>
+          <p:cNvPr id="4" name="スライド番号プレースホルダー 3"/>
+          <p:cNvSpPr>
+            <a:spLocks noGrp="1"/>
+          </p:cNvSpPr>
+          <p:nvPr>
+            <p:ph type="sldNum" sz="quarter" idx="5"/>
+          </p:nvPr>
+        </p:nvSpPr>
+        <p:spPr/>
+        <p:txBody>
+          <a:bodyPr/>
+          <a:lstStyle/>
+          <a:p>
+            <a:fld id="{5AE08FFF-4338-9C41-8C63-6987AB1252F8}" type="slidenum">
+              <a:rPr kumimoji="1" lang="ja-JP" altLang="en-US" smtClean="0"/>
+              <a:t>6</a:t>
+            </a:fld>
+            <a:endParaRPr kumimoji="1" lang="ja-JP" altLang="en-US"/>
+          </a:p>
+        </p:txBody>
+      </p:sp>
+    </p:spTree>
+    <p:extLst>
+      <p:ext uri="{BB962C8B-B14F-4D97-AF65-F5344CB8AC3E}">
+        <p14:creationId xmlns:p14="http://schemas.microsoft.com/office/powerpoint/2010/main" val="1618312548"/>
+      </p:ext>
+    </p:extLst>
+  </p:cSld>
+  <p:clrMapOvr>
+    <a:masterClrMapping/>
+  </p:clrMapOvr>
+</p:notes>
+</file>
+
+<file path=ppt/notesSlides/notesSlide2.xml><?xml version="1.0" encoding="utf-8"?>
+<p:notes xmlns:a="http://schemas.openxmlformats.org/drawingml/2006/main" xmlns:r="http://schemas.openxmlformats.org/officeDocument/2006/relationships" xmlns:p="http://schemas.openxmlformats.org/presentationml/2006/main">
+  <p:cSld>
+    <p:spTree>
+      <p:nvGrpSpPr>
+        <p:cNvPr id="1" name=""/>
+        <p:cNvGrpSpPr/>
+        <p:nvPr/>
+      </p:nvGrpSpPr>
+      <p:grpSpPr>
+        <a:xfrm>
+          <a:off x="0" y="0"/>
+          <a:ext cx="0" cy="0"/>
+          <a:chOff x="0" y="0"/>
+          <a:chExt cx="0" cy="0"/>
+        </a:xfrm>
+      </p:grpSpPr>
+      <p:sp>
+        <p:nvSpPr>
+          <p:cNvPr id="2" name="スライド イメージ プレースホルダー 1"/>
+          <p:cNvSpPr>
+            <a:spLocks noGrp="1" noRot="1" noChangeAspect="1"/>
+          </p:cNvSpPr>
+          <p:nvPr>
+            <p:ph type="sldImg"/>
+          </p:nvPr>
+        </p:nvSpPr>
+        <p:spPr/>
+      </p:sp>
+      <p:sp>
+        <p:nvSpPr>
+          <p:cNvPr id="3" name="ノート プレースホルダー 2"/>
+          <p:cNvSpPr>
+            <a:spLocks noGrp="1"/>
+          </p:cNvSpPr>
+          <p:nvPr>
+            <p:ph type="body" idx="1"/>
+          </p:nvPr>
+        </p:nvSpPr>
+        <p:spPr/>
+        <p:txBody>
+          <a:bodyPr/>
+          <a:lstStyle/>
+          <a:p>
+            <a:r>
+              <a:rPr kumimoji="1" lang="ja-JP" altLang="en-US"/>
+              <a:t>ふたば未来学園へ連絡したものの、私自身が正確な日時を指定して話し合いをするなどが現実的に不可能だった。</a:t>
+            </a:r>
+          </a:p>
+        </p:txBody>
+      </p:sp>
+      <p:sp>
+        <p:nvSpPr>
+          <p:cNvPr id="4" name="スライド番号プレースホルダー 3"/>
+          <p:cNvSpPr>
+            <a:spLocks noGrp="1"/>
+          </p:cNvSpPr>
+          <p:nvPr>
+            <p:ph type="sldNum" sz="quarter" idx="5"/>
+          </p:nvPr>
+        </p:nvSpPr>
+        <p:spPr/>
+        <p:txBody>
+          <a:bodyPr/>
+          <a:lstStyle/>
+          <a:p>
+            <a:fld id="{5AE08FFF-4338-9C41-8C63-6987AB1252F8}" type="slidenum">
+              <a:rPr kumimoji="1" lang="ja-JP" altLang="en-US" smtClean="0"/>
+              <a:t>9</a:t>
+            </a:fld>
+            <a:endParaRPr kumimoji="1" lang="ja-JP" altLang="en-US"/>
+          </a:p>
+        </p:txBody>
+      </p:sp>
+    </p:spTree>
+    <p:extLst>
+      <p:ext uri="{BB962C8B-B14F-4D97-AF65-F5344CB8AC3E}">
+        <p14:creationId xmlns:p14="http://schemas.microsoft.com/office/powerpoint/2010/main" val="2352451604"/>
+      </p:ext>
+    </p:extLst>
+  </p:cSld>
+  <p:clrMapOvr>
+    <a:masterClrMapping/>
+  </p:clrMapOvr>
+</p:notes>
 </file>
 
 <file path=ppt/slideLayouts/slideLayout1.xml><?xml version="1.0" encoding="utf-8"?>
@@ -20107,7 +21851,7 @@
           <a:lstStyle/>
           <a:p>
             <a:r>
-              <a:rPr kumimoji="1" lang="ja-JP" altLang="en-US" sz="4600"/>
+              <a:rPr kumimoji="1" lang="ja-JP" altLang="en-US" sz="4000" b="1"/>
               <a:t>なぜ楢葉町にファーカスするのか？</a:t>
             </a:r>
           </a:p>
@@ -20131,7 +21875,7 @@
         </p:nvSpPr>
         <p:spPr>
           <a:xfrm>
-            <a:off x="1289304" y="2902913"/>
+            <a:off x="1282962" y="2542476"/>
             <a:ext cx="9849751" cy="3032168"/>
           </a:xfrm>
         </p:spPr>
@@ -20141,50 +21885,64 @@
           </a:bodyPr>
           <a:lstStyle/>
           <a:p>
-            <a:pPr marL="514350" indent="-514350">
+            <a:pPr marL="514350" indent="-514350" algn="just">
+              <a:lnSpc>
+                <a:spcPct val="150000"/>
+              </a:lnSpc>
               <a:buFont typeface="+mj-lt"/>
               <a:buAutoNum type="arabicPeriod"/>
             </a:pPr>
             <a:r>
-              <a:rPr kumimoji="1" lang="ja-JP" altLang="en-US" sz="2600"/>
+              <a:rPr kumimoji="1" lang="ja-JP" altLang="en-US" sz="2400"/>
               <a:t>楢葉町の特徴的な復興過程</a:t>
             </a:r>
-            <a:endParaRPr kumimoji="1" lang="en-US" altLang="ja-JP" sz="2600" dirty="0"/>
+            <a:endParaRPr kumimoji="1" lang="en-US" altLang="ja-JP" sz="2400" dirty="0"/>
           </a:p>
           <a:p>
-            <a:pPr marL="457200" lvl="1" indent="0">
+            <a:pPr marL="457200" lvl="1" indent="0" algn="just">
+              <a:lnSpc>
+                <a:spcPct val="150000"/>
+              </a:lnSpc>
               <a:buNone/>
             </a:pPr>
             <a:r>
-              <a:rPr kumimoji="1" lang="ja-JP" altLang="en-US"/>
-              <a:t>震災後の「帰還」と「復興」の象徴的な事例。</a:t>
+              <a:rPr kumimoji="1" lang="ja-JP" altLang="en-US" sz="1800"/>
+              <a:t>震災後の「帰還」と「復興」の象徴的な事例</a:t>
             </a:r>
-            <a:endParaRPr kumimoji="1" lang="en-US" altLang="ja-JP" dirty="0"/>
+            <a:endParaRPr kumimoji="1" lang="en-US" altLang="ja-JP" sz="1800" dirty="0"/>
           </a:p>
           <a:p>
-            <a:pPr marL="514350" indent="-514350">
+            <a:pPr marL="457200" lvl="1" indent="0" algn="just">
+              <a:buNone/>
+            </a:pPr>
+            <a:endParaRPr kumimoji="1" lang="en-US" altLang="ja-JP" sz="2000" dirty="0"/>
+          </a:p>
+          <a:p>
+            <a:pPr marL="514350" indent="-514350" algn="just">
+              <a:lnSpc>
+                <a:spcPct val="150000"/>
+              </a:lnSpc>
               <a:buFont typeface="+mj-lt"/>
               <a:buAutoNum type="arabicPeriod"/>
             </a:pPr>
             <a:r>
-              <a:rPr kumimoji="1" lang="ja-JP" altLang="en-US" sz="2600"/>
+              <a:rPr kumimoji="1" lang="ja-JP" altLang="en-US" sz="2400"/>
               <a:t>復興活動に関する具体的取り組みの存在</a:t>
             </a:r>
-            <a:endParaRPr kumimoji="1" lang="en-US" altLang="ja-JP" sz="2600" dirty="0"/>
+            <a:endParaRPr kumimoji="1" lang="en-US" altLang="ja-JP" sz="2400" dirty="0"/>
           </a:p>
           <a:p>
-            <a:pPr marL="457200" lvl="1" indent="0">
+            <a:pPr marL="457200" lvl="1" indent="0" algn="just">
+              <a:lnSpc>
+                <a:spcPct val="150000"/>
+              </a:lnSpc>
               <a:buNone/>
             </a:pPr>
             <a:r>
-              <a:rPr lang="ja-JP" altLang="en-US"/>
-              <a:t>「木戸川の鮭の遡上再生」「避難解除後の生活再建支援</a:t>
+              <a:rPr lang="ja-JP" altLang="en-US" sz="1800"/>
+              <a:t>「木戸川の鮭の遡上再生」「避難解除後の生活再建支援」</a:t>
             </a:r>
-            <a:r>
-              <a:rPr lang="ja-JP" altLang="en-US" sz="2600"/>
-              <a:t>」</a:t>
-            </a:r>
-            <a:endParaRPr kumimoji="1" lang="ja-JP" altLang="en-US" sz="2600"/>
+            <a:endParaRPr kumimoji="1" lang="ja-JP" altLang="en-US" sz="1800"/>
           </a:p>
         </p:txBody>
       </p:sp>
@@ -20586,7 +22344,7 @@
         </p:nvSpPr>
         <p:spPr>
           <a:xfrm>
-            <a:off x="1043631" y="809898"/>
+            <a:off x="1043631" y="953590"/>
             <a:ext cx="9942716" cy="1554480"/>
           </a:xfrm>
         </p:spPr>
@@ -20597,11 +22355,11 @@
           <a:lstStyle/>
           <a:p>
             <a:r>
-              <a:rPr kumimoji="1" lang="en-US" altLang="ja-JP" sz="4800"/>
+              <a:rPr kumimoji="1" lang="en-US" altLang="ja-JP" sz="4000" b="1" dirty="0"/>
               <a:t>1. </a:t>
             </a:r>
             <a:r>
-              <a:rPr kumimoji="1" lang="ja-JP" altLang="en-US" sz="4800"/>
+              <a:rPr kumimoji="1" lang="ja-JP" altLang="en-US" sz="4000" b="1"/>
               <a:t>楢葉町の特徴的な復興過程</a:t>
             </a:r>
           </a:p>
@@ -20625,101 +22383,137 @@
         </p:nvSpPr>
         <p:spPr>
           <a:xfrm>
-            <a:off x="1043631" y="2923444"/>
-            <a:ext cx="9941319" cy="3124658"/>
+            <a:off x="1043631" y="2560321"/>
+            <a:ext cx="9941319" cy="3924975"/>
           </a:xfrm>
         </p:spPr>
         <p:txBody>
           <a:bodyPr anchor="ctr">
-            <a:normAutofit lnSpcReduction="10000"/>
+            <a:normAutofit fontScale="85000" lnSpcReduction="20000"/>
           </a:bodyPr>
           <a:lstStyle/>
           <a:p>
+            <a:pPr>
+              <a:lnSpc>
+                <a:spcPct val="170000"/>
+              </a:lnSpc>
+            </a:pPr>
             <a:r>
-              <a:rPr kumimoji="1" lang="en-US" altLang="ja-JP" sz="2000" dirty="0"/>
-              <a:t>2015</a:t>
+              <a:rPr kumimoji="1" lang="ja-JP" altLang="en-US" sz="2400"/>
+              <a:t>楢葉町の「避難解除」は双葉郡の中で最初期に行われた</a:t>
+            </a:r>
+            <a:r>
+              <a:rPr kumimoji="1" lang="en-US" altLang="ja-JP" sz="2400" dirty="0"/>
+              <a:t>(2015</a:t>
+            </a:r>
+            <a:r>
+              <a:rPr kumimoji="1" lang="ja-JP" altLang="en-US" sz="2400"/>
+              <a:t>年</a:t>
+            </a:r>
+            <a:r>
+              <a:rPr kumimoji="1" lang="en-US" altLang="ja-JP" sz="2400" dirty="0"/>
+              <a:t>9</a:t>
+            </a:r>
+            <a:r>
+              <a:rPr kumimoji="1" lang="ja-JP" altLang="en-US" sz="2400"/>
+              <a:t>月</a:t>
+            </a:r>
+            <a:r>
+              <a:rPr kumimoji="1" lang="en-US" altLang="ja-JP" sz="2400" dirty="0"/>
+              <a:t>)</a:t>
+            </a:r>
+          </a:p>
+          <a:p>
+            <a:pPr>
+              <a:lnSpc>
+                <a:spcPct val="170000"/>
+              </a:lnSpc>
+            </a:pPr>
+            <a:r>
+              <a:rPr lang="ja-JP" altLang="en-US" sz="2400"/>
+              <a:t>「初」の事例が多いモデルケース</a:t>
+            </a:r>
+            <a:endParaRPr lang="en-US" altLang="ja-JP" sz="2400" dirty="0"/>
+          </a:p>
+          <a:p>
+            <a:pPr lvl="1">
+              <a:lnSpc>
+                <a:spcPct val="120000"/>
+              </a:lnSpc>
+            </a:pPr>
+            <a:r>
+              <a:rPr kumimoji="1" lang="ja-JP" altLang="en-US" sz="2000"/>
+              <a:t>福島県内初の復興商業施設、「ならは</a:t>
+            </a:r>
+            <a:r>
+              <a:rPr kumimoji="1" lang="en-US" altLang="ja-JP" sz="2000" dirty="0" err="1"/>
+              <a:t>CANvas</a:t>
             </a:r>
             <a:r>
               <a:rPr kumimoji="1" lang="ja-JP" altLang="en-US" sz="2000"/>
-              <a:t>年</a:t>
-            </a:r>
-            <a:r>
-              <a:rPr kumimoji="1" lang="en-US" altLang="ja-JP" sz="2000" dirty="0"/>
-              <a:t>9</a:t>
-            </a:r>
-            <a:r>
-              <a:rPr kumimoji="1" lang="ja-JP" altLang="en-US" sz="2000"/>
-              <a:t>月に避難指示が解除された。</a:t>
+              <a:t>」</a:t>
             </a:r>
             <a:endParaRPr kumimoji="1" lang="en-US" altLang="ja-JP" sz="2000" dirty="0"/>
           </a:p>
           <a:p>
-            <a:r>
-              <a:rPr kumimoji="1" lang="ja-JP" altLang="en-US" sz="2000"/>
-              <a:t>楢葉町は「避難解除」は双葉郡の中で最初期に行われた</a:t>
-            </a:r>
-            <a:endParaRPr kumimoji="1" lang="en-US" altLang="ja-JP" sz="2000" dirty="0"/>
-          </a:p>
-          <a:p>
+            <a:pPr lvl="1">
+              <a:lnSpc>
+                <a:spcPct val="120000"/>
+              </a:lnSpc>
+            </a:pPr>
             <a:r>
               <a:rPr lang="ja-JP" altLang="en-US" sz="2000"/>
-              <a:t>「全国初」の事例が多いモデルケース</a:t>
+              <a:t>避難指示解除後の公共インフラの整備</a:t>
             </a:r>
             <a:endParaRPr lang="en-US" altLang="ja-JP" sz="2000" dirty="0"/>
           </a:p>
           <a:p>
-            <a:pPr lvl="1"/>
+            <a:pPr>
+              <a:lnSpc>
+                <a:spcPct val="170000"/>
+              </a:lnSpc>
+            </a:pPr>
             <a:r>
-              <a:rPr kumimoji="1" lang="ja-JP" altLang="en-US" sz="1800"/>
-              <a:t>福島県内初の復興商業施設、「ならは</a:t>
+              <a:rPr lang="ja-JP" altLang="en-US" sz="2600"/>
+              <a:t>避難住民の帰還率の課題</a:t>
             </a:r>
-            <a:r>
-              <a:rPr kumimoji="1" lang="en-US" altLang="ja-JP" sz="1800" dirty="0" err="1"/>
-              <a:t>CANvas</a:t>
-            </a:r>
-            <a:r>
-              <a:rPr kumimoji="1" lang="ja-JP" altLang="en-US" sz="1800"/>
-              <a:t>」</a:t>
-            </a:r>
-            <a:endParaRPr kumimoji="1" lang="en-US" altLang="ja-JP" sz="1800" dirty="0"/>
+            <a:endParaRPr lang="en-US" altLang="ja-JP" sz="2600" dirty="0"/>
           </a:p>
           <a:p>
-            <a:pPr lvl="1"/>
+            <a:pPr lvl="1">
+              <a:lnSpc>
+                <a:spcPct val="120000"/>
+              </a:lnSpc>
+            </a:pPr>
             <a:r>
-              <a:rPr lang="ja-JP" altLang="en-US" sz="1800"/>
-              <a:t>避難指示解除後の公共インフラの整備</a:t>
+              <a:rPr lang="ja-JP" altLang="en-US" sz="2200"/>
+              <a:t>若年層の帰還率が低いことによる少子高齢化の進行</a:t>
             </a:r>
-            <a:endParaRPr lang="en-US" altLang="ja-JP" sz="1800" dirty="0"/>
+            <a:endParaRPr lang="en-US" altLang="ja-JP" sz="2200" dirty="0"/>
           </a:p>
           <a:p>
+            <a:pPr>
+              <a:lnSpc>
+                <a:spcPct val="170000"/>
+              </a:lnSpc>
+            </a:pPr>
             <a:r>
-              <a:rPr lang="ja-JP" altLang="en-US" sz="2000"/>
-              <a:t>避難住民の帰還率の課題</a:t>
+              <a:rPr lang="ja-JP" altLang="en-US" sz="2600"/>
+              <a:t>震災遺構の保存</a:t>
             </a:r>
-            <a:endParaRPr lang="en-US" altLang="ja-JP" sz="2000" dirty="0"/>
+            <a:endParaRPr lang="en-US" altLang="ja-JP" sz="2600" dirty="0"/>
           </a:p>
           <a:p>
-            <a:pPr lvl="1"/>
+            <a:pPr lvl="1">
+              <a:lnSpc>
+                <a:spcPct val="120000"/>
+              </a:lnSpc>
+            </a:pPr>
             <a:r>
-              <a:rPr lang="ja-JP" altLang="en-US" sz="1800"/>
-              <a:t>若年層の帰還率が低いことによる少子高齢化の進行</a:t>
-            </a:r>
-            <a:endParaRPr lang="en-US" altLang="ja-JP" sz="1800" dirty="0"/>
-          </a:p>
-          <a:p>
-            <a:r>
-              <a:rPr lang="ja-JP" altLang="en-US" sz="2000"/>
-              <a:t>震災遺構の保存</a:t>
-            </a:r>
-            <a:endParaRPr lang="en-US" altLang="ja-JP" sz="2000" dirty="0"/>
-          </a:p>
-          <a:p>
-            <a:pPr lvl="1"/>
-            <a:r>
-              <a:rPr lang="ja-JP" altLang="en-US" sz="1800"/>
+              <a:rPr lang="ja-JP" altLang="en-US" sz="2200"/>
               <a:t>避難の痕跡が残る公共施設や学校の存在</a:t>
             </a:r>
-            <a:endParaRPr lang="en-US" altLang="ja-JP" sz="1800" dirty="0"/>
+            <a:endParaRPr lang="en-US" altLang="ja-JP" sz="2200" dirty="0"/>
           </a:p>
         </p:txBody>
       </p:sp>
@@ -21173,28 +22967,28 @@
         </p:nvSpPr>
         <p:spPr>
           <a:xfrm>
-            <a:off x="1043631" y="809898"/>
+            <a:off x="1043631" y="1216597"/>
             <a:ext cx="9942716" cy="1554480"/>
           </a:xfrm>
         </p:spPr>
         <p:txBody>
           <a:bodyPr anchor="ctr">
-            <a:normAutofit/>
+            <a:normAutofit fontScale="90000"/>
           </a:bodyPr>
           <a:lstStyle/>
           <a:p>
             <a:r>
-              <a:rPr kumimoji="1" lang="en-US" altLang="ja-JP" sz="3700"/>
-              <a:t>2.</a:t>
+              <a:rPr kumimoji="1" lang="en-US" altLang="ja-JP" sz="4000" b="1" dirty="0"/>
+              <a:t>2. </a:t>
             </a:r>
             <a:r>
-              <a:rPr kumimoji="1" lang="ja-JP" altLang="en-US" sz="3700"/>
+              <a:rPr kumimoji="1" lang="ja-JP" altLang="en-US" sz="4000" b="1"/>
               <a:t>復興活動に関する具体的取り組みの存在</a:t>
             </a:r>
             <a:br>
-              <a:rPr kumimoji="1" lang="en-US" altLang="ja-JP" sz="3700"/>
+              <a:rPr kumimoji="1" lang="en-US" altLang="ja-JP" sz="4000" b="1" dirty="0"/>
             </a:br>
-            <a:endParaRPr kumimoji="1" lang="ja-JP" altLang="en-US" sz="3700"/>
+            <a:endParaRPr kumimoji="1" lang="ja-JP" altLang="en-US" sz="4000" b="1"/>
           </a:p>
         </p:txBody>
       </p:sp>
@@ -21216,8 +23010,8 @@
         </p:nvSpPr>
         <p:spPr>
           <a:xfrm>
-            <a:off x="1043631" y="2923444"/>
-            <a:ext cx="9941319" cy="3124658"/>
+            <a:off x="1043631" y="2704013"/>
+            <a:ext cx="9941319" cy="3781295"/>
           </a:xfrm>
         </p:spPr>
         <p:txBody>
@@ -21226,6 +23020,11 @@
           </a:bodyPr>
           <a:lstStyle/>
           <a:p>
+            <a:pPr>
+              <a:lnSpc>
+                <a:spcPct val="150000"/>
+              </a:lnSpc>
+            </a:pPr>
             <a:r>
               <a:rPr kumimoji="1" lang="ja-JP" altLang="en-US" sz="2400"/>
               <a:t>インフラの再建</a:t>
@@ -21233,51 +23032,76 @@
             <a:endParaRPr kumimoji="1" lang="en-US" altLang="ja-JP" sz="2400" dirty="0"/>
           </a:p>
           <a:p>
-            <a:pPr lvl="1"/>
+            <a:pPr lvl="1">
+              <a:lnSpc>
+                <a:spcPct val="100000"/>
+              </a:lnSpc>
+            </a:pPr>
             <a:r>
-              <a:rPr kumimoji="1" lang="ja-JP" altLang="en-US" sz="1800"/>
+              <a:rPr kumimoji="1" lang="ja-JP" altLang="en-US" sz="2000"/>
               <a:t>避難指示解除後、学校や医療施設、商業施設の再建が進められている</a:t>
             </a:r>
-            <a:endParaRPr kumimoji="1" lang="en-US" altLang="ja-JP" sz="1800" dirty="0"/>
+            <a:endParaRPr kumimoji="1" lang="en-US" altLang="ja-JP" sz="2000" dirty="0"/>
           </a:p>
           <a:p>
             <a:pPr marL="457200" lvl="1" indent="0">
+              <a:lnSpc>
+                <a:spcPct val="100000"/>
+              </a:lnSpc>
               <a:buNone/>
             </a:pPr>
             <a:r>
-              <a:rPr lang="en-US" altLang="ja-JP" sz="1800" dirty="0"/>
-              <a:t>→</a:t>
-            </a:r>
-            <a:r>
-              <a:rPr kumimoji="1" lang="ja-JP" altLang="en-US" sz="1800"/>
+              <a:rPr kumimoji="1" lang="ja-JP" altLang="en-US" sz="1600"/>
               <a:t>楢葉町立楢葉南小学校の再開、楢葉町地域医療センターの開設、</a:t>
             </a:r>
             <a:r>
-              <a:rPr kumimoji="1" lang="en-US" altLang="ja-JP" sz="1800" dirty="0"/>
+              <a:rPr kumimoji="1" lang="en-US" altLang="ja-JP" sz="1600" dirty="0"/>
               <a:t>JR </a:t>
             </a:r>
             <a:r>
-              <a:rPr kumimoji="1" lang="ja-JP" altLang="en-US" sz="1800"/>
+              <a:rPr kumimoji="1" lang="ja-JP" altLang="en-US" sz="1600"/>
               <a:t>常磐線の再開通（</a:t>
             </a:r>
             <a:r>
-              <a:rPr kumimoji="1" lang="en-US" altLang="ja-JP" sz="1800" dirty="0"/>
+              <a:rPr kumimoji="1" lang="en-US" altLang="ja-JP" sz="1600" dirty="0"/>
               <a:t>2014</a:t>
             </a:r>
             <a:r>
-              <a:rPr kumimoji="1" lang="ja-JP" altLang="en-US" sz="1800"/>
+              <a:rPr kumimoji="1" lang="ja-JP" altLang="en-US" sz="1600"/>
               <a:t>年）</a:t>
             </a:r>
-            <a:endParaRPr kumimoji="1" lang="en-US" altLang="ja-JP" sz="1800" dirty="0"/>
+            <a:endParaRPr kumimoji="1" lang="en-US" altLang="ja-JP" sz="1600" dirty="0"/>
           </a:p>
           <a:p>
+            <a:pPr>
+              <a:lnSpc>
+                <a:spcPct val="150000"/>
+              </a:lnSpc>
+            </a:pPr>
             <a:r>
               <a:rPr lang="ja-JP" altLang="en-US" sz="2400"/>
-              <a:t>「木戸川の鮭」の再生プロジェクト</a:t>
+              <a:t>産業復興</a:t>
             </a:r>
             <a:endParaRPr lang="en-US" altLang="ja-JP" sz="2400" dirty="0"/>
           </a:p>
           <a:p>
+            <a:pPr lvl="1">
+              <a:lnSpc>
+                <a:spcPct val="150000"/>
+              </a:lnSpc>
+            </a:pPr>
+            <a:r>
+              <a:rPr lang="ja-JP" altLang="en-US" sz="2000"/>
+              <a:t>「木戸川の鮭」の再生プロジェクト</a:t>
+            </a:r>
+            <a:endParaRPr lang="en-US" altLang="ja-JP" sz="2000" dirty="0"/>
+          </a:p>
+          <a:p>
+            <a:pPr>
+              <a:lnSpc>
+                <a:spcPct val="160000"/>
+              </a:lnSpc>
+            </a:pPr>
             <a:r>
               <a:rPr kumimoji="1" lang="ja-JP" altLang="en-US" sz="2400"/>
               <a:t>生活再建と新たな挑戦</a:t>
@@ -21285,12 +23109,16 @@
             <a:endParaRPr kumimoji="1" lang="en-US" altLang="ja-JP" sz="2400" dirty="0"/>
           </a:p>
           <a:p>
-            <a:pPr lvl="1"/>
+            <a:pPr lvl="1">
+              <a:lnSpc>
+                <a:spcPct val="100000"/>
+              </a:lnSpc>
+            </a:pPr>
             <a:r>
-              <a:rPr lang="ja-JP" altLang="en-US" sz="1800"/>
-              <a:t>避難指示解除後、町民の帰還を促進するための住宅再建支援や新産業の導入が進められている。</a:t>
+              <a:rPr lang="ja-JP" altLang="en-US" sz="2000"/>
+              <a:t>町民の帰還を促進するための住宅再建支援や新産業の導入</a:t>
             </a:r>
-            <a:endParaRPr kumimoji="1" lang="ja-JP" altLang="en-US" sz="1800"/>
+            <a:endParaRPr kumimoji="1" lang="ja-JP" altLang="en-US" sz="2000"/>
           </a:p>
         </p:txBody>
       </p:sp>
@@ -21362,6 +23190,14 @@
 <file path=ppt/slides/slide13.xml><?xml version="1.0" encoding="utf-8"?>
 <p:sld xmlns:a="http://schemas.openxmlformats.org/drawingml/2006/main" xmlns:r="http://schemas.openxmlformats.org/officeDocument/2006/relationships" xmlns:p="http://schemas.openxmlformats.org/presentationml/2006/main">
   <p:cSld>
+    <p:bg>
+      <p:bgPr>
+        <a:solidFill>
+          <a:schemeClr val="bg1"/>
+        </a:solidFill>
+        <a:effectLst/>
+      </p:bgPr>
+    </p:bg>
     <p:spTree>
       <p:nvGrpSpPr>
         <p:cNvPr id="1" name=""/>
@@ -21376,6 +23212,200 @@
           <a:chExt cx="0" cy="0"/>
         </a:xfrm>
       </p:grpSpPr>
+      <p:sp useBgFill="1">
+        <p:nvSpPr>
+          <p:cNvPr id="8" name="Rectangle 7">
+            <a:extLst>
+              <a:ext uri="{FF2B5EF4-FFF2-40B4-BE49-F238E27FC236}">
+                <a16:creationId xmlns:a16="http://schemas.microsoft.com/office/drawing/2014/main" id="{907EF6B7-1338-4443-8C46-6A318D952DFD}"/>
+              </a:ext>
+              <a:ext uri="{C183D7F6-B498-43B3-948B-1728B52AA6E4}">
+                <adec:decorative xmlns:adec="http://schemas.microsoft.com/office/drawing/2017/decorative" val="1"/>
+              </a:ext>
+            </a:extLst>
+          </p:cNvPr>
+          <p:cNvSpPr>
+            <a:spLocks noGrp="1" noRot="1" noChangeAspect="1" noMove="1" noResize="1" noEditPoints="1" noAdjustHandles="1" noChangeArrowheads="1" noChangeShapeType="1" noTextEdit="1"/>
+          </p:cNvSpPr>
+          <p:nvPr>
+            <p:extLst>
+              <p:ext uri="{386F3935-93C4-4BCD-93E2-E3B085C9AB24}">
+                <p16:designElem xmlns:p16="http://schemas.microsoft.com/office/powerpoint/2015/main" val="1"/>
+              </p:ext>
+            </p:extLst>
+          </p:nvPr>
+        </p:nvSpPr>
+        <p:spPr>
+          <a:xfrm>
+            <a:off x="3048" y="0"/>
+            <a:ext cx="12188952" cy="6858000"/>
+          </a:xfrm>
+          <a:prstGeom prst="rect">
+            <a:avLst/>
+          </a:prstGeom>
+          <a:ln>
+            <a:noFill/>
+          </a:ln>
+        </p:spPr>
+        <p:style>
+          <a:lnRef idx="2">
+            <a:schemeClr val="accent1">
+              <a:shade val="50000"/>
+            </a:schemeClr>
+          </a:lnRef>
+          <a:fillRef idx="1">
+            <a:schemeClr val="accent1"/>
+          </a:fillRef>
+          <a:effectRef idx="0">
+            <a:schemeClr val="accent1"/>
+          </a:effectRef>
+          <a:fontRef idx="minor">
+            <a:schemeClr val="lt1"/>
+          </a:fontRef>
+        </p:style>
+        <p:txBody>
+          <a:bodyPr rtlCol="0" anchor="ctr"/>
+          <a:lstStyle/>
+          <a:p>
+            <a:pPr algn="ctr"/>
+            <a:endParaRPr lang="en-US"/>
+          </a:p>
+        </p:txBody>
+      </p:sp>
+      <p:sp>
+        <p:nvSpPr>
+          <p:cNvPr id="10" name="Freeform: Shape 9">
+            <a:extLst>
+              <a:ext uri="{FF2B5EF4-FFF2-40B4-BE49-F238E27FC236}">
+                <a16:creationId xmlns:a16="http://schemas.microsoft.com/office/drawing/2014/main" id="{DAAE4CDD-124C-4DCF-9584-B6033B545DD5}"/>
+              </a:ext>
+              <a:ext uri="{C183D7F6-B498-43B3-948B-1728B52AA6E4}">
+                <adec:decorative xmlns:adec="http://schemas.microsoft.com/office/drawing/2017/decorative" val="1"/>
+              </a:ext>
+            </a:extLst>
+          </p:cNvPr>
+          <p:cNvSpPr>
+            <a:spLocks noGrp="1" noRot="1" noChangeAspect="1" noMove="1" noResize="1" noEditPoints="1" noAdjustHandles="1" noChangeArrowheads="1" noChangeShapeType="1" noTextEdit="1"/>
+          </p:cNvSpPr>
+          <p:nvPr>
+            <p:extLst>
+              <p:ext uri="{386F3935-93C4-4BCD-93E2-E3B085C9AB24}">
+                <p16:designElem xmlns:p16="http://schemas.microsoft.com/office/powerpoint/2015/main" val="1"/>
+              </p:ext>
+            </p:extLst>
+          </p:nvPr>
+        </p:nvSpPr>
+        <p:spPr>
+          <a:xfrm>
+            <a:off x="1" y="0"/>
+            <a:ext cx="4167271" cy="6858000"/>
+          </a:xfrm>
+          <a:custGeom>
+            <a:avLst/>
+            <a:gdLst>
+              <a:gd name="connsiteX0" fmla="*/ 0 w 4167271"/>
+              <a:gd name="connsiteY0" fmla="*/ 0 h 6858000"/>
+              <a:gd name="connsiteX1" fmla="*/ 2259550 w 4167271"/>
+              <a:gd name="connsiteY1" fmla="*/ 0 h 6858000"/>
+              <a:gd name="connsiteX2" fmla="*/ 2387803 w 4167271"/>
+              <a:gd name="connsiteY2" fmla="*/ 82222 h 6858000"/>
+              <a:gd name="connsiteX3" fmla="*/ 4167271 w 4167271"/>
+              <a:gd name="connsiteY3" fmla="*/ 3429000 h 6858000"/>
+              <a:gd name="connsiteX4" fmla="*/ 2387803 w 4167271"/>
+              <a:gd name="connsiteY4" fmla="*/ 6775779 h 6858000"/>
+              <a:gd name="connsiteX5" fmla="*/ 2259550 w 4167271"/>
+              <a:gd name="connsiteY5" fmla="*/ 6858000 h 6858000"/>
+              <a:gd name="connsiteX6" fmla="*/ 0 w 4167271"/>
+              <a:gd name="connsiteY6" fmla="*/ 6858000 h 6858000"/>
+            </a:gdLst>
+            <a:ahLst/>
+            <a:cxnLst>
+              <a:cxn ang="0">
+                <a:pos x="connsiteX0" y="connsiteY0"/>
+              </a:cxn>
+              <a:cxn ang="0">
+                <a:pos x="connsiteX1" y="connsiteY1"/>
+              </a:cxn>
+              <a:cxn ang="0">
+                <a:pos x="connsiteX2" y="connsiteY2"/>
+              </a:cxn>
+              <a:cxn ang="0">
+                <a:pos x="connsiteX3" y="connsiteY3"/>
+              </a:cxn>
+              <a:cxn ang="0">
+                <a:pos x="connsiteX4" y="connsiteY4"/>
+              </a:cxn>
+              <a:cxn ang="0">
+                <a:pos x="connsiteX5" y="connsiteY5"/>
+              </a:cxn>
+              <a:cxn ang="0">
+                <a:pos x="connsiteX6" y="connsiteY6"/>
+              </a:cxn>
+            </a:cxnLst>
+            <a:rect l="l" t="t" r="r" b="b"/>
+            <a:pathLst>
+              <a:path w="4167271" h="6858000">
+                <a:moveTo>
+                  <a:pt x="0" y="0"/>
+                </a:moveTo>
+                <a:lnTo>
+                  <a:pt x="2259550" y="0"/>
+                </a:lnTo>
+                <a:lnTo>
+                  <a:pt x="2387803" y="82222"/>
+                </a:lnTo>
+                <a:cubicBezTo>
+                  <a:pt x="3461407" y="807534"/>
+                  <a:pt x="4167271" y="2035835"/>
+                  <a:pt x="4167271" y="3429000"/>
+                </a:cubicBezTo>
+                <a:cubicBezTo>
+                  <a:pt x="4167271" y="4822165"/>
+                  <a:pt x="3461407" y="6050467"/>
+                  <a:pt x="2387803" y="6775779"/>
+                </a:cubicBezTo>
+                <a:lnTo>
+                  <a:pt x="2259550" y="6858000"/>
+                </a:lnTo>
+                <a:lnTo>
+                  <a:pt x="0" y="6858000"/>
+                </a:lnTo>
+                <a:close/>
+              </a:path>
+            </a:pathLst>
+          </a:custGeom>
+          <a:solidFill>
+            <a:schemeClr val="accent2"/>
+          </a:solidFill>
+          <a:ln>
+            <a:noFill/>
+          </a:ln>
+        </p:spPr>
+        <p:style>
+          <a:lnRef idx="2">
+            <a:schemeClr val="accent1">
+              <a:shade val="50000"/>
+            </a:schemeClr>
+          </a:lnRef>
+          <a:fillRef idx="1">
+            <a:schemeClr val="accent1"/>
+          </a:fillRef>
+          <a:effectRef idx="0">
+            <a:schemeClr val="accent1"/>
+          </a:effectRef>
+          <a:fontRef idx="minor">
+            <a:schemeClr val="lt1"/>
+          </a:fontRef>
+        </p:style>
+        <p:txBody>
+          <a:bodyPr rtlCol="0" anchor="ctr"/>
+          <a:lstStyle/>
+          <a:p>
+            <a:pPr algn="ctr"/>
+            <a:endParaRPr lang="en-US"/>
+          </a:p>
+        </p:txBody>
+      </p:sp>
       <p:sp>
         <p:nvSpPr>
           <p:cNvPr id="2" name="タイトル 1">
@@ -21392,15 +23422,102 @@
             <p:ph type="title"/>
           </p:nvPr>
         </p:nvSpPr>
-        <p:spPr/>
+        <p:spPr>
+          <a:xfrm>
+            <a:off x="358144" y="1153571"/>
+            <a:ext cx="3760474" cy="4461163"/>
+          </a:xfrm>
+        </p:spPr>
         <p:txBody>
-          <a:bodyPr/>
+          <a:bodyPr>
+            <a:normAutofit/>
+          </a:bodyPr>
           <a:lstStyle/>
           <a:p>
             <a:r>
-              <a:rPr kumimoji="1" lang="ja-JP" altLang="en-US"/>
-              <a:t>参考資料（先行研究）</a:t>
+              <a:rPr kumimoji="1" lang="ja-JP" altLang="en-US">
+                <a:solidFill>
+                  <a:srgbClr val="FFFFFF"/>
+                </a:solidFill>
+              </a:rPr>
+              <a:t>参考資料</a:t>
             </a:r>
+            <a:br>
+              <a:rPr kumimoji="1" lang="en-US" altLang="ja-JP" dirty="0">
+                <a:solidFill>
+                  <a:srgbClr val="FFFFFF"/>
+                </a:solidFill>
+              </a:rPr>
+            </a:br>
+            <a:r>
+              <a:rPr kumimoji="1" lang="ja-JP" altLang="en-US">
+                <a:solidFill>
+                  <a:srgbClr val="FFFFFF"/>
+                </a:solidFill>
+              </a:rPr>
+              <a:t>（先行研究）</a:t>
+            </a:r>
+          </a:p>
+        </p:txBody>
+      </p:sp>
+      <p:sp>
+        <p:nvSpPr>
+          <p:cNvPr id="12" name="Arc 11">
+            <a:extLst>
+              <a:ext uri="{FF2B5EF4-FFF2-40B4-BE49-F238E27FC236}">
+                <a16:creationId xmlns:a16="http://schemas.microsoft.com/office/drawing/2014/main" id="{081E4A58-353D-44AE-B2FC-2A74E2E400F7}"/>
+              </a:ext>
+              <a:ext uri="{C183D7F6-B498-43B3-948B-1728B52AA6E4}">
+                <adec:decorative xmlns:adec="http://schemas.microsoft.com/office/drawing/2017/decorative" val="1"/>
+              </a:ext>
+            </a:extLst>
+          </p:cNvPr>
+          <p:cNvSpPr>
+            <a:spLocks noGrp="1" noRot="1" noChangeAspect="1" noMove="1" noResize="1" noEditPoints="1" noAdjustHandles="1" noChangeArrowheads="1" noChangeShapeType="1" noTextEdit="1"/>
+          </p:cNvSpPr>
+          <p:nvPr>
+            <p:extLst>
+              <p:ext uri="{386F3935-93C4-4BCD-93E2-E3B085C9AB24}">
+                <p16:designElem xmlns:p16="http://schemas.microsoft.com/office/powerpoint/2015/main" val="1"/>
+              </p:ext>
+            </p:extLst>
+          </p:nvPr>
+        </p:nvSpPr>
+        <p:spPr>
+          <a:xfrm flipV="1">
+            <a:off x="7550402" y="2455479"/>
+            <a:ext cx="4083433" cy="4083433"/>
+          </a:xfrm>
+          <a:prstGeom prst="arc">
+            <a:avLst/>
+          </a:prstGeom>
+          <a:ln w="127000" cap="rnd">
+            <a:solidFill>
+              <a:schemeClr val="accent4"/>
+            </a:solidFill>
+            <a:prstDash val="dash"/>
+          </a:ln>
+        </p:spPr>
+        <p:style>
+          <a:lnRef idx="1">
+            <a:schemeClr val="accent1"/>
+          </a:lnRef>
+          <a:fillRef idx="0">
+            <a:schemeClr val="accent1"/>
+          </a:fillRef>
+          <a:effectRef idx="0">
+            <a:schemeClr val="accent1"/>
+          </a:effectRef>
+          <a:fontRef idx="minor">
+            <a:schemeClr val="tx1"/>
+          </a:fontRef>
+        </p:style>
+        <p:txBody>
+          <a:bodyPr rtlCol="0" anchor="ctr"/>
+          <a:lstStyle/>
+          <a:p>
+            <a:pPr algn="ctr"/>
+            <a:endParaRPr lang="en-US" dirty="0"/>
           </a:p>
         </p:txBody>
       </p:sp>
@@ -21422,12 +23539,14 @@
         </p:nvSpPr>
         <p:spPr>
           <a:xfrm>
-            <a:off x="838200" y="2506662"/>
-            <a:ext cx="10515600" cy="4351338"/>
+            <a:off x="4447308" y="591344"/>
+            <a:ext cx="6906491" cy="5585619"/>
           </a:xfrm>
         </p:spPr>
         <p:txBody>
-          <a:bodyPr/>
+          <a:bodyPr anchor="ctr">
+            <a:normAutofit/>
+          </a:bodyPr>
           <a:lstStyle/>
           <a:p>
             <a:r>
@@ -21435,22 +23554,22 @@
               <a:t>広島アーカイブ</a:t>
             </a:r>
             <a:r>
-              <a:rPr kumimoji="1" lang="en-US" altLang="ja-JP" dirty="0"/>
+              <a:rPr kumimoji="1" lang="en-US" altLang="ja-JP"/>
               <a:t>: https://</a:t>
             </a:r>
             <a:r>
-              <a:rPr kumimoji="1" lang="en-US" altLang="ja-JP" dirty="0" err="1"/>
+              <a:rPr kumimoji="1" lang="en-US" altLang="ja-JP" err="1"/>
               <a:t>hiroshima.archiving.jp</a:t>
             </a:r>
             <a:r>
-              <a:rPr kumimoji="1" lang="en-US" altLang="ja-JP" dirty="0"/>
+              <a:rPr kumimoji="1" lang="en-US" altLang="ja-JP"/>
               <a:t>/</a:t>
             </a:r>
             <a:r>
-              <a:rPr kumimoji="1" lang="en-US" altLang="ja-JP" dirty="0" err="1"/>
+              <a:rPr kumimoji="1" lang="en-US" altLang="ja-JP" err="1"/>
               <a:t>index_jp.html</a:t>
             </a:r>
-            <a:endParaRPr lang="en-US" altLang="ja-JP" dirty="0"/>
+            <a:endParaRPr lang="en-US" altLang="ja-JP"/>
           </a:p>
           <a:p>
             <a:r>
@@ -21458,22 +23577,22 @@
               <a:t>長崎アーカイブ</a:t>
             </a:r>
             <a:r>
-              <a:rPr kumimoji="1" lang="en-US" altLang="ja-JP" dirty="0"/>
+              <a:rPr kumimoji="1" lang="en-US" altLang="ja-JP"/>
               <a:t>: https://</a:t>
             </a:r>
             <a:r>
-              <a:rPr kumimoji="1" lang="en-US" altLang="ja-JP" dirty="0" err="1"/>
+              <a:rPr kumimoji="1" lang="en-US" altLang="ja-JP" err="1"/>
               <a:t>n.mapping.jp</a:t>
             </a:r>
             <a:r>
-              <a:rPr kumimoji="1" lang="en-US" altLang="ja-JP" dirty="0"/>
+              <a:rPr kumimoji="1" lang="en-US" altLang="ja-JP"/>
               <a:t>/</a:t>
             </a:r>
             <a:r>
-              <a:rPr kumimoji="1" lang="en-US" altLang="ja-JP" dirty="0" err="1"/>
+              <a:rPr kumimoji="1" lang="en-US" altLang="ja-JP" err="1"/>
               <a:t>index_jp.html</a:t>
             </a:r>
-            <a:endParaRPr lang="en-US" altLang="ja-JP" dirty="0"/>
+            <a:endParaRPr lang="en-US" altLang="ja-JP"/>
           </a:p>
           <a:p>
             <a:r>
@@ -21481,20 +23600,20 @@
               <a:t>ならは</a:t>
             </a:r>
             <a:r>
-              <a:rPr kumimoji="1" lang="en-US" altLang="ja-JP" dirty="0" err="1"/>
+              <a:rPr kumimoji="1" lang="en-US" altLang="ja-JP" err="1"/>
               <a:t>CANvas</a:t>
             </a:r>
             <a:r>
-              <a:rPr kumimoji="1" lang="en-US" altLang="ja-JP" dirty="0"/>
+              <a:rPr kumimoji="1" lang="en-US" altLang="ja-JP"/>
               <a:t>: </a:t>
             </a:r>
             <a:r>
-              <a:rPr kumimoji="1" lang="en-US" altLang="ja-JP" dirty="0">
+              <a:rPr kumimoji="1" lang="en-US" altLang="ja-JP">
                 <a:hlinkClick r:id="rId2"/>
               </a:rPr>
               <a:t>https://naraha-canvas.com/</a:t>
             </a:r>
-            <a:endParaRPr kumimoji="1" lang="en-US" altLang="ja-JP" dirty="0"/>
+            <a:endParaRPr kumimoji="1" lang="en-US" altLang="ja-JP"/>
           </a:p>
           <a:p>
             <a:r>
@@ -21502,19 +23621,19 @@
               <a:t>暮らすなら楢葉「空き家・空き地バンク」</a:t>
             </a:r>
             <a:r>
-              <a:rPr lang="en-US" altLang="ja-JP" dirty="0"/>
+              <a:rPr lang="en-US" altLang="ja-JP"/>
               <a:t>: https://</a:t>
             </a:r>
             <a:r>
-              <a:rPr lang="en-US" altLang="ja-JP" dirty="0" err="1"/>
+              <a:rPr lang="en-US" altLang="ja-JP" err="1"/>
               <a:t>kurasu-naraha.jp</a:t>
             </a:r>
             <a:r>
-              <a:rPr lang="en-US" altLang="ja-JP" dirty="0"/>
+              <a:rPr lang="en-US" altLang="ja-JP"/>
               <a:t>/</a:t>
             </a:r>
             <a:r>
-              <a:rPr lang="en-US" altLang="ja-JP" dirty="0" err="1"/>
+              <a:rPr lang="en-US" altLang="ja-JP" err="1"/>
               <a:t>house-and-work#akiyabank</a:t>
             </a:r>
             <a:endParaRPr kumimoji="1" lang="ja-JP" altLang="en-US"/>
@@ -22035,17 +24154,65 @@
           <a:p>
             <a:pPr lvl="1"/>
             <a:r>
-              <a:rPr lang="ja-JP" altLang="en-US"/>
+              <a:rPr lang="ja-JP" altLang="en-US" sz="2000"/>
               <a:t>日本の歴史上最大級の地震</a:t>
             </a:r>
+            <a:r>
+              <a:rPr lang="en-US" altLang="ja-JP" sz="2000" dirty="0"/>
+              <a:t>(</a:t>
+            </a:r>
+            <a:r>
+              <a:rPr lang="ja-JP" altLang="en-US" sz="2000"/>
+              <a:t>マグニチュード</a:t>
+            </a:r>
+            <a:r>
+              <a:rPr lang="en-US" altLang="ja-JP" sz="2000" dirty="0"/>
+              <a:t>9.0, </a:t>
+            </a:r>
+            <a:r>
+              <a:rPr lang="ja-JP" altLang="en-US" sz="2000"/>
+              <a:t>震度</a:t>
+            </a:r>
+            <a:r>
+              <a:rPr lang="en-US" altLang="ja-JP" sz="2000" dirty="0"/>
+              <a:t>7)</a:t>
+            </a:r>
+            <a:endParaRPr lang="ja-JP" altLang="en-US" sz="2000"/>
           </a:p>
           <a:p>
             <a:pPr lvl="1"/>
             <a:r>
-              <a:rPr lang="ja-JP" altLang="en-US"/>
+              <a:rPr lang="ja-JP" altLang="en-US" sz="2000"/>
               <a:t>巨大な津波の発生</a:t>
             </a:r>
-            <a:endParaRPr lang="en-US" altLang="ja-JP" dirty="0"/>
+            <a:r>
+              <a:rPr lang="en-US" altLang="ja-JP" sz="2000" dirty="0"/>
+              <a:t>(</a:t>
+            </a:r>
+            <a:r>
+              <a:rPr lang="ja-JP" altLang="en-US" sz="2000"/>
+              <a:t>岩手県宮古市田老で最大津波高さ</a:t>
+            </a:r>
+            <a:r>
+              <a:rPr lang="en-US" altLang="ja-JP" sz="2000" dirty="0"/>
+              <a:t>: </a:t>
+            </a:r>
+            <a:r>
+              <a:rPr lang="ja-JP" altLang="en-US" sz="2000"/>
+              <a:t>約</a:t>
+            </a:r>
+            <a:r>
+              <a:rPr lang="en-US" altLang="ja-JP" sz="2000" dirty="0"/>
+              <a:t>40.1</a:t>
+            </a:r>
+            <a:r>
+              <a:rPr lang="ja-JP" altLang="en-US" sz="2000"/>
+              <a:t>メートル</a:t>
+            </a:r>
+            <a:r>
+              <a:rPr lang="en-US" altLang="ja-JP" sz="2000" dirty="0"/>
+              <a:t>)</a:t>
+            </a:r>
           </a:p>
           <a:p>
             <a:pPr lvl="1"/>
@@ -22058,27 +24225,29 @@
             </a:pPr>
             <a:r>
               <a:rPr lang="ja-JP" altLang="en-US" sz="2400" b="1"/>
-              <a:t>福島第一原子力発電所事故</a:t>
+              <a:t>東日本大震災によって引き起こされた福島第一原子力発電所事故</a:t>
             </a:r>
             <a:endParaRPr lang="en-US" altLang="ja-JP" sz="2400" b="1" dirty="0"/>
           </a:p>
           <a:p>
             <a:pPr lvl="1"/>
             <a:r>
-              <a:rPr lang="ja-JP" altLang="en-US"/>
-              <a:t>原発事故による放射性物質の漏洩</a:t>
+              <a:rPr lang="ja-JP" altLang="en-US" sz="2000"/>
+              <a:t>原発事故によって放射性物質が漏洩</a:t>
             </a:r>
           </a:p>
           <a:p>
             <a:pPr lvl="1"/>
             <a:r>
-              <a:rPr lang="ja-JP" altLang="en-US"/>
-              <a:t>広範囲にわたる避難区域の設定</a:t>
+              <a:rPr lang="ja-JP" altLang="en-US" sz="2000"/>
+              <a:t>放射線被害により広範囲に避難区域が設定された</a:t>
             </a:r>
-            <a:endParaRPr lang="en-US" altLang="ja-JP" dirty="0"/>
+            <a:endParaRPr lang="en-US" altLang="ja-JP" sz="2000" dirty="0"/>
           </a:p>
           <a:p>
-            <a:pPr lvl="1"/>
+            <a:pPr marL="457200" lvl="1" indent="0">
+              <a:buNone/>
+            </a:pPr>
             <a:endParaRPr lang="ja-JP" altLang="en-US"/>
           </a:p>
           <a:p>
@@ -22088,22 +24257,26 @@
             </a:pPr>
             <a:r>
               <a:rPr lang="ja-JP" altLang="en-US" sz="2400" b="1"/>
-              <a:t>双葉郡の被害状況</a:t>
+              <a:t>福島県双葉郡への震災被害</a:t>
             </a:r>
             <a:endParaRPr lang="en-US" altLang="ja-JP" sz="2400" b="1" dirty="0"/>
           </a:p>
           <a:p>
             <a:pPr lvl="1"/>
             <a:r>
-              <a:rPr lang="ja-JP" altLang="en-US"/>
-              <a:t>地震、津波、原発事故の複合災害</a:t>
+              <a:rPr lang="ja-JP" altLang="en-US" sz="2000"/>
+              <a:t>地震、津波、原発事故の</a:t>
+            </a:r>
+            <a:r>
+              <a:rPr lang="ja-JP" altLang="en-US" sz="2000" b="1"/>
+              <a:t>複合災害</a:t>
             </a:r>
           </a:p>
           <a:p>
             <a:pPr lvl="1"/>
             <a:r>
-              <a:rPr lang="ja-JP" altLang="en-US"/>
-              <a:t>住民の避難と長期的な影響</a:t>
+              <a:rPr lang="ja-JP" altLang="en-US" sz="2000"/>
+              <a:t>住民の避難による長期的な影響</a:t>
             </a:r>
           </a:p>
           <a:p>
@@ -22618,7 +24791,7 @@
         </p:nvSpPr>
         <p:spPr>
           <a:xfrm>
-            <a:off x="826396" y="586855"/>
+            <a:off x="664846" y="613247"/>
             <a:ext cx="4230100" cy="3387497"/>
           </a:xfrm>
         </p:spPr>
@@ -22628,7 +24801,7 @@
           </a:bodyPr>
           <a:lstStyle/>
           <a:p>
-            <a:pPr algn="r"/>
+            <a:pPr algn="ctr"/>
             <a:r>
               <a:rPr kumimoji="1" lang="ja-JP" altLang="en-US" sz="4000" b="1">
                 <a:solidFill>
@@ -22658,8 +24831,8 @@
         </p:nvSpPr>
         <p:spPr>
           <a:xfrm>
-            <a:off x="6503158" y="649480"/>
-            <a:ext cx="5152413" cy="5546047"/>
+            <a:off x="6096001" y="649480"/>
+            <a:ext cx="5668206" cy="5546047"/>
           </a:xfrm>
         </p:spPr>
         <p:txBody>
@@ -22682,57 +24855,42 @@
             </a:r>
             <a:r>
               <a:rPr lang="ja-JP" altLang="en-US" sz="2400"/>
-              <a:t>年が経過</a:t>
+              <a:t>年が経過し、人々の東日本大震災に関する記憶が風化しつつある</a:t>
             </a:r>
             <a:endParaRPr lang="en-US" altLang="ja-JP" sz="2400" dirty="0"/>
+          </a:p>
+          <a:p>
+            <a:pPr>
+              <a:buFont typeface="Arial" panose="020B0604020202020204" pitchFamily="34" charset="0"/>
+              <a:buChar char="•"/>
+            </a:pPr>
+            <a:endParaRPr lang="en-US" altLang="ja-JP" sz="2400" dirty="0"/>
+          </a:p>
+          <a:p>
+            <a:r>
+              <a:rPr lang="ja-JP" altLang="en-US" sz="2400" b="1"/>
+              <a:t>震災を語れる最後の世代</a:t>
+            </a:r>
+            <a:endParaRPr lang="en-US" altLang="ja-JP" sz="2400" b="1" dirty="0"/>
           </a:p>
           <a:p>
             <a:pPr marL="457200" lvl="1" indent="0">
               <a:buNone/>
             </a:pPr>
             <a:r>
-              <a:rPr lang="en-US" altLang="ja-JP" dirty="0"/>
-              <a:t>→</a:t>
+              <a:rPr lang="en-US" altLang="ja-JP" sz="2000" dirty="0"/>
+              <a:t>2003(04)</a:t>
             </a:r>
             <a:r>
-              <a:rPr lang="ja-JP" altLang="en-US"/>
-              <a:t>人々の記憶が風化しつつある</a:t>
+              <a:rPr lang="ja-JP" altLang="en-US" sz="2000"/>
+              <a:t>年生まれの私たちが、災害を直接経験し、自らの経験を語れる最後の世代</a:t>
             </a:r>
-            <a:endParaRPr lang="en-US" altLang="ja-JP" dirty="0"/>
+            <a:endParaRPr lang="en-US" altLang="ja-JP" sz="2000" dirty="0"/>
           </a:p>
           <a:p>
-            <a:pPr lvl="1"/>
-            <a:endParaRPr lang="ja-JP" altLang="en-US"/>
-          </a:p>
-          <a:p>
-            <a:pPr>
-              <a:buFont typeface="Arial" panose="020B0604020202020204" pitchFamily="34" charset="0"/>
-              <a:buChar char="•"/>
+            <a:pPr marL="457200" lvl="1" indent="0">
+              <a:buNone/>
             </a:pPr>
-            <a:r>
-              <a:rPr lang="ja-JP" altLang="en-US" sz="2400"/>
-              <a:t>語れる世代の重要性</a:t>
-            </a:r>
-            <a:endParaRPr lang="en-US" altLang="ja-JP" sz="2400" dirty="0"/>
-          </a:p>
-          <a:p>
-            <a:pPr lvl="1"/>
-            <a:r>
-              <a:rPr lang="ja-JP" altLang="en-US"/>
-              <a:t>災害を直接経験した世代</a:t>
-            </a:r>
-            <a:endParaRPr lang="en-US" altLang="ja-JP" dirty="0"/>
-          </a:p>
-          <a:p>
-            <a:pPr lvl="1"/>
-            <a:r>
-              <a:rPr lang="ja-JP" altLang="en-US"/>
-              <a:t>「震災を語れる最後の世代」</a:t>
-            </a:r>
-            <a:endParaRPr lang="en-US" altLang="ja-JP" dirty="0"/>
-          </a:p>
-          <a:p>
-            <a:pPr lvl="1"/>
             <a:endParaRPr lang="ja-JP" altLang="en-US"/>
           </a:p>
           <a:p>
@@ -22749,15 +24907,23 @@
           <a:p>
             <a:pPr lvl="1"/>
             <a:r>
-              <a:rPr lang="ja-JP" altLang="en-US"/>
+              <a:rPr lang="ja-JP" altLang="en-US" sz="2000"/>
               <a:t>次世代への継承</a:t>
             </a:r>
           </a:p>
           <a:p>
             <a:pPr lvl="1"/>
             <a:r>
-              <a:rPr lang="ja-JP" altLang="en-US"/>
+              <a:rPr lang="ja-JP" altLang="en-US" sz="2000"/>
               <a:t>防災意識の向上</a:t>
+            </a:r>
+            <a:endParaRPr lang="en-US" altLang="ja-JP" sz="2000" dirty="0"/>
+          </a:p>
+          <a:p>
+            <a:pPr lvl="1"/>
+            <a:r>
+              <a:rPr lang="ja-JP" altLang="en-US" sz="2000"/>
+              <a:t>記憶を風化させない</a:t>
             </a:r>
           </a:p>
           <a:p>
@@ -23160,13 +25326,13 @@
             <p:ph idx="1"/>
             <p:extLst>
               <p:ext uri="{D42A27DB-BD31-4B8C-83A1-F6EECF244321}">
-                <p14:modId xmlns:p14="http://schemas.microsoft.com/office/powerpoint/2010/main" val="3853605530"/>
+                <p14:modId xmlns:p14="http://schemas.microsoft.com/office/powerpoint/2010/main" val="3938128868"/>
               </p:ext>
             </p:extLst>
           </p:nvPr>
         </p:nvGraphicFramePr>
         <p:xfrm>
-          <a:off x="644056" y="2112579"/>
+          <a:off x="632085" y="1924820"/>
           <a:ext cx="10927829" cy="4192805"/>
         </p:xfrm>
         <a:graphic>
@@ -23356,7 +25522,7 @@
           <a:lstStyle/>
           <a:p>
             <a:r>
-              <a:rPr kumimoji="1" lang="ja-JP" altLang="en-US" b="1"/>
+              <a:rPr kumimoji="1" lang="ja-JP" altLang="en-US" sz="4000" b="1"/>
               <a:t>先行研究</a:t>
             </a:r>
           </a:p>
@@ -23572,8 +25738,8 @@
         </p:nvSpPr>
         <p:spPr>
           <a:xfrm>
-            <a:off x="838200" y="1195697"/>
-            <a:ext cx="3200400" cy="4238118"/>
+            <a:off x="838199" y="1195697"/>
+            <a:ext cx="3326263" cy="4238118"/>
           </a:xfrm>
         </p:spPr>
         <p:txBody>
@@ -23583,7 +25749,7 @@
           <a:lstStyle/>
           <a:p>
             <a:r>
-              <a:rPr kumimoji="1" lang="ja-JP" altLang="en-US" b="1">
+              <a:rPr kumimoji="1" lang="ja-JP" altLang="en-US" sz="4000" b="1">
                 <a:solidFill>
                   <a:schemeClr val="bg1"/>
                 </a:solidFill>
@@ -25438,7 +27604,7 @@
             <p:ph idx="1"/>
             <p:extLst>
               <p:ext uri="{D42A27DB-BD31-4B8C-83A1-F6EECF244321}">
-                <p14:modId xmlns:p14="http://schemas.microsoft.com/office/powerpoint/2010/main" val="2772347966"/>
+                <p14:modId xmlns:p14="http://schemas.microsoft.com/office/powerpoint/2010/main" val="4110215595"/>
               </p:ext>
             </p:extLst>
           </p:nvPr>
@@ -25449,7 +27615,7 @@
         </p:xfrm>
         <a:graphic>
           <a:graphicData uri="http://schemas.openxmlformats.org/drawingml/2006/diagram">
-            <dgm:relIds xmlns:dgm="http://schemas.openxmlformats.org/drawingml/2006/diagram" xmlns:r="http://schemas.openxmlformats.org/officeDocument/2006/relationships" r:dm="rId2" r:lo="rId3" r:qs="rId4" r:cs="rId5"/>
+            <dgm:relIds xmlns:dgm="http://schemas.openxmlformats.org/drawingml/2006/diagram" xmlns:r="http://schemas.openxmlformats.org/officeDocument/2006/relationships" r:dm="rId3" r:lo="rId4" r:qs="rId5" r:cs="rId6"/>
           </a:graphicData>
         </a:graphic>
       </p:graphicFrame>
@@ -25493,7 +27659,7 @@
       </p:grpSpPr>
       <p:sp useBgFill="1">
         <p:nvSpPr>
-          <p:cNvPr id="9" name="Rectangle 8">
+          <p:cNvPr id="20" name="Rectangle 19">
             <a:extLst>
               <a:ext uri="{FF2B5EF4-FFF2-40B4-BE49-F238E27FC236}">
                 <a16:creationId xmlns:a16="http://schemas.microsoft.com/office/drawing/2014/main" id="{BACC6370-2D7E-4714-9D71-7542949D7D5D}"/>
@@ -25569,7 +27735,7 @@
       </p:sp>
       <p:sp>
         <p:nvSpPr>
-          <p:cNvPr id="11" name="Rectangle 10">
+          <p:cNvPr id="22" name="Rectangle 21">
             <a:extLst>
               <a:ext uri="{FF2B5EF4-FFF2-40B4-BE49-F238E27FC236}">
                 <a16:creationId xmlns:a16="http://schemas.microsoft.com/office/drawing/2014/main" id="{F68B3F68-107C-434F-AA38-110D5EA91B85}"/>
@@ -25644,7 +27810,7 @@
       </p:sp>
       <p:sp>
         <p:nvSpPr>
-          <p:cNvPr id="13" name="Rectangle 12">
+          <p:cNvPr id="24" name="Rectangle 23">
             <a:extLst>
               <a:ext uri="{FF2B5EF4-FFF2-40B4-BE49-F238E27FC236}">
                 <a16:creationId xmlns:a16="http://schemas.microsoft.com/office/drawing/2014/main" id="{AAD0DBB9-1A4B-4391-81D4-CB19F9AB918A}"/>
@@ -25720,7 +27886,7 @@
       </p:sp>
       <p:sp>
         <p:nvSpPr>
-          <p:cNvPr id="15" name="Rectangle 14">
+          <p:cNvPr id="26" name="Rectangle 25">
             <a:extLst>
               <a:ext uri="{FF2B5EF4-FFF2-40B4-BE49-F238E27FC236}">
                 <a16:creationId xmlns:a16="http://schemas.microsoft.com/office/drawing/2014/main" id="{063BBA22-50EA-4C4D-BE05-F1CE4E63AA56}"/>
@@ -25853,7 +28019,7 @@
             <p:ph idx="1"/>
             <p:extLst>
               <p:ext uri="{D42A27DB-BD31-4B8C-83A1-F6EECF244321}">
-                <p14:modId xmlns:p14="http://schemas.microsoft.com/office/powerpoint/2010/main" val="293498941"/>
+                <p14:modId xmlns:p14="http://schemas.microsoft.com/office/powerpoint/2010/main" val="2674142010"/>
               </p:ext>
             </p:extLst>
           </p:nvPr>
@@ -25908,7 +28074,7 @@
       </p:grpSpPr>
       <p:sp useBgFill="1">
         <p:nvSpPr>
-          <p:cNvPr id="9" name="Rectangle 8">
+          <p:cNvPr id="20" name="Rectangle 19">
             <a:extLst>
               <a:ext uri="{FF2B5EF4-FFF2-40B4-BE49-F238E27FC236}">
                 <a16:creationId xmlns:a16="http://schemas.microsoft.com/office/drawing/2014/main" id="{BACC6370-2D7E-4714-9D71-7542949D7D5D}"/>
@@ -25984,7 +28150,7 @@
       </p:sp>
       <p:sp>
         <p:nvSpPr>
-          <p:cNvPr id="11" name="Rectangle 10">
+          <p:cNvPr id="22" name="Rectangle 21">
             <a:extLst>
               <a:ext uri="{FF2B5EF4-FFF2-40B4-BE49-F238E27FC236}">
                 <a16:creationId xmlns:a16="http://schemas.microsoft.com/office/drawing/2014/main" id="{F68B3F68-107C-434F-AA38-110D5EA91B85}"/>
@@ -26059,7 +28225,7 @@
       </p:sp>
       <p:sp>
         <p:nvSpPr>
-          <p:cNvPr id="13" name="Rectangle 12">
+          <p:cNvPr id="24" name="Rectangle 23">
             <a:extLst>
               <a:ext uri="{FF2B5EF4-FFF2-40B4-BE49-F238E27FC236}">
                 <a16:creationId xmlns:a16="http://schemas.microsoft.com/office/drawing/2014/main" id="{AAD0DBB9-1A4B-4391-81D4-CB19F9AB918A}"/>
@@ -26135,7 +28301,7 @@
       </p:sp>
       <p:sp>
         <p:nvSpPr>
-          <p:cNvPr id="15" name="Rectangle 14">
+          <p:cNvPr id="26" name="Rectangle 25">
             <a:extLst>
               <a:ext uri="{FF2B5EF4-FFF2-40B4-BE49-F238E27FC236}">
                 <a16:creationId xmlns:a16="http://schemas.microsoft.com/office/drawing/2014/main" id="{063BBA22-50EA-4C4D-BE05-F1CE4E63AA56}"/>
@@ -26263,7 +28429,7 @@
             <p:ph idx="1"/>
             <p:extLst>
               <p:ext uri="{D42A27DB-BD31-4B8C-83A1-F6EECF244321}">
-                <p14:modId xmlns:p14="http://schemas.microsoft.com/office/powerpoint/2010/main" val="3270354253"/>
+                <p14:modId xmlns:p14="http://schemas.microsoft.com/office/powerpoint/2010/main" val="1005013572"/>
               </p:ext>
             </p:extLst>
           </p:nvPr>
@@ -26318,10 +28484,10 @@
       </p:grpSpPr>
       <p:sp useBgFill="1">
         <p:nvSpPr>
-          <p:cNvPr id="60" name="Rectangle 59">
+          <p:cNvPr id="71" name="Rectangle 70">
             <a:extLst>
               <a:ext uri="{FF2B5EF4-FFF2-40B4-BE49-F238E27FC236}">
-                <a16:creationId xmlns:a16="http://schemas.microsoft.com/office/drawing/2014/main" id="{DBF61EA3-B236-439E-9C0B-340980D56BEE}"/>
+                <a16:creationId xmlns:a16="http://schemas.microsoft.com/office/drawing/2014/main" id="{C2554CA6-288E-4202-BC52-2E5A8F0C0AED}"/>
               </a:ext>
               <a:ext uri="{C183D7F6-B498-43B3-948B-1728B52AA6E4}">
                 <adec:decorative xmlns:adec="http://schemas.microsoft.com/office/drawing/2017/decorative" val="1"/>
@@ -26341,12 +28507,75 @@
         </p:nvSpPr>
         <p:spPr>
           <a:xfrm>
-            <a:off x="0" y="0"/>
-            <a:ext cx="12191999" cy="6857365"/>
+            <a:off x="3048" y="0"/>
+            <a:ext cx="12188952" cy="6858000"/>
           </a:xfrm>
           <a:prstGeom prst="rect">
             <a:avLst/>
           </a:prstGeom>
+          <a:ln>
+            <a:noFill/>
+          </a:ln>
+        </p:spPr>
+        <p:style>
+          <a:lnRef idx="2">
+            <a:schemeClr val="accent1">
+              <a:shade val="50000"/>
+            </a:schemeClr>
+          </a:lnRef>
+          <a:fillRef idx="1">
+            <a:schemeClr val="accent1"/>
+          </a:fillRef>
+          <a:effectRef idx="0">
+            <a:schemeClr val="accent1"/>
+          </a:effectRef>
+          <a:fontRef idx="minor">
+            <a:schemeClr val="lt1"/>
+          </a:fontRef>
+        </p:style>
+        <p:txBody>
+          <a:bodyPr rtlCol="0" anchor="ctr"/>
+          <a:lstStyle/>
+          <a:p>
+            <a:pPr algn="ctr"/>
+            <a:endParaRPr lang="en-US"/>
+          </a:p>
+        </p:txBody>
+      </p:sp>
+      <p:sp>
+        <p:nvSpPr>
+          <p:cNvPr id="73" name="Oval 72">
+            <a:extLst>
+              <a:ext uri="{FF2B5EF4-FFF2-40B4-BE49-F238E27FC236}">
+                <a16:creationId xmlns:a16="http://schemas.microsoft.com/office/drawing/2014/main" id="{B10BB131-AC8E-4A8E-A5D1-36260F720C3B}"/>
+              </a:ext>
+              <a:ext uri="{C183D7F6-B498-43B3-948B-1728B52AA6E4}">
+                <adec:decorative xmlns:adec="http://schemas.microsoft.com/office/drawing/2017/decorative" val="1"/>
+              </a:ext>
+            </a:extLst>
+          </p:cNvPr>
+          <p:cNvSpPr>
+            <a:spLocks noGrp="1" noRot="1" noChangeAspect="1" noMove="1" noResize="1" noEditPoints="1" noAdjustHandles="1" noChangeArrowheads="1" noChangeShapeType="1" noTextEdit="1"/>
+          </p:cNvSpPr>
+          <p:nvPr>
+            <p:extLst>
+              <p:ext uri="{386F3935-93C4-4BCD-93E2-E3B085C9AB24}">
+                <p16:designElem xmlns:p16="http://schemas.microsoft.com/office/powerpoint/2015/main" val="1"/>
+              </p:ext>
+            </p:extLst>
+          </p:nvPr>
+        </p:nvSpPr>
+        <p:spPr>
+          <a:xfrm>
+            <a:off x="489189" y="1119031"/>
+            <a:ext cx="4619938" cy="4619938"/>
+          </a:xfrm>
+          <a:prstGeom prst="ellipse">
+            <a:avLst/>
+          </a:prstGeom>
+          <a:solidFill>
+            <a:schemeClr val="accent2"/>
+          </a:solidFill>
           <a:ln>
             <a:noFill/>
           </a:ln>
@@ -26394,38 +28623,42 @@
         </p:nvSpPr>
         <p:spPr>
           <a:xfrm>
-            <a:off x="808638" y="386930"/>
-            <a:ext cx="9236700" cy="1188950"/>
+            <a:off x="1171074" y="1396686"/>
+            <a:ext cx="3240506" cy="4064628"/>
           </a:xfrm>
         </p:spPr>
         <p:txBody>
-          <a:bodyPr anchor="b">
+          <a:bodyPr>
             <a:normAutofit/>
           </a:bodyPr>
           <a:lstStyle/>
           <a:p>
             <a:r>
-              <a:rPr kumimoji="1" lang="ja-JP" altLang="en-US" sz="5400"/>
+              <a:rPr kumimoji="1" lang="ja-JP" altLang="en-US" sz="4000" b="1">
+                <a:solidFill>
+                  <a:srgbClr val="FFFFFF"/>
+                </a:solidFill>
+              </a:rPr>
               <a:t>構想発表後変更点</a:t>
             </a:r>
           </a:p>
         </p:txBody>
       </p:sp>
-      <p:grpSp>
-        <p:nvGrpSpPr>
-          <p:cNvPr id="62" name="Group 61">
+      <p:sp>
+        <p:nvSpPr>
+          <p:cNvPr id="75" name="Arc 74">
             <a:extLst>
               <a:ext uri="{FF2B5EF4-FFF2-40B4-BE49-F238E27FC236}">
-                <a16:creationId xmlns:a16="http://schemas.microsoft.com/office/drawing/2014/main" id="{28FAF094-D087-493F-8DF9-A486C2D6BBAA}"/>
+                <a16:creationId xmlns:a16="http://schemas.microsoft.com/office/drawing/2014/main" id="{5B7778FC-632E-4DCA-A7CB-0D7731CCF970}"/>
               </a:ext>
               <a:ext uri="{C183D7F6-B498-43B3-948B-1728B52AA6E4}">
                 <adec:decorative xmlns:adec="http://schemas.microsoft.com/office/drawing/2017/decorative" val="1"/>
               </a:ext>
             </a:extLst>
           </p:cNvPr>
-          <p:cNvGrpSpPr>
-            <a:grpSpLocks noGrp="1" noUngrp="1" noRot="1" noChangeAspect="1" noMove="1" noResize="1"/>
-          </p:cNvGrpSpPr>
+          <p:cNvSpPr>
+            <a:spLocks noGrp="1" noRot="1" noChangeAspect="1" noMove="1" noResize="1" noEditPoints="1" noAdjustHandles="1" noChangeArrowheads="1" noChangeShapeType="1" noTextEdit="1"/>
+          </p:cNvSpPr>
           <p:nvPr>
             <p:extLst>
               <p:ext uri="{386F3935-93C4-4BCD-93E2-E3B085C9AB24}">
@@ -26433,144 +28666,84 @@
               </p:ext>
             </p:extLst>
           </p:nvPr>
-        </p:nvGrpSpPr>
-        <p:grpSpPr>
-          <a:xfrm>
-            <a:off x="-2" y="1998368"/>
-            <a:ext cx="11695083" cy="782176"/>
-            <a:chOff x="-2" y="1998368"/>
-            <a:chExt cx="11695083" cy="782176"/>
+        </p:nvSpPr>
+        <p:spPr>
+          <a:xfrm rot="19809111">
+            <a:off x="8683720" y="941148"/>
+            <a:ext cx="2987899" cy="2987899"/>
           </a:xfrm>
-        </p:grpSpPr>
-        <p:sp>
-          <p:nvSpPr>
-            <p:cNvPr id="63" name="Rectangle 62">
-              <a:extLst>
-                <a:ext uri="{FF2B5EF4-FFF2-40B4-BE49-F238E27FC236}">
-                  <a16:creationId xmlns:a16="http://schemas.microsoft.com/office/drawing/2014/main" id="{8D7C88D8-5509-4514-925A-9CE148E5CBD6}"/>
-                </a:ext>
-                <a:ext uri="{C183D7F6-B498-43B3-948B-1728B52AA6E4}">
-                  <adec:decorative xmlns:adec="http://schemas.microsoft.com/office/drawing/2017/decorative" val="1"/>
-                </a:ext>
-              </a:extLst>
-            </p:cNvPr>
-            <p:cNvSpPr/>
-            <p:nvPr>
-              <p:extLst>
-                <p:ext uri="{386F3935-93C4-4BCD-93E2-E3B085C9AB24}">
-                  <p16:designElem xmlns:p16="http://schemas.microsoft.com/office/powerpoint/2015/main" val="1"/>
-                </p:ext>
-              </p:extLst>
-            </p:nvPr>
-          </p:nvSpPr>
-          <p:spPr>
-            <a:xfrm rot="5400000">
-              <a:off x="11228040" y="2313027"/>
-              <a:ext cx="781700" cy="152382"/>
-            </a:xfrm>
-            <a:prstGeom prst="rect">
-              <a:avLst/>
-            </a:prstGeom>
+          <a:prstGeom prst="arc">
+            <a:avLst>
+              <a:gd name="adj1" fmla="val 15817365"/>
+              <a:gd name="adj2" fmla="val 1781380"/>
+            </a:avLst>
+          </a:prstGeom>
+          <a:ln w="127000" cap="rnd">
             <a:solidFill>
               <a:schemeClr val="accent4"/>
             </a:solidFill>
-            <a:ln>
-              <a:noFill/>
-            </a:ln>
-          </p:spPr>
-          <p:style>
-            <a:lnRef idx="2">
-              <a:schemeClr val="accent1">
-                <a:shade val="50000"/>
-              </a:schemeClr>
-            </a:lnRef>
-            <a:fillRef idx="1">
-              <a:schemeClr val="accent1"/>
-            </a:fillRef>
-            <a:effectRef idx="0">
-              <a:schemeClr val="accent1"/>
-            </a:effectRef>
-            <a:fontRef idx="minor">
-              <a:schemeClr val="lt1"/>
-            </a:fontRef>
-          </p:style>
-          <p:txBody>
-            <a:bodyPr rtlCol="0" anchor="ctr"/>
-            <a:lstStyle/>
-            <a:p>
-              <a:pPr algn="ctr"/>
-              <a:endParaRPr lang="en-US"/>
-            </a:p>
-          </p:txBody>
-        </p:sp>
-        <p:sp>
-          <p:nvSpPr>
-            <p:cNvPr id="64" name="Rectangle 63">
-              <a:extLst>
-                <a:ext uri="{FF2B5EF4-FFF2-40B4-BE49-F238E27FC236}">
-                  <a16:creationId xmlns:a16="http://schemas.microsoft.com/office/drawing/2014/main" id="{7275593D-F75E-4426-AE3E-2CDEFD228D25}"/>
-                </a:ext>
-                <a:ext uri="{C183D7F6-B498-43B3-948B-1728B52AA6E4}">
-                  <adec:decorative xmlns:adec="http://schemas.microsoft.com/office/drawing/2017/decorative" val="1"/>
-                </a:ext>
-              </a:extLst>
-            </p:cNvPr>
-            <p:cNvSpPr/>
-            <p:nvPr>
-              <p:extLst>
-                <p:ext uri="{386F3935-93C4-4BCD-93E2-E3B085C9AB24}">
-                  <p16:designElem xmlns:p16="http://schemas.microsoft.com/office/powerpoint/2015/main" val="1"/>
-                </p:ext>
-              </p:extLst>
-            </p:nvPr>
-          </p:nvSpPr>
-          <p:spPr>
-            <a:xfrm flipH="1" flipV="1">
-              <a:off x="-2" y="1998845"/>
-              <a:ext cx="11454595" cy="781699"/>
-            </a:xfrm>
-            <a:prstGeom prst="rect">
-              <a:avLst/>
-            </a:prstGeom>
-            <a:solidFill>
-              <a:schemeClr val="accent4"/>
-            </a:solidFill>
-            <a:ln>
-              <a:noFill/>
-            </a:ln>
-          </p:spPr>
-          <p:style>
-            <a:lnRef idx="2">
-              <a:schemeClr val="accent1">
-                <a:shade val="50000"/>
-              </a:schemeClr>
-            </a:lnRef>
-            <a:fillRef idx="1">
-              <a:schemeClr val="accent1"/>
-            </a:fillRef>
-            <a:effectRef idx="0">
-              <a:schemeClr val="accent1"/>
-            </a:effectRef>
-            <a:fontRef idx="minor">
-              <a:schemeClr val="lt1"/>
-            </a:fontRef>
-          </p:style>
-          <p:txBody>
-            <a:bodyPr rtlCol="0" anchor="ctr"/>
-            <a:lstStyle/>
-            <a:p>
-              <a:pPr algn="ctr"/>
-              <a:endParaRPr lang="en-US"/>
-            </a:p>
-          </p:txBody>
-        </p:sp>
-      </p:grpSp>
+            <a:prstDash val="dash"/>
+            <a:miter lim="800000"/>
+          </a:ln>
+        </p:spPr>
+        <p:style>
+          <a:lnRef idx="1">
+            <a:schemeClr val="accent1"/>
+          </a:lnRef>
+          <a:fillRef idx="0">
+            <a:schemeClr val="accent1"/>
+          </a:fillRef>
+          <a:effectRef idx="0">
+            <a:schemeClr val="accent1"/>
+          </a:effectRef>
+          <a:fontRef idx="minor">
+            <a:schemeClr val="tx1"/>
+          </a:fontRef>
+        </p:style>
+        <p:txBody>
+          <a:bodyPr rtlCol="0" anchor="ctr"/>
+          <a:lstStyle/>
+          <a:p>
+            <a:pPr marL="0" marR="0" lvl="0" indent="0" algn="ctr" defTabSz="914400" rtl="0" eaLnBrk="1" fontAlgn="auto" latinLnBrk="0" hangingPunct="1">
+              <a:lnSpc>
+                <a:spcPct val="100000"/>
+              </a:lnSpc>
+              <a:spcBef>
+                <a:spcPts val="0"/>
+              </a:spcBef>
+              <a:spcAft>
+                <a:spcPts val="0"/>
+              </a:spcAft>
+              <a:buClrTx/>
+              <a:buSzTx/>
+              <a:buFontTx/>
+              <a:buNone/>
+              <a:tabLst/>
+              <a:defRPr/>
+            </a:pPr>
+            <a:endParaRPr kumimoji="0" lang="en-US" sz="1800" b="0" i="0" u="none" strike="noStrike" kern="1200" cap="none" spc="0" normalizeH="0" baseline="0" noProof="0">
+              <a:ln>
+                <a:noFill/>
+              </a:ln>
+              <a:solidFill>
+                <a:srgbClr val="000000"/>
+              </a:solidFill>
+              <a:effectLst/>
+              <a:uLnTx/>
+              <a:uFillTx/>
+              <a:latin typeface="Calibri" panose="020F0502020204030204"/>
+              <a:ea typeface="+mn-ea"/>
+              <a:cs typeface="+mn-cs"/>
+            </a:endParaRPr>
+          </a:p>
+        </p:txBody>
+      </p:sp>
       <p:sp>
         <p:nvSpPr>
-          <p:cNvPr id="66" name="Rectangle 65">
+          <p:cNvPr id="77" name="Oval 76">
             <a:extLst>
               <a:ext uri="{FF2B5EF4-FFF2-40B4-BE49-F238E27FC236}">
-                <a16:creationId xmlns:a16="http://schemas.microsoft.com/office/drawing/2014/main" id="{E659831F-0D9A-4C63-9EBB-8435B85A440F}"/>
+                <a16:creationId xmlns:a16="http://schemas.microsoft.com/office/drawing/2014/main" id="{FA23A907-97FB-4A8F-880A-DD77401C4296}"/>
               </a:ext>
               <a:ext uri="{C183D7F6-B498-43B3-948B-1728B52AA6E4}">
                 <adec:decorative xmlns:adec="http://schemas.microsoft.com/office/drawing/2017/decorative" val="1"/>
@@ -26590,25 +28763,18 @@
         </p:nvSpPr>
         <p:spPr>
           <a:xfrm>
-            <a:off x="0" y="2203079"/>
-            <a:ext cx="11383362" cy="4147845"/>
+            <a:off x="910048" y="4780992"/>
+            <a:ext cx="546100" cy="546100"/>
           </a:xfrm>
-          <a:prstGeom prst="rect">
+          <a:prstGeom prst="ellipse">
             <a:avLst/>
           </a:prstGeom>
           <a:solidFill>
-            <a:schemeClr val="bg1"/>
+            <a:schemeClr val="accent5"/>
           </a:solidFill>
           <a:ln>
             <a:noFill/>
           </a:ln>
-          <a:effectLst>
-            <a:outerShdw blurRad="139700" dist="127000" dir="5400000" algn="t" rotWithShape="0">
-              <a:prstClr val="black">
-                <a:alpha val="15000"/>
-              </a:prstClr>
-            </a:outerShdw>
-          </a:effectLst>
         </p:spPr>
         <p:style>
           <a:lnRef idx="2">
@@ -26630,8 +28796,37 @@
           <a:bodyPr rtlCol="0" anchor="ctr"/>
           <a:lstStyle/>
           <a:p>
-            <a:pPr algn="ctr"/>
-            <a:endParaRPr lang="en-US"/>
+            <a:pPr marL="0" marR="0" lvl="0" indent="0" algn="ctr" defTabSz="914400" rtl="0" eaLnBrk="1" fontAlgn="auto" latinLnBrk="0" hangingPunct="1">
+              <a:lnSpc>
+                <a:spcPct val="100000"/>
+              </a:lnSpc>
+              <a:spcBef>
+                <a:spcPts val="0"/>
+              </a:spcBef>
+              <a:spcAft>
+                <a:spcPts val="0"/>
+              </a:spcAft>
+              <a:buClrTx/>
+              <a:buSzTx/>
+              <a:buFontTx/>
+              <a:buNone/>
+              <a:tabLst/>
+              <a:defRPr/>
+            </a:pPr>
+            <a:endParaRPr kumimoji="0" lang="en-US" sz="1800" b="0" i="0" u="none" strike="noStrike" kern="1200" cap="none" spc="0" normalizeH="0" baseline="0" noProof="0">
+              <a:ln>
+                <a:noFill/>
+              </a:ln>
+              <a:solidFill>
+                <a:srgbClr val="FFFFFF"/>
+              </a:solidFill>
+              <a:effectLst/>
+              <a:uLnTx/>
+              <a:uFillTx/>
+              <a:latin typeface="Calibri" panose="020F0502020204030204"/>
+              <a:ea typeface="+mn-ea"/>
+              <a:cs typeface="+mn-cs"/>
+            </a:endParaRPr>
           </a:p>
         </p:txBody>
       </p:sp>
@@ -26653,33 +28848,43 @@
         </p:nvSpPr>
         <p:spPr>
           <a:xfrm>
-            <a:off x="793660" y="2599509"/>
-            <a:ext cx="10143668" cy="3435531"/>
+            <a:off x="5370153" y="1526033"/>
+            <a:ext cx="5536397" cy="3935281"/>
           </a:xfrm>
         </p:spPr>
         <p:txBody>
-          <a:bodyPr anchor="ctr">
+          <a:bodyPr>
             <a:normAutofit/>
           </a:bodyPr>
           <a:lstStyle/>
           <a:p>
             <a:r>
-              <a:rPr kumimoji="1" lang="ja-JP" altLang="ja-JP" sz="3000"/>
+              <a:rPr kumimoji="1" lang="ja-JP" altLang="ja-JP"/>
               <a:t>作成する災害アーカイブ</a:t>
             </a:r>
             <a:r>
-              <a:rPr kumimoji="1" lang="ja-JP" altLang="en-US" sz="3000"/>
+              <a:rPr kumimoji="1" lang="ja-JP" altLang="en-US"/>
               <a:t>を</a:t>
             </a:r>
             <a:r>
-              <a:rPr kumimoji="1" lang="ja-JP" altLang="ja-JP" sz="3000"/>
-              <a:t>福島県双葉郡楢葉町に</a:t>
+              <a:rPr kumimoji="1" lang="ja-JP" altLang="ja-JP"/>
+              <a:t>福島県双葉郡</a:t>
             </a:r>
             <a:r>
-              <a:rPr lang="ja-JP" altLang="en-US" sz="3000"/>
+              <a:rPr kumimoji="1" lang="ja-JP" altLang="ja-JP" b="1"/>
+              <a:t>楢葉町に</a:t>
+            </a:r>
+            <a:r>
+              <a:rPr lang="ja-JP" altLang="en-US" b="1"/>
               <a:t>限定</a:t>
             </a:r>
-            <a:endParaRPr lang="en-US" altLang="ja-JP" sz="3000" dirty="0"/>
+            <a:endParaRPr lang="en-US" altLang="ja-JP" b="1"/>
+          </a:p>
+          <a:p>
+            <a:pPr marL="457200" lvl="1" indent="0">
+              <a:buNone/>
+            </a:pPr>
+            <a:endParaRPr lang="en-US" altLang="ja-JP"/>
           </a:p>
           <a:p>
             <a:pPr marL="457200" lvl="1" indent="0">
@@ -26701,10 +28906,10 @@
               <a:rPr kumimoji="1" lang="ja-JP" altLang="en-US"/>
               <a:t>、地域を限定することに。</a:t>
             </a:r>
-            <a:endParaRPr lang="en-US" altLang="ja-JP" dirty="0"/>
+            <a:endParaRPr lang="en-US" altLang="ja-JP"/>
           </a:p>
           <a:p>
-            <a:endParaRPr kumimoji="1" lang="ja-JP" altLang="en-US" sz="2400"/>
+            <a:endParaRPr kumimoji="1" lang="ja-JP" altLang="en-US"/>
           </a:p>
         </p:txBody>
       </p:sp>
@@ -27034,4 +29239,319 @@
     </a:ext>
   </a:extLst>
 </a:theme>
+</file>
+
+<file path=ppt/theme/theme2.xml><?xml version="1.0" encoding="utf-8"?>
+<a:theme xmlns:a="http://schemas.openxmlformats.org/drawingml/2006/main" name="Office テーマ">
+  <a:themeElements>
+    <a:clrScheme name="Office">
+      <a:dk1>
+        <a:sysClr val="windowText" lastClr="000000"/>
+      </a:dk1>
+      <a:lt1>
+        <a:sysClr val="window" lastClr="FFFFFF"/>
+      </a:lt1>
+      <a:dk2>
+        <a:srgbClr val="0E2841"/>
+      </a:dk2>
+      <a:lt2>
+        <a:srgbClr val="E8E8E8"/>
+      </a:lt2>
+      <a:accent1>
+        <a:srgbClr val="156082"/>
+      </a:accent1>
+      <a:accent2>
+        <a:srgbClr val="E97132"/>
+      </a:accent2>
+      <a:accent3>
+        <a:srgbClr val="196B24"/>
+      </a:accent3>
+      <a:accent4>
+        <a:srgbClr val="0F9ED5"/>
+      </a:accent4>
+      <a:accent5>
+        <a:srgbClr val="A02B93"/>
+      </a:accent5>
+      <a:accent6>
+        <a:srgbClr val="4EA72E"/>
+      </a:accent6>
+      <a:hlink>
+        <a:srgbClr val="467886"/>
+      </a:hlink>
+      <a:folHlink>
+        <a:srgbClr val="96607D"/>
+      </a:folHlink>
+    </a:clrScheme>
+    <a:fontScheme name="Office">
+      <a:majorFont>
+        <a:latin typeface="游ゴシック Light" panose="02110004020202020204"/>
+        <a:ea typeface=""/>
+        <a:cs typeface=""/>
+        <a:font script="Jpan" typeface="游ゴシック Light"/>
+        <a:font script="Hang" typeface="맑은 고딕"/>
+        <a:font script="Hans" typeface="等线 Light"/>
+        <a:font script="Hant" typeface="新細明體"/>
+        <a:font script="Arab" typeface="Times New Roman"/>
+        <a:font script="Hebr" typeface="Times New Roman"/>
+        <a:font script="Thai" typeface="Angsana New"/>
+        <a:font script="Ethi" typeface="Nyala"/>
+        <a:font script="Beng" typeface="Vrinda"/>
+        <a:font script="Gujr" typeface="Shruti"/>
+        <a:font script="Khmr" typeface="MoolBoran"/>
+        <a:font script="Knda" typeface="Tunga"/>
+        <a:font script="Guru" typeface="Raavi"/>
+        <a:font script="Cans" typeface="Euphemia"/>
+        <a:font script="Cher" typeface="Plantagenet Cherokee"/>
+        <a:font script="Yiii" typeface="Microsoft Yi Baiti"/>
+        <a:font script="Tibt" typeface="Microsoft Himalaya"/>
+        <a:font script="Thaa" typeface="MV Boli"/>
+        <a:font script="Deva" typeface="Mangal"/>
+        <a:font script="Telu" typeface="Gautami"/>
+        <a:font script="Taml" typeface="Latha"/>
+        <a:font script="Syrc" typeface="Estrangelo Edessa"/>
+        <a:font script="Orya" typeface="Kalinga"/>
+        <a:font script="Mlym" typeface="Kartika"/>
+        <a:font script="Laoo" typeface="DokChampa"/>
+        <a:font script="Sinh" typeface="Iskoola Pota"/>
+        <a:font script="Mong" typeface="Mongolian Baiti"/>
+        <a:font script="Viet" typeface="Times New Roman"/>
+        <a:font script="Uigh" typeface="Microsoft Uighur"/>
+        <a:font script="Geor" typeface="Sylfaen"/>
+        <a:font script="Armn" typeface="Arial"/>
+        <a:font script="Bugi" typeface="Leelawadee UI"/>
+        <a:font script="Bopo" typeface="Microsoft JhengHei"/>
+        <a:font script="Java" typeface="Javanese Text"/>
+        <a:font script="Lisu" typeface="Segoe UI"/>
+        <a:font script="Mymr" typeface="Myanmar Text"/>
+        <a:font script="Nkoo" typeface="Ebrima"/>
+        <a:font script="Olck" typeface="Nirmala UI"/>
+        <a:font script="Osma" typeface="Ebrima"/>
+        <a:font script="Phag" typeface="Phagspa"/>
+        <a:font script="Syrn" typeface="Estrangelo Edessa"/>
+        <a:font script="Syrj" typeface="Estrangelo Edessa"/>
+        <a:font script="Syre" typeface="Estrangelo Edessa"/>
+        <a:font script="Sora" typeface="Nirmala UI"/>
+        <a:font script="Tale" typeface="Microsoft Tai Le"/>
+        <a:font script="Talu" typeface="Microsoft New Tai Lue"/>
+        <a:font script="Tfng" typeface="Ebrima"/>
+      </a:majorFont>
+      <a:minorFont>
+        <a:latin typeface="游ゴシック" panose="02110004020202020204"/>
+        <a:ea typeface=""/>
+        <a:cs typeface=""/>
+        <a:font script="Jpan" typeface="游ゴシック"/>
+        <a:font script="Hang" typeface="맑은 고딕"/>
+        <a:font script="Hans" typeface="等线"/>
+        <a:font script="Hant" typeface="新細明體"/>
+        <a:font script="Arab" typeface="Arial"/>
+        <a:font script="Hebr" typeface="Arial"/>
+        <a:font script="Thai" typeface="Cordia New"/>
+        <a:font script="Ethi" typeface="Nyala"/>
+        <a:font script="Beng" typeface="Vrinda"/>
+        <a:font script="Gujr" typeface="Shruti"/>
+        <a:font script="Khmr" typeface="DaunPenh"/>
+        <a:font script="Knda" typeface="Tunga"/>
+        <a:font script="Guru" typeface="Raavi"/>
+        <a:font script="Cans" typeface="Euphemia"/>
+        <a:font script="Cher" typeface="Plantagenet Cherokee"/>
+        <a:font script="Yiii" typeface="Microsoft Yi Baiti"/>
+        <a:font script="Tibt" typeface="Microsoft Himalaya"/>
+        <a:font script="Thaa" typeface="MV Boli"/>
+        <a:font script="Deva" typeface="Mangal"/>
+        <a:font script="Telu" typeface="Gautami"/>
+        <a:font script="Taml" typeface="Latha"/>
+        <a:font script="Syrc" typeface="Estrangelo Edessa"/>
+        <a:font script="Orya" typeface="Kalinga"/>
+        <a:font script="Mlym" typeface="Kartika"/>
+        <a:font script="Laoo" typeface="DokChampa"/>
+        <a:font script="Sinh" typeface="Iskoola Pota"/>
+        <a:font script="Mong" typeface="Mongolian Baiti"/>
+        <a:font script="Viet" typeface="Arial"/>
+        <a:font script="Uigh" typeface="Microsoft Uighur"/>
+        <a:font script="Geor" typeface="Sylfaen"/>
+        <a:font script="Armn" typeface="Arial"/>
+        <a:font script="Bugi" typeface="Leelawadee UI"/>
+        <a:font script="Bopo" typeface="Microsoft JhengHei"/>
+        <a:font script="Java" typeface="Javanese Text"/>
+        <a:font script="Lisu" typeface="Segoe UI"/>
+        <a:font script="Mymr" typeface="Myanmar Text"/>
+        <a:font script="Nkoo" typeface="Ebrima"/>
+        <a:font script="Olck" typeface="Nirmala UI"/>
+        <a:font script="Osma" typeface="Ebrima"/>
+        <a:font script="Phag" typeface="Phagspa"/>
+        <a:font script="Syrn" typeface="Estrangelo Edessa"/>
+        <a:font script="Syrj" typeface="Estrangelo Edessa"/>
+        <a:font script="Syre" typeface="Estrangelo Edessa"/>
+        <a:font script="Sora" typeface="Nirmala UI"/>
+        <a:font script="Tale" typeface="Microsoft Tai Le"/>
+        <a:font script="Talu" typeface="Microsoft New Tai Lue"/>
+        <a:font script="Tfng" typeface="Ebrima"/>
+      </a:minorFont>
+    </a:fontScheme>
+    <a:fmtScheme name="Office">
+      <a:fillStyleLst>
+        <a:solidFill>
+          <a:schemeClr val="phClr"/>
+        </a:solidFill>
+        <a:gradFill rotWithShape="1">
+          <a:gsLst>
+            <a:gs pos="0">
+              <a:schemeClr val="phClr">
+                <a:lumMod val="110000"/>
+                <a:satMod val="105000"/>
+                <a:tint val="67000"/>
+              </a:schemeClr>
+            </a:gs>
+            <a:gs pos="50000">
+              <a:schemeClr val="phClr">
+                <a:lumMod val="105000"/>
+                <a:satMod val="103000"/>
+                <a:tint val="73000"/>
+              </a:schemeClr>
+            </a:gs>
+            <a:gs pos="100000">
+              <a:schemeClr val="phClr">
+                <a:lumMod val="105000"/>
+                <a:satMod val="109000"/>
+                <a:tint val="81000"/>
+              </a:schemeClr>
+            </a:gs>
+          </a:gsLst>
+          <a:lin ang="5400000" scaled="0"/>
+        </a:gradFill>
+        <a:gradFill rotWithShape="1">
+          <a:gsLst>
+            <a:gs pos="0">
+              <a:schemeClr val="phClr">
+                <a:satMod val="103000"/>
+                <a:lumMod val="102000"/>
+                <a:tint val="94000"/>
+              </a:schemeClr>
+            </a:gs>
+            <a:gs pos="50000">
+              <a:schemeClr val="phClr">
+                <a:satMod val="110000"/>
+                <a:lumMod val="100000"/>
+                <a:shade val="100000"/>
+              </a:schemeClr>
+            </a:gs>
+            <a:gs pos="100000">
+              <a:schemeClr val="phClr">
+                <a:lumMod val="99000"/>
+                <a:satMod val="120000"/>
+                <a:shade val="78000"/>
+              </a:schemeClr>
+            </a:gs>
+          </a:gsLst>
+          <a:lin ang="5400000" scaled="0"/>
+        </a:gradFill>
+      </a:fillStyleLst>
+      <a:lnStyleLst>
+        <a:ln w="12700" cap="flat" cmpd="sng" algn="ctr">
+          <a:solidFill>
+            <a:schemeClr val="phClr"/>
+          </a:solidFill>
+          <a:prstDash val="solid"/>
+          <a:miter lim="800000"/>
+        </a:ln>
+        <a:ln w="19050" cap="flat" cmpd="sng" algn="ctr">
+          <a:solidFill>
+            <a:schemeClr val="phClr"/>
+          </a:solidFill>
+          <a:prstDash val="solid"/>
+          <a:miter lim="800000"/>
+        </a:ln>
+        <a:ln w="25400" cap="flat" cmpd="sng" algn="ctr">
+          <a:solidFill>
+            <a:schemeClr val="phClr"/>
+          </a:solidFill>
+          <a:prstDash val="solid"/>
+          <a:miter lim="800000"/>
+        </a:ln>
+      </a:lnStyleLst>
+      <a:effectStyleLst>
+        <a:effectStyle>
+          <a:effectLst/>
+        </a:effectStyle>
+        <a:effectStyle>
+          <a:effectLst/>
+        </a:effectStyle>
+        <a:effectStyle>
+          <a:effectLst>
+            <a:outerShdw blurRad="57150" dist="19050" dir="5400000" algn="ctr" rotWithShape="0">
+              <a:srgbClr val="000000">
+                <a:alpha val="63000"/>
+              </a:srgbClr>
+            </a:outerShdw>
+          </a:effectLst>
+        </a:effectStyle>
+      </a:effectStyleLst>
+      <a:bgFillStyleLst>
+        <a:solidFill>
+          <a:schemeClr val="phClr"/>
+        </a:solidFill>
+        <a:solidFill>
+          <a:schemeClr val="phClr">
+            <a:tint val="95000"/>
+            <a:satMod val="170000"/>
+          </a:schemeClr>
+        </a:solidFill>
+        <a:gradFill rotWithShape="1">
+          <a:gsLst>
+            <a:gs pos="0">
+              <a:schemeClr val="phClr">
+                <a:tint val="93000"/>
+                <a:satMod val="150000"/>
+                <a:shade val="98000"/>
+                <a:lumMod val="102000"/>
+              </a:schemeClr>
+            </a:gs>
+            <a:gs pos="50000">
+              <a:schemeClr val="phClr">
+                <a:tint val="98000"/>
+                <a:satMod val="130000"/>
+                <a:shade val="90000"/>
+                <a:lumMod val="103000"/>
+              </a:schemeClr>
+            </a:gs>
+            <a:gs pos="100000">
+              <a:schemeClr val="phClr">
+                <a:shade val="63000"/>
+                <a:satMod val="120000"/>
+              </a:schemeClr>
+            </a:gs>
+          </a:gsLst>
+          <a:lin ang="5400000" scaled="0"/>
+        </a:gradFill>
+      </a:bgFillStyleLst>
+    </a:fmtScheme>
+  </a:themeElements>
+  <a:objectDefaults>
+    <a:lnDef>
+      <a:spPr/>
+      <a:bodyPr/>
+      <a:lstStyle/>
+      <a:style>
+        <a:lnRef idx="2">
+          <a:schemeClr val="accent1"/>
+        </a:lnRef>
+        <a:fillRef idx="0">
+          <a:schemeClr val="accent1"/>
+        </a:fillRef>
+        <a:effectRef idx="1">
+          <a:schemeClr val="accent1"/>
+        </a:effectRef>
+        <a:fontRef idx="minor">
+          <a:schemeClr val="tx1"/>
+        </a:fontRef>
+      </a:style>
+    </a:lnDef>
+  </a:objectDefaults>
+  <a:extraClrSchemeLst/>
+  <a:extLst>
+    <a:ext uri="{05A4C25C-085E-4340-85A3-A5531E510DB2}">
+      <thm15:themeFamily xmlns:thm15="http://schemas.microsoft.com/office/thememl/2012/main" name="Office Theme" id="{2E142A2C-CD16-42D6-873A-C26D2A0506FA}" vid="{1BDDFF52-6CD6-40A5-AB3C-68EB2F1E4D0A}"/>
+    </a:ext>
+  </a:extLst>
+</a:theme>
 </file>